--- a/slides/march1.pptx
+++ b/slides/march1.pptx
@@ -21,13 +21,15 @@
     <p:sldId id="262" r:id="rId15"/>
     <p:sldId id="275" r:id="rId16"/>
     <p:sldId id="274" r:id="rId17"/>
-    <p:sldId id="276" r:id="rId18"/>
-    <p:sldId id="263" r:id="rId19"/>
-    <p:sldId id="269" r:id="rId20"/>
-    <p:sldId id="270" r:id="rId21"/>
-    <p:sldId id="271" r:id="rId22"/>
-    <p:sldId id="272" r:id="rId23"/>
-    <p:sldId id="273" r:id="rId24"/>
+    <p:sldId id="280" r:id="rId18"/>
+    <p:sldId id="276" r:id="rId19"/>
+    <p:sldId id="263" r:id="rId20"/>
+    <p:sldId id="269" r:id="rId21"/>
+    <p:sldId id="281" r:id="rId22"/>
+    <p:sldId id="270" r:id="rId23"/>
+    <p:sldId id="271" r:id="rId24"/>
+    <p:sldId id="272" r:id="rId25"/>
+    <p:sldId id="273" r:id="rId26"/>
   </p:sldIdLst>
   <p:sldSz cx="12192000" cy="6858000"/>
   <p:notesSz cx="6858000" cy="9144000"/>
@@ -126,6 +128,11 @@
       </a:defRPr>
     </a:lvl9pPr>
   </p:defaultTextStyle>
+  <p:extLst>
+    <p:ext uri="{EFAFB233-063F-42B5-8137-9DF3F51BA10A}">
+      <p15:sldGuideLst xmlns:p15="http://schemas.microsoft.com/office/powerpoint/2012/main"/>
+    </p:ext>
+  </p:extLst>
 </p:presentation>
 </file>
 
@@ -2441,6 +2448,925 @@
   <dgm:styleLbl name="fgShp">
     <dgm:fillClrLst meth="repeat">
       <a:schemeClr val="accent5">
+        <a:tint val="40000"/>
+      </a:schemeClr>
+    </dgm:fillClrLst>
+    <dgm:linClrLst meth="repeat">
+      <a:schemeClr val="lt1"/>
+    </dgm:linClrLst>
+    <dgm:effectClrLst/>
+    <dgm:txLinClrLst/>
+    <dgm:txFillClrLst meth="repeat">
+      <a:schemeClr val="dk1"/>
+    </dgm:txFillClrLst>
+    <dgm:txEffectClrLst/>
+  </dgm:styleLbl>
+  <dgm:styleLbl name="revTx">
+    <dgm:fillClrLst meth="repeat">
+      <a:schemeClr val="lt1">
+        <a:alpha val="0"/>
+      </a:schemeClr>
+    </dgm:fillClrLst>
+    <dgm:linClrLst meth="repeat">
+      <a:schemeClr val="dk1">
+        <a:alpha val="0"/>
+      </a:schemeClr>
+    </dgm:linClrLst>
+    <dgm:effectClrLst/>
+    <dgm:txLinClrLst/>
+    <dgm:txFillClrLst meth="repeat">
+      <a:schemeClr val="tx1"/>
+    </dgm:txFillClrLst>
+    <dgm:txEffectClrLst/>
+  </dgm:styleLbl>
+</dgm:colorsDef>
+</file>
+
+<file path=ppt/diagrams/colors4.xml><?xml version="1.0" encoding="utf-8"?>
+<dgm:colorsDef xmlns:dgm="http://schemas.openxmlformats.org/drawingml/2006/diagram" xmlns:a="http://schemas.openxmlformats.org/drawingml/2006/main" uniqueId="urn:microsoft.com/office/officeart/2005/8/colors/colorful1">
+  <dgm:title val=""/>
+  <dgm:desc val=""/>
+  <dgm:catLst>
+    <dgm:cat type="colorful" pri="10100"/>
+  </dgm:catLst>
+  <dgm:styleLbl name="node0">
+    <dgm:fillClrLst meth="repeat">
+      <a:schemeClr val="accent1"/>
+    </dgm:fillClrLst>
+    <dgm:linClrLst meth="repeat">
+      <a:schemeClr val="lt1"/>
+    </dgm:linClrLst>
+    <dgm:effectClrLst/>
+    <dgm:txLinClrLst/>
+    <dgm:txFillClrLst/>
+    <dgm:txEffectClrLst/>
+  </dgm:styleLbl>
+  <dgm:styleLbl name="node1">
+    <dgm:fillClrLst meth="repeat">
+      <a:schemeClr val="accent2"/>
+      <a:schemeClr val="accent3"/>
+      <a:schemeClr val="accent4"/>
+      <a:schemeClr val="accent5"/>
+      <a:schemeClr val="accent6"/>
+    </dgm:fillClrLst>
+    <dgm:linClrLst meth="repeat">
+      <a:schemeClr val="lt1"/>
+    </dgm:linClrLst>
+    <dgm:effectClrLst/>
+    <dgm:txLinClrLst/>
+    <dgm:txFillClrLst/>
+    <dgm:txEffectClrLst/>
+  </dgm:styleLbl>
+  <dgm:styleLbl name="alignNode1">
+    <dgm:fillClrLst meth="repeat">
+      <a:schemeClr val="accent2"/>
+      <a:schemeClr val="accent3"/>
+      <a:schemeClr val="accent4"/>
+      <a:schemeClr val="accent5"/>
+      <a:schemeClr val="accent6"/>
+    </dgm:fillClrLst>
+    <dgm:linClrLst meth="repeat">
+      <a:schemeClr val="accent2"/>
+      <a:schemeClr val="accent3"/>
+      <a:schemeClr val="accent4"/>
+      <a:schemeClr val="accent5"/>
+      <a:schemeClr val="accent6"/>
+    </dgm:linClrLst>
+    <dgm:effectClrLst/>
+    <dgm:txLinClrLst/>
+    <dgm:txFillClrLst/>
+    <dgm:txEffectClrLst/>
+  </dgm:styleLbl>
+  <dgm:styleLbl name="lnNode1">
+    <dgm:fillClrLst meth="repeat">
+      <a:schemeClr val="accent2"/>
+      <a:schemeClr val="accent3"/>
+      <a:schemeClr val="accent4"/>
+      <a:schemeClr val="accent5"/>
+      <a:schemeClr val="accent6"/>
+    </dgm:fillClrLst>
+    <dgm:linClrLst meth="repeat">
+      <a:schemeClr val="lt1"/>
+    </dgm:linClrLst>
+    <dgm:effectClrLst/>
+    <dgm:txLinClrLst/>
+    <dgm:txFillClrLst/>
+    <dgm:txEffectClrLst/>
+  </dgm:styleLbl>
+  <dgm:styleLbl name="vennNode1">
+    <dgm:fillClrLst meth="repeat">
+      <a:schemeClr val="accent2">
+        <a:alpha val="50000"/>
+      </a:schemeClr>
+      <a:schemeClr val="accent3">
+        <a:alpha val="50000"/>
+      </a:schemeClr>
+      <a:schemeClr val="accent4">
+        <a:alpha val="50000"/>
+      </a:schemeClr>
+      <a:schemeClr val="accent5">
+        <a:alpha val="50000"/>
+      </a:schemeClr>
+      <a:schemeClr val="accent6">
+        <a:alpha val="50000"/>
+      </a:schemeClr>
+    </dgm:fillClrLst>
+    <dgm:linClrLst meth="repeat">
+      <a:schemeClr val="lt1"/>
+    </dgm:linClrLst>
+    <dgm:effectClrLst/>
+    <dgm:txLinClrLst/>
+    <dgm:txFillClrLst/>
+    <dgm:txEffectClrLst/>
+  </dgm:styleLbl>
+  <dgm:styleLbl name="node2">
+    <dgm:fillClrLst>
+      <a:schemeClr val="accent2"/>
+    </dgm:fillClrLst>
+    <dgm:linClrLst meth="repeat">
+      <a:schemeClr val="lt1"/>
+    </dgm:linClrLst>
+    <dgm:effectClrLst/>
+    <dgm:txLinClrLst/>
+    <dgm:txFillClrLst/>
+    <dgm:txEffectClrLst/>
+  </dgm:styleLbl>
+  <dgm:styleLbl name="node3">
+    <dgm:fillClrLst>
+      <a:schemeClr val="accent3"/>
+    </dgm:fillClrLst>
+    <dgm:linClrLst meth="repeat">
+      <a:schemeClr val="lt1"/>
+    </dgm:linClrLst>
+    <dgm:effectClrLst/>
+    <dgm:txLinClrLst/>
+    <dgm:txFillClrLst/>
+    <dgm:txEffectClrLst/>
+  </dgm:styleLbl>
+  <dgm:styleLbl name="node4">
+    <dgm:fillClrLst>
+      <a:schemeClr val="accent4"/>
+    </dgm:fillClrLst>
+    <dgm:linClrLst meth="repeat">
+      <a:schemeClr val="lt1"/>
+    </dgm:linClrLst>
+    <dgm:effectClrLst/>
+    <dgm:txLinClrLst/>
+    <dgm:txFillClrLst/>
+    <dgm:txEffectClrLst/>
+  </dgm:styleLbl>
+  <dgm:styleLbl name="fgImgPlace1">
+    <dgm:fillClrLst meth="repeat">
+      <a:schemeClr val="accent2">
+        <a:tint val="50000"/>
+      </a:schemeClr>
+      <a:schemeClr val="accent3">
+        <a:tint val="50000"/>
+      </a:schemeClr>
+      <a:schemeClr val="accent4">
+        <a:tint val="50000"/>
+      </a:schemeClr>
+      <a:schemeClr val="accent5">
+        <a:tint val="50000"/>
+      </a:schemeClr>
+      <a:schemeClr val="accent6">
+        <a:tint val="50000"/>
+      </a:schemeClr>
+    </dgm:fillClrLst>
+    <dgm:linClrLst meth="repeat">
+      <a:schemeClr val="lt1"/>
+    </dgm:linClrLst>
+    <dgm:effectClrLst/>
+    <dgm:txLinClrLst/>
+    <dgm:txFillClrLst meth="repeat">
+      <a:schemeClr val="lt1"/>
+    </dgm:txFillClrLst>
+    <dgm:txEffectClrLst/>
+  </dgm:styleLbl>
+  <dgm:styleLbl name="alignImgPlace1">
+    <dgm:fillClrLst>
+      <a:schemeClr val="accent1">
+        <a:tint val="50000"/>
+      </a:schemeClr>
+      <a:schemeClr val="accent2">
+        <a:tint val="20000"/>
+      </a:schemeClr>
+    </dgm:fillClrLst>
+    <dgm:linClrLst meth="repeat">
+      <a:schemeClr val="lt1"/>
+    </dgm:linClrLst>
+    <dgm:effectClrLst/>
+    <dgm:txLinClrLst/>
+    <dgm:txFillClrLst meth="repeat">
+      <a:schemeClr val="lt1"/>
+    </dgm:txFillClrLst>
+    <dgm:txEffectClrLst/>
+  </dgm:styleLbl>
+  <dgm:styleLbl name="bgImgPlace1">
+    <dgm:fillClrLst>
+      <a:schemeClr val="accent1">
+        <a:tint val="50000"/>
+      </a:schemeClr>
+      <a:schemeClr val="accent2">
+        <a:tint val="20000"/>
+      </a:schemeClr>
+    </dgm:fillClrLst>
+    <dgm:linClrLst meth="repeat">
+      <a:schemeClr val="lt1"/>
+    </dgm:linClrLst>
+    <dgm:effectClrLst/>
+    <dgm:txLinClrLst/>
+    <dgm:txFillClrLst meth="repeat">
+      <a:schemeClr val="lt1"/>
+    </dgm:txFillClrLst>
+    <dgm:txEffectClrLst/>
+  </dgm:styleLbl>
+  <dgm:styleLbl name="sibTrans2D1">
+    <dgm:fillClrLst meth="repeat">
+      <a:schemeClr val="accent2"/>
+      <a:schemeClr val="accent3"/>
+      <a:schemeClr val="accent4"/>
+      <a:schemeClr val="accent5"/>
+      <a:schemeClr val="accent6"/>
+    </dgm:fillClrLst>
+    <dgm:linClrLst meth="cycle">
+      <a:schemeClr val="lt1"/>
+    </dgm:linClrLst>
+    <dgm:effectClrLst/>
+    <dgm:txLinClrLst/>
+    <dgm:txFillClrLst/>
+    <dgm:txEffectClrLst/>
+  </dgm:styleLbl>
+  <dgm:styleLbl name="fgSibTrans2D1">
+    <dgm:fillClrLst meth="repeat">
+      <a:schemeClr val="accent2"/>
+      <a:schemeClr val="accent3"/>
+      <a:schemeClr val="accent4"/>
+      <a:schemeClr val="accent5"/>
+      <a:schemeClr val="accent6"/>
+    </dgm:fillClrLst>
+    <dgm:linClrLst meth="cycle">
+      <a:schemeClr val="lt1"/>
+    </dgm:linClrLst>
+    <dgm:effectClrLst/>
+    <dgm:txLinClrLst/>
+    <dgm:txFillClrLst meth="repeat">
+      <a:schemeClr val="lt1"/>
+    </dgm:txFillClrLst>
+    <dgm:txEffectClrLst/>
+  </dgm:styleLbl>
+  <dgm:styleLbl name="bgSibTrans2D1">
+    <dgm:fillClrLst meth="repeat">
+      <a:schemeClr val="accent2"/>
+      <a:schemeClr val="accent3"/>
+      <a:schemeClr val="accent4"/>
+      <a:schemeClr val="accent5"/>
+      <a:schemeClr val="accent6"/>
+    </dgm:fillClrLst>
+    <dgm:linClrLst meth="cycle">
+      <a:schemeClr val="lt1"/>
+    </dgm:linClrLst>
+    <dgm:effectClrLst/>
+    <dgm:txLinClrLst/>
+    <dgm:txFillClrLst meth="repeat">
+      <a:schemeClr val="lt1"/>
+    </dgm:txFillClrLst>
+    <dgm:txEffectClrLst/>
+  </dgm:styleLbl>
+  <dgm:styleLbl name="sibTrans1D1">
+    <dgm:fillClrLst meth="repeat">
+      <a:schemeClr val="accent2"/>
+      <a:schemeClr val="accent3"/>
+      <a:schemeClr val="accent4"/>
+      <a:schemeClr val="accent5"/>
+      <a:schemeClr val="accent6"/>
+    </dgm:fillClrLst>
+    <dgm:linClrLst meth="repeat">
+      <a:schemeClr val="accent2"/>
+      <a:schemeClr val="accent3"/>
+      <a:schemeClr val="accent4"/>
+      <a:schemeClr val="accent5"/>
+      <a:schemeClr val="accent6"/>
+    </dgm:linClrLst>
+    <dgm:effectClrLst/>
+    <dgm:txLinClrLst/>
+    <dgm:txFillClrLst meth="repeat">
+      <a:schemeClr val="tx1"/>
+    </dgm:txFillClrLst>
+    <dgm:txEffectClrLst/>
+  </dgm:styleLbl>
+  <dgm:styleLbl name="callout">
+    <dgm:fillClrLst meth="repeat">
+      <a:schemeClr val="accent2"/>
+    </dgm:fillClrLst>
+    <dgm:linClrLst meth="repeat">
+      <a:schemeClr val="accent2">
+        <a:tint val="50000"/>
+      </a:schemeClr>
+    </dgm:linClrLst>
+    <dgm:effectClrLst/>
+    <dgm:txLinClrLst/>
+    <dgm:txFillClrLst meth="repeat">
+      <a:schemeClr val="tx1"/>
+    </dgm:txFillClrLst>
+    <dgm:txEffectClrLst/>
+  </dgm:styleLbl>
+  <dgm:styleLbl name="asst0">
+    <dgm:fillClrLst meth="repeat">
+      <a:schemeClr val="accent1"/>
+    </dgm:fillClrLst>
+    <dgm:linClrLst meth="repeat">
+      <a:schemeClr val="lt1"/>
+    </dgm:linClrLst>
+    <dgm:effectClrLst/>
+    <dgm:txLinClrLst/>
+    <dgm:txFillClrLst/>
+    <dgm:txEffectClrLst/>
+  </dgm:styleLbl>
+  <dgm:styleLbl name="asst1">
+    <dgm:fillClrLst meth="repeat">
+      <a:schemeClr val="accent2"/>
+    </dgm:fillClrLst>
+    <dgm:linClrLst meth="repeat">
+      <a:schemeClr val="lt1"/>
+    </dgm:linClrLst>
+    <dgm:effectClrLst/>
+    <dgm:txLinClrLst/>
+    <dgm:txFillClrLst/>
+    <dgm:txEffectClrLst/>
+  </dgm:styleLbl>
+  <dgm:styleLbl name="asst2">
+    <dgm:fillClrLst>
+      <a:schemeClr val="accent3"/>
+    </dgm:fillClrLst>
+    <dgm:linClrLst meth="repeat">
+      <a:schemeClr val="lt1"/>
+    </dgm:linClrLst>
+    <dgm:effectClrLst/>
+    <dgm:txLinClrLst/>
+    <dgm:txFillClrLst/>
+    <dgm:txEffectClrLst/>
+  </dgm:styleLbl>
+  <dgm:styleLbl name="asst3">
+    <dgm:fillClrLst>
+      <a:schemeClr val="accent4"/>
+    </dgm:fillClrLst>
+    <dgm:linClrLst meth="repeat">
+      <a:schemeClr val="lt1"/>
+    </dgm:linClrLst>
+    <dgm:effectClrLst/>
+    <dgm:txLinClrLst/>
+    <dgm:txFillClrLst/>
+    <dgm:txEffectClrLst/>
+  </dgm:styleLbl>
+  <dgm:styleLbl name="asst4">
+    <dgm:fillClrLst>
+      <a:schemeClr val="accent5"/>
+    </dgm:fillClrLst>
+    <dgm:linClrLst meth="repeat">
+      <a:schemeClr val="lt1"/>
+    </dgm:linClrLst>
+    <dgm:effectClrLst/>
+    <dgm:txLinClrLst/>
+    <dgm:txFillClrLst/>
+    <dgm:txEffectClrLst/>
+  </dgm:styleLbl>
+  <dgm:styleLbl name="parChTrans2D1">
+    <dgm:fillClrLst meth="repeat">
+      <a:schemeClr val="accent2"/>
+    </dgm:fillClrLst>
+    <dgm:linClrLst meth="repeat">
+      <a:schemeClr val="lt1"/>
+    </dgm:linClrLst>
+    <dgm:effectClrLst/>
+    <dgm:txLinClrLst/>
+    <dgm:txFillClrLst meth="repeat">
+      <a:schemeClr val="lt1"/>
+    </dgm:txFillClrLst>
+    <dgm:txEffectClrLst/>
+  </dgm:styleLbl>
+  <dgm:styleLbl name="parChTrans2D2">
+    <dgm:fillClrLst meth="repeat">
+      <a:schemeClr val="accent3"/>
+    </dgm:fillClrLst>
+    <dgm:linClrLst meth="repeat">
+      <a:schemeClr val="lt1"/>
+    </dgm:linClrLst>
+    <dgm:effectClrLst/>
+    <dgm:txLinClrLst/>
+    <dgm:txFillClrLst/>
+    <dgm:txEffectClrLst/>
+  </dgm:styleLbl>
+  <dgm:styleLbl name="parChTrans2D3">
+    <dgm:fillClrLst meth="repeat">
+      <a:schemeClr val="accent4"/>
+    </dgm:fillClrLst>
+    <dgm:linClrLst meth="repeat">
+      <a:schemeClr val="lt1"/>
+    </dgm:linClrLst>
+    <dgm:effectClrLst/>
+    <dgm:txLinClrLst/>
+    <dgm:txFillClrLst/>
+    <dgm:txEffectClrLst/>
+  </dgm:styleLbl>
+  <dgm:styleLbl name="parChTrans2D4">
+    <dgm:fillClrLst meth="repeat">
+      <a:schemeClr val="accent5"/>
+    </dgm:fillClrLst>
+    <dgm:linClrLst meth="repeat">
+      <a:schemeClr val="lt1"/>
+    </dgm:linClrLst>
+    <dgm:effectClrLst/>
+    <dgm:txLinClrLst/>
+    <dgm:txFillClrLst meth="repeat">
+      <a:schemeClr val="lt1"/>
+    </dgm:txFillClrLst>
+    <dgm:txEffectClrLst/>
+  </dgm:styleLbl>
+  <dgm:styleLbl name="parChTrans1D1">
+    <dgm:fillClrLst meth="repeat">
+      <a:schemeClr val="accent2"/>
+    </dgm:fillClrLst>
+    <dgm:linClrLst meth="repeat">
+      <a:schemeClr val="accent1"/>
+    </dgm:linClrLst>
+    <dgm:effectClrLst/>
+    <dgm:txLinClrLst/>
+    <dgm:txFillClrLst meth="repeat">
+      <a:schemeClr val="tx1"/>
+    </dgm:txFillClrLst>
+    <dgm:txEffectClrLst/>
+  </dgm:styleLbl>
+  <dgm:styleLbl name="parChTrans1D2">
+    <dgm:fillClrLst meth="repeat">
+      <a:schemeClr val="accent3">
+        <a:tint val="90000"/>
+      </a:schemeClr>
+    </dgm:fillClrLst>
+    <dgm:linClrLst meth="repeat">
+      <a:schemeClr val="accent2"/>
+    </dgm:linClrLst>
+    <dgm:effectClrLst/>
+    <dgm:txLinClrLst/>
+    <dgm:txFillClrLst meth="repeat">
+      <a:schemeClr val="tx1"/>
+    </dgm:txFillClrLst>
+    <dgm:txEffectClrLst/>
+  </dgm:styleLbl>
+  <dgm:styleLbl name="parChTrans1D3">
+    <dgm:fillClrLst meth="repeat">
+      <a:schemeClr val="accent4">
+        <a:tint val="70000"/>
+      </a:schemeClr>
+    </dgm:fillClrLst>
+    <dgm:linClrLst meth="repeat">
+      <a:schemeClr val="accent3"/>
+    </dgm:linClrLst>
+    <dgm:effectClrLst/>
+    <dgm:txLinClrLst/>
+    <dgm:txFillClrLst meth="repeat">
+      <a:schemeClr val="tx1"/>
+    </dgm:txFillClrLst>
+    <dgm:txEffectClrLst/>
+  </dgm:styleLbl>
+  <dgm:styleLbl name="parChTrans1D4">
+    <dgm:fillClrLst meth="repeat">
+      <a:schemeClr val="accent5">
+        <a:tint val="50000"/>
+      </a:schemeClr>
+    </dgm:fillClrLst>
+    <dgm:linClrLst meth="repeat">
+      <a:schemeClr val="accent4"/>
+    </dgm:linClrLst>
+    <dgm:effectClrLst/>
+    <dgm:txLinClrLst/>
+    <dgm:txFillClrLst meth="repeat">
+      <a:schemeClr val="tx1"/>
+    </dgm:txFillClrLst>
+    <dgm:txEffectClrLst/>
+  </dgm:styleLbl>
+  <dgm:styleLbl name="fgAcc1">
+    <dgm:fillClrLst meth="repeat">
+      <a:schemeClr val="lt1">
+        <a:alpha val="90000"/>
+      </a:schemeClr>
+    </dgm:fillClrLst>
+    <dgm:linClrLst meth="repeat">
+      <a:schemeClr val="accent2"/>
+      <a:schemeClr val="accent3"/>
+      <a:schemeClr val="accent4"/>
+      <a:schemeClr val="accent5"/>
+      <a:schemeClr val="accent6"/>
+    </dgm:linClrLst>
+    <dgm:effectClrLst/>
+    <dgm:txLinClrLst/>
+    <dgm:txFillClrLst meth="repeat">
+      <a:schemeClr val="dk1"/>
+    </dgm:txFillClrLst>
+    <dgm:txEffectClrLst/>
+  </dgm:styleLbl>
+  <dgm:styleLbl name="conFgAcc1">
+    <dgm:fillClrLst meth="repeat">
+      <a:schemeClr val="lt1">
+        <a:alpha val="90000"/>
+      </a:schemeClr>
+    </dgm:fillClrLst>
+    <dgm:linClrLst meth="repeat">
+      <a:schemeClr val="accent2"/>
+      <a:schemeClr val="accent3"/>
+      <a:schemeClr val="accent4"/>
+      <a:schemeClr val="accent5"/>
+      <a:schemeClr val="accent6"/>
+    </dgm:linClrLst>
+    <dgm:effectClrLst/>
+    <dgm:txLinClrLst/>
+    <dgm:txFillClrLst meth="repeat">
+      <a:schemeClr val="dk1"/>
+    </dgm:txFillClrLst>
+    <dgm:txEffectClrLst/>
+  </dgm:styleLbl>
+  <dgm:styleLbl name="alignAcc1">
+    <dgm:fillClrLst meth="repeat">
+      <a:schemeClr val="lt1">
+        <a:alpha val="90000"/>
+      </a:schemeClr>
+    </dgm:fillClrLst>
+    <dgm:linClrLst meth="repeat">
+      <a:schemeClr val="accent2"/>
+      <a:schemeClr val="accent3"/>
+      <a:schemeClr val="accent4"/>
+      <a:schemeClr val="accent5"/>
+      <a:schemeClr val="accent6"/>
+    </dgm:linClrLst>
+    <dgm:effectClrLst/>
+    <dgm:txLinClrLst/>
+    <dgm:txFillClrLst meth="repeat">
+      <a:schemeClr val="dk1"/>
+    </dgm:txFillClrLst>
+    <dgm:txEffectClrLst/>
+  </dgm:styleLbl>
+  <dgm:styleLbl name="trAlignAcc1">
+    <dgm:fillClrLst meth="repeat">
+      <a:schemeClr val="lt1">
+        <a:alpha val="40000"/>
+      </a:schemeClr>
+    </dgm:fillClrLst>
+    <dgm:linClrLst meth="repeat">
+      <a:schemeClr val="accent1"/>
+    </dgm:linClrLst>
+    <dgm:effectClrLst/>
+    <dgm:txLinClrLst/>
+    <dgm:txFillClrLst meth="repeat">
+      <a:schemeClr val="dk1"/>
+    </dgm:txFillClrLst>
+    <dgm:txEffectClrLst/>
+  </dgm:styleLbl>
+  <dgm:styleLbl name="bgAcc1">
+    <dgm:fillClrLst meth="repeat">
+      <a:schemeClr val="lt1">
+        <a:alpha val="90000"/>
+      </a:schemeClr>
+    </dgm:fillClrLst>
+    <dgm:linClrLst meth="repeat">
+      <a:schemeClr val="accent2"/>
+      <a:schemeClr val="accent3"/>
+      <a:schemeClr val="accent4"/>
+      <a:schemeClr val="accent5"/>
+      <a:schemeClr val="accent6"/>
+    </dgm:linClrLst>
+    <dgm:effectClrLst/>
+    <dgm:txLinClrLst/>
+    <dgm:txFillClrLst meth="repeat">
+      <a:schemeClr val="dk1"/>
+    </dgm:txFillClrLst>
+    <dgm:txEffectClrLst/>
+  </dgm:styleLbl>
+  <dgm:styleLbl name="solidFgAcc1">
+    <dgm:fillClrLst meth="repeat">
+      <a:schemeClr val="lt1"/>
+    </dgm:fillClrLst>
+    <dgm:linClrLst meth="repeat">
+      <a:schemeClr val="accent2"/>
+      <a:schemeClr val="accent3"/>
+      <a:schemeClr val="accent4"/>
+      <a:schemeClr val="accent5"/>
+      <a:schemeClr val="accent6"/>
+    </dgm:linClrLst>
+    <dgm:effectClrLst/>
+    <dgm:txLinClrLst/>
+    <dgm:txFillClrLst meth="repeat">
+      <a:schemeClr val="dk1"/>
+    </dgm:txFillClrLst>
+    <dgm:txEffectClrLst/>
+  </dgm:styleLbl>
+  <dgm:styleLbl name="solidAlignAcc1">
+    <dgm:fillClrLst meth="repeat">
+      <a:schemeClr val="lt1"/>
+    </dgm:fillClrLst>
+    <dgm:linClrLst meth="repeat">
+      <a:schemeClr val="accent2"/>
+      <a:schemeClr val="accent3"/>
+      <a:schemeClr val="accent4"/>
+      <a:schemeClr val="accent5"/>
+      <a:schemeClr val="accent6"/>
+    </dgm:linClrLst>
+    <dgm:effectClrLst/>
+    <dgm:txLinClrLst/>
+    <dgm:txFillClrLst meth="repeat">
+      <a:schemeClr val="dk1"/>
+    </dgm:txFillClrLst>
+    <dgm:txEffectClrLst/>
+  </dgm:styleLbl>
+  <dgm:styleLbl name="solidBgAcc1">
+    <dgm:fillClrLst meth="repeat">
+      <a:schemeClr val="lt1"/>
+    </dgm:fillClrLst>
+    <dgm:linClrLst meth="repeat">
+      <a:schemeClr val="accent2"/>
+      <a:schemeClr val="accent3"/>
+      <a:schemeClr val="accent4"/>
+      <a:schemeClr val="accent5"/>
+      <a:schemeClr val="accent6"/>
+    </dgm:linClrLst>
+    <dgm:effectClrLst/>
+    <dgm:txLinClrLst/>
+    <dgm:txFillClrLst meth="repeat">
+      <a:schemeClr val="dk1"/>
+    </dgm:txFillClrLst>
+    <dgm:txEffectClrLst/>
+  </dgm:styleLbl>
+  <dgm:styleLbl name="fgAccFollowNode1">
+    <dgm:fillClrLst meth="repeat">
+      <a:schemeClr val="accent2">
+        <a:tint val="40000"/>
+        <a:alpha val="90000"/>
+      </a:schemeClr>
+      <a:schemeClr val="accent3">
+        <a:tint val="40000"/>
+        <a:alpha val="90000"/>
+      </a:schemeClr>
+      <a:schemeClr val="accent4">
+        <a:tint val="40000"/>
+        <a:alpha val="90000"/>
+      </a:schemeClr>
+      <a:schemeClr val="accent5">
+        <a:tint val="40000"/>
+        <a:alpha val="90000"/>
+      </a:schemeClr>
+      <a:schemeClr val="accent6">
+        <a:tint val="40000"/>
+        <a:alpha val="90000"/>
+      </a:schemeClr>
+    </dgm:fillClrLst>
+    <dgm:linClrLst meth="repeat">
+      <a:schemeClr val="accent2">
+        <a:tint val="40000"/>
+        <a:alpha val="90000"/>
+      </a:schemeClr>
+      <a:schemeClr val="accent3">
+        <a:tint val="40000"/>
+        <a:alpha val="90000"/>
+      </a:schemeClr>
+      <a:schemeClr val="accent4">
+        <a:tint val="40000"/>
+        <a:alpha val="90000"/>
+      </a:schemeClr>
+      <a:schemeClr val="accent5">
+        <a:tint val="40000"/>
+        <a:alpha val="90000"/>
+      </a:schemeClr>
+      <a:schemeClr val="accent6">
+        <a:tint val="40000"/>
+        <a:alpha val="90000"/>
+      </a:schemeClr>
+    </dgm:linClrLst>
+    <dgm:effectClrLst/>
+    <dgm:txLinClrLst/>
+    <dgm:txFillClrLst meth="repeat">
+      <a:schemeClr val="dk1"/>
+    </dgm:txFillClrLst>
+    <dgm:txEffectClrLst/>
+  </dgm:styleLbl>
+  <dgm:styleLbl name="alignAccFollowNode1">
+    <dgm:fillClrLst meth="repeat">
+      <a:schemeClr val="accent2">
+        <a:tint val="40000"/>
+        <a:alpha val="90000"/>
+      </a:schemeClr>
+      <a:schemeClr val="accent3">
+        <a:tint val="40000"/>
+        <a:alpha val="90000"/>
+      </a:schemeClr>
+      <a:schemeClr val="accent4">
+        <a:tint val="40000"/>
+        <a:alpha val="90000"/>
+      </a:schemeClr>
+      <a:schemeClr val="accent5">
+        <a:tint val="40000"/>
+        <a:alpha val="90000"/>
+      </a:schemeClr>
+      <a:schemeClr val="accent6">
+        <a:tint val="40000"/>
+        <a:alpha val="90000"/>
+      </a:schemeClr>
+    </dgm:fillClrLst>
+    <dgm:linClrLst meth="repeat">
+      <a:schemeClr val="accent2">
+        <a:tint val="40000"/>
+        <a:alpha val="90000"/>
+      </a:schemeClr>
+      <a:schemeClr val="accent3">
+        <a:tint val="40000"/>
+        <a:alpha val="90000"/>
+      </a:schemeClr>
+      <a:schemeClr val="accent4">
+        <a:tint val="40000"/>
+        <a:alpha val="90000"/>
+      </a:schemeClr>
+      <a:schemeClr val="accent5">
+        <a:tint val="40000"/>
+        <a:alpha val="90000"/>
+      </a:schemeClr>
+      <a:schemeClr val="accent6">
+        <a:tint val="40000"/>
+        <a:alpha val="90000"/>
+      </a:schemeClr>
+    </dgm:linClrLst>
+    <dgm:effectClrLst/>
+    <dgm:txLinClrLst/>
+    <dgm:txFillClrLst meth="repeat">
+      <a:schemeClr val="dk1"/>
+    </dgm:txFillClrLst>
+    <dgm:txEffectClrLst/>
+  </dgm:styleLbl>
+  <dgm:styleLbl name="bgAccFollowNode1">
+    <dgm:fillClrLst meth="repeat">
+      <a:schemeClr val="accent2">
+        <a:tint val="40000"/>
+        <a:alpha val="90000"/>
+      </a:schemeClr>
+      <a:schemeClr val="accent3">
+        <a:tint val="40000"/>
+        <a:alpha val="90000"/>
+      </a:schemeClr>
+      <a:schemeClr val="accent4">
+        <a:tint val="40000"/>
+        <a:alpha val="90000"/>
+      </a:schemeClr>
+      <a:schemeClr val="accent5">
+        <a:tint val="40000"/>
+        <a:alpha val="90000"/>
+      </a:schemeClr>
+      <a:schemeClr val="accent6">
+        <a:tint val="40000"/>
+        <a:alpha val="90000"/>
+      </a:schemeClr>
+    </dgm:fillClrLst>
+    <dgm:linClrLst meth="repeat">
+      <a:schemeClr val="accent2">
+        <a:tint val="40000"/>
+        <a:alpha val="90000"/>
+      </a:schemeClr>
+      <a:schemeClr val="accent3">
+        <a:tint val="40000"/>
+        <a:alpha val="90000"/>
+      </a:schemeClr>
+      <a:schemeClr val="accent4">
+        <a:tint val="40000"/>
+        <a:alpha val="90000"/>
+      </a:schemeClr>
+      <a:schemeClr val="accent5">
+        <a:tint val="40000"/>
+        <a:alpha val="90000"/>
+      </a:schemeClr>
+      <a:schemeClr val="accent6">
+        <a:tint val="40000"/>
+        <a:alpha val="90000"/>
+      </a:schemeClr>
+    </dgm:linClrLst>
+    <dgm:effectClrLst/>
+    <dgm:txLinClrLst/>
+    <dgm:txFillClrLst meth="repeat">
+      <a:schemeClr val="dk1"/>
+    </dgm:txFillClrLst>
+    <dgm:txEffectClrLst/>
+  </dgm:styleLbl>
+  <dgm:styleLbl name="fgAcc0">
+    <dgm:fillClrLst meth="repeat">
+      <a:schemeClr val="lt1">
+        <a:alpha val="90000"/>
+      </a:schemeClr>
+    </dgm:fillClrLst>
+    <dgm:linClrLst>
+      <a:schemeClr val="accent1"/>
+    </dgm:linClrLst>
+    <dgm:effectClrLst/>
+    <dgm:txLinClrLst/>
+    <dgm:txFillClrLst meth="repeat">
+      <a:schemeClr val="dk1"/>
+    </dgm:txFillClrLst>
+    <dgm:txEffectClrLst/>
+  </dgm:styleLbl>
+  <dgm:styleLbl name="fgAcc2">
+    <dgm:fillClrLst meth="repeat">
+      <a:schemeClr val="lt1">
+        <a:alpha val="90000"/>
+      </a:schemeClr>
+    </dgm:fillClrLst>
+    <dgm:linClrLst>
+      <a:schemeClr val="accent2"/>
+    </dgm:linClrLst>
+    <dgm:effectClrLst/>
+    <dgm:txLinClrLst/>
+    <dgm:txFillClrLst meth="repeat">
+      <a:schemeClr val="dk1"/>
+    </dgm:txFillClrLst>
+    <dgm:txEffectClrLst/>
+  </dgm:styleLbl>
+  <dgm:styleLbl name="fgAcc3">
+    <dgm:fillClrLst meth="repeat">
+      <a:schemeClr val="lt1">
+        <a:alpha val="90000"/>
+      </a:schemeClr>
+    </dgm:fillClrLst>
+    <dgm:linClrLst>
+      <a:schemeClr val="accent3"/>
+    </dgm:linClrLst>
+    <dgm:effectClrLst/>
+    <dgm:txLinClrLst/>
+    <dgm:txFillClrLst meth="repeat">
+      <a:schemeClr val="dk1"/>
+    </dgm:txFillClrLst>
+    <dgm:txEffectClrLst/>
+  </dgm:styleLbl>
+  <dgm:styleLbl name="fgAcc4">
+    <dgm:fillClrLst meth="repeat">
+      <a:schemeClr val="lt1">
+        <a:alpha val="90000"/>
+      </a:schemeClr>
+    </dgm:fillClrLst>
+    <dgm:linClrLst>
+      <a:schemeClr val="accent4"/>
+    </dgm:linClrLst>
+    <dgm:effectClrLst/>
+    <dgm:txLinClrLst/>
+    <dgm:txFillClrLst meth="repeat">
+      <a:schemeClr val="dk1"/>
+    </dgm:txFillClrLst>
+    <dgm:txEffectClrLst/>
+  </dgm:styleLbl>
+  <dgm:styleLbl name="bgShp">
+    <dgm:fillClrLst meth="repeat">
+      <a:schemeClr val="accent2">
+        <a:tint val="40000"/>
+      </a:schemeClr>
+    </dgm:fillClrLst>
+    <dgm:linClrLst meth="repeat">
+      <a:schemeClr val="dk1"/>
+    </dgm:linClrLst>
+    <dgm:effectClrLst/>
+    <dgm:txLinClrLst/>
+    <dgm:txFillClrLst meth="repeat">
+      <a:schemeClr val="dk1"/>
+    </dgm:txFillClrLst>
+    <dgm:txEffectClrLst/>
+  </dgm:styleLbl>
+  <dgm:styleLbl name="dkBgShp">
+    <dgm:fillClrLst meth="repeat">
+      <a:schemeClr val="accent2">
+        <a:shade val="90000"/>
+      </a:schemeClr>
+    </dgm:fillClrLst>
+    <dgm:linClrLst meth="repeat">
+      <a:schemeClr val="dk1"/>
+    </dgm:linClrLst>
+    <dgm:effectClrLst/>
+    <dgm:txLinClrLst/>
+    <dgm:txFillClrLst meth="repeat">
+      <a:schemeClr val="lt1"/>
+    </dgm:txFillClrLst>
+    <dgm:txEffectClrLst/>
+  </dgm:styleLbl>
+  <dgm:styleLbl name="trBgShp">
+    <dgm:fillClrLst meth="repeat">
+      <a:schemeClr val="accent1">
+        <a:tint val="50000"/>
+        <a:alpha val="40000"/>
+      </a:schemeClr>
+    </dgm:fillClrLst>
+    <dgm:linClrLst meth="repeat">
+      <a:schemeClr val="accent2"/>
+    </dgm:linClrLst>
+    <dgm:effectClrLst/>
+    <dgm:txLinClrLst/>
+    <dgm:txFillClrLst meth="repeat">
+      <a:schemeClr val="lt1"/>
+    </dgm:txFillClrLst>
+    <dgm:txEffectClrLst/>
+  </dgm:styleLbl>
+  <dgm:styleLbl name="fgShp">
+    <dgm:fillClrLst meth="repeat">
+      <a:schemeClr val="accent2">
         <a:tint val="40000"/>
       </a:schemeClr>
     </dgm:fillClrLst>
@@ -2670,7 +3596,7 @@
 <dgm:dataModel xmlns:dgm="http://schemas.openxmlformats.org/drawingml/2006/diagram" xmlns:a="http://schemas.openxmlformats.org/drawingml/2006/main">
   <dgm:ptLst>
     <dgm:pt modelId="{84DC51F7-E1E0-4E6E-8ACD-F55A3C935908}" type="doc">
-      <dgm:prSet loTypeId="urn:microsoft.com/office/officeart/2005/8/layout/list1" loCatId="list" qsTypeId="urn:microsoft.com/office/officeart/2005/8/quickstyle/simple2" qsCatId="simple" csTypeId="urn:microsoft.com/office/officeart/2005/8/colors/colorful5" csCatId="colorful"/>
+      <dgm:prSet loTypeId="urn:microsoft.com/office/officeart/2005/8/layout/vList5" loCatId="list" qsTypeId="urn:microsoft.com/office/officeart/2005/8/quickstyle/simple2" qsCatId="simple" csTypeId="urn:microsoft.com/office/officeart/2005/8/colors/colorful5" csCatId="colorful" phldr="1"/>
       <dgm:spPr/>
       <dgm:t>
         <a:bodyPr/>
@@ -2688,8 +3614,8 @@
         <a:lstStyle/>
         <a:p>
           <a:r>
-            <a:rPr lang="en-US"/>
-            <a:t>Informal mechanisms of gatekeeping – </a:t>
+            <a:rPr lang="en-US" dirty="0"/>
+            <a:t>Informal mechanisms of gatekeeping  </a:t>
           </a:r>
         </a:p>
       </dgm:t>
@@ -2868,7 +3794,7 @@
         <a:lstStyle/>
         <a:p>
           <a:r>
-            <a:rPr lang="en-US"/>
+            <a:rPr lang="en-US" dirty="0"/>
             <a:t>“What are you girls talking about?” </a:t>
           </a:r>
         </a:p>
@@ -2904,7 +3830,7 @@
         <a:lstStyle/>
         <a:p>
           <a:r>
-            <a:rPr lang="en-US"/>
+            <a:rPr lang="en-US" dirty="0"/>
             <a:t>Show loyalty by keeping other women down</a:t>
           </a:r>
         </a:p>
@@ -3004,8 +3930,8 @@
         </a:p>
       </dgm:t>
     </dgm:pt>
-    <dgm:pt modelId="{31CF95B8-A5EB-944B-87F8-479FCC4CF1F7}" type="pres">
-      <dgm:prSet presAssocID="{84DC51F7-E1E0-4E6E-8ACD-F55A3C935908}" presName="linear" presStyleCnt="0">
+    <dgm:pt modelId="{6ED1AC02-6C73-4F44-9E54-8AE264DB0B92}" type="pres">
+      <dgm:prSet presAssocID="{84DC51F7-E1E0-4E6E-8ACD-F55A3C935908}" presName="Name0" presStyleCnt="0">
         <dgm:presLayoutVars>
           <dgm:dir/>
           <dgm:animLvl val="lvl"/>
@@ -3014,62 +3940,46 @@
       </dgm:prSet>
       <dgm:spPr/>
     </dgm:pt>
-    <dgm:pt modelId="{5F7BC396-F2DC-6B40-9595-68BECCB710BB}" type="pres">
-      <dgm:prSet presAssocID="{9CC6B2F5-8037-4123-B905-648BC5501E44}" presName="parentLin" presStyleCnt="0"/>
+    <dgm:pt modelId="{006CB9DD-D628-E541-A8F3-4F93620B8231}" type="pres">
+      <dgm:prSet presAssocID="{9CC6B2F5-8037-4123-B905-648BC5501E44}" presName="linNode" presStyleCnt="0"/>
       <dgm:spPr/>
     </dgm:pt>
-    <dgm:pt modelId="{DF8281C1-D8E6-884E-9174-D4912122EC3A}" type="pres">
-      <dgm:prSet presAssocID="{9CC6B2F5-8037-4123-B905-648BC5501E44}" presName="parentLeftMargin" presStyleLbl="node1" presStyleIdx="0" presStyleCnt="2"/>
-      <dgm:spPr/>
-    </dgm:pt>
-    <dgm:pt modelId="{EEE15BDC-B49D-B643-81D0-224A698D7049}" type="pres">
+    <dgm:pt modelId="{862CBC19-C90E-384F-BA11-334DD6CB025A}" type="pres">
       <dgm:prSet presAssocID="{9CC6B2F5-8037-4123-B905-648BC5501E44}" presName="parentText" presStyleLbl="node1" presStyleIdx="0" presStyleCnt="2">
         <dgm:presLayoutVars>
-          <dgm:chMax val="0"/>
+          <dgm:chMax val="1"/>
           <dgm:bulletEnabled val="1"/>
         </dgm:presLayoutVars>
       </dgm:prSet>
       <dgm:spPr/>
     </dgm:pt>
-    <dgm:pt modelId="{C45A363C-0B0A-D841-B873-4427A9A1993F}" type="pres">
-      <dgm:prSet presAssocID="{9CC6B2F5-8037-4123-B905-648BC5501E44}" presName="negativeSpace" presStyleCnt="0"/>
-      <dgm:spPr/>
-    </dgm:pt>
-    <dgm:pt modelId="{A983144C-76BE-3F4A-A2E0-3915BB339D27}" type="pres">
-      <dgm:prSet presAssocID="{9CC6B2F5-8037-4123-B905-648BC5501E44}" presName="childText" presStyleLbl="conFgAcc1" presStyleIdx="0" presStyleCnt="2">
+    <dgm:pt modelId="{AF16D8A6-1164-BD4A-BDA7-E7CA1DE922C3}" type="pres">
+      <dgm:prSet presAssocID="{9CC6B2F5-8037-4123-B905-648BC5501E44}" presName="descendantText" presStyleLbl="alignAccFollowNode1" presStyleIdx="0" presStyleCnt="2">
         <dgm:presLayoutVars>
           <dgm:bulletEnabled val="1"/>
         </dgm:presLayoutVars>
       </dgm:prSet>
       <dgm:spPr/>
     </dgm:pt>
-    <dgm:pt modelId="{56F654A8-2B6A-8344-9A4C-4ACA76CA4C00}" type="pres">
-      <dgm:prSet presAssocID="{A61B7589-1927-4026-B33B-606F05AA4B97}" presName="spaceBetweenRectangles" presStyleCnt="0"/>
+    <dgm:pt modelId="{967F4D41-BBBF-6C47-8BD3-3D6BD27FCCCA}" type="pres">
+      <dgm:prSet presAssocID="{A61B7589-1927-4026-B33B-606F05AA4B97}" presName="sp" presStyleCnt="0"/>
       <dgm:spPr/>
     </dgm:pt>
-    <dgm:pt modelId="{D196AA17-147C-8549-9529-C43512623B86}" type="pres">
-      <dgm:prSet presAssocID="{46A6975B-A1FB-461E-9E90-F9F35D6D1463}" presName="parentLin" presStyleCnt="0"/>
+    <dgm:pt modelId="{45075292-57B1-4844-A92E-02556A83A3E3}" type="pres">
+      <dgm:prSet presAssocID="{46A6975B-A1FB-461E-9E90-F9F35D6D1463}" presName="linNode" presStyleCnt="0"/>
       <dgm:spPr/>
     </dgm:pt>
-    <dgm:pt modelId="{C598141F-397E-3343-8C2F-37A4CB31AC0A}" type="pres">
-      <dgm:prSet presAssocID="{46A6975B-A1FB-461E-9E90-F9F35D6D1463}" presName="parentLeftMargin" presStyleLbl="node1" presStyleIdx="0" presStyleCnt="2"/>
-      <dgm:spPr/>
-    </dgm:pt>
-    <dgm:pt modelId="{01A05124-B71B-284A-BB2B-018824B007D9}" type="pres">
+    <dgm:pt modelId="{6BCD96FF-D875-2246-8D22-8A3D62033D34}" type="pres">
       <dgm:prSet presAssocID="{46A6975B-A1FB-461E-9E90-F9F35D6D1463}" presName="parentText" presStyleLbl="node1" presStyleIdx="1" presStyleCnt="2">
         <dgm:presLayoutVars>
-          <dgm:chMax val="0"/>
+          <dgm:chMax val="1"/>
           <dgm:bulletEnabled val="1"/>
         </dgm:presLayoutVars>
       </dgm:prSet>
       <dgm:spPr/>
     </dgm:pt>
-    <dgm:pt modelId="{D188702D-FFA3-274E-BD5A-6AE02078D2EF}" type="pres">
-      <dgm:prSet presAssocID="{46A6975B-A1FB-461E-9E90-F9F35D6D1463}" presName="negativeSpace" presStyleCnt="0"/>
-      <dgm:spPr/>
-    </dgm:pt>
-    <dgm:pt modelId="{18EF5EEF-7752-E147-BBF5-9EF9D32D5A28}" type="pres">
-      <dgm:prSet presAssocID="{46A6975B-A1FB-461E-9E90-F9F35D6D1463}" presName="childText" presStyleLbl="conFgAcc1" presStyleIdx="1" presStyleCnt="2">
+    <dgm:pt modelId="{2F35D276-35F5-9A4E-91E5-61C4DBA32F96}" type="pres">
+      <dgm:prSet presAssocID="{46A6975B-A1FB-461E-9E90-F9F35D6D1463}" presName="descendantText" presStyleLbl="alignAccFollowNode1" presStyleIdx="1" presStyleCnt="2">
         <dgm:presLayoutVars>
           <dgm:bulletEnabled val="1"/>
         </dgm:presLayoutVars>
@@ -3078,38 +3988,32 @@
     </dgm:pt>
   </dgm:ptLst>
   <dgm:cxnLst>
-    <dgm:cxn modelId="{29339C03-9BDD-C149-8277-0754F5CF190B}" type="presOf" srcId="{224DEBE8-100C-40A7-8833-00B48532AAA7}" destId="{A983144C-76BE-3F4A-A2E0-3915BB339D27}" srcOrd="0" destOrd="0" presId="urn:microsoft.com/office/officeart/2005/8/layout/list1"/>
-    <dgm:cxn modelId="{6B02430D-A1A8-EC4D-A441-1B3EF75DCB9B}" type="presOf" srcId="{46A6975B-A1FB-461E-9E90-F9F35D6D1463}" destId="{C598141F-397E-3343-8C2F-37A4CB31AC0A}" srcOrd="0" destOrd="0" presId="urn:microsoft.com/office/officeart/2005/8/layout/list1"/>
+    <dgm:cxn modelId="{119EB308-2A49-C749-8673-6648DBFEFE03}" type="presOf" srcId="{CF53B69C-DC56-4C88-A51E-C0E9CEF4CB59}" destId="{2F35D276-35F5-9A4E-91E5-61C4DBA32F96}" srcOrd="0" destOrd="0" presId="urn:microsoft.com/office/officeart/2005/8/layout/vList5"/>
+    <dgm:cxn modelId="{5ED9900C-85FE-A642-9E57-35AC94B21D6B}" type="presOf" srcId="{4FD1D950-F661-4941-9EB2-9755BD3A848D}" destId="{AF16D8A6-1164-BD4A-BDA7-E7CA1DE922C3}" srcOrd="0" destOrd="1" presId="urn:microsoft.com/office/officeart/2005/8/layout/vList5"/>
     <dgm:cxn modelId="{84080F0F-D332-495A-B038-A98CA003DAD1}" srcId="{84DC51F7-E1E0-4E6E-8ACD-F55A3C935908}" destId="{46A6975B-A1FB-461E-9E90-F9F35D6D1463}" srcOrd="1" destOrd="0" parTransId="{85C4A260-34C0-4A32-B249-E820B21BE435}" sibTransId="{DEE089D8-0805-40BC-A7B7-BCA5C5D8F8CC}"/>
     <dgm:cxn modelId="{12528D13-AD33-409E-A8B7-FD988F93A01B}" srcId="{46A6975B-A1FB-461E-9E90-F9F35D6D1463}" destId="{260D23A7-FED0-4A99-B1DA-030B72502C43}" srcOrd="2" destOrd="0" parTransId="{53DB4B59-B690-418F-B92A-9BA6325C5572}" sibTransId="{F577CC5A-731B-4530-A958-56AE312E3D3B}"/>
     <dgm:cxn modelId="{99238114-6973-428C-94A8-37FC8A543835}" srcId="{84DC51F7-E1E0-4E6E-8ACD-F55A3C935908}" destId="{9CC6B2F5-8037-4123-B905-648BC5501E44}" srcOrd="0" destOrd="0" parTransId="{93E09E26-AADA-472D-8867-A82B9108F3D0}" sibTransId="{A61B7589-1927-4026-B33B-606F05AA4B97}"/>
-    <dgm:cxn modelId="{5DC5AE33-B92D-2F48-B7DC-13554CA92E85}" type="presOf" srcId="{CF53B69C-DC56-4C88-A51E-C0E9CEF4CB59}" destId="{18EF5EEF-7752-E147-BBF5-9EF9D32D5A28}" srcOrd="0" destOrd="0" presId="urn:microsoft.com/office/officeart/2005/8/layout/list1"/>
-    <dgm:cxn modelId="{7D073D35-D000-0944-BAED-B20CFEECE91A}" type="presOf" srcId="{84DC51F7-E1E0-4E6E-8ACD-F55A3C935908}" destId="{31CF95B8-A5EB-944B-87F8-479FCC4CF1F7}" srcOrd="0" destOrd="0" presId="urn:microsoft.com/office/officeart/2005/8/layout/list1"/>
-    <dgm:cxn modelId="{751DBD49-E16D-A040-B823-CEA64939F970}" type="presOf" srcId="{46A6975B-A1FB-461E-9E90-F9F35D6D1463}" destId="{01A05124-B71B-284A-BB2B-018824B007D9}" srcOrd="1" destOrd="0" presId="urn:microsoft.com/office/officeart/2005/8/layout/list1"/>
-    <dgm:cxn modelId="{3CF42F5A-4411-044D-957C-80BA5F3FD8BA}" type="presOf" srcId="{F3375A73-9D0F-49FA-A7D7-9160877245B7}" destId="{18EF5EEF-7752-E147-BBF5-9EF9D32D5A28}" srcOrd="0" destOrd="1" presId="urn:microsoft.com/office/officeart/2005/8/layout/list1"/>
+    <dgm:cxn modelId="{9F71A11B-FAEA-8A47-BA66-0887C9A922A3}" type="presOf" srcId="{224DEBE8-100C-40A7-8833-00B48532AAA7}" destId="{AF16D8A6-1164-BD4A-BDA7-E7CA1DE922C3}" srcOrd="0" destOrd="0" presId="urn:microsoft.com/office/officeart/2005/8/layout/vList5"/>
+    <dgm:cxn modelId="{9D9E1839-B9C3-8844-A2CD-C8DD1FB227C6}" type="presOf" srcId="{9CC6B2F5-8037-4123-B905-648BC5501E44}" destId="{862CBC19-C90E-384F-BA11-334DD6CB025A}" srcOrd="0" destOrd="0" presId="urn:microsoft.com/office/officeart/2005/8/layout/vList5"/>
     <dgm:cxn modelId="{631F4061-95C0-4AAF-9AD9-B5BF25F678A4}" srcId="{46A6975B-A1FB-461E-9E90-F9F35D6D1463}" destId="{CF53B69C-DC56-4C88-A51E-C0E9CEF4CB59}" srcOrd="0" destOrd="0" parTransId="{7AA1B658-FBD1-4E14-B434-3F54F572BFBD}" sibTransId="{9C94E2BF-77BA-43DB-90B2-EBAEFBFA21B2}"/>
-    <dgm:cxn modelId="{10D8DF84-ECBA-3F44-A36D-9520F32AE233}" type="presOf" srcId="{4FD1D950-F661-4941-9EB2-9755BD3A848D}" destId="{A983144C-76BE-3F4A-A2E0-3915BB339D27}" srcOrd="0" destOrd="1" presId="urn:microsoft.com/office/officeart/2005/8/layout/list1"/>
-    <dgm:cxn modelId="{AC510F92-830D-2246-8300-98C9F3F28B64}" type="presOf" srcId="{9CC6B2F5-8037-4123-B905-648BC5501E44}" destId="{EEE15BDC-B49D-B643-81D0-224A698D7049}" srcOrd="1" destOrd="0" presId="urn:microsoft.com/office/officeart/2005/8/layout/list1"/>
-    <dgm:cxn modelId="{146DDFA5-E20E-3046-AC4D-9EF3B4451BCA}" type="presOf" srcId="{2FF61F5B-B941-4979-A706-6DD001D556E5}" destId="{18EF5EEF-7752-E147-BBF5-9EF9D32D5A28}" srcOrd="0" destOrd="3" presId="urn:microsoft.com/office/officeart/2005/8/layout/list1"/>
-    <dgm:cxn modelId="{2516DEB3-9C13-8E47-A861-7267F52E0494}" type="presOf" srcId="{4C141D4B-CAC8-4A53-828C-F592A095C5CC}" destId="{A983144C-76BE-3F4A-A2E0-3915BB339D27}" srcOrd="0" destOrd="2" presId="urn:microsoft.com/office/officeart/2005/8/layout/list1"/>
+    <dgm:cxn modelId="{C1372981-408E-934E-91A1-B1E6B67EE7DC}" type="presOf" srcId="{F3375A73-9D0F-49FA-A7D7-9160877245B7}" destId="{2F35D276-35F5-9A4E-91E5-61C4DBA32F96}" srcOrd="0" destOrd="1" presId="urn:microsoft.com/office/officeart/2005/8/layout/vList5"/>
+    <dgm:cxn modelId="{D6B5E884-D91E-7F45-9DE4-E5D7039A7B66}" type="presOf" srcId="{260D23A7-FED0-4A99-B1DA-030B72502C43}" destId="{2F35D276-35F5-9A4E-91E5-61C4DBA32F96}" srcOrd="0" destOrd="2" presId="urn:microsoft.com/office/officeart/2005/8/layout/vList5"/>
+    <dgm:cxn modelId="{7E24BB88-A30A-D148-915C-44FC872A8275}" type="presOf" srcId="{84DC51F7-E1E0-4E6E-8ACD-F55A3C935908}" destId="{6ED1AC02-6C73-4F44-9E54-8AE264DB0B92}" srcOrd="0" destOrd="0" presId="urn:microsoft.com/office/officeart/2005/8/layout/vList5"/>
+    <dgm:cxn modelId="{4994DA9D-9C48-9E4C-9548-C0072AE42E29}" type="presOf" srcId="{4C141D4B-CAC8-4A53-828C-F592A095C5CC}" destId="{AF16D8A6-1164-BD4A-BDA7-E7CA1DE922C3}" srcOrd="0" destOrd="2" presId="urn:microsoft.com/office/officeart/2005/8/layout/vList5"/>
+    <dgm:cxn modelId="{F4C7BFA4-30B8-D34C-B984-C71AB171BE87}" type="presOf" srcId="{2FF61F5B-B941-4979-A706-6DD001D556E5}" destId="{2F35D276-35F5-9A4E-91E5-61C4DBA32F96}" srcOrd="0" destOrd="3" presId="urn:microsoft.com/office/officeart/2005/8/layout/vList5"/>
     <dgm:cxn modelId="{C9BEF7BD-4752-45F3-A39A-528387751887}" srcId="{9CC6B2F5-8037-4123-B905-648BC5501E44}" destId="{4C141D4B-CAC8-4A53-828C-F592A095C5CC}" srcOrd="2" destOrd="0" parTransId="{F31F9D13-D1CF-457A-95ED-308EAF93370E}" sibTransId="{790A565A-181D-482F-B205-C5FC5B76BCB9}"/>
-    <dgm:cxn modelId="{B64165C6-8E8F-014B-B2C8-980C8228A7AE}" type="presOf" srcId="{9CC6B2F5-8037-4123-B905-648BC5501E44}" destId="{DF8281C1-D8E6-884E-9174-D4912122EC3A}" srcOrd="0" destOrd="0" presId="urn:microsoft.com/office/officeart/2005/8/layout/list1"/>
+    <dgm:cxn modelId="{3FD98BCC-C4A4-EA41-AAC8-ADB3D1DDF075}" type="presOf" srcId="{46A6975B-A1FB-461E-9E90-F9F35D6D1463}" destId="{6BCD96FF-D875-2246-8D22-8A3D62033D34}" srcOrd="0" destOrd="0" presId="urn:microsoft.com/office/officeart/2005/8/layout/vList5"/>
     <dgm:cxn modelId="{18713BD5-8C5B-498B-8BAB-5A22E99FD0E2}" srcId="{46A6975B-A1FB-461E-9E90-F9F35D6D1463}" destId="{F3375A73-9D0F-49FA-A7D7-9160877245B7}" srcOrd="1" destOrd="0" parTransId="{D97B0F6B-7133-498C-BDAA-BDC4E5584EC4}" sibTransId="{2CE5C318-97BC-412C-A119-504888C3BD16}"/>
-    <dgm:cxn modelId="{04D204E4-F197-AE4D-BC59-BF57085CB96F}" type="presOf" srcId="{260D23A7-FED0-4A99-B1DA-030B72502C43}" destId="{18EF5EEF-7752-E147-BBF5-9EF9D32D5A28}" srcOrd="0" destOrd="2" presId="urn:microsoft.com/office/officeart/2005/8/layout/list1"/>
     <dgm:cxn modelId="{F22080EF-7BF9-49C5-8875-6888FC49BA62}" srcId="{46A6975B-A1FB-461E-9E90-F9F35D6D1463}" destId="{2FF61F5B-B941-4979-A706-6DD001D556E5}" srcOrd="3" destOrd="0" parTransId="{C06FD17F-28BA-4E50-B491-C0F7BC42AD7C}" sibTransId="{D5924F22-3B33-47A4-AB09-0935D834BF6D}"/>
     <dgm:cxn modelId="{9E7255F6-B7A6-4C05-9D45-E33C28B604F4}" srcId="{9CC6B2F5-8037-4123-B905-648BC5501E44}" destId="{4FD1D950-F661-4941-9EB2-9755BD3A848D}" srcOrd="1" destOrd="0" parTransId="{FAF533E2-6B11-480E-896F-3060B63E0EF2}" sibTransId="{31FD00A3-F35B-4BCF-BFA3-9166E8150414}"/>
     <dgm:cxn modelId="{C5722EF9-0647-446A-AE4D-277FDD027BDA}" srcId="{9CC6B2F5-8037-4123-B905-648BC5501E44}" destId="{224DEBE8-100C-40A7-8833-00B48532AAA7}" srcOrd="0" destOrd="0" parTransId="{683DA33F-8CE9-45E2-A5EB-3C4547B93B62}" sibTransId="{FB066746-DAAB-4AB0-A7F1-06181FF92537}"/>
-    <dgm:cxn modelId="{84C4E432-7003-7840-9582-24CE6A3FA7A6}" type="presParOf" srcId="{31CF95B8-A5EB-944B-87F8-479FCC4CF1F7}" destId="{5F7BC396-F2DC-6B40-9595-68BECCB710BB}" srcOrd="0" destOrd="0" presId="urn:microsoft.com/office/officeart/2005/8/layout/list1"/>
-    <dgm:cxn modelId="{D194F99D-3AAE-514B-8DD6-B5E2B74E78E8}" type="presParOf" srcId="{5F7BC396-F2DC-6B40-9595-68BECCB710BB}" destId="{DF8281C1-D8E6-884E-9174-D4912122EC3A}" srcOrd="0" destOrd="0" presId="urn:microsoft.com/office/officeart/2005/8/layout/list1"/>
-    <dgm:cxn modelId="{B0C7AB69-448B-3F42-B17E-D3411424F190}" type="presParOf" srcId="{5F7BC396-F2DC-6B40-9595-68BECCB710BB}" destId="{EEE15BDC-B49D-B643-81D0-224A698D7049}" srcOrd="1" destOrd="0" presId="urn:microsoft.com/office/officeart/2005/8/layout/list1"/>
-    <dgm:cxn modelId="{C6A9A600-6833-A04C-8FD7-7ACB81647D9C}" type="presParOf" srcId="{31CF95B8-A5EB-944B-87F8-479FCC4CF1F7}" destId="{C45A363C-0B0A-D841-B873-4427A9A1993F}" srcOrd="1" destOrd="0" presId="urn:microsoft.com/office/officeart/2005/8/layout/list1"/>
-    <dgm:cxn modelId="{9BD22E57-7C8C-0548-AF86-8BAB53F5079D}" type="presParOf" srcId="{31CF95B8-A5EB-944B-87F8-479FCC4CF1F7}" destId="{A983144C-76BE-3F4A-A2E0-3915BB339D27}" srcOrd="2" destOrd="0" presId="urn:microsoft.com/office/officeart/2005/8/layout/list1"/>
-    <dgm:cxn modelId="{E58F3CCA-66B8-4C4F-A672-D4DE8D31239B}" type="presParOf" srcId="{31CF95B8-A5EB-944B-87F8-479FCC4CF1F7}" destId="{56F654A8-2B6A-8344-9A4C-4ACA76CA4C00}" srcOrd="3" destOrd="0" presId="urn:microsoft.com/office/officeart/2005/8/layout/list1"/>
-    <dgm:cxn modelId="{99996471-4088-BB47-AFE9-E90B6805331B}" type="presParOf" srcId="{31CF95B8-A5EB-944B-87F8-479FCC4CF1F7}" destId="{D196AA17-147C-8549-9529-C43512623B86}" srcOrd="4" destOrd="0" presId="urn:microsoft.com/office/officeart/2005/8/layout/list1"/>
-    <dgm:cxn modelId="{11CC4F36-886D-3742-A0B3-622F81DE2315}" type="presParOf" srcId="{D196AA17-147C-8549-9529-C43512623B86}" destId="{C598141F-397E-3343-8C2F-37A4CB31AC0A}" srcOrd="0" destOrd="0" presId="urn:microsoft.com/office/officeart/2005/8/layout/list1"/>
-    <dgm:cxn modelId="{F9F0170B-14FF-E748-AB8B-A6151FB1588D}" type="presParOf" srcId="{D196AA17-147C-8549-9529-C43512623B86}" destId="{01A05124-B71B-284A-BB2B-018824B007D9}" srcOrd="1" destOrd="0" presId="urn:microsoft.com/office/officeart/2005/8/layout/list1"/>
-    <dgm:cxn modelId="{7B3A6D61-24A1-FF45-A6D7-815F159CFE26}" type="presParOf" srcId="{31CF95B8-A5EB-944B-87F8-479FCC4CF1F7}" destId="{D188702D-FFA3-274E-BD5A-6AE02078D2EF}" srcOrd="5" destOrd="0" presId="urn:microsoft.com/office/officeart/2005/8/layout/list1"/>
-    <dgm:cxn modelId="{E5358121-43A2-6B42-A0FF-CA4AA6B21335}" type="presParOf" srcId="{31CF95B8-A5EB-944B-87F8-479FCC4CF1F7}" destId="{18EF5EEF-7752-E147-BBF5-9EF9D32D5A28}" srcOrd="6" destOrd="0" presId="urn:microsoft.com/office/officeart/2005/8/layout/list1"/>
+    <dgm:cxn modelId="{B44C081C-F71D-B647-9D89-3D6287DD09AD}" type="presParOf" srcId="{6ED1AC02-6C73-4F44-9E54-8AE264DB0B92}" destId="{006CB9DD-D628-E541-A8F3-4F93620B8231}" srcOrd="0" destOrd="0" presId="urn:microsoft.com/office/officeart/2005/8/layout/vList5"/>
+    <dgm:cxn modelId="{EED97BAA-347C-A846-941F-77D6A6C8CE65}" type="presParOf" srcId="{006CB9DD-D628-E541-A8F3-4F93620B8231}" destId="{862CBC19-C90E-384F-BA11-334DD6CB025A}" srcOrd="0" destOrd="0" presId="urn:microsoft.com/office/officeart/2005/8/layout/vList5"/>
+    <dgm:cxn modelId="{0DABCC5D-D236-4A4D-A713-42EEA3ADCB2E}" type="presParOf" srcId="{006CB9DD-D628-E541-A8F3-4F93620B8231}" destId="{AF16D8A6-1164-BD4A-BDA7-E7CA1DE922C3}" srcOrd="1" destOrd="0" presId="urn:microsoft.com/office/officeart/2005/8/layout/vList5"/>
+    <dgm:cxn modelId="{1E5A6C36-6EAE-0C42-A508-4C5C2097231F}" type="presParOf" srcId="{6ED1AC02-6C73-4F44-9E54-8AE264DB0B92}" destId="{967F4D41-BBBF-6C47-8BD3-3D6BD27FCCCA}" srcOrd="1" destOrd="0" presId="urn:microsoft.com/office/officeart/2005/8/layout/vList5"/>
+    <dgm:cxn modelId="{C9AF9F18-0B3E-8F4B-8C47-01098246CBF7}" type="presParOf" srcId="{6ED1AC02-6C73-4F44-9E54-8AE264DB0B92}" destId="{45075292-57B1-4844-A92E-02556A83A3E3}" srcOrd="2" destOrd="0" presId="urn:microsoft.com/office/officeart/2005/8/layout/vList5"/>
+    <dgm:cxn modelId="{1124794C-B356-374B-9790-83C9F35AD006}" type="presParOf" srcId="{45075292-57B1-4844-A92E-02556A83A3E3}" destId="{6BCD96FF-D875-2246-8D22-8A3D62033D34}" srcOrd="0" destOrd="0" presId="urn:microsoft.com/office/officeart/2005/8/layout/vList5"/>
+    <dgm:cxn modelId="{52A88E6C-E9C1-6C45-8E93-C1172F79788A}" type="presParOf" srcId="{45075292-57B1-4844-A92E-02556A83A3E3}" destId="{2F35D276-35F5-9A4E-91E5-61C4DBA32F96}" srcOrd="1" destOrd="0" presId="urn:microsoft.com/office/officeart/2005/8/layout/vList5"/>
   </dgm:cxnLst>
   <dgm:bg/>
   <dgm:whole/>
@@ -3125,7 +4029,7 @@
 <dgm:dataModel xmlns:dgm="http://schemas.openxmlformats.org/drawingml/2006/diagram" xmlns:a="http://schemas.openxmlformats.org/drawingml/2006/main">
   <dgm:ptLst>
     <dgm:pt modelId="{A43A4CA6-9665-4AFE-937E-F82D2F581832}" type="doc">
-      <dgm:prSet loTypeId="urn:microsoft.com/office/officeart/2005/8/layout/list1" loCatId="list" qsTypeId="urn:microsoft.com/office/officeart/2005/8/quickstyle/simple2" qsCatId="simple" csTypeId="urn:microsoft.com/office/officeart/2005/8/colors/colorful5" csCatId="colorful"/>
+      <dgm:prSet loTypeId="urn:microsoft.com/office/officeart/2005/8/layout/vList2" loCatId="list" qsTypeId="urn:microsoft.com/office/officeart/2005/8/quickstyle/simple2" qsCatId="simple" csTypeId="urn:microsoft.com/office/officeart/2005/8/colors/colorful5" csCatId="colorful"/>
       <dgm:spPr/>
       <dgm:t>
         <a:bodyPr/>
@@ -3459,25 +4363,16 @@
         </a:p>
       </dgm:t>
     </dgm:pt>
-    <dgm:pt modelId="{B267CB7A-ABE5-9F41-83EA-C4652DB2AF4E}" type="pres">
+    <dgm:pt modelId="{4AAF4B82-3A5F-4547-8DEC-1EBCC25DC8D5}" type="pres">
       <dgm:prSet presAssocID="{A43A4CA6-9665-4AFE-937E-F82D2F581832}" presName="linear" presStyleCnt="0">
         <dgm:presLayoutVars>
-          <dgm:dir/>
           <dgm:animLvl val="lvl"/>
           <dgm:resizeHandles val="exact"/>
         </dgm:presLayoutVars>
       </dgm:prSet>
       <dgm:spPr/>
     </dgm:pt>
-    <dgm:pt modelId="{5F5B09AF-006E-D34B-9ECE-327C0540FADB}" type="pres">
-      <dgm:prSet presAssocID="{1DEB4118-0FFB-401B-A939-D078975EDD97}" presName="parentLin" presStyleCnt="0"/>
-      <dgm:spPr/>
-    </dgm:pt>
-    <dgm:pt modelId="{82E5F8B3-C5A0-AC4D-866D-A1076738A34D}" type="pres">
-      <dgm:prSet presAssocID="{1DEB4118-0FFB-401B-A939-D078975EDD97}" presName="parentLeftMargin" presStyleLbl="node1" presStyleIdx="0" presStyleCnt="4"/>
-      <dgm:spPr/>
-    </dgm:pt>
-    <dgm:pt modelId="{A10D31AD-8C3F-9B4C-BA2D-A73FA42DD312}" type="pres">
+    <dgm:pt modelId="{2F52A5A0-2621-BD43-9907-2E730E98F5A9}" type="pres">
       <dgm:prSet presAssocID="{1DEB4118-0FFB-401B-A939-D078975EDD97}" presName="parentText" presStyleLbl="node1" presStyleIdx="0" presStyleCnt="4">
         <dgm:presLayoutVars>
           <dgm:chMax val="0"/>
@@ -3486,31 +4381,15 @@
       </dgm:prSet>
       <dgm:spPr/>
     </dgm:pt>
-    <dgm:pt modelId="{0EE9F933-319D-0040-BD17-728C11542DB5}" type="pres">
-      <dgm:prSet presAssocID="{1DEB4118-0FFB-401B-A939-D078975EDD97}" presName="negativeSpace" presStyleCnt="0"/>
-      <dgm:spPr/>
-    </dgm:pt>
-    <dgm:pt modelId="{13D0402E-37E2-D24E-96F2-7CC94AC3F5FF}" type="pres">
-      <dgm:prSet presAssocID="{1DEB4118-0FFB-401B-A939-D078975EDD97}" presName="childText" presStyleLbl="conFgAcc1" presStyleIdx="0" presStyleCnt="4">
+    <dgm:pt modelId="{E2287CA0-796D-6A4C-826A-46829D603805}" type="pres">
+      <dgm:prSet presAssocID="{1DEB4118-0FFB-401B-A939-D078975EDD97}" presName="childText" presStyleLbl="revTx" presStyleIdx="0" presStyleCnt="4">
         <dgm:presLayoutVars>
           <dgm:bulletEnabled val="1"/>
         </dgm:presLayoutVars>
       </dgm:prSet>
       <dgm:spPr/>
     </dgm:pt>
-    <dgm:pt modelId="{4110977E-854C-684D-89AC-A221D5C670F1}" type="pres">
-      <dgm:prSet presAssocID="{DA0EB9B5-05E6-4981-A9EF-D2F1C0E2B5E8}" presName="spaceBetweenRectangles" presStyleCnt="0"/>
-      <dgm:spPr/>
-    </dgm:pt>
-    <dgm:pt modelId="{2A41F54C-50D3-2043-A2AD-7F800D25E741}" type="pres">
-      <dgm:prSet presAssocID="{AE97032D-2CE5-45A2-BCC3-D5D148487335}" presName="parentLin" presStyleCnt="0"/>
-      <dgm:spPr/>
-    </dgm:pt>
-    <dgm:pt modelId="{F0852575-1567-8540-A7B7-2D3F387B2CD0}" type="pres">
-      <dgm:prSet presAssocID="{AE97032D-2CE5-45A2-BCC3-D5D148487335}" presName="parentLeftMargin" presStyleLbl="node1" presStyleIdx="0" presStyleCnt="4"/>
-      <dgm:spPr/>
-    </dgm:pt>
-    <dgm:pt modelId="{C6217081-C91D-2948-AAE4-F1D5414803D4}" type="pres">
+    <dgm:pt modelId="{6E78CC8A-84F5-5D49-81A8-D91775363FA0}" type="pres">
       <dgm:prSet presAssocID="{AE97032D-2CE5-45A2-BCC3-D5D148487335}" presName="parentText" presStyleLbl="node1" presStyleIdx="1" presStyleCnt="4">
         <dgm:presLayoutVars>
           <dgm:chMax val="0"/>
@@ -3519,31 +4398,15 @@
       </dgm:prSet>
       <dgm:spPr/>
     </dgm:pt>
-    <dgm:pt modelId="{4157473C-C374-C544-B389-73C0CAAEE07D}" type="pres">
-      <dgm:prSet presAssocID="{AE97032D-2CE5-45A2-BCC3-D5D148487335}" presName="negativeSpace" presStyleCnt="0"/>
-      <dgm:spPr/>
-    </dgm:pt>
-    <dgm:pt modelId="{E7676A27-4D6A-934B-A212-2BD895596865}" type="pres">
-      <dgm:prSet presAssocID="{AE97032D-2CE5-45A2-BCC3-D5D148487335}" presName="childText" presStyleLbl="conFgAcc1" presStyleIdx="1" presStyleCnt="4">
+    <dgm:pt modelId="{E32236A0-F389-E54A-8ACA-6A76D0BE3594}" type="pres">
+      <dgm:prSet presAssocID="{AE97032D-2CE5-45A2-BCC3-D5D148487335}" presName="childText" presStyleLbl="revTx" presStyleIdx="1" presStyleCnt="4">
         <dgm:presLayoutVars>
           <dgm:bulletEnabled val="1"/>
         </dgm:presLayoutVars>
       </dgm:prSet>
       <dgm:spPr/>
     </dgm:pt>
-    <dgm:pt modelId="{C8172DE6-B5DF-7746-B7B8-DD6BCC50A690}" type="pres">
-      <dgm:prSet presAssocID="{71829E48-C99C-4A56-AA62-A22902CA8FEE}" presName="spaceBetweenRectangles" presStyleCnt="0"/>
-      <dgm:spPr/>
-    </dgm:pt>
-    <dgm:pt modelId="{30D08978-2AA4-3E42-82D4-49ED0ECB421C}" type="pres">
-      <dgm:prSet presAssocID="{A01D1F25-8022-4D70-87A2-352221F5073B}" presName="parentLin" presStyleCnt="0"/>
-      <dgm:spPr/>
-    </dgm:pt>
-    <dgm:pt modelId="{DE3E05FC-261B-524A-8385-E554B44FA5A3}" type="pres">
-      <dgm:prSet presAssocID="{A01D1F25-8022-4D70-87A2-352221F5073B}" presName="parentLeftMargin" presStyleLbl="node1" presStyleIdx="1" presStyleCnt="4"/>
-      <dgm:spPr/>
-    </dgm:pt>
-    <dgm:pt modelId="{3D5A538A-5D30-5948-810D-A3991EF4FDC4}" type="pres">
+    <dgm:pt modelId="{F45208EC-3F9E-C443-B3B5-8E484B7DB7A4}" type="pres">
       <dgm:prSet presAssocID="{A01D1F25-8022-4D70-87A2-352221F5073B}" presName="parentText" presStyleLbl="node1" presStyleIdx="2" presStyleCnt="4">
         <dgm:presLayoutVars>
           <dgm:chMax val="0"/>
@@ -3552,31 +4415,15 @@
       </dgm:prSet>
       <dgm:spPr/>
     </dgm:pt>
-    <dgm:pt modelId="{6B96B317-FD2C-BA4B-B557-03F7D8F6F7AE}" type="pres">
-      <dgm:prSet presAssocID="{A01D1F25-8022-4D70-87A2-352221F5073B}" presName="negativeSpace" presStyleCnt="0"/>
-      <dgm:spPr/>
-    </dgm:pt>
-    <dgm:pt modelId="{8DA45E9C-BD48-0740-9EB1-49992FE9F0AB}" type="pres">
-      <dgm:prSet presAssocID="{A01D1F25-8022-4D70-87A2-352221F5073B}" presName="childText" presStyleLbl="conFgAcc1" presStyleIdx="2" presStyleCnt="4">
+    <dgm:pt modelId="{C9AD969C-B2EA-FA46-A8EA-8467D9188ACD}" type="pres">
+      <dgm:prSet presAssocID="{A01D1F25-8022-4D70-87A2-352221F5073B}" presName="childText" presStyleLbl="revTx" presStyleIdx="2" presStyleCnt="4">
         <dgm:presLayoutVars>
           <dgm:bulletEnabled val="1"/>
         </dgm:presLayoutVars>
       </dgm:prSet>
       <dgm:spPr/>
     </dgm:pt>
-    <dgm:pt modelId="{EFBEA64B-BCEA-3A40-8436-5FDE803B5464}" type="pres">
-      <dgm:prSet presAssocID="{34AC5FD8-CCB2-4706-95DB-B5294CE5A89C}" presName="spaceBetweenRectangles" presStyleCnt="0"/>
-      <dgm:spPr/>
-    </dgm:pt>
-    <dgm:pt modelId="{9487E0D2-A0ED-8747-AC50-5D8F4D503FA8}" type="pres">
-      <dgm:prSet presAssocID="{F860D772-AAB2-4B47-BD86-FC32A787C554}" presName="parentLin" presStyleCnt="0"/>
-      <dgm:spPr/>
-    </dgm:pt>
-    <dgm:pt modelId="{58971FC3-C2DE-CF47-B520-338165DB7578}" type="pres">
-      <dgm:prSet presAssocID="{F860D772-AAB2-4B47-BD86-FC32A787C554}" presName="parentLeftMargin" presStyleLbl="node1" presStyleIdx="2" presStyleCnt="4"/>
-      <dgm:spPr/>
-    </dgm:pt>
-    <dgm:pt modelId="{F1C35BF3-4A52-D548-94D0-6EE996F31DB8}" type="pres">
+    <dgm:pt modelId="{6F80ED58-386E-DA4E-8BE8-9493470D9D8F}" type="pres">
       <dgm:prSet presAssocID="{F860D772-AAB2-4B47-BD86-FC32A787C554}" presName="parentText" presStyleLbl="node1" presStyleIdx="3" presStyleCnt="4">
         <dgm:presLayoutVars>
           <dgm:chMax val="0"/>
@@ -3585,12 +4432,8 @@
       </dgm:prSet>
       <dgm:spPr/>
     </dgm:pt>
-    <dgm:pt modelId="{8BB50C20-CB6D-BD4D-901E-FD4A4301F072}" type="pres">
-      <dgm:prSet presAssocID="{F860D772-AAB2-4B47-BD86-FC32A787C554}" presName="negativeSpace" presStyleCnt="0"/>
-      <dgm:spPr/>
-    </dgm:pt>
-    <dgm:pt modelId="{FFF9D291-5E1A-964E-A35B-A85FA5106218}" type="pres">
-      <dgm:prSet presAssocID="{F860D772-AAB2-4B47-BD86-FC32A787C554}" presName="childText" presStyleLbl="conFgAcc1" presStyleIdx="3" presStyleCnt="4">
+    <dgm:pt modelId="{6B6AB4FD-F098-E543-905C-E73BA3461631}" type="pres">
+      <dgm:prSet presAssocID="{F860D772-AAB2-4B47-BD86-FC32A787C554}" presName="childText" presStyleLbl="revTx" presStyleIdx="3" presStyleCnt="4">
         <dgm:presLayoutVars>
           <dgm:bulletEnabled val="1"/>
         </dgm:presLayoutVars>
@@ -3599,58 +4442,325 @@
     </dgm:pt>
   </dgm:ptLst>
   <dgm:cxnLst>
-    <dgm:cxn modelId="{23C8162E-D0F3-9B4E-81A8-0D900F4835F6}" type="presOf" srcId="{1DEB4118-0FFB-401B-A939-D078975EDD97}" destId="{82E5F8B3-C5A0-AC4D-866D-A1076738A34D}" srcOrd="0" destOrd="0" presId="urn:microsoft.com/office/officeart/2005/8/layout/list1"/>
-    <dgm:cxn modelId="{2008F82E-33E9-B945-BE89-35CF239F035E}" type="presOf" srcId="{A01D1F25-8022-4D70-87A2-352221F5073B}" destId="{DE3E05FC-261B-524A-8385-E554B44FA5A3}" srcOrd="0" destOrd="0" presId="urn:microsoft.com/office/officeart/2005/8/layout/list1"/>
-    <dgm:cxn modelId="{D6B1D132-AB0E-DD4B-84CB-A7FA8CCD1093}" type="presOf" srcId="{7406C218-335A-4FD2-A393-C524F0793B93}" destId="{E7676A27-4D6A-934B-A212-2BD895596865}" srcOrd="0" destOrd="0" presId="urn:microsoft.com/office/officeart/2005/8/layout/list1"/>
+    <dgm:cxn modelId="{0E24601D-04F2-BD40-833E-34F423A13DE4}" type="presOf" srcId="{7406C218-335A-4FD2-A393-C524F0793B93}" destId="{E32236A0-F389-E54A-8ACA-6A76D0BE3594}" srcOrd="0" destOrd="0" presId="urn:microsoft.com/office/officeart/2005/8/layout/vList2"/>
+    <dgm:cxn modelId="{4EA5DD27-170A-F648-82F0-C07F2A23CFAD}" type="presOf" srcId="{E82F2391-58FC-4EF8-924E-5339F8B6D40D}" destId="{C9AD969C-B2EA-FA46-A8EA-8467D9188ACD}" srcOrd="0" destOrd="1" presId="urn:microsoft.com/office/officeart/2005/8/layout/vList2"/>
     <dgm:cxn modelId="{C048FC33-448F-4AF5-BD52-484E5048077F}" srcId="{A01D1F25-8022-4D70-87A2-352221F5073B}" destId="{167DA70D-906E-4FB8-946D-12FEBE70CF2B}" srcOrd="0" destOrd="0" parTransId="{0B2B679B-2DCC-40E6-993B-128FDCAD71DE}" sibTransId="{9F81CE55-9D2C-45C2-B27B-93E58DFC146C}"/>
-    <dgm:cxn modelId="{C992BB39-9351-A14A-9027-033DECD0AEE6}" type="presOf" srcId="{AE97032D-2CE5-45A2-BCC3-D5D148487335}" destId="{F0852575-1567-8540-A7B7-2D3F387B2CD0}" srcOrd="0" destOrd="0" presId="urn:microsoft.com/office/officeart/2005/8/layout/list1"/>
-    <dgm:cxn modelId="{DB802442-62FC-5342-B456-60CF6FF01F9D}" type="presOf" srcId="{F860D772-AAB2-4B47-BD86-FC32A787C554}" destId="{58971FC3-C2DE-CF47-B520-338165DB7578}" srcOrd="0" destOrd="0" presId="urn:microsoft.com/office/officeart/2005/8/layout/list1"/>
-    <dgm:cxn modelId="{BCED474E-0186-5D44-A3C7-E3E68ACFC258}" type="presOf" srcId="{F860D772-AAB2-4B47-BD86-FC32A787C554}" destId="{F1C35BF3-4A52-D548-94D0-6EE996F31DB8}" srcOrd="1" destOrd="0" presId="urn:microsoft.com/office/officeart/2005/8/layout/list1"/>
-    <dgm:cxn modelId="{79863261-A02C-7A46-8D93-9EDCE638323C}" type="presOf" srcId="{E82F2391-58FC-4EF8-924E-5339F8B6D40D}" destId="{8DA45E9C-BD48-0740-9EB1-49992FE9F0AB}" srcOrd="0" destOrd="1" presId="urn:microsoft.com/office/officeart/2005/8/layout/list1"/>
+    <dgm:cxn modelId="{63768240-87C7-D849-B233-B451B85CA30A}" type="presOf" srcId="{AE97032D-2CE5-45A2-BCC3-D5D148487335}" destId="{6E78CC8A-84F5-5D49-81A8-D91775363FA0}" srcOrd="0" destOrd="0" presId="urn:microsoft.com/office/officeart/2005/8/layout/vList2"/>
+    <dgm:cxn modelId="{4EB4EF53-B198-C74E-9CF7-A52382C5F363}" type="presOf" srcId="{167DA70D-906E-4FB8-946D-12FEBE70CF2B}" destId="{C9AD969C-B2EA-FA46-A8EA-8467D9188ACD}" srcOrd="0" destOrd="0" presId="urn:microsoft.com/office/officeart/2005/8/layout/vList2"/>
     <dgm:cxn modelId="{B0B4986A-6163-41A7-A267-A8D56072CC1E}" srcId="{1DEB4118-0FFB-401B-A939-D078975EDD97}" destId="{2B40B345-1CE8-4153-B53A-2E4EFCFAC238}" srcOrd="0" destOrd="0" parTransId="{14E46E3A-E1FC-4F39-B052-9708B9CD809E}" sibTransId="{40967837-D03F-4E90-9266-CE1C2D3B0756}"/>
-    <dgm:cxn modelId="{390B2E7B-2861-4749-8A3E-8223FE0659DC}" type="presOf" srcId="{167DA70D-906E-4FB8-946D-12FEBE70CF2B}" destId="{8DA45E9C-BD48-0740-9EB1-49992FE9F0AB}" srcOrd="0" destOrd="0" presId="urn:microsoft.com/office/officeart/2005/8/layout/list1"/>
+    <dgm:cxn modelId="{57FA3E6E-FC0B-C248-B37D-7CF4AB4F54A5}" type="presOf" srcId="{89E80058-6923-4E70-942A-789F1A6A6064}" destId="{6B6AB4FD-F098-E543-905C-E73BA3461631}" srcOrd="0" destOrd="0" presId="urn:microsoft.com/office/officeart/2005/8/layout/vList2"/>
     <dgm:cxn modelId="{6A914F7F-5458-4E24-B789-6B623728C9D7}" srcId="{A01D1F25-8022-4D70-87A2-352221F5073B}" destId="{E82F2391-58FC-4EF8-924E-5339F8B6D40D}" srcOrd="1" destOrd="0" parTransId="{810E1E2D-C0F2-4B9F-AA0F-F977BE1AF53E}" sibTransId="{43B2D5D7-7550-4BE3-9239-FBDF9ED7DA9B}"/>
     <dgm:cxn modelId="{353D1880-84BD-4B6F-A369-435595E3485B}" srcId="{AE97032D-2CE5-45A2-BCC3-D5D148487335}" destId="{7406C218-335A-4FD2-A393-C524F0793B93}" srcOrd="0" destOrd="0" parTransId="{8ED8ACEA-FAFB-45D0-8C96-5D48DBE078A8}" sibTransId="{38128521-5D4E-4C09-93D4-E6401B2D320F}"/>
-    <dgm:cxn modelId="{28A28483-45BA-FA46-BE24-2118D6A2014E}" type="presOf" srcId="{1DEB4118-0FFB-401B-A939-D078975EDD97}" destId="{A10D31AD-8C3F-9B4C-BA2D-A73FA42DD312}" srcOrd="1" destOrd="0" presId="urn:microsoft.com/office/officeart/2005/8/layout/list1"/>
     <dgm:cxn modelId="{CBFE4185-D1A8-49B4-B4DC-E860743E739B}" srcId="{F860D772-AAB2-4B47-BD86-FC32A787C554}" destId="{89E80058-6923-4E70-942A-789F1A6A6064}" srcOrd="0" destOrd="0" parTransId="{0DC1D7CB-0AAB-48F7-B9C5-DED708EB5D2E}" sibTransId="{4824AC3E-6B4F-4E55-B396-B98AC9FB1ECB}"/>
-    <dgm:cxn modelId="{BD9BAB8B-A6E2-FF44-803C-AA5488471560}" type="presOf" srcId="{89E80058-6923-4E70-942A-789F1A6A6064}" destId="{FFF9D291-5E1A-964E-A35B-A85FA5106218}" srcOrd="0" destOrd="0" presId="urn:microsoft.com/office/officeart/2005/8/layout/list1"/>
     <dgm:cxn modelId="{469438AD-0CB8-4967-8569-CEEABE05928F}" srcId="{A43A4CA6-9665-4AFE-937E-F82D2F581832}" destId="{F860D772-AAB2-4B47-BD86-FC32A787C554}" srcOrd="3" destOrd="0" parTransId="{BE79E976-250E-4ACD-8501-A0E9DECEACBF}" sibTransId="{D3228AFC-2F08-4527-958E-298DDF045240}"/>
-    <dgm:cxn modelId="{E8B6FDAE-CCB4-934C-BDE6-606F91268897}" type="presOf" srcId="{2B40B345-1CE8-4153-B53A-2E4EFCFAC238}" destId="{13D0402E-37E2-D24E-96F2-7CC94AC3F5FF}" srcOrd="0" destOrd="0" presId="urn:microsoft.com/office/officeart/2005/8/layout/list1"/>
+    <dgm:cxn modelId="{D5102FB6-8DFA-D349-BD79-B335652B751A}" type="presOf" srcId="{1DEB4118-0FFB-401B-A939-D078975EDD97}" destId="{2F52A5A0-2621-BD43-9907-2E730E98F5A9}" srcOrd="0" destOrd="0" presId="urn:microsoft.com/office/officeart/2005/8/layout/vList2"/>
+    <dgm:cxn modelId="{2D5C00C2-FA61-4344-8C03-3021F336290F}" type="presOf" srcId="{F860D772-AAB2-4B47-BD86-FC32A787C554}" destId="{6F80ED58-386E-DA4E-8BE8-9493470D9D8F}" srcOrd="0" destOrd="0" presId="urn:microsoft.com/office/officeart/2005/8/layout/vList2"/>
+    <dgm:cxn modelId="{539995C7-C810-4143-A64C-702863DEE518}" type="presOf" srcId="{2B40B345-1CE8-4153-B53A-2E4EFCFAC238}" destId="{E2287CA0-796D-6A4C-826A-46829D603805}" srcOrd="0" destOrd="0" presId="urn:microsoft.com/office/officeart/2005/8/layout/vList2"/>
     <dgm:cxn modelId="{3B4157CF-8480-4718-9144-2BD6BD109F29}" srcId="{A43A4CA6-9665-4AFE-937E-F82D2F581832}" destId="{AE97032D-2CE5-45A2-BCC3-D5D148487335}" srcOrd="1" destOrd="0" parTransId="{914FCCBE-D7D0-425C-A4DC-B55EFB1995FA}" sibTransId="{71829E48-C99C-4A56-AA62-A22902CA8FEE}"/>
-    <dgm:cxn modelId="{45CE82DC-A438-C74D-AEB3-5590B049218E}" type="presOf" srcId="{A01D1F25-8022-4D70-87A2-352221F5073B}" destId="{3D5A538A-5D30-5948-810D-A3991EF4FDC4}" srcOrd="1" destOrd="0" presId="urn:microsoft.com/office/officeart/2005/8/layout/list1"/>
-    <dgm:cxn modelId="{2ED976F0-F71E-EA4D-A511-D7E7BAF01239}" type="presOf" srcId="{AE97032D-2CE5-45A2-BCC3-D5D148487335}" destId="{C6217081-C91D-2948-AAE4-F1D5414803D4}" srcOrd="1" destOrd="0" presId="urn:microsoft.com/office/officeart/2005/8/layout/list1"/>
-    <dgm:cxn modelId="{DF3FABF2-B5A5-D54A-A970-A96E97217575}" type="presOf" srcId="{A43A4CA6-9665-4AFE-937E-F82D2F581832}" destId="{B267CB7A-ABE5-9F41-83EA-C4652DB2AF4E}" srcOrd="0" destOrd="0" presId="urn:microsoft.com/office/officeart/2005/8/layout/list1"/>
+    <dgm:cxn modelId="{077687E0-17DC-1C43-90D8-8915C7D24A69}" type="presOf" srcId="{A01D1F25-8022-4D70-87A2-352221F5073B}" destId="{F45208EC-3F9E-C443-B3B5-8E484B7DB7A4}" srcOrd="0" destOrd="0" presId="urn:microsoft.com/office/officeart/2005/8/layout/vList2"/>
     <dgm:cxn modelId="{E628B9F5-10EC-43EA-8224-CCFCF504C43C}" srcId="{A43A4CA6-9665-4AFE-937E-F82D2F581832}" destId="{A01D1F25-8022-4D70-87A2-352221F5073B}" srcOrd="2" destOrd="0" parTransId="{69B47407-043C-4EA8-8124-4E493D81076D}" sibTransId="{34AC5FD8-CCB2-4706-95DB-B5294CE5A89C}"/>
+    <dgm:cxn modelId="{84DEC2F9-5CC2-194F-970D-0724B1A7EF7B}" type="presOf" srcId="{A43A4CA6-9665-4AFE-937E-F82D2F581832}" destId="{4AAF4B82-3A5F-4547-8DEC-1EBCC25DC8D5}" srcOrd="0" destOrd="0" presId="urn:microsoft.com/office/officeart/2005/8/layout/vList2"/>
     <dgm:cxn modelId="{43703EFA-49E7-47EA-B9E7-B4330282E1EE}" srcId="{A43A4CA6-9665-4AFE-937E-F82D2F581832}" destId="{1DEB4118-0FFB-401B-A939-D078975EDD97}" srcOrd="0" destOrd="0" parTransId="{0BE23AB8-6CCC-423C-A398-FBD844BBA070}" sibTransId="{DA0EB9B5-05E6-4981-A9EF-D2F1C0E2B5E8}"/>
-    <dgm:cxn modelId="{D25401DF-792D-D943-ABEC-42871E43B3BD}" type="presParOf" srcId="{B267CB7A-ABE5-9F41-83EA-C4652DB2AF4E}" destId="{5F5B09AF-006E-D34B-9ECE-327C0540FADB}" srcOrd="0" destOrd="0" presId="urn:microsoft.com/office/officeart/2005/8/layout/list1"/>
-    <dgm:cxn modelId="{FFB0318F-634C-1A4B-82F3-3D7F292B703D}" type="presParOf" srcId="{5F5B09AF-006E-D34B-9ECE-327C0540FADB}" destId="{82E5F8B3-C5A0-AC4D-866D-A1076738A34D}" srcOrd="0" destOrd="0" presId="urn:microsoft.com/office/officeart/2005/8/layout/list1"/>
-    <dgm:cxn modelId="{23F1CF57-9AAC-BD4F-A5DA-B6806C98FB9C}" type="presParOf" srcId="{5F5B09AF-006E-D34B-9ECE-327C0540FADB}" destId="{A10D31AD-8C3F-9B4C-BA2D-A73FA42DD312}" srcOrd="1" destOrd="0" presId="urn:microsoft.com/office/officeart/2005/8/layout/list1"/>
-    <dgm:cxn modelId="{236A6CDB-3DC4-4647-B171-5501CC768DDD}" type="presParOf" srcId="{B267CB7A-ABE5-9F41-83EA-C4652DB2AF4E}" destId="{0EE9F933-319D-0040-BD17-728C11542DB5}" srcOrd="1" destOrd="0" presId="urn:microsoft.com/office/officeart/2005/8/layout/list1"/>
-    <dgm:cxn modelId="{D0FD4F80-5AAC-D14E-9E68-36A94D10A05D}" type="presParOf" srcId="{B267CB7A-ABE5-9F41-83EA-C4652DB2AF4E}" destId="{13D0402E-37E2-D24E-96F2-7CC94AC3F5FF}" srcOrd="2" destOrd="0" presId="urn:microsoft.com/office/officeart/2005/8/layout/list1"/>
-    <dgm:cxn modelId="{37C7EB88-8B5C-E64D-954B-0FFE1C0A812A}" type="presParOf" srcId="{B267CB7A-ABE5-9F41-83EA-C4652DB2AF4E}" destId="{4110977E-854C-684D-89AC-A221D5C670F1}" srcOrd="3" destOrd="0" presId="urn:microsoft.com/office/officeart/2005/8/layout/list1"/>
-    <dgm:cxn modelId="{06A7AE70-D2E5-304B-B459-2AF9BCD3B3C4}" type="presParOf" srcId="{B267CB7A-ABE5-9F41-83EA-C4652DB2AF4E}" destId="{2A41F54C-50D3-2043-A2AD-7F800D25E741}" srcOrd="4" destOrd="0" presId="urn:microsoft.com/office/officeart/2005/8/layout/list1"/>
-    <dgm:cxn modelId="{5F43DED7-CD53-4F46-94D7-60BA32234C52}" type="presParOf" srcId="{2A41F54C-50D3-2043-A2AD-7F800D25E741}" destId="{F0852575-1567-8540-A7B7-2D3F387B2CD0}" srcOrd="0" destOrd="0" presId="urn:microsoft.com/office/officeart/2005/8/layout/list1"/>
-    <dgm:cxn modelId="{F8C5687B-BD51-F442-AC6F-A710DFA4D982}" type="presParOf" srcId="{2A41F54C-50D3-2043-A2AD-7F800D25E741}" destId="{C6217081-C91D-2948-AAE4-F1D5414803D4}" srcOrd="1" destOrd="0" presId="urn:microsoft.com/office/officeart/2005/8/layout/list1"/>
-    <dgm:cxn modelId="{525E7EC0-7522-5747-A59A-F752CF043A5C}" type="presParOf" srcId="{B267CB7A-ABE5-9F41-83EA-C4652DB2AF4E}" destId="{4157473C-C374-C544-B389-73C0CAAEE07D}" srcOrd="5" destOrd="0" presId="urn:microsoft.com/office/officeart/2005/8/layout/list1"/>
-    <dgm:cxn modelId="{62566DC5-A28E-1C4C-BEAF-28D86FF54FBF}" type="presParOf" srcId="{B267CB7A-ABE5-9F41-83EA-C4652DB2AF4E}" destId="{E7676A27-4D6A-934B-A212-2BD895596865}" srcOrd="6" destOrd="0" presId="urn:microsoft.com/office/officeart/2005/8/layout/list1"/>
-    <dgm:cxn modelId="{BEC6CCA5-668E-9E43-ACB0-BEC0C4FBD878}" type="presParOf" srcId="{B267CB7A-ABE5-9F41-83EA-C4652DB2AF4E}" destId="{C8172DE6-B5DF-7746-B7B8-DD6BCC50A690}" srcOrd="7" destOrd="0" presId="urn:microsoft.com/office/officeart/2005/8/layout/list1"/>
-    <dgm:cxn modelId="{EAF1601F-F2AE-2945-A1D8-147116FECD17}" type="presParOf" srcId="{B267CB7A-ABE5-9F41-83EA-C4652DB2AF4E}" destId="{30D08978-2AA4-3E42-82D4-49ED0ECB421C}" srcOrd="8" destOrd="0" presId="urn:microsoft.com/office/officeart/2005/8/layout/list1"/>
-    <dgm:cxn modelId="{A8545C7C-4056-6648-BBA3-87D82521A675}" type="presParOf" srcId="{30D08978-2AA4-3E42-82D4-49ED0ECB421C}" destId="{DE3E05FC-261B-524A-8385-E554B44FA5A3}" srcOrd="0" destOrd="0" presId="urn:microsoft.com/office/officeart/2005/8/layout/list1"/>
-    <dgm:cxn modelId="{15EF611E-2496-8C42-8468-96219A90661E}" type="presParOf" srcId="{30D08978-2AA4-3E42-82D4-49ED0ECB421C}" destId="{3D5A538A-5D30-5948-810D-A3991EF4FDC4}" srcOrd="1" destOrd="0" presId="urn:microsoft.com/office/officeart/2005/8/layout/list1"/>
-    <dgm:cxn modelId="{FC16E058-35A4-E54F-A17C-C230ED03910F}" type="presParOf" srcId="{B267CB7A-ABE5-9F41-83EA-C4652DB2AF4E}" destId="{6B96B317-FD2C-BA4B-B557-03F7D8F6F7AE}" srcOrd="9" destOrd="0" presId="urn:microsoft.com/office/officeart/2005/8/layout/list1"/>
-    <dgm:cxn modelId="{430E4A72-FC58-B649-9D35-350345FC5393}" type="presParOf" srcId="{B267CB7A-ABE5-9F41-83EA-C4652DB2AF4E}" destId="{8DA45E9C-BD48-0740-9EB1-49992FE9F0AB}" srcOrd="10" destOrd="0" presId="urn:microsoft.com/office/officeart/2005/8/layout/list1"/>
-    <dgm:cxn modelId="{9150BD9C-7FE5-A744-9E68-9ED147C6C9D6}" type="presParOf" srcId="{B267CB7A-ABE5-9F41-83EA-C4652DB2AF4E}" destId="{EFBEA64B-BCEA-3A40-8436-5FDE803B5464}" srcOrd="11" destOrd="0" presId="urn:microsoft.com/office/officeart/2005/8/layout/list1"/>
-    <dgm:cxn modelId="{828B1EB5-F3A2-994A-ACB3-57872046E674}" type="presParOf" srcId="{B267CB7A-ABE5-9F41-83EA-C4652DB2AF4E}" destId="{9487E0D2-A0ED-8747-AC50-5D8F4D503FA8}" srcOrd="12" destOrd="0" presId="urn:microsoft.com/office/officeart/2005/8/layout/list1"/>
-    <dgm:cxn modelId="{4382D98A-7016-1949-9B0E-D479DA11A8A0}" type="presParOf" srcId="{9487E0D2-A0ED-8747-AC50-5D8F4D503FA8}" destId="{58971FC3-C2DE-CF47-B520-338165DB7578}" srcOrd="0" destOrd="0" presId="urn:microsoft.com/office/officeart/2005/8/layout/list1"/>
-    <dgm:cxn modelId="{F5DE12FA-4E69-0040-BE0C-6A5873BB6048}" type="presParOf" srcId="{9487E0D2-A0ED-8747-AC50-5D8F4D503FA8}" destId="{F1C35BF3-4A52-D548-94D0-6EE996F31DB8}" srcOrd="1" destOrd="0" presId="urn:microsoft.com/office/officeart/2005/8/layout/list1"/>
-    <dgm:cxn modelId="{4A7822EB-F7ED-5C4B-BC36-23918BE96696}" type="presParOf" srcId="{B267CB7A-ABE5-9F41-83EA-C4652DB2AF4E}" destId="{8BB50C20-CB6D-BD4D-901E-FD4A4301F072}" srcOrd="13" destOrd="0" presId="urn:microsoft.com/office/officeart/2005/8/layout/list1"/>
-    <dgm:cxn modelId="{CCFADB7C-5CE2-7542-94BB-7556B3E33F79}" type="presParOf" srcId="{B267CB7A-ABE5-9F41-83EA-C4652DB2AF4E}" destId="{FFF9D291-5E1A-964E-A35B-A85FA5106218}" srcOrd="14" destOrd="0" presId="urn:microsoft.com/office/officeart/2005/8/layout/list1"/>
+    <dgm:cxn modelId="{FBD73DEF-8D58-3C4F-92F5-9A1159DD5A10}" type="presParOf" srcId="{4AAF4B82-3A5F-4547-8DEC-1EBCC25DC8D5}" destId="{2F52A5A0-2621-BD43-9907-2E730E98F5A9}" srcOrd="0" destOrd="0" presId="urn:microsoft.com/office/officeart/2005/8/layout/vList2"/>
+    <dgm:cxn modelId="{21F9E9FD-104B-BE42-AE19-3813733FF0A1}" type="presParOf" srcId="{4AAF4B82-3A5F-4547-8DEC-1EBCC25DC8D5}" destId="{E2287CA0-796D-6A4C-826A-46829D603805}" srcOrd="1" destOrd="0" presId="urn:microsoft.com/office/officeart/2005/8/layout/vList2"/>
+    <dgm:cxn modelId="{7FB7AF97-0737-924A-B2FA-9C6D7C30C474}" type="presParOf" srcId="{4AAF4B82-3A5F-4547-8DEC-1EBCC25DC8D5}" destId="{6E78CC8A-84F5-5D49-81A8-D91775363FA0}" srcOrd="2" destOrd="0" presId="urn:microsoft.com/office/officeart/2005/8/layout/vList2"/>
+    <dgm:cxn modelId="{F882674C-FB34-484C-998B-A8D45E380DB5}" type="presParOf" srcId="{4AAF4B82-3A5F-4547-8DEC-1EBCC25DC8D5}" destId="{E32236A0-F389-E54A-8ACA-6A76D0BE3594}" srcOrd="3" destOrd="0" presId="urn:microsoft.com/office/officeart/2005/8/layout/vList2"/>
+    <dgm:cxn modelId="{DECE4B04-E5C5-FE4E-9513-27621F3AD0B8}" type="presParOf" srcId="{4AAF4B82-3A5F-4547-8DEC-1EBCC25DC8D5}" destId="{F45208EC-3F9E-C443-B3B5-8E484B7DB7A4}" srcOrd="4" destOrd="0" presId="urn:microsoft.com/office/officeart/2005/8/layout/vList2"/>
+    <dgm:cxn modelId="{F2D6281A-06C6-1E49-9A3B-2832FAB6AC00}" type="presParOf" srcId="{4AAF4B82-3A5F-4547-8DEC-1EBCC25DC8D5}" destId="{C9AD969C-B2EA-FA46-A8EA-8467D9188ACD}" srcOrd="5" destOrd="0" presId="urn:microsoft.com/office/officeart/2005/8/layout/vList2"/>
+    <dgm:cxn modelId="{67582A6D-6999-9D4A-901A-36DCDD95E9B8}" type="presParOf" srcId="{4AAF4B82-3A5F-4547-8DEC-1EBCC25DC8D5}" destId="{6F80ED58-386E-DA4E-8BE8-9493470D9D8F}" srcOrd="6" destOrd="0" presId="urn:microsoft.com/office/officeart/2005/8/layout/vList2"/>
+    <dgm:cxn modelId="{AB72EF18-2089-1444-85A9-DA6AE1AB6C0C}" type="presParOf" srcId="{4AAF4B82-3A5F-4547-8DEC-1EBCC25DC8D5}" destId="{6B6AB4FD-F098-E543-905C-E73BA3461631}" srcOrd="7" destOrd="0" presId="urn:microsoft.com/office/officeart/2005/8/layout/vList2"/>
   </dgm:cxnLst>
   <dgm:bg/>
   <dgm:whole/>
   <dgm:extLst>
     <a:ext uri="http://schemas.microsoft.com/office/drawing/2008/diagram">
       <dsp:dataModelExt xmlns:dsp="http://schemas.microsoft.com/office/drawing/2008/diagram" relId="rId7" minVer="http://schemas.openxmlformats.org/drawingml/2006/diagram"/>
+    </a:ext>
+  </dgm:extLst>
+</dgm:dataModel>
+</file>
+
+<file path=ppt/diagrams/data4.xml><?xml version="1.0" encoding="utf-8"?>
+<dgm:dataModel xmlns:dgm="http://schemas.openxmlformats.org/drawingml/2006/diagram" xmlns:a="http://schemas.openxmlformats.org/drawingml/2006/main">
+  <dgm:ptLst>
+    <dgm:pt modelId="{9D117C0E-87B5-2F42-BED9-0F69C1AAF09E}" type="doc">
+      <dgm:prSet loTypeId="urn:microsoft.com/office/officeart/2005/8/layout/venn1" loCatId="" qsTypeId="urn:microsoft.com/office/officeart/2005/8/quickstyle/simple1" qsCatId="simple" csTypeId="urn:microsoft.com/office/officeart/2005/8/colors/colorful1" csCatId="colorful" phldr="1"/>
+      <dgm:spPr/>
+    </dgm:pt>
+    <dgm:pt modelId="{610B48A7-2BD5-FA49-B52D-21C603E63CFB}">
+      <dgm:prSet phldrT="[Text]"/>
+      <dgm:spPr/>
+      <dgm:t>
+        <a:bodyPr/>
+        <a:lstStyle/>
+        <a:p>
+          <a:endParaRPr lang="en-US" dirty="0"/>
+        </a:p>
+      </dgm:t>
+    </dgm:pt>
+    <dgm:pt modelId="{EDA21BB8-0218-A241-9B7C-1DE0DF135AE5}" type="parTrans" cxnId="{BA1C6ACE-3B9B-9E41-A5F9-B121FBABF0B8}">
+      <dgm:prSet/>
+      <dgm:spPr/>
+      <dgm:t>
+        <a:bodyPr/>
+        <a:lstStyle/>
+        <a:p>
+          <a:endParaRPr lang="en-US"/>
+        </a:p>
+      </dgm:t>
+    </dgm:pt>
+    <dgm:pt modelId="{8E689D81-3007-1846-855D-F7EA47F944F0}" type="sibTrans" cxnId="{BA1C6ACE-3B9B-9E41-A5F9-B121FBABF0B8}">
+      <dgm:prSet/>
+      <dgm:spPr/>
+      <dgm:t>
+        <a:bodyPr/>
+        <a:lstStyle/>
+        <a:p>
+          <a:endParaRPr lang="en-US"/>
+        </a:p>
+      </dgm:t>
+    </dgm:pt>
+    <dgm:pt modelId="{041ACDED-570A-CF4C-8F2A-6B8D46F45C59}">
+      <dgm:prSet phldrT="[Text]"/>
+      <dgm:spPr/>
+      <dgm:t>
+        <a:bodyPr/>
+        <a:lstStyle/>
+        <a:p>
+          <a:endParaRPr lang="en-US" dirty="0"/>
+        </a:p>
+      </dgm:t>
+    </dgm:pt>
+    <dgm:pt modelId="{CC185A21-E262-694B-B347-8A908B35C151}" type="parTrans" cxnId="{A6E60EF5-08FF-5442-9689-9D6703FCD252}">
+      <dgm:prSet/>
+      <dgm:spPr/>
+      <dgm:t>
+        <a:bodyPr/>
+        <a:lstStyle/>
+        <a:p>
+          <a:endParaRPr lang="en-US"/>
+        </a:p>
+      </dgm:t>
+    </dgm:pt>
+    <dgm:pt modelId="{2055292A-E05B-2E4D-9323-F0FE22294D9F}" type="sibTrans" cxnId="{A6E60EF5-08FF-5442-9689-9D6703FCD252}">
+      <dgm:prSet/>
+      <dgm:spPr/>
+      <dgm:t>
+        <a:bodyPr/>
+        <a:lstStyle/>
+        <a:p>
+          <a:endParaRPr lang="en-US"/>
+        </a:p>
+      </dgm:t>
+    </dgm:pt>
+    <dgm:pt modelId="{BB61651F-FC01-FB40-89DA-014E9DED2DA3}">
+      <dgm:prSet phldrT="[Text]"/>
+      <dgm:spPr/>
+      <dgm:t>
+        <a:bodyPr/>
+        <a:lstStyle/>
+        <a:p>
+          <a:endParaRPr lang="en-US" dirty="0"/>
+        </a:p>
+      </dgm:t>
+    </dgm:pt>
+    <dgm:pt modelId="{C356B251-12B5-3C4D-B510-BCEB947BAD4D}" type="parTrans" cxnId="{507A6477-43A3-1041-A60B-00E6480A19D0}">
+      <dgm:prSet/>
+      <dgm:spPr/>
+      <dgm:t>
+        <a:bodyPr/>
+        <a:lstStyle/>
+        <a:p>
+          <a:endParaRPr lang="en-US"/>
+        </a:p>
+      </dgm:t>
+    </dgm:pt>
+    <dgm:pt modelId="{BA4817A7-46D7-FE40-9A40-AF540B4563A7}" type="sibTrans" cxnId="{507A6477-43A3-1041-A60B-00E6480A19D0}">
+      <dgm:prSet/>
+      <dgm:spPr/>
+      <dgm:t>
+        <a:bodyPr/>
+        <a:lstStyle/>
+        <a:p>
+          <a:endParaRPr lang="en-US"/>
+        </a:p>
+      </dgm:t>
+    </dgm:pt>
+    <dgm:pt modelId="{0E8881DB-D779-EB4B-8CA2-7C2CED14554B}">
+      <dgm:prSet phldrT="[Text]"/>
+      <dgm:spPr/>
+      <dgm:t>
+        <a:bodyPr/>
+        <a:lstStyle/>
+        <a:p>
+          <a:endParaRPr lang="en-US" dirty="0"/>
+        </a:p>
+      </dgm:t>
+    </dgm:pt>
+    <dgm:pt modelId="{264CE482-25BE-EF46-BF9C-C60C0DA4E97E}" type="parTrans" cxnId="{76CB6CAA-0162-8841-BA41-AA0D3190ECA1}">
+      <dgm:prSet/>
+      <dgm:spPr/>
+      <dgm:t>
+        <a:bodyPr/>
+        <a:lstStyle/>
+        <a:p>
+          <a:endParaRPr lang="en-US"/>
+        </a:p>
+      </dgm:t>
+    </dgm:pt>
+    <dgm:pt modelId="{012055A0-0BB4-6949-A9C8-3F5C456F1813}" type="sibTrans" cxnId="{76CB6CAA-0162-8841-BA41-AA0D3190ECA1}">
+      <dgm:prSet/>
+      <dgm:spPr/>
+      <dgm:t>
+        <a:bodyPr/>
+        <a:lstStyle/>
+        <a:p>
+          <a:endParaRPr lang="en-US"/>
+        </a:p>
+      </dgm:t>
+    </dgm:pt>
+    <dgm:pt modelId="{648BD168-B42B-D24B-9116-2438A234C90C}">
+      <dgm:prSet phldrT="[Text]"/>
+      <dgm:spPr/>
+      <dgm:t>
+        <a:bodyPr/>
+        <a:lstStyle/>
+        <a:p>
+          <a:endParaRPr lang="en-US" dirty="0"/>
+        </a:p>
+      </dgm:t>
+    </dgm:pt>
+    <dgm:pt modelId="{8A5702E0-FD1D-774D-B571-FDB853D9D349}" type="parTrans" cxnId="{225A1AA9-11FD-9D4F-9E38-B4EF46E97914}">
+      <dgm:prSet/>
+      <dgm:spPr/>
+      <dgm:t>
+        <a:bodyPr/>
+        <a:lstStyle/>
+        <a:p>
+          <a:endParaRPr lang="en-US"/>
+        </a:p>
+      </dgm:t>
+    </dgm:pt>
+    <dgm:pt modelId="{890C5082-5B1C-F847-BA3C-20061B4432FD}" type="sibTrans" cxnId="{225A1AA9-11FD-9D4F-9E38-B4EF46E97914}">
+      <dgm:prSet/>
+      <dgm:spPr/>
+      <dgm:t>
+        <a:bodyPr/>
+        <a:lstStyle/>
+        <a:p>
+          <a:endParaRPr lang="en-US"/>
+        </a:p>
+      </dgm:t>
+    </dgm:pt>
+    <dgm:pt modelId="{2D5DF2BE-0B76-4149-9732-737355E4A8EA}" type="pres">
+      <dgm:prSet presAssocID="{9D117C0E-87B5-2F42-BED9-0F69C1AAF09E}" presName="compositeShape" presStyleCnt="0">
+        <dgm:presLayoutVars>
+          <dgm:chMax val="7"/>
+          <dgm:dir/>
+          <dgm:resizeHandles val="exact"/>
+        </dgm:presLayoutVars>
+      </dgm:prSet>
+      <dgm:spPr/>
+    </dgm:pt>
+    <dgm:pt modelId="{A286284E-7EB0-464C-A4D8-87C466E2AE4B}" type="pres">
+      <dgm:prSet presAssocID="{610B48A7-2BD5-FA49-B52D-21C603E63CFB}" presName="circ1" presStyleLbl="vennNode1" presStyleIdx="0" presStyleCnt="5"/>
+      <dgm:spPr/>
+    </dgm:pt>
+    <dgm:pt modelId="{DD939E3C-7333-EC4E-A6CC-E44A7AA3D153}" type="pres">
+      <dgm:prSet presAssocID="{610B48A7-2BD5-FA49-B52D-21C603E63CFB}" presName="circ1Tx" presStyleLbl="revTx" presStyleIdx="0" presStyleCnt="0">
+        <dgm:presLayoutVars>
+          <dgm:chMax val="0"/>
+          <dgm:chPref val="0"/>
+          <dgm:bulletEnabled val="1"/>
+        </dgm:presLayoutVars>
+      </dgm:prSet>
+      <dgm:spPr/>
+    </dgm:pt>
+    <dgm:pt modelId="{7B7CF33C-F888-5B44-BF46-F94EBE2D1D8A}" type="pres">
+      <dgm:prSet presAssocID="{0E8881DB-D779-EB4B-8CA2-7C2CED14554B}" presName="circ2" presStyleLbl="vennNode1" presStyleIdx="1" presStyleCnt="5"/>
+      <dgm:spPr/>
+    </dgm:pt>
+    <dgm:pt modelId="{99788804-BC11-DB45-8E0D-4C58EEC3004D}" type="pres">
+      <dgm:prSet presAssocID="{0E8881DB-D779-EB4B-8CA2-7C2CED14554B}" presName="circ2Tx" presStyleLbl="revTx" presStyleIdx="0" presStyleCnt="0">
+        <dgm:presLayoutVars>
+          <dgm:chMax val="0"/>
+          <dgm:chPref val="0"/>
+          <dgm:bulletEnabled val="1"/>
+        </dgm:presLayoutVars>
+      </dgm:prSet>
+      <dgm:spPr/>
+    </dgm:pt>
+    <dgm:pt modelId="{F4D0CAFB-612A-DA45-AE08-3247E5E91908}" type="pres">
+      <dgm:prSet presAssocID="{648BD168-B42B-D24B-9116-2438A234C90C}" presName="circ3" presStyleLbl="vennNode1" presStyleIdx="2" presStyleCnt="5"/>
+      <dgm:spPr/>
+    </dgm:pt>
+    <dgm:pt modelId="{D7923597-EC1F-2644-943D-FE6C668AC1EC}" type="pres">
+      <dgm:prSet presAssocID="{648BD168-B42B-D24B-9116-2438A234C90C}" presName="circ3Tx" presStyleLbl="revTx" presStyleIdx="0" presStyleCnt="0">
+        <dgm:presLayoutVars>
+          <dgm:chMax val="0"/>
+          <dgm:chPref val="0"/>
+          <dgm:bulletEnabled val="1"/>
+        </dgm:presLayoutVars>
+      </dgm:prSet>
+      <dgm:spPr/>
+    </dgm:pt>
+    <dgm:pt modelId="{C2EF289D-3E98-1F4C-B4B0-6716FABB4136}" type="pres">
+      <dgm:prSet presAssocID="{041ACDED-570A-CF4C-8F2A-6B8D46F45C59}" presName="circ4" presStyleLbl="vennNode1" presStyleIdx="3" presStyleCnt="5"/>
+      <dgm:spPr/>
+    </dgm:pt>
+    <dgm:pt modelId="{5B6110D8-9916-B645-BF65-0BCD794EC6D5}" type="pres">
+      <dgm:prSet presAssocID="{041ACDED-570A-CF4C-8F2A-6B8D46F45C59}" presName="circ4Tx" presStyleLbl="revTx" presStyleIdx="0" presStyleCnt="0">
+        <dgm:presLayoutVars>
+          <dgm:chMax val="0"/>
+          <dgm:chPref val="0"/>
+          <dgm:bulletEnabled val="1"/>
+        </dgm:presLayoutVars>
+      </dgm:prSet>
+      <dgm:spPr/>
+    </dgm:pt>
+    <dgm:pt modelId="{F289F9AF-48FF-E848-AF11-61BD5B7DB29A}" type="pres">
+      <dgm:prSet presAssocID="{BB61651F-FC01-FB40-89DA-014E9DED2DA3}" presName="circ5" presStyleLbl="vennNode1" presStyleIdx="4" presStyleCnt="5"/>
+      <dgm:spPr/>
+    </dgm:pt>
+    <dgm:pt modelId="{05F03609-9EAF-E147-AF10-DDFA814B11C8}" type="pres">
+      <dgm:prSet presAssocID="{BB61651F-FC01-FB40-89DA-014E9DED2DA3}" presName="circ5Tx" presStyleLbl="revTx" presStyleIdx="0" presStyleCnt="0">
+        <dgm:presLayoutVars>
+          <dgm:chMax val="0"/>
+          <dgm:chPref val="0"/>
+          <dgm:bulletEnabled val="1"/>
+        </dgm:presLayoutVars>
+      </dgm:prSet>
+      <dgm:spPr/>
+    </dgm:pt>
+  </dgm:ptLst>
+  <dgm:cxnLst>
+    <dgm:cxn modelId="{8BA74B44-2937-3346-AA62-BFBF6B3309D8}" type="presOf" srcId="{648BD168-B42B-D24B-9116-2438A234C90C}" destId="{D7923597-EC1F-2644-943D-FE6C668AC1EC}" srcOrd="0" destOrd="0" presId="urn:microsoft.com/office/officeart/2005/8/layout/venn1"/>
+    <dgm:cxn modelId="{6FCD154D-0671-2B49-8FEF-ADC1044108E8}" type="presOf" srcId="{BB61651F-FC01-FB40-89DA-014E9DED2DA3}" destId="{05F03609-9EAF-E147-AF10-DDFA814B11C8}" srcOrd="0" destOrd="0" presId="urn:microsoft.com/office/officeart/2005/8/layout/venn1"/>
+    <dgm:cxn modelId="{507A6477-43A3-1041-A60B-00E6480A19D0}" srcId="{9D117C0E-87B5-2F42-BED9-0F69C1AAF09E}" destId="{BB61651F-FC01-FB40-89DA-014E9DED2DA3}" srcOrd="4" destOrd="0" parTransId="{C356B251-12B5-3C4D-B510-BCEB947BAD4D}" sibTransId="{BA4817A7-46D7-FE40-9A40-AF540B4563A7}"/>
+    <dgm:cxn modelId="{F948639F-1A65-9041-BE95-BA14631051C1}" type="presOf" srcId="{9D117C0E-87B5-2F42-BED9-0F69C1AAF09E}" destId="{2D5DF2BE-0B76-4149-9732-737355E4A8EA}" srcOrd="0" destOrd="0" presId="urn:microsoft.com/office/officeart/2005/8/layout/venn1"/>
+    <dgm:cxn modelId="{225A1AA9-11FD-9D4F-9E38-B4EF46E97914}" srcId="{9D117C0E-87B5-2F42-BED9-0F69C1AAF09E}" destId="{648BD168-B42B-D24B-9116-2438A234C90C}" srcOrd="2" destOrd="0" parTransId="{8A5702E0-FD1D-774D-B571-FDB853D9D349}" sibTransId="{890C5082-5B1C-F847-BA3C-20061B4432FD}"/>
+    <dgm:cxn modelId="{76CB6CAA-0162-8841-BA41-AA0D3190ECA1}" srcId="{9D117C0E-87B5-2F42-BED9-0F69C1AAF09E}" destId="{0E8881DB-D779-EB4B-8CA2-7C2CED14554B}" srcOrd="1" destOrd="0" parTransId="{264CE482-25BE-EF46-BF9C-C60C0DA4E97E}" sibTransId="{012055A0-0BB4-6949-A9C8-3F5C456F1813}"/>
+    <dgm:cxn modelId="{5D60FAB1-A461-D24E-9161-3C3F413243E8}" type="presOf" srcId="{041ACDED-570A-CF4C-8F2A-6B8D46F45C59}" destId="{5B6110D8-9916-B645-BF65-0BCD794EC6D5}" srcOrd="0" destOrd="0" presId="urn:microsoft.com/office/officeart/2005/8/layout/venn1"/>
+    <dgm:cxn modelId="{A4C2FAC0-8FB3-994E-96EC-D51E97A8EF0C}" type="presOf" srcId="{0E8881DB-D779-EB4B-8CA2-7C2CED14554B}" destId="{99788804-BC11-DB45-8E0D-4C58EEC3004D}" srcOrd="0" destOrd="0" presId="urn:microsoft.com/office/officeart/2005/8/layout/venn1"/>
+    <dgm:cxn modelId="{BA1C6ACE-3B9B-9E41-A5F9-B121FBABF0B8}" srcId="{9D117C0E-87B5-2F42-BED9-0F69C1AAF09E}" destId="{610B48A7-2BD5-FA49-B52D-21C603E63CFB}" srcOrd="0" destOrd="0" parTransId="{EDA21BB8-0218-A241-9B7C-1DE0DF135AE5}" sibTransId="{8E689D81-3007-1846-855D-F7EA47F944F0}"/>
+    <dgm:cxn modelId="{A4868AD1-E0B5-B849-A349-7324903616F0}" type="presOf" srcId="{610B48A7-2BD5-FA49-B52D-21C603E63CFB}" destId="{DD939E3C-7333-EC4E-A6CC-E44A7AA3D153}" srcOrd="0" destOrd="0" presId="urn:microsoft.com/office/officeart/2005/8/layout/venn1"/>
+    <dgm:cxn modelId="{A6E60EF5-08FF-5442-9689-9D6703FCD252}" srcId="{9D117C0E-87B5-2F42-BED9-0F69C1AAF09E}" destId="{041ACDED-570A-CF4C-8F2A-6B8D46F45C59}" srcOrd="3" destOrd="0" parTransId="{CC185A21-E262-694B-B347-8A908B35C151}" sibTransId="{2055292A-E05B-2E4D-9323-F0FE22294D9F}"/>
+    <dgm:cxn modelId="{D720EA53-E439-5948-A0EF-C43EA6F85E7B}" type="presParOf" srcId="{2D5DF2BE-0B76-4149-9732-737355E4A8EA}" destId="{A286284E-7EB0-464C-A4D8-87C466E2AE4B}" srcOrd="0" destOrd="0" presId="urn:microsoft.com/office/officeart/2005/8/layout/venn1"/>
+    <dgm:cxn modelId="{C77225BE-5919-2E4F-859A-D1679ED62E57}" type="presParOf" srcId="{2D5DF2BE-0B76-4149-9732-737355E4A8EA}" destId="{DD939E3C-7333-EC4E-A6CC-E44A7AA3D153}" srcOrd="1" destOrd="0" presId="urn:microsoft.com/office/officeart/2005/8/layout/venn1"/>
+    <dgm:cxn modelId="{A910B921-46BC-AE4A-A84D-83C682777E14}" type="presParOf" srcId="{2D5DF2BE-0B76-4149-9732-737355E4A8EA}" destId="{7B7CF33C-F888-5B44-BF46-F94EBE2D1D8A}" srcOrd="2" destOrd="0" presId="urn:microsoft.com/office/officeart/2005/8/layout/venn1"/>
+    <dgm:cxn modelId="{783AAE2B-5C3E-1048-8AAB-2B3871C97F08}" type="presParOf" srcId="{2D5DF2BE-0B76-4149-9732-737355E4A8EA}" destId="{99788804-BC11-DB45-8E0D-4C58EEC3004D}" srcOrd="3" destOrd="0" presId="urn:microsoft.com/office/officeart/2005/8/layout/venn1"/>
+    <dgm:cxn modelId="{9E04726B-294E-FF4F-A213-96DF8BF0E2AB}" type="presParOf" srcId="{2D5DF2BE-0B76-4149-9732-737355E4A8EA}" destId="{F4D0CAFB-612A-DA45-AE08-3247E5E91908}" srcOrd="4" destOrd="0" presId="urn:microsoft.com/office/officeart/2005/8/layout/venn1"/>
+    <dgm:cxn modelId="{126C87E9-4505-FD40-BE6D-AE0D81E8D75A}" type="presParOf" srcId="{2D5DF2BE-0B76-4149-9732-737355E4A8EA}" destId="{D7923597-EC1F-2644-943D-FE6C668AC1EC}" srcOrd="5" destOrd="0" presId="urn:microsoft.com/office/officeart/2005/8/layout/venn1"/>
+    <dgm:cxn modelId="{22F26B39-DACB-5A43-88B3-234811352BC1}" type="presParOf" srcId="{2D5DF2BE-0B76-4149-9732-737355E4A8EA}" destId="{C2EF289D-3E98-1F4C-B4B0-6716FABB4136}" srcOrd="6" destOrd="0" presId="urn:microsoft.com/office/officeart/2005/8/layout/venn1"/>
+    <dgm:cxn modelId="{FA7AADD5-5518-5F40-8D29-7974FF8F0AF0}" type="presParOf" srcId="{2D5DF2BE-0B76-4149-9732-737355E4A8EA}" destId="{5B6110D8-9916-B645-BF65-0BCD794EC6D5}" srcOrd="7" destOrd="0" presId="urn:microsoft.com/office/officeart/2005/8/layout/venn1"/>
+    <dgm:cxn modelId="{22FC1329-8B2A-7042-8105-BB28F8552EA3}" type="presParOf" srcId="{2D5DF2BE-0B76-4149-9732-737355E4A8EA}" destId="{F289F9AF-48FF-E848-AF11-61BD5B7DB29A}" srcOrd="8" destOrd="0" presId="urn:microsoft.com/office/officeart/2005/8/layout/venn1"/>
+    <dgm:cxn modelId="{DD46280C-F934-1E49-88C2-623C2E612535}" type="presParOf" srcId="{2D5DF2BE-0B76-4149-9732-737355E4A8EA}" destId="{05F03609-9EAF-E147-AF10-DDFA814B11C8}" srcOrd="9" destOrd="0" presId="urn:microsoft.com/office/officeart/2005/8/layout/venn1"/>
+  </dgm:cxnLst>
+  <dgm:bg/>
+  <dgm:whole/>
+  <dgm:extLst>
+    <a:ext uri="http://schemas.microsoft.com/office/drawing/2008/diagram">
+      <dsp:dataModelExt xmlns:dsp="http://schemas.microsoft.com/office/drawing/2008/diagram" relId="rId6" minVer="http://schemas.openxmlformats.org/drawingml/2006/diagram"/>
     </a:ext>
   </dgm:extLst>
 </dgm:dataModel>
@@ -3907,21 +5017,22 @@
       <dsp:cNvGrpSpPr/>
     </dsp:nvGrpSpPr>
     <dsp:grpSpPr/>
-    <dsp:sp modelId="{A983144C-76BE-3F4A-A2E0-3915BB339D27}">
+    <dsp:sp modelId="{AF16D8A6-1164-BD4A-BDA7-E7CA1DE922C3}">
       <dsp:nvSpPr>
         <dsp:cNvPr id="0" name=""/>
         <dsp:cNvSpPr/>
       </dsp:nvSpPr>
       <dsp:spPr>
-        <a:xfrm>
-          <a:off x="0" y="944384"/>
-          <a:ext cx="5906327" cy="1346625"/>
+        <a:xfrm rot="5400000">
+          <a:off x="3101858" y="-746911"/>
+          <a:ext cx="1828889" cy="3780049"/>
         </a:xfrm>
-        <a:prstGeom prst="rect">
+        <a:prstGeom prst="round2SameRect">
           <a:avLst/>
         </a:prstGeom>
         <a:solidFill>
-          <a:schemeClr val="lt1">
+          <a:schemeClr val="accent5">
+            <a:tint val="40000"/>
             <a:alpha val="90000"/>
             <a:hueOff val="0"/>
             <a:satOff val="0"/>
@@ -3932,6 +5043,8 @@
         <a:ln w="15875" cap="rnd" cmpd="sng" algn="ctr">
           <a:solidFill>
             <a:schemeClr val="accent5">
+              <a:tint val="40000"/>
+              <a:alpha val="90000"/>
               <a:hueOff val="0"/>
               <a:satOff val="0"/>
               <a:lumOff val="0"/>
@@ -3955,12 +5068,12 @@
         <a:fontRef idx="minor"/>
       </dsp:style>
       <dsp:txBody>
-        <a:bodyPr spcFirstLastPara="0" vert="horz" wrap="square" lIns="458397" tIns="312420" rIns="458397" bIns="106680" numCol="1" spcCol="1270" anchor="t" anchorCtr="0">
+        <a:bodyPr spcFirstLastPara="0" vert="horz" wrap="square" lIns="64770" tIns="32385" rIns="64770" bIns="32385" numCol="1" spcCol="1270" anchor="ctr" anchorCtr="0">
           <a:noAutofit/>
         </a:bodyPr>
         <a:lstStyle/>
         <a:p>
-          <a:pPr marL="114300" lvl="1" indent="-114300" algn="l" defTabSz="666750">
+          <a:pPr marL="171450" lvl="1" indent="-171450" algn="l" defTabSz="755650">
             <a:lnSpc>
               <a:spcPct val="90000"/>
             </a:lnSpc>
@@ -3973,12 +5086,12 @@
             <a:buChar char="•"/>
           </a:pPr>
           <a:r>
-            <a:rPr lang="en-US" sz="1500" kern="1200"/>
+            <a:rPr lang="en-US" sz="1700" kern="1200"/>
             <a:t>who gets invited to hang out, grab a beer, etc. </a:t>
           </a:r>
         </a:p>
         <a:p>
-          <a:pPr marL="114300" lvl="1" indent="-114300" algn="l" defTabSz="666750">
+          <a:pPr marL="171450" lvl="1" indent="-171450" algn="l" defTabSz="755650">
             <a:lnSpc>
               <a:spcPct val="90000"/>
             </a:lnSpc>
@@ -3991,12 +5104,12 @@
             <a:buChar char="•"/>
           </a:pPr>
           <a:r>
-            <a:rPr lang="en-US" sz="1500" kern="1200"/>
+            <a:rPr lang="en-US" sz="1700" kern="1200"/>
             <a:t>Mixing business and pleasure at men-only organizations</a:t>
           </a:r>
         </a:p>
         <a:p>
-          <a:pPr marL="114300" lvl="1" indent="-114300" algn="l" defTabSz="666750">
+          <a:pPr marL="171450" lvl="1" indent="-171450" algn="l" defTabSz="755650">
             <a:lnSpc>
               <a:spcPct val="90000"/>
             </a:lnSpc>
@@ -4009,25 +5122,25 @@
             <a:buChar char="•"/>
           </a:pPr>
           <a:r>
-            <a:rPr lang="en-US" sz="1500" kern="1200"/>
+            <a:rPr lang="en-US" sz="1700" kern="1200"/>
             <a:t>“pre-meeting meetings”</a:t>
           </a:r>
         </a:p>
       </dsp:txBody>
-      <dsp:txXfrm>
-        <a:off x="0" y="944384"/>
-        <a:ext cx="5906327" cy="1346625"/>
+      <dsp:txXfrm rot="-5400000">
+        <a:off x="2126279" y="317947"/>
+        <a:ext cx="3690770" cy="1650331"/>
       </dsp:txXfrm>
     </dsp:sp>
-    <dsp:sp modelId="{EEE15BDC-B49D-B643-81D0-224A698D7049}">
+    <dsp:sp modelId="{862CBC19-C90E-384F-BA11-334DD6CB025A}">
       <dsp:nvSpPr>
         <dsp:cNvPr id="0" name=""/>
         <dsp:cNvSpPr/>
       </dsp:nvSpPr>
       <dsp:spPr>
         <a:xfrm>
-          <a:off x="295316" y="722984"/>
-          <a:ext cx="4134429" cy="442800"/>
+          <a:off x="0" y="57"/>
+          <a:ext cx="2126278" cy="2286112"/>
         </a:xfrm>
         <a:prstGeom prst="roundRect">
           <a:avLst/>
@@ -4068,12 +5181,12 @@
         </a:fontRef>
       </dsp:style>
       <dsp:txBody>
-        <a:bodyPr spcFirstLastPara="0" vert="horz" wrap="square" lIns="156272" tIns="0" rIns="156272" bIns="0" numCol="1" spcCol="1270" anchor="ctr" anchorCtr="0">
+        <a:bodyPr spcFirstLastPara="0" vert="horz" wrap="square" lIns="80010" tIns="40005" rIns="80010" bIns="40005" numCol="1" spcCol="1270" anchor="ctr" anchorCtr="0">
           <a:noAutofit/>
         </a:bodyPr>
         <a:lstStyle/>
         <a:p>
-          <a:pPr marL="0" lvl="0" indent="0" algn="l" defTabSz="666750">
+          <a:pPr marL="0" lvl="0" indent="0" algn="ctr" defTabSz="933450">
             <a:lnSpc>
               <a:spcPct val="90000"/>
             </a:lnSpc>
@@ -4086,44 +5199,47 @@
             <a:buNone/>
           </a:pPr>
           <a:r>
-            <a:rPr lang="en-US" sz="1500" kern="1200"/>
-            <a:t>Informal mechanisms of gatekeeping – </a:t>
+            <a:rPr lang="en-US" sz="2100" kern="1200" dirty="0"/>
+            <a:t>Informal mechanisms of gatekeeping  </a:t>
           </a:r>
         </a:p>
       </dsp:txBody>
       <dsp:txXfrm>
-        <a:off x="316932" y="744600"/>
-        <a:ext cx="4091197" cy="399568"/>
+        <a:off x="103796" y="103853"/>
+        <a:ext cx="1918686" cy="2078520"/>
       </dsp:txXfrm>
     </dsp:sp>
-    <dsp:sp modelId="{18EF5EEF-7752-E147-BBF5-9EF9D32D5A28}">
+    <dsp:sp modelId="{2F35D276-35F5-9A4E-91E5-61C4DBA32F96}">
       <dsp:nvSpPr>
         <dsp:cNvPr id="0" name=""/>
         <dsp:cNvSpPr/>
       </dsp:nvSpPr>
       <dsp:spPr>
-        <a:xfrm>
-          <a:off x="0" y="2593409"/>
-          <a:ext cx="5906327" cy="1370250"/>
+        <a:xfrm rot="5400000">
+          <a:off x="3101858" y="1653506"/>
+          <a:ext cx="1828889" cy="3780049"/>
         </a:xfrm>
-        <a:prstGeom prst="rect">
+        <a:prstGeom prst="round2SameRect">
           <a:avLst/>
         </a:prstGeom>
         <a:solidFill>
-          <a:schemeClr val="lt1">
+          <a:schemeClr val="accent5">
+            <a:tint val="40000"/>
             <a:alpha val="90000"/>
-            <a:hueOff val="0"/>
-            <a:satOff val="0"/>
-            <a:lumOff val="0"/>
+            <a:hueOff val="-1422285"/>
+            <a:satOff val="16484"/>
+            <a:lumOff val="813"/>
             <a:alphaOff val="0"/>
           </a:schemeClr>
         </a:solidFill>
         <a:ln w="15875" cap="rnd" cmpd="sng" algn="ctr">
           <a:solidFill>
             <a:schemeClr val="accent5">
-              <a:hueOff val="-1573990"/>
-              <a:satOff val="12692"/>
-              <a:lumOff val="1176"/>
+              <a:tint val="40000"/>
+              <a:alpha val="90000"/>
+              <a:hueOff val="-1422285"/>
+              <a:satOff val="16484"/>
+              <a:lumOff val="813"/>
               <a:alphaOff val="0"/>
             </a:schemeClr>
           </a:solidFill>
@@ -4144,12 +5260,12 @@
         <a:fontRef idx="minor"/>
       </dsp:style>
       <dsp:txBody>
-        <a:bodyPr spcFirstLastPara="0" vert="horz" wrap="square" lIns="458397" tIns="312420" rIns="458397" bIns="106680" numCol="1" spcCol="1270" anchor="t" anchorCtr="0">
+        <a:bodyPr spcFirstLastPara="0" vert="horz" wrap="square" lIns="64770" tIns="32385" rIns="64770" bIns="32385" numCol="1" spcCol="1270" anchor="ctr" anchorCtr="0">
           <a:noAutofit/>
         </a:bodyPr>
         <a:lstStyle/>
         <a:p>
-          <a:pPr marL="114300" lvl="1" indent="-114300" algn="l" defTabSz="666750">
+          <a:pPr marL="171450" lvl="1" indent="-171450" algn="l" defTabSz="755650">
             <a:lnSpc>
               <a:spcPct val="90000"/>
             </a:lnSpc>
@@ -4162,12 +5278,12 @@
             <a:buChar char="•"/>
           </a:pPr>
           <a:r>
-            <a:rPr lang="en-US" sz="1500" kern="1200"/>
+            <a:rPr lang="en-US" sz="1700" kern="1200" dirty="0"/>
             <a:t>“What are you girls talking about?” </a:t>
           </a:r>
         </a:p>
         <a:p>
-          <a:pPr marL="114300" lvl="1" indent="-114300" algn="l" defTabSz="666750">
+          <a:pPr marL="171450" lvl="1" indent="-171450" algn="l" defTabSz="755650">
             <a:lnSpc>
               <a:spcPct val="90000"/>
             </a:lnSpc>
@@ -4180,12 +5296,12 @@
             <a:buChar char="•"/>
           </a:pPr>
           <a:r>
-            <a:rPr lang="en-US" sz="1500" kern="1200"/>
+            <a:rPr lang="en-US" sz="1700" kern="1200" dirty="0"/>
             <a:t>Show loyalty by keeping other women down</a:t>
           </a:r>
         </a:p>
         <a:p>
-          <a:pPr marL="114300" lvl="1" indent="-114300" algn="l" defTabSz="666750">
+          <a:pPr marL="171450" lvl="1" indent="-171450" algn="l" defTabSz="755650">
             <a:lnSpc>
               <a:spcPct val="90000"/>
             </a:lnSpc>
@@ -4198,12 +5314,12 @@
             <a:buChar char="•"/>
           </a:pPr>
           <a:r>
-            <a:rPr lang="en-US" sz="1500" kern="1200"/>
+            <a:rPr lang="en-US" sz="1700" kern="1200"/>
             <a:t>“one of the guys” </a:t>
           </a:r>
         </a:p>
         <a:p>
-          <a:pPr marL="114300" lvl="1" indent="-114300" algn="l" defTabSz="666750">
+          <a:pPr marL="171450" lvl="1" indent="-171450" algn="l" defTabSz="755650">
             <a:lnSpc>
               <a:spcPct val="90000"/>
             </a:lnSpc>
@@ -4216,25 +5332,25 @@
             <a:buChar char="•"/>
           </a:pPr>
           <a:r>
-            <a:rPr lang="en-US" sz="1500" kern="1200"/>
+            <a:rPr lang="en-US" sz="1700" kern="1200"/>
             <a:t>Okay being butt of the joke</a:t>
           </a:r>
         </a:p>
       </dsp:txBody>
-      <dsp:txXfrm>
-        <a:off x="0" y="2593409"/>
-        <a:ext cx="5906327" cy="1370250"/>
+      <dsp:txXfrm rot="-5400000">
+        <a:off x="2126279" y="2718365"/>
+        <a:ext cx="3690770" cy="1650331"/>
       </dsp:txXfrm>
     </dsp:sp>
-    <dsp:sp modelId="{01A05124-B71B-284A-BB2B-018824B007D9}">
+    <dsp:sp modelId="{6BCD96FF-D875-2246-8D22-8A3D62033D34}">
       <dsp:nvSpPr>
         <dsp:cNvPr id="0" name=""/>
         <dsp:cNvSpPr/>
       </dsp:nvSpPr>
       <dsp:spPr>
         <a:xfrm>
-          <a:off x="295316" y="2372010"/>
-          <a:ext cx="4134429" cy="442800"/>
+          <a:off x="0" y="2400475"/>
+          <a:ext cx="2126278" cy="2286112"/>
         </a:xfrm>
         <a:prstGeom prst="roundRect">
           <a:avLst/>
@@ -4275,12 +5391,12 @@
         </a:fontRef>
       </dsp:style>
       <dsp:txBody>
-        <a:bodyPr spcFirstLastPara="0" vert="horz" wrap="square" lIns="156272" tIns="0" rIns="156272" bIns="0" numCol="1" spcCol="1270" anchor="ctr" anchorCtr="0">
+        <a:bodyPr spcFirstLastPara="0" vert="horz" wrap="square" lIns="80010" tIns="40005" rIns="80010" bIns="40005" numCol="1" spcCol="1270" anchor="ctr" anchorCtr="0">
           <a:noAutofit/>
         </a:bodyPr>
         <a:lstStyle/>
         <a:p>
-          <a:pPr marL="0" lvl="0" indent="0" algn="l" defTabSz="666750">
+          <a:pPr marL="0" lvl="0" indent="0" algn="ctr" defTabSz="933450">
             <a:lnSpc>
               <a:spcPct val="90000"/>
             </a:lnSpc>
@@ -4293,14 +5409,14 @@
             <a:buNone/>
           </a:pPr>
           <a:r>
-            <a:rPr lang="en-US" sz="1500" kern="1200"/>
+            <a:rPr lang="en-US" sz="2100" kern="1200"/>
             <a:t>Loyalty tests</a:t>
           </a:r>
         </a:p>
       </dsp:txBody>
       <dsp:txXfrm>
-        <a:off x="316932" y="2393626"/>
-        <a:ext cx="4091197" cy="399568"/>
+        <a:off x="103796" y="2504271"/>
+        <a:ext cx="1918686" cy="2078520"/>
       </dsp:txXfrm>
     </dsp:sp>
   </dsp:spTree>
@@ -4315,91 +5431,15 @@
       <dsp:cNvGrpSpPr/>
     </dsp:nvGrpSpPr>
     <dsp:grpSpPr/>
-    <dsp:sp modelId="{13D0402E-37E2-D24E-96F2-7CC94AC3F5FF}">
+    <dsp:sp modelId="{2F52A5A0-2621-BD43-9907-2E730E98F5A9}">
       <dsp:nvSpPr>
         <dsp:cNvPr id="0" name=""/>
         <dsp:cNvSpPr/>
       </dsp:nvSpPr>
       <dsp:spPr>
         <a:xfrm>
-          <a:off x="0" y="382109"/>
-          <a:ext cx="5906327" cy="850500"/>
-        </a:xfrm>
-        <a:prstGeom prst="rect">
-          <a:avLst/>
-        </a:prstGeom>
-        <a:solidFill>
-          <a:schemeClr val="lt1">
-            <a:alpha val="90000"/>
-            <a:hueOff val="0"/>
-            <a:satOff val="0"/>
-            <a:lumOff val="0"/>
-            <a:alphaOff val="0"/>
-          </a:schemeClr>
-        </a:solidFill>
-        <a:ln w="15875" cap="rnd" cmpd="sng" algn="ctr">
-          <a:solidFill>
-            <a:schemeClr val="accent5">
-              <a:hueOff val="0"/>
-              <a:satOff val="0"/>
-              <a:lumOff val="0"/>
-              <a:alphaOff val="0"/>
-            </a:schemeClr>
-          </a:solidFill>
-          <a:prstDash val="solid"/>
-        </a:ln>
-        <a:effectLst/>
-      </dsp:spPr>
-      <dsp:style>
-        <a:lnRef idx="2">
-          <a:scrgbClr r="0" g="0" b="0"/>
-        </a:lnRef>
-        <a:fillRef idx="1">
-          <a:scrgbClr r="0" g="0" b="0"/>
-        </a:fillRef>
-        <a:effectRef idx="0">
-          <a:scrgbClr r="0" g="0" b="0"/>
-        </a:effectRef>
-        <a:fontRef idx="minor"/>
-      </dsp:style>
-      <dsp:txBody>
-        <a:bodyPr spcFirstLastPara="0" vert="horz" wrap="square" lIns="458397" tIns="312420" rIns="458397" bIns="106680" numCol="1" spcCol="1270" anchor="t" anchorCtr="0">
-          <a:noAutofit/>
-        </a:bodyPr>
-        <a:lstStyle/>
-        <a:p>
-          <a:pPr marL="114300" lvl="1" indent="-114300" algn="l" defTabSz="666750">
-            <a:lnSpc>
-              <a:spcPct val="90000"/>
-            </a:lnSpc>
-            <a:spcBef>
-              <a:spcPct val="0"/>
-            </a:spcBef>
-            <a:spcAft>
-              <a:spcPct val="15000"/>
-            </a:spcAft>
-            <a:buChar char="•"/>
-          </a:pPr>
-          <a:r>
-            <a:rPr lang="en-US" sz="1500" kern="1200" dirty="0"/>
-            <a:t>Expected to nurture, emotionally soothe men co-workers</a:t>
-          </a:r>
-        </a:p>
-      </dsp:txBody>
-      <dsp:txXfrm>
-        <a:off x="0" y="382109"/>
-        <a:ext cx="5906327" cy="850500"/>
-      </dsp:txXfrm>
-    </dsp:sp>
-    <dsp:sp modelId="{A10D31AD-8C3F-9B4C-BA2D-A73FA42DD312}">
-      <dsp:nvSpPr>
-        <dsp:cNvPr id="0" name=""/>
-        <dsp:cNvSpPr/>
-      </dsp:nvSpPr>
-      <dsp:spPr>
-        <a:xfrm>
-          <a:off x="295316" y="160709"/>
-          <a:ext cx="4134429" cy="442800"/>
+          <a:off x="0" y="37859"/>
+          <a:ext cx="5906327" cy="551655"/>
         </a:xfrm>
         <a:prstGeom prst="roundRect">
           <a:avLst/>
@@ -4440,12 +5480,12 @@
         </a:fontRef>
       </dsp:style>
       <dsp:txBody>
-        <a:bodyPr spcFirstLastPara="0" vert="horz" wrap="square" lIns="156272" tIns="0" rIns="156272" bIns="0" numCol="1" spcCol="1270" anchor="ctr" anchorCtr="0">
+        <a:bodyPr spcFirstLastPara="0" vert="horz" wrap="square" lIns="87630" tIns="87630" rIns="87630" bIns="87630" numCol="1" spcCol="1270" anchor="ctr" anchorCtr="0">
           <a:noAutofit/>
         </a:bodyPr>
         <a:lstStyle/>
         <a:p>
-          <a:pPr marL="0" lvl="0" indent="0" algn="l" defTabSz="666750">
+          <a:pPr marL="0" lvl="0" indent="0" algn="l" defTabSz="1022350">
             <a:lnSpc>
               <a:spcPct val="90000"/>
             </a:lnSpc>
@@ -4458,56 +5498,40 @@
             <a:buNone/>
           </a:pPr>
           <a:r>
-            <a:rPr lang="en-US" sz="1500" kern="1200"/>
+            <a:rPr lang="en-US" sz="2300" kern="1200"/>
             <a:t>Mother</a:t>
           </a:r>
         </a:p>
       </dsp:txBody>
       <dsp:txXfrm>
-        <a:off x="316932" y="182325"/>
-        <a:ext cx="4091197" cy="399568"/>
+        <a:off x="26930" y="64789"/>
+        <a:ext cx="5852467" cy="497795"/>
       </dsp:txXfrm>
     </dsp:sp>
-    <dsp:sp modelId="{E7676A27-4D6A-934B-A212-2BD895596865}">
+    <dsp:sp modelId="{E2287CA0-796D-6A4C-826A-46829D603805}">
       <dsp:nvSpPr>
         <dsp:cNvPr id="0" name=""/>
         <dsp:cNvSpPr/>
       </dsp:nvSpPr>
       <dsp:spPr>
         <a:xfrm>
-          <a:off x="0" y="1535010"/>
-          <a:ext cx="5906327" cy="850500"/>
+          <a:off x="0" y="589514"/>
+          <a:ext cx="5906327" cy="571320"/>
         </a:xfrm>
         <a:prstGeom prst="rect">
           <a:avLst/>
         </a:prstGeom>
-        <a:solidFill>
-          <a:schemeClr val="lt1">
-            <a:alpha val="90000"/>
-            <a:hueOff val="0"/>
-            <a:satOff val="0"/>
-            <a:lumOff val="0"/>
-            <a:alphaOff val="0"/>
-          </a:schemeClr>
-        </a:solidFill>
-        <a:ln w="15875" cap="rnd" cmpd="sng" algn="ctr">
-          <a:solidFill>
-            <a:schemeClr val="accent5">
-              <a:hueOff val="-524663"/>
-              <a:satOff val="4231"/>
-              <a:lumOff val="392"/>
-              <a:alphaOff val="0"/>
-            </a:schemeClr>
-          </a:solidFill>
-          <a:prstDash val="solid"/>
+        <a:noFill/>
+        <a:ln>
+          <a:noFill/>
         </a:ln>
         <a:effectLst/>
       </dsp:spPr>
       <dsp:style>
-        <a:lnRef idx="2">
+        <a:lnRef idx="0">
           <a:scrgbClr r="0" g="0" b="0"/>
         </a:lnRef>
-        <a:fillRef idx="1">
+        <a:fillRef idx="0">
           <a:scrgbClr r="0" g="0" b="0"/>
         </a:fillRef>
         <a:effectRef idx="0">
@@ -4516,12 +5540,12 @@
         <a:fontRef idx="minor"/>
       </dsp:style>
       <dsp:txBody>
-        <a:bodyPr spcFirstLastPara="0" vert="horz" wrap="square" lIns="458397" tIns="312420" rIns="458397" bIns="106680" numCol="1" spcCol="1270" anchor="t" anchorCtr="0">
+        <a:bodyPr spcFirstLastPara="0" vert="horz" wrap="square" lIns="187526" tIns="29210" rIns="163576" bIns="29210" numCol="1" spcCol="1270" anchor="t" anchorCtr="0">
           <a:noAutofit/>
         </a:bodyPr>
         <a:lstStyle/>
         <a:p>
-          <a:pPr marL="114300" lvl="1" indent="-114300" algn="l" defTabSz="666750">
+          <a:pPr marL="171450" lvl="1" indent="-171450" algn="l" defTabSz="800100">
             <a:lnSpc>
               <a:spcPct val="90000"/>
             </a:lnSpc>
@@ -4529,30 +5553,30 @@
               <a:spcPct val="0"/>
             </a:spcBef>
             <a:spcAft>
-              <a:spcPct val="15000"/>
+              <a:spcPct val="20000"/>
             </a:spcAft>
             <a:buChar char="•"/>
           </a:pPr>
           <a:r>
-            <a:rPr lang="en-US" sz="1500" kern="1200" dirty="0"/>
-            <a:t>Seen as sexually desirable, available (may be intentional or put-upon by ‘protector’ men)</a:t>
+            <a:rPr lang="en-US" sz="1800" kern="1200" dirty="0"/>
+            <a:t>Expected to nurture, emotionally soothe men co-workers</a:t>
           </a:r>
         </a:p>
       </dsp:txBody>
       <dsp:txXfrm>
-        <a:off x="0" y="1535010"/>
-        <a:ext cx="5906327" cy="850500"/>
+        <a:off x="0" y="589514"/>
+        <a:ext cx="5906327" cy="571320"/>
       </dsp:txXfrm>
     </dsp:sp>
-    <dsp:sp modelId="{C6217081-C91D-2948-AAE4-F1D5414803D4}">
+    <dsp:sp modelId="{6E78CC8A-84F5-5D49-81A8-D91775363FA0}">
       <dsp:nvSpPr>
         <dsp:cNvPr id="0" name=""/>
         <dsp:cNvSpPr/>
       </dsp:nvSpPr>
       <dsp:spPr>
         <a:xfrm>
-          <a:off x="295316" y="1313610"/>
-          <a:ext cx="4134429" cy="442800"/>
+          <a:off x="0" y="1160834"/>
+          <a:ext cx="5906327" cy="551655"/>
         </a:xfrm>
         <a:prstGeom prst="roundRect">
           <a:avLst/>
@@ -4593,12 +5617,12 @@
         </a:fontRef>
       </dsp:style>
       <dsp:txBody>
-        <a:bodyPr spcFirstLastPara="0" vert="horz" wrap="square" lIns="156272" tIns="0" rIns="156272" bIns="0" numCol="1" spcCol="1270" anchor="ctr" anchorCtr="0">
+        <a:bodyPr spcFirstLastPara="0" vert="horz" wrap="square" lIns="87630" tIns="87630" rIns="87630" bIns="87630" numCol="1" spcCol="1270" anchor="ctr" anchorCtr="0">
           <a:noAutofit/>
         </a:bodyPr>
         <a:lstStyle/>
         <a:p>
-          <a:pPr marL="0" lvl="0" indent="0" algn="l" defTabSz="666750">
+          <a:pPr marL="0" lvl="0" indent="0" algn="l" defTabSz="1022350">
             <a:lnSpc>
               <a:spcPct val="90000"/>
             </a:lnSpc>
@@ -4611,56 +5635,40 @@
             <a:buNone/>
           </a:pPr>
           <a:r>
-            <a:rPr lang="en-US" sz="1500" kern="1200"/>
+            <a:rPr lang="en-US" sz="2300" kern="1200"/>
             <a:t>Seductress</a:t>
           </a:r>
         </a:p>
       </dsp:txBody>
       <dsp:txXfrm>
-        <a:off x="316932" y="1335226"/>
-        <a:ext cx="4091197" cy="399568"/>
+        <a:off x="26930" y="1187764"/>
+        <a:ext cx="5852467" cy="497795"/>
       </dsp:txXfrm>
     </dsp:sp>
-    <dsp:sp modelId="{8DA45E9C-BD48-0740-9EB1-49992FE9F0AB}">
+    <dsp:sp modelId="{E32236A0-F389-E54A-8ACA-6A76D0BE3594}">
       <dsp:nvSpPr>
         <dsp:cNvPr id="0" name=""/>
         <dsp:cNvSpPr/>
       </dsp:nvSpPr>
       <dsp:spPr>
         <a:xfrm>
-          <a:off x="0" y="2687909"/>
-          <a:ext cx="5906327" cy="897750"/>
+          <a:off x="0" y="1712489"/>
+          <a:ext cx="5906327" cy="571320"/>
         </a:xfrm>
         <a:prstGeom prst="rect">
           <a:avLst/>
         </a:prstGeom>
-        <a:solidFill>
-          <a:schemeClr val="lt1">
-            <a:alpha val="90000"/>
-            <a:hueOff val="0"/>
-            <a:satOff val="0"/>
-            <a:lumOff val="0"/>
-            <a:alphaOff val="0"/>
-          </a:schemeClr>
-        </a:solidFill>
-        <a:ln w="15875" cap="rnd" cmpd="sng" algn="ctr">
-          <a:solidFill>
-            <a:schemeClr val="accent5">
-              <a:hueOff val="-1049327"/>
-              <a:satOff val="8461"/>
-              <a:lumOff val="784"/>
-              <a:alphaOff val="0"/>
-            </a:schemeClr>
-          </a:solidFill>
-          <a:prstDash val="solid"/>
+        <a:noFill/>
+        <a:ln>
+          <a:noFill/>
         </a:ln>
         <a:effectLst/>
       </dsp:spPr>
       <dsp:style>
-        <a:lnRef idx="2">
+        <a:lnRef idx="0">
           <a:scrgbClr r="0" g="0" b="0"/>
         </a:lnRef>
-        <a:fillRef idx="1">
+        <a:fillRef idx="0">
           <a:scrgbClr r="0" g="0" b="0"/>
         </a:fillRef>
         <a:effectRef idx="0">
@@ -4669,12 +5677,12 @@
         <a:fontRef idx="minor"/>
       </dsp:style>
       <dsp:txBody>
-        <a:bodyPr spcFirstLastPara="0" vert="horz" wrap="square" lIns="458397" tIns="312420" rIns="458397" bIns="106680" numCol="1" spcCol="1270" anchor="t" anchorCtr="0">
+        <a:bodyPr spcFirstLastPara="0" vert="horz" wrap="square" lIns="187526" tIns="29210" rIns="163576" bIns="29210" numCol="1" spcCol="1270" anchor="t" anchorCtr="0">
           <a:noAutofit/>
         </a:bodyPr>
         <a:lstStyle/>
         <a:p>
-          <a:pPr marL="114300" lvl="1" indent="-114300" algn="l" defTabSz="666750">
+          <a:pPr marL="171450" lvl="1" indent="-171450" algn="l" defTabSz="800100">
             <a:lnSpc>
               <a:spcPct val="90000"/>
             </a:lnSpc>
@@ -4682,48 +5690,30 @@
               <a:spcPct val="0"/>
             </a:spcBef>
             <a:spcAft>
-              <a:spcPct val="15000"/>
+              <a:spcPct val="20000"/>
             </a:spcAft>
             <a:buChar char="•"/>
           </a:pPr>
           <a:r>
-            <a:rPr lang="en-US" sz="1500" kern="1200"/>
-            <a:t>Treated as a cheerleader for men coworkers</a:t>
-          </a:r>
-        </a:p>
-        <a:p>
-          <a:pPr marL="114300" lvl="1" indent="-114300" algn="l" defTabSz="666750">
-            <a:lnSpc>
-              <a:spcPct val="90000"/>
-            </a:lnSpc>
-            <a:spcBef>
-              <a:spcPct val="0"/>
-            </a:spcBef>
-            <a:spcAft>
-              <a:spcPct val="15000"/>
-            </a:spcAft>
-            <a:buChar char="•"/>
-          </a:pPr>
-          <a:r>
-            <a:rPr lang="en-US" sz="1500" kern="1200"/>
-            <a:t>‘look-what-she-can-do-and-she’s-only-a-woman’</a:t>
+            <a:rPr lang="en-US" sz="1800" kern="1200" dirty="0"/>
+            <a:t>Seen as sexually desirable, available (may be intentional or put-upon by ‘protector’ men)</a:t>
           </a:r>
         </a:p>
       </dsp:txBody>
       <dsp:txXfrm>
-        <a:off x="0" y="2687909"/>
-        <a:ext cx="5906327" cy="897750"/>
+        <a:off x="0" y="1712489"/>
+        <a:ext cx="5906327" cy="571320"/>
       </dsp:txXfrm>
     </dsp:sp>
-    <dsp:sp modelId="{3D5A538A-5D30-5948-810D-A3991EF4FDC4}">
+    <dsp:sp modelId="{F45208EC-3F9E-C443-B3B5-8E484B7DB7A4}">
       <dsp:nvSpPr>
         <dsp:cNvPr id="0" name=""/>
         <dsp:cNvSpPr/>
       </dsp:nvSpPr>
       <dsp:spPr>
         <a:xfrm>
-          <a:off x="295316" y="2466510"/>
-          <a:ext cx="4134429" cy="442800"/>
+          <a:off x="0" y="2283810"/>
+          <a:ext cx="5906327" cy="551655"/>
         </a:xfrm>
         <a:prstGeom prst="roundRect">
           <a:avLst/>
@@ -4764,12 +5754,12 @@
         </a:fontRef>
       </dsp:style>
       <dsp:txBody>
-        <a:bodyPr spcFirstLastPara="0" vert="horz" wrap="square" lIns="156272" tIns="0" rIns="156272" bIns="0" numCol="1" spcCol="1270" anchor="ctr" anchorCtr="0">
+        <a:bodyPr spcFirstLastPara="0" vert="horz" wrap="square" lIns="87630" tIns="87630" rIns="87630" bIns="87630" numCol="1" spcCol="1270" anchor="ctr" anchorCtr="0">
           <a:noAutofit/>
         </a:bodyPr>
         <a:lstStyle/>
         <a:p>
-          <a:pPr marL="0" lvl="0" indent="0" algn="l" defTabSz="666750">
+          <a:pPr marL="0" lvl="0" indent="0" algn="l" defTabSz="1022350">
             <a:lnSpc>
               <a:spcPct val="90000"/>
             </a:lnSpc>
@@ -4782,56 +5772,40 @@
             <a:buNone/>
           </a:pPr>
           <a:r>
-            <a:rPr lang="en-US" sz="1500" kern="1200"/>
+            <a:rPr lang="en-US" sz="2300" kern="1200"/>
             <a:t>Pet</a:t>
           </a:r>
         </a:p>
       </dsp:txBody>
       <dsp:txXfrm>
-        <a:off x="316932" y="2488126"/>
-        <a:ext cx="4091197" cy="399568"/>
+        <a:off x="26930" y="2310740"/>
+        <a:ext cx="5852467" cy="497795"/>
       </dsp:txXfrm>
     </dsp:sp>
-    <dsp:sp modelId="{FFF9D291-5E1A-964E-A35B-A85FA5106218}">
+    <dsp:sp modelId="{C9AD969C-B2EA-FA46-A8EA-8467D9188ACD}">
       <dsp:nvSpPr>
         <dsp:cNvPr id="0" name=""/>
         <dsp:cNvSpPr/>
       </dsp:nvSpPr>
       <dsp:spPr>
         <a:xfrm>
-          <a:off x="0" y="3888060"/>
-          <a:ext cx="5906327" cy="637875"/>
+          <a:off x="0" y="2835465"/>
+          <a:ext cx="5906327" cy="880785"/>
         </a:xfrm>
         <a:prstGeom prst="rect">
           <a:avLst/>
         </a:prstGeom>
-        <a:solidFill>
-          <a:schemeClr val="lt1">
-            <a:alpha val="90000"/>
-            <a:hueOff val="0"/>
-            <a:satOff val="0"/>
-            <a:lumOff val="0"/>
-            <a:alphaOff val="0"/>
-          </a:schemeClr>
-        </a:solidFill>
-        <a:ln w="15875" cap="rnd" cmpd="sng" algn="ctr">
-          <a:solidFill>
-            <a:schemeClr val="accent5">
-              <a:hueOff val="-1573990"/>
-              <a:satOff val="12692"/>
-              <a:lumOff val="1176"/>
-              <a:alphaOff val="0"/>
-            </a:schemeClr>
-          </a:solidFill>
-          <a:prstDash val="solid"/>
+        <a:noFill/>
+        <a:ln>
+          <a:noFill/>
         </a:ln>
         <a:effectLst/>
       </dsp:spPr>
       <dsp:style>
-        <a:lnRef idx="2">
+        <a:lnRef idx="0">
           <a:scrgbClr r="0" g="0" b="0"/>
         </a:lnRef>
-        <a:fillRef idx="1">
+        <a:fillRef idx="0">
           <a:scrgbClr r="0" g="0" b="0"/>
         </a:fillRef>
         <a:effectRef idx="0">
@@ -4840,12 +5814,12 @@
         <a:fontRef idx="minor"/>
       </dsp:style>
       <dsp:txBody>
-        <a:bodyPr spcFirstLastPara="0" vert="horz" wrap="square" lIns="458397" tIns="312420" rIns="458397" bIns="106680" numCol="1" spcCol="1270" anchor="t" anchorCtr="0">
+        <a:bodyPr spcFirstLastPara="0" vert="horz" wrap="square" lIns="187526" tIns="29210" rIns="163576" bIns="29210" numCol="1" spcCol="1270" anchor="t" anchorCtr="0">
           <a:noAutofit/>
         </a:bodyPr>
         <a:lstStyle/>
         <a:p>
-          <a:pPr marL="114300" lvl="1" indent="-114300" algn="l" defTabSz="666750">
+          <a:pPr marL="171450" lvl="1" indent="-171450" algn="l" defTabSz="800100">
             <a:lnSpc>
               <a:spcPct val="90000"/>
             </a:lnSpc>
@@ -4853,30 +5827,48 @@
               <a:spcPct val="0"/>
             </a:spcBef>
             <a:spcAft>
-              <a:spcPct val="15000"/>
+              <a:spcPct val="20000"/>
             </a:spcAft>
             <a:buChar char="•"/>
           </a:pPr>
           <a:r>
-            <a:rPr lang="en-US" sz="1500" kern="1200"/>
-            <a:t>Strong/tough, cold - aband</a:t>
+            <a:rPr lang="en-US" sz="1800" kern="1200"/>
+            <a:t>Treated as a cheerleader for men coworkers</a:t>
+          </a:r>
+        </a:p>
+        <a:p>
+          <a:pPr marL="171450" lvl="1" indent="-171450" algn="l" defTabSz="800100">
+            <a:lnSpc>
+              <a:spcPct val="90000"/>
+            </a:lnSpc>
+            <a:spcBef>
+              <a:spcPct val="0"/>
+            </a:spcBef>
+            <a:spcAft>
+              <a:spcPct val="20000"/>
+            </a:spcAft>
+            <a:buChar char="•"/>
+          </a:pPr>
+          <a:r>
+            <a:rPr lang="en-US" sz="1800" kern="1200"/>
+            <a:t>‘look-what-she-can-do-and-she’s-only-a-woman’</a:t>
           </a:r>
         </a:p>
       </dsp:txBody>
       <dsp:txXfrm>
-        <a:off x="0" y="3888060"/>
-        <a:ext cx="5906327" cy="637875"/>
+        <a:off x="0" y="2835465"/>
+        <a:ext cx="5906327" cy="880785"/>
       </dsp:txXfrm>
     </dsp:sp>
-    <dsp:sp modelId="{F1C35BF3-4A52-D548-94D0-6EE996F31DB8}">
+    <dsp:sp modelId="{6F80ED58-386E-DA4E-8BE8-9493470D9D8F}">
       <dsp:nvSpPr>
         <dsp:cNvPr id="0" name=""/>
         <dsp:cNvSpPr/>
       </dsp:nvSpPr>
       <dsp:spPr>
         <a:xfrm>
-          <a:off x="295316" y="3666660"/>
-          <a:ext cx="4134429" cy="442800"/>
+          <a:off x="0" y="3716250"/>
+          <a:ext cx="5906327" cy="551655"/>
         </a:xfrm>
         <a:prstGeom prst="roundRect">
           <a:avLst/>
@@ -4917,12 +5909,12 @@
         </a:fontRef>
       </dsp:style>
       <dsp:txBody>
-        <a:bodyPr spcFirstLastPara="0" vert="horz" wrap="square" lIns="156272" tIns="0" rIns="156272" bIns="0" numCol="1" spcCol="1270" anchor="ctr" anchorCtr="0">
+        <a:bodyPr spcFirstLastPara="0" vert="horz" wrap="square" lIns="87630" tIns="87630" rIns="87630" bIns="87630" numCol="1" spcCol="1270" anchor="ctr" anchorCtr="0">
           <a:noAutofit/>
         </a:bodyPr>
         <a:lstStyle/>
         <a:p>
-          <a:pPr marL="0" lvl="0" indent="0" algn="l" defTabSz="666750">
+          <a:pPr marL="0" lvl="0" indent="0" algn="l" defTabSz="1022350">
             <a:lnSpc>
               <a:spcPct val="90000"/>
             </a:lnSpc>
@@ -4935,14 +5927,626 @@
             <a:buNone/>
           </a:pPr>
           <a:r>
-            <a:rPr lang="en-US" sz="1500" kern="1200"/>
+            <a:rPr lang="en-US" sz="2300" kern="1200"/>
             <a:t>Iron Maiden</a:t>
           </a:r>
         </a:p>
       </dsp:txBody>
       <dsp:txXfrm>
-        <a:off x="316932" y="3688276"/>
-        <a:ext cx="4091197" cy="399568"/>
+        <a:off x="26930" y="3743180"/>
+        <a:ext cx="5852467" cy="497795"/>
+      </dsp:txXfrm>
+    </dsp:sp>
+    <dsp:sp modelId="{6B6AB4FD-F098-E543-905C-E73BA3461631}">
+      <dsp:nvSpPr>
+        <dsp:cNvPr id="0" name=""/>
+        <dsp:cNvSpPr/>
+      </dsp:nvSpPr>
+      <dsp:spPr>
+        <a:xfrm>
+          <a:off x="0" y="4267905"/>
+          <a:ext cx="5906327" cy="380880"/>
+        </a:xfrm>
+        <a:prstGeom prst="rect">
+          <a:avLst/>
+        </a:prstGeom>
+        <a:noFill/>
+        <a:ln>
+          <a:noFill/>
+        </a:ln>
+        <a:effectLst/>
+      </dsp:spPr>
+      <dsp:style>
+        <a:lnRef idx="0">
+          <a:scrgbClr r="0" g="0" b="0"/>
+        </a:lnRef>
+        <a:fillRef idx="0">
+          <a:scrgbClr r="0" g="0" b="0"/>
+        </a:fillRef>
+        <a:effectRef idx="0">
+          <a:scrgbClr r="0" g="0" b="0"/>
+        </a:effectRef>
+        <a:fontRef idx="minor"/>
+      </dsp:style>
+      <dsp:txBody>
+        <a:bodyPr spcFirstLastPara="0" vert="horz" wrap="square" lIns="187526" tIns="29210" rIns="163576" bIns="29210" numCol="1" spcCol="1270" anchor="t" anchorCtr="0">
+          <a:noAutofit/>
+        </a:bodyPr>
+        <a:lstStyle/>
+        <a:p>
+          <a:pPr marL="171450" lvl="1" indent="-171450" algn="l" defTabSz="800100">
+            <a:lnSpc>
+              <a:spcPct val="90000"/>
+            </a:lnSpc>
+            <a:spcBef>
+              <a:spcPct val="0"/>
+            </a:spcBef>
+            <a:spcAft>
+              <a:spcPct val="20000"/>
+            </a:spcAft>
+            <a:buChar char="•"/>
+          </a:pPr>
+          <a:r>
+            <a:rPr lang="en-US" sz="1800" kern="1200"/>
+            <a:t>Strong/tough, cold - aband</a:t>
+          </a:r>
+        </a:p>
+      </dsp:txBody>
+      <dsp:txXfrm>
+        <a:off x="0" y="4267905"/>
+        <a:ext cx="5906327" cy="380880"/>
+      </dsp:txXfrm>
+    </dsp:sp>
+  </dsp:spTree>
+</dsp:drawing>
+</file>
+
+<file path=ppt/diagrams/drawing4.xml><?xml version="1.0" encoding="utf-8"?>
+<dsp:drawing xmlns:dgm="http://schemas.openxmlformats.org/drawingml/2006/diagram" xmlns:dsp="http://schemas.microsoft.com/office/drawing/2008/diagram" xmlns:a="http://schemas.openxmlformats.org/drawingml/2006/main">
+  <dsp:spTree>
+    <dsp:nvGrpSpPr>
+      <dsp:cNvPr id="0" name=""/>
+      <dsp:cNvGrpSpPr/>
+    </dsp:nvGrpSpPr>
+    <dsp:grpSpPr/>
+    <dsp:sp modelId="{A286284E-7EB0-464C-A4D8-87C466E2AE4B}">
+      <dsp:nvSpPr>
+        <dsp:cNvPr id="0" name=""/>
+        <dsp:cNvSpPr/>
+      </dsp:nvSpPr>
+      <dsp:spPr>
+        <a:xfrm>
+          <a:off x="3515440" y="1881235"/>
+          <a:ext cx="2310288" cy="2310288"/>
+        </a:xfrm>
+        <a:prstGeom prst="ellipse">
+          <a:avLst/>
+        </a:prstGeom>
+        <a:solidFill>
+          <a:schemeClr val="accent2">
+            <a:alpha val="50000"/>
+            <a:hueOff val="0"/>
+            <a:satOff val="0"/>
+            <a:lumOff val="0"/>
+            <a:alphaOff val="0"/>
+          </a:schemeClr>
+        </a:solidFill>
+        <a:ln w="15875" cap="rnd" cmpd="sng" algn="ctr">
+          <a:solidFill>
+            <a:schemeClr val="lt1">
+              <a:hueOff val="0"/>
+              <a:satOff val="0"/>
+              <a:lumOff val="0"/>
+              <a:alphaOff val="0"/>
+            </a:schemeClr>
+          </a:solidFill>
+          <a:prstDash val="solid"/>
+        </a:ln>
+        <a:effectLst/>
+      </dsp:spPr>
+      <dsp:style>
+        <a:lnRef idx="2">
+          <a:scrgbClr r="0" g="0" b="0"/>
+        </a:lnRef>
+        <a:fillRef idx="1">
+          <a:scrgbClr r="0" g="0" b="0"/>
+        </a:fillRef>
+        <a:effectRef idx="0">
+          <a:scrgbClr r="0" g="0" b="0"/>
+        </a:effectRef>
+        <a:fontRef idx="minor">
+          <a:schemeClr val="tx1"/>
+        </a:fontRef>
+      </dsp:style>
+    </dsp:sp>
+    <dsp:sp modelId="{DD939E3C-7333-EC4E-A6CC-E44A7AA3D153}">
+      <dsp:nvSpPr>
+        <dsp:cNvPr id="0" name=""/>
+        <dsp:cNvSpPr/>
+      </dsp:nvSpPr>
+      <dsp:spPr>
+        <a:xfrm>
+          <a:off x="3330617" y="0"/>
+          <a:ext cx="2679934" cy="1551193"/>
+        </a:xfrm>
+        <a:prstGeom prst="rect">
+          <a:avLst/>
+        </a:prstGeom>
+        <a:noFill/>
+        <a:ln>
+          <a:noFill/>
+        </a:ln>
+        <a:effectLst/>
+        <a:sp3d/>
+      </dsp:spPr>
+      <dsp:style>
+        <a:lnRef idx="0">
+          <a:scrgbClr r="0" g="0" b="0"/>
+        </a:lnRef>
+        <a:fillRef idx="0">
+          <a:scrgbClr r="0" g="0" b="0"/>
+        </a:fillRef>
+        <a:effectRef idx="0">
+          <a:scrgbClr r="0" g="0" b="0"/>
+        </a:effectRef>
+        <a:fontRef idx="minor"/>
+      </dsp:style>
+      <dsp:txBody>
+        <a:bodyPr spcFirstLastPara="0" vert="horz" wrap="square" lIns="0" tIns="0" rIns="0" bIns="0" numCol="1" spcCol="1270" anchor="ctr" anchorCtr="0">
+          <a:noAutofit/>
+        </a:bodyPr>
+        <a:lstStyle/>
+        <a:p>
+          <a:pPr marL="0" lvl="0" indent="0" algn="ctr" defTabSz="2889250">
+            <a:lnSpc>
+              <a:spcPct val="90000"/>
+            </a:lnSpc>
+            <a:spcBef>
+              <a:spcPct val="0"/>
+            </a:spcBef>
+            <a:spcAft>
+              <a:spcPct val="35000"/>
+            </a:spcAft>
+            <a:buNone/>
+          </a:pPr>
+          <a:endParaRPr lang="en-US" sz="6500" kern="1200" dirty="0"/>
+        </a:p>
+      </dsp:txBody>
+      <dsp:txXfrm>
+        <a:off x="3330617" y="0"/>
+        <a:ext cx="2679934" cy="1551193"/>
+      </dsp:txXfrm>
+    </dsp:sp>
+    <dsp:sp modelId="{7B7CF33C-F888-5B44-BF46-F94EBE2D1D8A}">
+      <dsp:nvSpPr>
+        <dsp:cNvPr id="0" name=""/>
+        <dsp:cNvSpPr/>
+      </dsp:nvSpPr>
+      <dsp:spPr>
+        <a:xfrm>
+          <a:off x="4394273" y="2519534"/>
+          <a:ext cx="2310288" cy="2310288"/>
+        </a:xfrm>
+        <a:prstGeom prst="ellipse">
+          <a:avLst/>
+        </a:prstGeom>
+        <a:solidFill>
+          <a:schemeClr val="accent3">
+            <a:alpha val="50000"/>
+            <a:hueOff val="0"/>
+            <a:satOff val="0"/>
+            <a:lumOff val="0"/>
+            <a:alphaOff val="0"/>
+          </a:schemeClr>
+        </a:solidFill>
+        <a:ln w="15875" cap="rnd" cmpd="sng" algn="ctr">
+          <a:solidFill>
+            <a:schemeClr val="lt1">
+              <a:hueOff val="0"/>
+              <a:satOff val="0"/>
+              <a:lumOff val="0"/>
+              <a:alphaOff val="0"/>
+            </a:schemeClr>
+          </a:solidFill>
+          <a:prstDash val="solid"/>
+        </a:ln>
+        <a:effectLst/>
+      </dsp:spPr>
+      <dsp:style>
+        <a:lnRef idx="2">
+          <a:scrgbClr r="0" g="0" b="0"/>
+        </a:lnRef>
+        <a:fillRef idx="1">
+          <a:scrgbClr r="0" g="0" b="0"/>
+        </a:fillRef>
+        <a:effectRef idx="0">
+          <a:scrgbClr r="0" g="0" b="0"/>
+        </a:effectRef>
+        <a:fontRef idx="minor">
+          <a:schemeClr val="tx1"/>
+        </a:fontRef>
+      </dsp:style>
+    </dsp:sp>
+    <dsp:sp modelId="{99788804-BC11-DB45-8E0D-4C58EEC3004D}">
+      <dsp:nvSpPr>
+        <dsp:cNvPr id="0" name=""/>
+        <dsp:cNvSpPr/>
+      </dsp:nvSpPr>
+      <dsp:spPr>
+        <a:xfrm>
+          <a:off x="6888461" y="2046255"/>
+          <a:ext cx="2402700" cy="1683210"/>
+        </a:xfrm>
+        <a:prstGeom prst="rect">
+          <a:avLst/>
+        </a:prstGeom>
+        <a:noFill/>
+        <a:ln>
+          <a:noFill/>
+        </a:ln>
+        <a:effectLst/>
+        <a:sp3d/>
+      </dsp:spPr>
+      <dsp:style>
+        <a:lnRef idx="0">
+          <a:scrgbClr r="0" g="0" b="0"/>
+        </a:lnRef>
+        <a:fillRef idx="0">
+          <a:scrgbClr r="0" g="0" b="0"/>
+        </a:fillRef>
+        <a:effectRef idx="0">
+          <a:scrgbClr r="0" g="0" b="0"/>
+        </a:effectRef>
+        <a:fontRef idx="minor"/>
+      </dsp:style>
+      <dsp:txBody>
+        <a:bodyPr spcFirstLastPara="0" vert="horz" wrap="square" lIns="0" tIns="0" rIns="0" bIns="0" numCol="1" spcCol="1270" anchor="ctr" anchorCtr="0">
+          <a:noAutofit/>
+        </a:bodyPr>
+        <a:lstStyle/>
+        <a:p>
+          <a:pPr marL="0" lvl="0" indent="0" algn="ctr" defTabSz="2889250">
+            <a:lnSpc>
+              <a:spcPct val="90000"/>
+            </a:lnSpc>
+            <a:spcBef>
+              <a:spcPct val="0"/>
+            </a:spcBef>
+            <a:spcAft>
+              <a:spcPct val="35000"/>
+            </a:spcAft>
+            <a:buNone/>
+          </a:pPr>
+          <a:endParaRPr lang="en-US" sz="6500" kern="1200" dirty="0"/>
+        </a:p>
+      </dsp:txBody>
+      <dsp:txXfrm>
+        <a:off x="6888461" y="2046255"/>
+        <a:ext cx="2402700" cy="1683210"/>
+      </dsp:txXfrm>
+    </dsp:sp>
+    <dsp:sp modelId="{F4D0CAFB-612A-DA45-AE08-3247E5E91908}">
+      <dsp:nvSpPr>
+        <dsp:cNvPr id="0" name=""/>
+        <dsp:cNvSpPr/>
+      </dsp:nvSpPr>
+      <dsp:spPr>
+        <a:xfrm>
+          <a:off x="4058820" y="3553224"/>
+          <a:ext cx="2310288" cy="2310288"/>
+        </a:xfrm>
+        <a:prstGeom prst="ellipse">
+          <a:avLst/>
+        </a:prstGeom>
+        <a:solidFill>
+          <a:schemeClr val="accent4">
+            <a:alpha val="50000"/>
+            <a:hueOff val="0"/>
+            <a:satOff val="0"/>
+            <a:lumOff val="0"/>
+            <a:alphaOff val="0"/>
+          </a:schemeClr>
+        </a:solidFill>
+        <a:ln w="15875" cap="rnd" cmpd="sng" algn="ctr">
+          <a:solidFill>
+            <a:schemeClr val="lt1">
+              <a:hueOff val="0"/>
+              <a:satOff val="0"/>
+              <a:lumOff val="0"/>
+              <a:alphaOff val="0"/>
+            </a:schemeClr>
+          </a:solidFill>
+          <a:prstDash val="solid"/>
+        </a:ln>
+        <a:effectLst/>
+      </dsp:spPr>
+      <dsp:style>
+        <a:lnRef idx="2">
+          <a:scrgbClr r="0" g="0" b="0"/>
+        </a:lnRef>
+        <a:fillRef idx="1">
+          <a:scrgbClr r="0" g="0" b="0"/>
+        </a:fillRef>
+        <a:effectRef idx="0">
+          <a:scrgbClr r="0" g="0" b="0"/>
+        </a:effectRef>
+        <a:fontRef idx="minor">
+          <a:schemeClr val="tx1"/>
+        </a:fontRef>
+      </dsp:style>
+    </dsp:sp>
+    <dsp:sp modelId="{D7923597-EC1F-2644-943D-FE6C668AC1EC}">
+      <dsp:nvSpPr>
+        <dsp:cNvPr id="0" name=""/>
+        <dsp:cNvSpPr/>
+      </dsp:nvSpPr>
+      <dsp:spPr>
+        <a:xfrm>
+          <a:off x="6518815" y="4917614"/>
+          <a:ext cx="2402700" cy="1683210"/>
+        </a:xfrm>
+        <a:prstGeom prst="rect">
+          <a:avLst/>
+        </a:prstGeom>
+        <a:noFill/>
+        <a:ln>
+          <a:noFill/>
+        </a:ln>
+        <a:effectLst/>
+        <a:sp3d/>
+      </dsp:spPr>
+      <dsp:style>
+        <a:lnRef idx="0">
+          <a:scrgbClr r="0" g="0" b="0"/>
+        </a:lnRef>
+        <a:fillRef idx="0">
+          <a:scrgbClr r="0" g="0" b="0"/>
+        </a:fillRef>
+        <a:effectRef idx="0">
+          <a:scrgbClr r="0" g="0" b="0"/>
+        </a:effectRef>
+        <a:fontRef idx="minor"/>
+      </dsp:style>
+      <dsp:txBody>
+        <a:bodyPr spcFirstLastPara="0" vert="horz" wrap="square" lIns="0" tIns="0" rIns="0" bIns="0" numCol="1" spcCol="1270" anchor="ctr" anchorCtr="0">
+          <a:noAutofit/>
+        </a:bodyPr>
+        <a:lstStyle/>
+        <a:p>
+          <a:pPr marL="0" lvl="0" indent="0" algn="ctr" defTabSz="2889250">
+            <a:lnSpc>
+              <a:spcPct val="90000"/>
+            </a:lnSpc>
+            <a:spcBef>
+              <a:spcPct val="0"/>
+            </a:spcBef>
+            <a:spcAft>
+              <a:spcPct val="35000"/>
+            </a:spcAft>
+            <a:buNone/>
+          </a:pPr>
+          <a:endParaRPr lang="en-US" sz="6500" kern="1200" dirty="0"/>
+        </a:p>
+      </dsp:txBody>
+      <dsp:txXfrm>
+        <a:off x="6518815" y="4917614"/>
+        <a:ext cx="2402700" cy="1683210"/>
+      </dsp:txXfrm>
+    </dsp:sp>
+    <dsp:sp modelId="{C2EF289D-3E98-1F4C-B4B0-6716FABB4136}">
+      <dsp:nvSpPr>
+        <dsp:cNvPr id="0" name=""/>
+        <dsp:cNvSpPr/>
+      </dsp:nvSpPr>
+      <dsp:spPr>
+        <a:xfrm>
+          <a:off x="2972060" y="3553224"/>
+          <a:ext cx="2310288" cy="2310288"/>
+        </a:xfrm>
+        <a:prstGeom prst="ellipse">
+          <a:avLst/>
+        </a:prstGeom>
+        <a:solidFill>
+          <a:schemeClr val="accent5">
+            <a:alpha val="50000"/>
+            <a:hueOff val="0"/>
+            <a:satOff val="0"/>
+            <a:lumOff val="0"/>
+            <a:alphaOff val="0"/>
+          </a:schemeClr>
+        </a:solidFill>
+        <a:ln w="15875" cap="rnd" cmpd="sng" algn="ctr">
+          <a:solidFill>
+            <a:schemeClr val="lt1">
+              <a:hueOff val="0"/>
+              <a:satOff val="0"/>
+              <a:lumOff val="0"/>
+              <a:alphaOff val="0"/>
+            </a:schemeClr>
+          </a:solidFill>
+          <a:prstDash val="solid"/>
+        </a:ln>
+        <a:effectLst/>
+      </dsp:spPr>
+      <dsp:style>
+        <a:lnRef idx="2">
+          <a:scrgbClr r="0" g="0" b="0"/>
+        </a:lnRef>
+        <a:fillRef idx="1">
+          <a:scrgbClr r="0" g="0" b="0"/>
+        </a:fillRef>
+        <a:effectRef idx="0">
+          <a:scrgbClr r="0" g="0" b="0"/>
+        </a:effectRef>
+        <a:fontRef idx="minor">
+          <a:schemeClr val="tx1"/>
+        </a:fontRef>
+      </dsp:style>
+    </dsp:sp>
+    <dsp:sp modelId="{5B6110D8-9916-B645-BF65-0BCD794EC6D5}">
+      <dsp:nvSpPr>
+        <dsp:cNvPr id="0" name=""/>
+        <dsp:cNvSpPr/>
+      </dsp:nvSpPr>
+      <dsp:spPr>
+        <a:xfrm>
+          <a:off x="419653" y="4917614"/>
+          <a:ext cx="2402700" cy="1683210"/>
+        </a:xfrm>
+        <a:prstGeom prst="rect">
+          <a:avLst/>
+        </a:prstGeom>
+        <a:noFill/>
+        <a:ln>
+          <a:noFill/>
+        </a:ln>
+        <a:effectLst/>
+        <a:sp3d/>
+      </dsp:spPr>
+      <dsp:style>
+        <a:lnRef idx="0">
+          <a:scrgbClr r="0" g="0" b="0"/>
+        </a:lnRef>
+        <a:fillRef idx="0">
+          <a:scrgbClr r="0" g="0" b="0"/>
+        </a:fillRef>
+        <a:effectRef idx="0">
+          <a:scrgbClr r="0" g="0" b="0"/>
+        </a:effectRef>
+        <a:fontRef idx="minor"/>
+      </dsp:style>
+      <dsp:txBody>
+        <a:bodyPr spcFirstLastPara="0" vert="horz" wrap="square" lIns="0" tIns="0" rIns="0" bIns="0" numCol="1" spcCol="1270" anchor="ctr" anchorCtr="0">
+          <a:noAutofit/>
+        </a:bodyPr>
+        <a:lstStyle/>
+        <a:p>
+          <a:pPr marL="0" lvl="0" indent="0" algn="ctr" defTabSz="2889250">
+            <a:lnSpc>
+              <a:spcPct val="90000"/>
+            </a:lnSpc>
+            <a:spcBef>
+              <a:spcPct val="0"/>
+            </a:spcBef>
+            <a:spcAft>
+              <a:spcPct val="35000"/>
+            </a:spcAft>
+            <a:buNone/>
+          </a:pPr>
+          <a:endParaRPr lang="en-US" sz="6500" kern="1200" dirty="0"/>
+        </a:p>
+      </dsp:txBody>
+      <dsp:txXfrm>
+        <a:off x="419653" y="4917614"/>
+        <a:ext cx="2402700" cy="1683210"/>
+      </dsp:txXfrm>
+    </dsp:sp>
+    <dsp:sp modelId="{F289F9AF-48FF-E848-AF11-61BD5B7DB29A}">
+      <dsp:nvSpPr>
+        <dsp:cNvPr id="0" name=""/>
+        <dsp:cNvSpPr/>
+      </dsp:nvSpPr>
+      <dsp:spPr>
+        <a:xfrm>
+          <a:off x="2636606" y="2519534"/>
+          <a:ext cx="2310288" cy="2310288"/>
+        </a:xfrm>
+        <a:prstGeom prst="ellipse">
+          <a:avLst/>
+        </a:prstGeom>
+        <a:solidFill>
+          <a:schemeClr val="accent6">
+            <a:alpha val="50000"/>
+            <a:hueOff val="0"/>
+            <a:satOff val="0"/>
+            <a:lumOff val="0"/>
+            <a:alphaOff val="0"/>
+          </a:schemeClr>
+        </a:solidFill>
+        <a:ln w="15875" cap="rnd" cmpd="sng" algn="ctr">
+          <a:solidFill>
+            <a:schemeClr val="lt1">
+              <a:hueOff val="0"/>
+              <a:satOff val="0"/>
+              <a:lumOff val="0"/>
+              <a:alphaOff val="0"/>
+            </a:schemeClr>
+          </a:solidFill>
+          <a:prstDash val="solid"/>
+        </a:ln>
+        <a:effectLst/>
+      </dsp:spPr>
+      <dsp:style>
+        <a:lnRef idx="2">
+          <a:scrgbClr r="0" g="0" b="0"/>
+        </a:lnRef>
+        <a:fillRef idx="1">
+          <a:scrgbClr r="0" g="0" b="0"/>
+        </a:fillRef>
+        <a:effectRef idx="0">
+          <a:scrgbClr r="0" g="0" b="0"/>
+        </a:effectRef>
+        <a:fontRef idx="minor">
+          <a:schemeClr val="tx1"/>
+        </a:fontRef>
+      </dsp:style>
+    </dsp:sp>
+    <dsp:sp modelId="{05F03609-9EAF-E147-AF10-DDFA814B11C8}">
+      <dsp:nvSpPr>
+        <dsp:cNvPr id="0" name=""/>
+        <dsp:cNvSpPr/>
+      </dsp:nvSpPr>
+      <dsp:spPr>
+        <a:xfrm>
+          <a:off x="50006" y="2046255"/>
+          <a:ext cx="2402700" cy="1683210"/>
+        </a:xfrm>
+        <a:prstGeom prst="rect">
+          <a:avLst/>
+        </a:prstGeom>
+        <a:noFill/>
+        <a:ln>
+          <a:noFill/>
+        </a:ln>
+        <a:effectLst/>
+        <a:sp3d/>
+      </dsp:spPr>
+      <dsp:style>
+        <a:lnRef idx="0">
+          <a:scrgbClr r="0" g="0" b="0"/>
+        </a:lnRef>
+        <a:fillRef idx="0">
+          <a:scrgbClr r="0" g="0" b="0"/>
+        </a:fillRef>
+        <a:effectRef idx="0">
+          <a:scrgbClr r="0" g="0" b="0"/>
+        </a:effectRef>
+        <a:fontRef idx="minor"/>
+      </dsp:style>
+      <dsp:txBody>
+        <a:bodyPr spcFirstLastPara="0" vert="horz" wrap="square" lIns="0" tIns="0" rIns="0" bIns="0" numCol="1" spcCol="1270" anchor="ctr" anchorCtr="0">
+          <a:noAutofit/>
+        </a:bodyPr>
+        <a:lstStyle/>
+        <a:p>
+          <a:pPr marL="0" lvl="0" indent="0" algn="ctr" defTabSz="2889250">
+            <a:lnSpc>
+              <a:spcPct val="90000"/>
+            </a:lnSpc>
+            <a:spcBef>
+              <a:spcPct val="0"/>
+            </a:spcBef>
+            <a:spcAft>
+              <a:spcPct val="35000"/>
+            </a:spcAft>
+            <a:buNone/>
+          </a:pPr>
+          <a:endParaRPr lang="en-US" sz="6500" kern="1200" dirty="0"/>
+        </a:p>
+      </dsp:txBody>
+      <dsp:txXfrm>
+        <a:off x="50006" y="2046255"/>
+        <a:ext cx="2402700" cy="1683210"/>
       </dsp:txXfrm>
     </dsp:sp>
   </dsp:spTree>
@@ -5117,11 +6721,12 @@
 </file>
 
 <file path=ppt/diagrams/layout2.xml><?xml version="1.0" encoding="utf-8"?>
-<dgm:layoutDef xmlns:dgm="http://schemas.openxmlformats.org/drawingml/2006/diagram" xmlns:a="http://schemas.openxmlformats.org/drawingml/2006/main" uniqueId="urn:microsoft.com/office/officeart/2005/8/layout/list1">
+<dgm:layoutDef xmlns:dgm="http://schemas.openxmlformats.org/drawingml/2006/diagram" xmlns:a="http://schemas.openxmlformats.org/drawingml/2006/main" uniqueId="urn:microsoft.com/office/officeart/2005/8/layout/vList5">
   <dgm:title val=""/>
   <dgm:desc val=""/>
   <dgm:catLst>
-    <dgm:cat type="list" pri="4000"/>
+    <dgm:cat type="list" pri="15000"/>
+    <dgm:cat type="convert" pri="2000"/>
   </dgm:catLst>
   <dgm:sampData>
     <dgm:dataModel>
@@ -5130,10 +6735,28 @@
         <dgm:pt modelId="1">
           <dgm:prSet phldr="1"/>
         </dgm:pt>
+        <dgm:pt modelId="11">
+          <dgm:prSet phldr="1"/>
+        </dgm:pt>
+        <dgm:pt modelId="12">
+          <dgm:prSet phldr="1"/>
+        </dgm:pt>
         <dgm:pt modelId="2">
           <dgm:prSet phldr="1"/>
         </dgm:pt>
+        <dgm:pt modelId="21">
+          <dgm:prSet phldr="1"/>
+        </dgm:pt>
+        <dgm:pt modelId="22">
+          <dgm:prSet phldr="1"/>
+        </dgm:pt>
         <dgm:pt modelId="3">
+          <dgm:prSet phldr="1"/>
+        </dgm:pt>
+        <dgm:pt modelId="31">
+          <dgm:prSet phldr="1"/>
+        </dgm:pt>
+        <dgm:pt modelId="32">
           <dgm:prSet phldr="1"/>
         </dgm:pt>
       </dgm:ptLst>
@@ -5141,6 +6764,225 @@
         <dgm:cxn modelId="4" srcId="0" destId="1" srcOrd="0" destOrd="0"/>
         <dgm:cxn modelId="5" srcId="0" destId="2" srcOrd="1" destOrd="0"/>
         <dgm:cxn modelId="6" srcId="0" destId="3" srcOrd="2" destOrd="0"/>
+        <dgm:cxn modelId="13" srcId="1" destId="11" srcOrd="0" destOrd="0"/>
+        <dgm:cxn modelId="14" srcId="1" destId="12" srcOrd="1" destOrd="0"/>
+        <dgm:cxn modelId="23" srcId="2" destId="21" srcOrd="0" destOrd="0"/>
+        <dgm:cxn modelId="24" srcId="2" destId="22" srcOrd="1" destOrd="0"/>
+        <dgm:cxn modelId="33" srcId="3" destId="31" srcOrd="0" destOrd="0"/>
+        <dgm:cxn modelId="34" srcId="3" destId="32" srcOrd="1" destOrd="0"/>
+      </dgm:cxnLst>
+      <dgm:bg/>
+      <dgm:whole/>
+    </dgm:dataModel>
+  </dgm:sampData>
+  <dgm:styleData>
+    <dgm:dataModel>
+      <dgm:ptLst>
+        <dgm:pt modelId="0" type="doc"/>
+        <dgm:pt modelId="1"/>
+        <dgm:pt modelId="11"/>
+        <dgm:pt modelId="2"/>
+        <dgm:pt modelId="21"/>
+      </dgm:ptLst>
+      <dgm:cxnLst>
+        <dgm:cxn modelId="4" srcId="0" destId="1" srcOrd="0" destOrd="0"/>
+        <dgm:cxn modelId="5" srcId="0" destId="2" srcOrd="1" destOrd="0"/>
+        <dgm:cxn modelId="13" srcId="1" destId="11" srcOrd="0" destOrd="0"/>
+        <dgm:cxn modelId="23" srcId="2" destId="21" srcOrd="0" destOrd="0"/>
+      </dgm:cxnLst>
+      <dgm:bg/>
+      <dgm:whole/>
+    </dgm:dataModel>
+  </dgm:styleData>
+  <dgm:clrData>
+    <dgm:dataModel>
+      <dgm:ptLst>
+        <dgm:pt modelId="0" type="doc"/>
+        <dgm:pt modelId="1"/>
+        <dgm:pt modelId="11"/>
+        <dgm:pt modelId="2"/>
+        <dgm:pt modelId="21"/>
+        <dgm:pt modelId="3"/>
+        <dgm:pt modelId="31"/>
+        <dgm:pt modelId="4"/>
+        <dgm:pt modelId="41"/>
+      </dgm:ptLst>
+      <dgm:cxnLst>
+        <dgm:cxn modelId="5" srcId="0" destId="1" srcOrd="0" destOrd="0"/>
+        <dgm:cxn modelId="6" srcId="0" destId="2" srcOrd="1" destOrd="0"/>
+        <dgm:cxn modelId="7" srcId="0" destId="3" srcOrd="2" destOrd="0"/>
+        <dgm:cxn modelId="8" srcId="0" destId="4" srcOrd="3" destOrd="0"/>
+        <dgm:cxn modelId="13" srcId="1" destId="11" srcOrd="0" destOrd="0"/>
+        <dgm:cxn modelId="23" srcId="2" destId="21" srcOrd="0" destOrd="0"/>
+        <dgm:cxn modelId="33" srcId="3" destId="31" srcOrd="0" destOrd="0"/>
+        <dgm:cxn modelId="43" srcId="4" destId="41" srcOrd="0" destOrd="0"/>
+      </dgm:cxnLst>
+      <dgm:bg/>
+      <dgm:whole/>
+    </dgm:dataModel>
+  </dgm:clrData>
+  <dgm:layoutNode name="Name0">
+    <dgm:varLst>
+      <dgm:dir/>
+      <dgm:animLvl val="lvl"/>
+      <dgm:resizeHandles val="exact"/>
+    </dgm:varLst>
+    <dgm:choose name="Name1">
+      <dgm:if name="Name2" func="var" arg="dir" op="equ" val="norm">
+        <dgm:alg type="lin">
+          <dgm:param type="linDir" val="fromT"/>
+          <dgm:param type="nodeHorzAlign" val="l"/>
+        </dgm:alg>
+      </dgm:if>
+      <dgm:else name="Name3">
+        <dgm:alg type="lin">
+          <dgm:param type="linDir" val="fromT"/>
+          <dgm:param type="nodeHorzAlign" val="r"/>
+        </dgm:alg>
+      </dgm:else>
+    </dgm:choose>
+    <dgm:shape xmlns:r="http://schemas.openxmlformats.org/officeDocument/2006/relationships" r:blip="">
+      <dgm:adjLst/>
+    </dgm:shape>
+    <dgm:presOf/>
+    <dgm:constrLst>
+      <dgm:constr type="h" for="ch" forName="linNode" refType="h"/>
+      <dgm:constr type="w" for="ch" forName="linNode" refType="w"/>
+      <dgm:constr type="h" for="ch" forName="sp" refType="h" fact="0.05"/>
+      <dgm:constr type="primFontSz" for="des" forName="parentText" op="equ" val="65"/>
+      <dgm:constr type="secFontSz" for="des" forName="descendantText" op="equ"/>
+    </dgm:constrLst>
+    <dgm:ruleLst/>
+    <dgm:forEach name="Name4" axis="ch" ptType="node">
+      <dgm:layoutNode name="linNode">
+        <dgm:choose name="Name5">
+          <dgm:if name="Name6" func="var" arg="dir" op="equ" val="norm">
+            <dgm:alg type="lin">
+              <dgm:param type="linDir" val="fromL"/>
+            </dgm:alg>
+          </dgm:if>
+          <dgm:else name="Name7">
+            <dgm:alg type="lin">
+              <dgm:param type="linDir" val="fromR"/>
+            </dgm:alg>
+          </dgm:else>
+        </dgm:choose>
+        <dgm:shape xmlns:r="http://schemas.openxmlformats.org/officeDocument/2006/relationships" r:blip="">
+          <dgm:adjLst/>
+        </dgm:shape>
+        <dgm:presOf/>
+        <dgm:constrLst>
+          <dgm:constr type="w" for="ch" forName="parentText" refType="w" fact="0.36"/>
+          <dgm:constr type="w" for="ch" forName="descendantText" refType="w" fact="0.64"/>
+          <dgm:constr type="h" for="ch" forName="parentText" refType="h"/>
+          <dgm:constr type="h" for="ch" forName="descendantText" refType="h" refFor="ch" refForName="parentText" fact="0.8"/>
+        </dgm:constrLst>
+        <dgm:ruleLst/>
+        <dgm:layoutNode name="parentText">
+          <dgm:varLst>
+            <dgm:chMax val="1"/>
+            <dgm:bulletEnabled val="1"/>
+          </dgm:varLst>
+          <dgm:alg type="tx"/>
+          <dgm:shape xmlns:r="http://schemas.openxmlformats.org/officeDocument/2006/relationships" type="roundRect" r:blip="" zOrderOff="3">
+            <dgm:adjLst/>
+          </dgm:shape>
+          <dgm:presOf axis="self" ptType="node"/>
+          <dgm:constrLst>
+            <dgm:constr type="tMarg" refType="primFontSz" fact="0.15"/>
+            <dgm:constr type="bMarg" refType="primFontSz" fact="0.15"/>
+            <dgm:constr type="lMarg" refType="primFontSz" fact="0.3"/>
+            <dgm:constr type="rMarg" refType="primFontSz" fact="0.3"/>
+          </dgm:constrLst>
+          <dgm:ruleLst>
+            <dgm:rule type="primFontSz" val="5" fact="NaN" max="NaN"/>
+          </dgm:ruleLst>
+        </dgm:layoutNode>
+        <dgm:choose name="Name8">
+          <dgm:if name="Name9" axis="ch" ptType="node" func="cnt" op="gte" val="1">
+            <dgm:layoutNode name="descendantText" styleLbl="alignAccFollowNode1">
+              <dgm:varLst>
+                <dgm:bulletEnabled val="1"/>
+              </dgm:varLst>
+              <dgm:alg type="tx">
+                <dgm:param type="stBulletLvl" val="1"/>
+                <dgm:param type="txAnchorVertCh" val="mid"/>
+              </dgm:alg>
+              <dgm:choose name="Name10">
+                <dgm:if name="Name11" func="var" arg="dir" op="equ" val="norm">
+                  <dgm:shape xmlns:r="http://schemas.openxmlformats.org/officeDocument/2006/relationships" rot="90" type="round2SameRect" r:blip="">
+                    <dgm:adjLst/>
+                  </dgm:shape>
+                </dgm:if>
+                <dgm:else name="Name12">
+                  <dgm:shape xmlns:r="http://schemas.openxmlformats.org/officeDocument/2006/relationships" rot="-90" type="round2SameRect" r:blip="">
+                    <dgm:adjLst/>
+                  </dgm:shape>
+                </dgm:else>
+              </dgm:choose>
+              <dgm:presOf axis="des" ptType="node"/>
+              <dgm:constrLst>
+                <dgm:constr type="secFontSz" val="65"/>
+                <dgm:constr type="primFontSz" refType="secFontSz"/>
+                <dgm:constr type="lMarg" refType="secFontSz" fact="0.3"/>
+                <dgm:constr type="rMarg" refType="secFontSz" fact="0.3"/>
+                <dgm:constr type="tMarg" refType="secFontSz" fact="0.15"/>
+                <dgm:constr type="bMarg" refType="secFontSz" fact="0.15"/>
+              </dgm:constrLst>
+              <dgm:ruleLst>
+                <dgm:rule type="secFontSz" val="5" fact="NaN" max="NaN"/>
+              </dgm:ruleLst>
+            </dgm:layoutNode>
+          </dgm:if>
+          <dgm:else name="Name13"/>
+        </dgm:choose>
+      </dgm:layoutNode>
+      <dgm:forEach name="Name14" axis="followSib" ptType="sibTrans" cnt="1">
+        <dgm:layoutNode name="sp">
+          <dgm:alg type="sp"/>
+          <dgm:shape xmlns:r="http://schemas.openxmlformats.org/officeDocument/2006/relationships" r:blip="">
+            <dgm:adjLst/>
+          </dgm:shape>
+          <dgm:presOf/>
+          <dgm:constrLst/>
+          <dgm:ruleLst/>
+        </dgm:layoutNode>
+      </dgm:forEach>
+    </dgm:forEach>
+  </dgm:layoutNode>
+</dgm:layoutDef>
+</file>
+
+<file path=ppt/diagrams/layout3.xml><?xml version="1.0" encoding="utf-8"?>
+<dgm:layoutDef xmlns:dgm="http://schemas.openxmlformats.org/drawingml/2006/diagram" xmlns:a="http://schemas.openxmlformats.org/drawingml/2006/main" uniqueId="urn:microsoft.com/office/officeart/2005/8/layout/vList2">
+  <dgm:title val=""/>
+  <dgm:desc val=""/>
+  <dgm:catLst>
+    <dgm:cat type="list" pri="3000"/>
+    <dgm:cat type="convert" pri="1000"/>
+  </dgm:catLst>
+  <dgm:sampData>
+    <dgm:dataModel>
+      <dgm:ptLst>
+        <dgm:pt modelId="0" type="doc"/>
+        <dgm:pt modelId="1">
+          <dgm:prSet phldr="1"/>
+        </dgm:pt>
+        <dgm:pt modelId="11">
+          <dgm:prSet phldr="1"/>
+        </dgm:pt>
+        <dgm:pt modelId="2">
+          <dgm:prSet phldr="1"/>
+        </dgm:pt>
+        <dgm:pt modelId="21">
+          <dgm:prSet phldr="1"/>
+        </dgm:pt>
+      </dgm:ptLst>
+      <dgm:cxnLst>
+        <dgm:cxn modelId="4" srcId="0" destId="1" srcOrd="0" destOrd="0"/>
+        <dgm:cxn modelId="5" srcId="0" destId="2" srcOrd="1" destOrd="0"/>
+        <dgm:cxn modelId="12" srcId="1" destId="11" srcOrd="0" destOrd="0"/>
+        <dgm:cxn modelId="23" srcId="2" destId="21" srcOrd="0" destOrd="0"/>
       </dgm:cxnLst>
       <dgm:bg/>
       <dgm:whole/>
@@ -5154,8 +6996,8 @@
         <dgm:pt modelId="2"/>
       </dgm:ptLst>
       <dgm:cxnLst>
-        <dgm:cxn modelId="4" srcId="0" destId="1" srcOrd="0" destOrd="0"/>
-        <dgm:cxn modelId="5" srcId="0" destId="2" srcOrd="1" destOrd="0"/>
+        <dgm:cxn modelId="3" srcId="0" destId="1" srcOrd="0" destOrd="0"/>
+        <dgm:cxn modelId="4" srcId="0" destId="2" srcOrd="1" destOrd="0"/>
       </dgm:cxnLst>
       <dgm:bg/>
       <dgm:whole/>
@@ -5182,206 +7024,120 @@
   </dgm:clrData>
   <dgm:layoutNode name="linear">
     <dgm:varLst>
-      <dgm:dir/>
       <dgm:animLvl val="lvl"/>
       <dgm:resizeHandles val="exact"/>
     </dgm:varLst>
-    <dgm:choose name="Name0">
-      <dgm:if name="Name1" func="var" arg="dir" op="equ" val="norm">
-        <dgm:alg type="lin">
-          <dgm:param type="linDir" val="fromT"/>
-          <dgm:param type="vertAlign" val="mid"/>
-          <dgm:param type="horzAlign" val="l"/>
-          <dgm:param type="nodeHorzAlign" val="l"/>
-        </dgm:alg>
-      </dgm:if>
-      <dgm:else name="Name2">
-        <dgm:alg type="lin">
-          <dgm:param type="linDir" val="fromT"/>
-          <dgm:param type="vertAlign" val="mid"/>
-          <dgm:param type="horzAlign" val="r"/>
-          <dgm:param type="nodeHorzAlign" val="r"/>
-        </dgm:alg>
-      </dgm:else>
-    </dgm:choose>
+    <dgm:alg type="lin">
+      <dgm:param type="linDir" val="fromT"/>
+      <dgm:param type="vertAlign" val="mid"/>
+    </dgm:alg>
     <dgm:shape xmlns:r="http://schemas.openxmlformats.org/officeDocument/2006/relationships" r:blip="">
       <dgm:adjLst/>
     </dgm:shape>
     <dgm:presOf/>
     <dgm:constrLst>
-      <dgm:constr type="w" for="ch" forName="parentLin" refType="w"/>
-      <dgm:constr type="h" for="ch" forName="parentLin" val="INF"/>
-      <dgm:constr type="w" for="des" forName="parentLeftMargin" refType="w" fact="0.05"/>
-      <dgm:constr type="w" for="des" forName="parentText" refType="w" fact="0.7"/>
-      <dgm:constr type="h" for="des" forName="parentText" refType="primFontSz" refFor="des" refForName="parentText" fact="0.82"/>
-      <dgm:constr type="h" for="ch" forName="negativeSpace" refType="primFontSz" refFor="des" refForName="parentText" fact="-0.41"/>
-      <dgm:constr type="h" for="ch" forName="negativeSpace" refType="h" refFor="des" refForName="parentText" op="lte" fact="-0.82"/>
-      <dgm:constr type="h" for="ch" forName="negativeSpace" refType="h" refFor="des" refForName="parentText" op="gte" fact="-0.82"/>
+      <dgm:constr type="w" for="ch" forName="parentText" refType="w"/>
+      <dgm:constr type="h" for="ch" forName="parentText" refType="primFontSz" refFor="ch" refForName="parentText" fact="0.52"/>
       <dgm:constr type="w" for="ch" forName="childText" refType="w"/>
-      <dgm:constr type="h" for="ch" forName="childText" refType="primFontSz" refFor="des" refForName="parentText" fact="0.7"/>
-      <dgm:constr type="primFontSz" for="des" forName="parentText" val="65"/>
-      <dgm:constr type="primFontSz" for="ch" forName="childText" refType="primFontSz" refFor="des" refForName="parentText"/>
-      <dgm:constr type="tMarg" for="ch" forName="childText" refType="primFontSz" refFor="des" refForName="parentText" fact="1.64"/>
-      <dgm:constr type="tMarg" for="ch" forName="childText" refType="h" refFor="des" refForName="parentText" op="lte" fact="3.28"/>
-      <dgm:constr type="tMarg" for="ch" forName="childText" refType="h" refFor="des" refForName="parentText" op="gte" fact="3.28"/>
-      <dgm:constr type="lMarg" for="ch" forName="childText" refType="w" fact="0.22"/>
-      <dgm:constr type="rMarg" for="ch" forName="childText" refType="lMarg" refFor="ch" refForName="childText"/>
-      <dgm:constr type="lMarg" for="des" forName="parentText" refType="w" fact="0.075"/>
-      <dgm:constr type="rMarg" for="des" forName="parentText" refType="lMarg" refFor="des" refForName="parentText"/>
-      <dgm:constr type="h" for="ch" forName="spaceBetweenRectangles" refType="primFontSz" refFor="des" refForName="parentText" fact="0.15"/>
+      <dgm:constr type="h" for="ch" forName="childText" refType="primFontSz" refFor="ch" refForName="parentText" fact="0.46"/>
+      <dgm:constr type="h" for="ch" forName="parentText" op="equ"/>
+      <dgm:constr type="primFontSz" for="ch" forName="parentText" op="equ" val="65"/>
+      <dgm:constr type="primFontSz" for="ch" forName="childText" refType="primFontSz" refFor="ch" refForName="parentText" op="equ"/>
+      <dgm:constr type="h" for="ch" forName="spacer" refType="primFontSz" refFor="ch" refForName="parentText" fact="0.08"/>
     </dgm:constrLst>
     <dgm:ruleLst>
-      <dgm:rule type="primFontSz" for="des" forName="parentText" val="5" fact="NaN" max="NaN"/>
+      <dgm:rule type="primFontSz" for="ch" forName="parentText" val="5" fact="NaN" max="NaN"/>
     </dgm:ruleLst>
-    <dgm:forEach name="Name3" axis="ch" ptType="node">
-      <dgm:layoutNode name="parentLin">
-        <dgm:choose name="Name4">
-          <dgm:if name="Name5" func="var" arg="dir" op="equ" val="norm">
-            <dgm:alg type="lin">
-              <dgm:param type="linDir" val="fromL"/>
-              <dgm:param type="horzAlign" val="l"/>
-              <dgm:param type="nodeHorzAlign" val="l"/>
-            </dgm:alg>
-          </dgm:if>
-          <dgm:else name="Name6">
-            <dgm:alg type="lin">
-              <dgm:param type="linDir" val="fromR"/>
-              <dgm:param type="horzAlign" val="r"/>
-              <dgm:param type="nodeHorzAlign" val="r"/>
-            </dgm:alg>
-          </dgm:else>
-        </dgm:choose>
-        <dgm:shape xmlns:r="http://schemas.openxmlformats.org/officeDocument/2006/relationships" r:blip="">
-          <dgm:adjLst/>
-        </dgm:shape>
-        <dgm:presOf/>
-        <dgm:constrLst/>
-        <dgm:ruleLst/>
-        <dgm:layoutNode name="parentLeftMargin">
-          <dgm:alg type="sp"/>
-          <dgm:shape xmlns:r="http://schemas.openxmlformats.org/officeDocument/2006/relationships" type="rect" r:blip="" hideGeom="1">
-            <dgm:adjLst/>
-          </dgm:shape>
-          <dgm:presOf axis="self"/>
-          <dgm:constrLst>
-            <dgm:constr type="h"/>
-          </dgm:constrLst>
-          <dgm:ruleLst/>
-        </dgm:layoutNode>
-        <dgm:layoutNode name="parentText" styleLbl="node1">
-          <dgm:varLst>
-            <dgm:chMax val="0"/>
-            <dgm:bulletEnabled val="1"/>
-          </dgm:varLst>
-          <dgm:choose name="Name7">
-            <dgm:if name="Name8" func="var" arg="dir" op="equ" val="norm">
-              <dgm:alg type="tx">
-                <dgm:param type="parTxLTRAlign" val="l"/>
-                <dgm:param type="parTxRTLAlign" val="l"/>
-              </dgm:alg>
-            </dgm:if>
-            <dgm:else name="Name9">
-              <dgm:alg type="tx">
-                <dgm:param type="parTxLTRAlign" val="r"/>
-                <dgm:param type="parTxRTLAlign" val="r"/>
-              </dgm:alg>
-            </dgm:else>
-          </dgm:choose>
-          <dgm:shape xmlns:r="http://schemas.openxmlformats.org/officeDocument/2006/relationships" type="roundRect" r:blip="">
-            <dgm:adjLst/>
-          </dgm:shape>
-          <dgm:presOf axis="self" ptType="node"/>
-          <dgm:constrLst>
-            <dgm:constr type="tMarg"/>
-            <dgm:constr type="bMarg"/>
-          </dgm:constrLst>
-          <dgm:ruleLst/>
-        </dgm:layoutNode>
-      </dgm:layoutNode>
-      <dgm:layoutNode name="negativeSpace">
-        <dgm:alg type="sp"/>
-        <dgm:shape xmlns:r="http://schemas.openxmlformats.org/officeDocument/2006/relationships" r:blip="">
-          <dgm:adjLst/>
-        </dgm:shape>
-        <dgm:presOf/>
-        <dgm:constrLst/>
-        <dgm:ruleLst/>
-      </dgm:layoutNode>
-      <dgm:layoutNode name="childText" styleLbl="conFgAcc1">
+    <dgm:forEach name="Name0" axis="ch" ptType="node">
+      <dgm:layoutNode name="parentText" styleLbl="node1">
         <dgm:varLst>
+          <dgm:chMax val="0"/>
           <dgm:bulletEnabled val="1"/>
         </dgm:varLst>
         <dgm:alg type="tx">
-          <dgm:param type="stBulletLvl" val="1"/>
+          <dgm:param type="parTxLTRAlign" val="l"/>
+          <dgm:param type="parTxRTLAlign" val="r"/>
         </dgm:alg>
-        <dgm:shape xmlns:r="http://schemas.openxmlformats.org/officeDocument/2006/relationships" type="rect" r:blip="" zOrderOff="-2">
+        <dgm:shape xmlns:r="http://schemas.openxmlformats.org/officeDocument/2006/relationships" type="roundRect" r:blip="">
           <dgm:adjLst/>
         </dgm:shape>
-        <dgm:presOf axis="des" ptType="node"/>
+        <dgm:presOf axis="self"/>
         <dgm:constrLst>
-          <dgm:constr type="secFontSz" refType="primFontSz"/>
+          <dgm:constr type="tMarg" refType="primFontSz" fact="0.3"/>
+          <dgm:constr type="bMarg" refType="primFontSz" fact="0.3"/>
+          <dgm:constr type="lMarg" refType="primFontSz" fact="0.3"/>
+          <dgm:constr type="rMarg" refType="primFontSz" fact="0.3"/>
         </dgm:constrLst>
         <dgm:ruleLst>
           <dgm:rule type="h" val="INF" fact="NaN" max="NaN"/>
         </dgm:ruleLst>
       </dgm:layoutNode>
-      <dgm:forEach name="Name10" axis="followSib" ptType="sibTrans" cnt="1">
-        <dgm:layoutNode name="spaceBetweenRectangles">
-          <dgm:alg type="sp"/>
-          <dgm:shape xmlns:r="http://schemas.openxmlformats.org/officeDocument/2006/relationships" r:blip="">
-            <dgm:adjLst/>
-          </dgm:shape>
-          <dgm:presOf/>
-          <dgm:constrLst/>
-          <dgm:ruleLst/>
-        </dgm:layoutNode>
-      </dgm:forEach>
+      <dgm:choose name="Name1">
+        <dgm:if name="Name2" axis="ch" ptType="node" func="cnt" op="gte" val="1">
+          <dgm:layoutNode name="childText" styleLbl="revTx">
+            <dgm:varLst>
+              <dgm:bulletEnabled val="1"/>
+            </dgm:varLst>
+            <dgm:alg type="tx">
+              <dgm:param type="stBulletLvl" val="1"/>
+              <dgm:param type="lnSpAfChP" val="20"/>
+            </dgm:alg>
+            <dgm:shape xmlns:r="http://schemas.openxmlformats.org/officeDocument/2006/relationships" type="rect" r:blip="">
+              <dgm:adjLst/>
+            </dgm:shape>
+            <dgm:presOf axis="des" ptType="node"/>
+            <dgm:constrLst>
+              <dgm:constr type="tMarg" refType="primFontSz" fact="0.1"/>
+              <dgm:constr type="bMarg" refType="primFontSz" fact="0.1"/>
+              <dgm:constr type="lMarg" refType="w" fact="0.09"/>
+            </dgm:constrLst>
+            <dgm:ruleLst>
+              <dgm:rule type="h" val="INF" fact="NaN" max="NaN"/>
+            </dgm:ruleLst>
+          </dgm:layoutNode>
+        </dgm:if>
+        <dgm:else name="Name3">
+          <dgm:choose name="Name4">
+            <dgm:if name="Name5" axis="par ch" ptType="doc node" func="cnt" op="gte" val="2">
+              <dgm:forEach name="Name6" axis="followSib" ptType="sibTrans" cnt="1">
+                <dgm:layoutNode name="spacer">
+                  <dgm:alg type="sp"/>
+                  <dgm:shape xmlns:r="http://schemas.openxmlformats.org/officeDocument/2006/relationships" r:blip="">
+                    <dgm:adjLst/>
+                  </dgm:shape>
+                  <dgm:presOf/>
+                  <dgm:constrLst/>
+                  <dgm:ruleLst/>
+                </dgm:layoutNode>
+              </dgm:forEach>
+            </dgm:if>
+            <dgm:else name="Name7"/>
+          </dgm:choose>
+        </dgm:else>
+      </dgm:choose>
     </dgm:forEach>
   </dgm:layoutNode>
 </dgm:layoutDef>
 </file>
 
-<file path=ppt/diagrams/layout3.xml><?xml version="1.0" encoding="utf-8"?>
-<dgm:layoutDef xmlns:dgm="http://schemas.openxmlformats.org/drawingml/2006/diagram" xmlns:a="http://schemas.openxmlformats.org/drawingml/2006/main" uniqueId="urn:microsoft.com/office/officeart/2005/8/layout/list1">
+<file path=ppt/diagrams/layout4.xml><?xml version="1.0" encoding="utf-8"?>
+<dgm:layoutDef xmlns:dgm="http://schemas.openxmlformats.org/drawingml/2006/diagram" xmlns:a="http://schemas.openxmlformats.org/drawingml/2006/main" uniqueId="urn:microsoft.com/office/officeart/2005/8/layout/venn1">
   <dgm:title val=""/>
   <dgm:desc val=""/>
   <dgm:catLst>
-    <dgm:cat type="list" pri="4000"/>
+    <dgm:cat type="relationship" pri="28000"/>
+    <dgm:cat type="convert" pri="19000"/>
   </dgm:catLst>
-  <dgm:sampData>
+  <dgm:sampData useDef="1">
     <dgm:dataModel>
-      <dgm:ptLst>
-        <dgm:pt modelId="0" type="doc"/>
-        <dgm:pt modelId="1">
-          <dgm:prSet phldr="1"/>
-        </dgm:pt>
-        <dgm:pt modelId="2">
-          <dgm:prSet phldr="1"/>
-        </dgm:pt>
-        <dgm:pt modelId="3">
-          <dgm:prSet phldr="1"/>
-        </dgm:pt>
-      </dgm:ptLst>
-      <dgm:cxnLst>
-        <dgm:cxn modelId="4" srcId="0" destId="1" srcOrd="0" destOrd="0"/>
-        <dgm:cxn modelId="5" srcId="0" destId="2" srcOrd="1" destOrd="0"/>
-        <dgm:cxn modelId="6" srcId="0" destId="3" srcOrd="2" destOrd="0"/>
-      </dgm:cxnLst>
+      <dgm:ptLst/>
       <dgm:bg/>
       <dgm:whole/>
     </dgm:dataModel>
   </dgm:sampData>
-  <dgm:styleData>
+  <dgm:styleData useDef="1">
     <dgm:dataModel>
-      <dgm:ptLst>
-        <dgm:pt modelId="0" type="doc"/>
-        <dgm:pt modelId="1"/>
-        <dgm:pt modelId="2"/>
-      </dgm:ptLst>
-      <dgm:cxnLst>
-        <dgm:cxn modelId="4" srcId="0" destId="1" srcOrd="0" destOrd="0"/>
-        <dgm:cxn modelId="5" srcId="0" destId="2" srcOrd="1" destOrd="0"/>
-      </dgm:cxnLst>
+      <dgm:ptLst/>
       <dgm:bg/>
       <dgm:whole/>
     </dgm:dataModel>
@@ -5396,36 +7152,60 @@
         <dgm:pt modelId="4"/>
       </dgm:ptLst>
       <dgm:cxnLst>
-        <dgm:cxn modelId="5" srcId="0" destId="1" srcOrd="0" destOrd="0"/>
-        <dgm:cxn modelId="6" srcId="0" destId="2" srcOrd="1" destOrd="0"/>
-        <dgm:cxn modelId="7" srcId="0" destId="3" srcOrd="2" destOrd="0"/>
-        <dgm:cxn modelId="8" srcId="0" destId="4" srcOrd="3" destOrd="0"/>
+        <dgm:cxn modelId="7" srcId="0" destId="1" srcOrd="0" destOrd="0"/>
+        <dgm:cxn modelId="8" srcId="0" destId="2" srcOrd="1" destOrd="0"/>
+        <dgm:cxn modelId="9" srcId="0" destId="3" srcOrd="2" destOrd="0"/>
+        <dgm:cxn modelId="10" srcId="0" destId="4" srcOrd="3" destOrd="0"/>
       </dgm:cxnLst>
       <dgm:bg/>
       <dgm:whole/>
     </dgm:dataModel>
   </dgm:clrData>
-  <dgm:layoutNode name="linear">
+  <dgm:layoutNode name="compositeShape">
     <dgm:varLst>
+      <dgm:chMax val="7"/>
       <dgm:dir/>
-      <dgm:animLvl val="lvl"/>
       <dgm:resizeHandles val="exact"/>
     </dgm:varLst>
     <dgm:choose name="Name0">
-      <dgm:if name="Name1" func="var" arg="dir" op="equ" val="norm">
-        <dgm:alg type="lin">
-          <dgm:param type="linDir" val="fromT"/>
-          <dgm:param type="vertAlign" val="mid"/>
-          <dgm:param type="horzAlign" val="l"/>
-          <dgm:param type="nodeHorzAlign" val="l"/>
+      <dgm:if name="Name1" axis="ch" ptType="node" func="cnt" op="equ" val="1">
+        <dgm:alg type="composite">
+          <dgm:param type="ar" val="1"/>
         </dgm:alg>
       </dgm:if>
-      <dgm:else name="Name2">
-        <dgm:alg type="lin">
-          <dgm:param type="linDir" val="fromT"/>
-          <dgm:param type="vertAlign" val="mid"/>
-          <dgm:param type="horzAlign" val="r"/>
-          <dgm:param type="nodeHorzAlign" val="r"/>
+      <dgm:if name="Name2" axis="ch" ptType="node" func="cnt" op="equ" val="2">
+        <dgm:alg type="composite">
+          <dgm:param type="ar" val="1.792"/>
+        </dgm:alg>
+      </dgm:if>
+      <dgm:if name="Name3" axis="ch" ptType="node" func="cnt" op="equ" val="3">
+        <dgm:alg type="composite">
+          <dgm:param type="ar" val="1"/>
+        </dgm:alg>
+      </dgm:if>
+      <dgm:if name="Name4" axis="ch" ptType="node" func="cnt" op="equ" val="4">
+        <dgm:alg type="composite">
+          <dgm:param type="ar" val="1"/>
+        </dgm:alg>
+      </dgm:if>
+      <dgm:if name="Name5" axis="ch" ptType="node" func="cnt" op="equ" val="5">
+        <dgm:alg type="composite">
+          <dgm:param type="ar" val="1.4"/>
+        </dgm:alg>
+      </dgm:if>
+      <dgm:if name="Name6" axis="ch" ptType="node" func="cnt" op="equ" val="6">
+        <dgm:alg type="composite">
+          <dgm:param type="ar" val="1.285"/>
+        </dgm:alg>
+      </dgm:if>
+      <dgm:if name="Name7" axis="ch" ptType="node" func="cnt" op="equ" val="7">
+        <dgm:alg type="composite">
+          <dgm:param type="ar" val="1.359"/>
+        </dgm:alg>
+      </dgm:if>
+      <dgm:else name="Name8">
+        <dgm:alg type="composite">
+          <dgm:param type="ar" val="1.359"/>
         </dgm:alg>
       </dgm:else>
     </dgm:choose>
@@ -5433,134 +7213,783 @@
       <dgm:adjLst/>
     </dgm:shape>
     <dgm:presOf/>
-    <dgm:constrLst>
-      <dgm:constr type="w" for="ch" forName="parentLin" refType="w"/>
-      <dgm:constr type="h" for="ch" forName="parentLin" val="INF"/>
-      <dgm:constr type="w" for="des" forName="parentLeftMargin" refType="w" fact="0.05"/>
-      <dgm:constr type="w" for="des" forName="parentText" refType="w" fact="0.7"/>
-      <dgm:constr type="h" for="des" forName="parentText" refType="primFontSz" refFor="des" refForName="parentText" fact="0.82"/>
-      <dgm:constr type="h" for="ch" forName="negativeSpace" refType="primFontSz" refFor="des" refForName="parentText" fact="-0.41"/>
-      <dgm:constr type="h" for="ch" forName="negativeSpace" refType="h" refFor="des" refForName="parentText" op="lte" fact="-0.82"/>
-      <dgm:constr type="h" for="ch" forName="negativeSpace" refType="h" refFor="des" refForName="parentText" op="gte" fact="-0.82"/>
-      <dgm:constr type="w" for="ch" forName="childText" refType="w"/>
-      <dgm:constr type="h" for="ch" forName="childText" refType="primFontSz" refFor="des" refForName="parentText" fact="0.7"/>
-      <dgm:constr type="primFontSz" for="des" forName="parentText" val="65"/>
-      <dgm:constr type="primFontSz" for="ch" forName="childText" refType="primFontSz" refFor="des" refForName="parentText"/>
-      <dgm:constr type="tMarg" for="ch" forName="childText" refType="primFontSz" refFor="des" refForName="parentText" fact="1.64"/>
-      <dgm:constr type="tMarg" for="ch" forName="childText" refType="h" refFor="des" refForName="parentText" op="lte" fact="3.28"/>
-      <dgm:constr type="tMarg" for="ch" forName="childText" refType="h" refFor="des" refForName="parentText" op="gte" fact="3.28"/>
-      <dgm:constr type="lMarg" for="ch" forName="childText" refType="w" fact="0.22"/>
-      <dgm:constr type="rMarg" for="ch" forName="childText" refType="lMarg" refFor="ch" refForName="childText"/>
-      <dgm:constr type="lMarg" for="des" forName="parentText" refType="w" fact="0.075"/>
-      <dgm:constr type="rMarg" for="des" forName="parentText" refType="lMarg" refFor="des" refForName="parentText"/>
-      <dgm:constr type="h" for="ch" forName="spaceBetweenRectangles" refType="primFontSz" refFor="des" refForName="parentText" fact="0.15"/>
-    </dgm:constrLst>
-    <dgm:ruleLst>
-      <dgm:rule type="primFontSz" for="des" forName="parentText" val="5" fact="NaN" max="NaN"/>
-    </dgm:ruleLst>
-    <dgm:forEach name="Name3" axis="ch" ptType="node">
-      <dgm:layoutNode name="parentLin">
-        <dgm:choose name="Name4">
-          <dgm:if name="Name5" func="var" arg="dir" op="equ" val="norm">
-            <dgm:alg type="lin">
-              <dgm:param type="linDir" val="fromL"/>
-              <dgm:param type="horzAlign" val="l"/>
-              <dgm:param type="nodeHorzAlign" val="l"/>
+    <dgm:choose name="Name9">
+      <dgm:if name="Name10" axis="ch" ptType="node" func="cnt" op="equ" val="1">
+        <dgm:constrLst>
+          <dgm:constr type="ctrX" for="ch" forName="circ1TxSh" refType="w" fact="0.5"/>
+          <dgm:constr type="ctrY" for="ch" forName="circ1TxSh" refType="h" fact="0.5"/>
+          <dgm:constr type="w" for="ch" forName="circ1TxSh" refType="w"/>
+          <dgm:constr type="h" for="ch" forName="circ1TxSh" refType="h"/>
+          <dgm:constr type="primFontSz" for="ch" ptType="node" op="equ"/>
+        </dgm:constrLst>
+      </dgm:if>
+      <dgm:if name="Name11" axis="ch" ptType="node" func="cnt" op="equ" val="2">
+        <dgm:constrLst>
+          <dgm:constr type="ctrX" for="ch" forName="circ1" refType="w" fact="0.3"/>
+          <dgm:constr type="ctrY" for="ch" forName="circ1" refType="h" fact="0.5"/>
+          <dgm:constr type="w" for="ch" forName="circ1" refType="w" fact="0.555"/>
+          <dgm:constr type="h" for="ch" forName="circ1" refType="h" fact="0.99456"/>
+          <dgm:constr type="l" for="ch" forName="circ1Tx" refType="w" fact="0.1"/>
+          <dgm:constr type="t" for="ch" forName="circ1Tx" refType="h" fact="0.12"/>
+          <dgm:constr type="w" for="ch" forName="circ1Tx" refType="w" fact="0.32"/>
+          <dgm:constr type="h" for="ch" forName="circ1Tx" refType="h" fact="0.76"/>
+          <dgm:constr type="ctrX" for="ch" forName="circ2" refType="w" fact="0.7"/>
+          <dgm:constr type="ctrY" for="ch" forName="circ2" refType="h" fact="0.5"/>
+          <dgm:constr type="w" for="ch" forName="circ2" refType="w" fact="0.555"/>
+          <dgm:constr type="h" for="ch" forName="circ2" refType="h" fact="0.99456"/>
+          <dgm:constr type="l" for="ch" forName="circ2Tx" refType="w" fact="0.58"/>
+          <dgm:constr type="t" for="ch" forName="circ2Tx" refType="h" fact="0.12"/>
+          <dgm:constr type="w" for="ch" forName="circ2Tx" refType="w" fact="0.32"/>
+          <dgm:constr type="h" for="ch" forName="circ2Tx" refType="h" fact="0.76"/>
+          <dgm:constr type="primFontSz" for="ch" ptType="node" op="equ"/>
+        </dgm:constrLst>
+      </dgm:if>
+      <dgm:if name="Name12" axis="ch" ptType="node" func="cnt" op="equ" val="3">
+        <dgm:constrLst>
+          <dgm:constr type="ctrX" for="ch" forName="circ1" refType="w" fact="0.5"/>
+          <dgm:constr type="ctrY" for="ch" forName="circ1" refType="w" fact="0.25"/>
+          <dgm:constr type="w" for="ch" forName="circ1" refType="w" fact="0.6"/>
+          <dgm:constr type="h" for="ch" forName="circ1" refType="h" fact="0.6"/>
+          <dgm:constr type="l" for="ch" forName="circ1Tx" refType="w" fact="0.28"/>
+          <dgm:constr type="t" for="ch" forName="circ1Tx" refType="h" fact="0.055"/>
+          <dgm:constr type="w" for="ch" forName="circ1Tx" refType="w" fact="0.44"/>
+          <dgm:constr type="h" for="ch" forName="circ1Tx" refType="h" fact="0.27"/>
+          <dgm:constr type="ctrX" for="ch" forName="circ2" refType="w" fact="0.7165"/>
+          <dgm:constr type="ctrY" for="ch" forName="circ2" refType="w" fact="0.625"/>
+          <dgm:constr type="w" for="ch" forName="circ2" refType="w" fact="0.6"/>
+          <dgm:constr type="h" for="ch" forName="circ2" refType="h" fact="0.6"/>
+          <dgm:constr type="l" for="ch" forName="circ2Tx" refType="w" fact="0.6"/>
+          <dgm:constr type="t" for="ch" forName="circ2Tx" refType="h" fact="0.48"/>
+          <dgm:constr type="w" for="ch" forName="circ2Tx" refType="w" fact="0.36"/>
+          <dgm:constr type="h" for="ch" forName="circ2Tx" refType="h" fact="0.33"/>
+          <dgm:constr type="ctrX" for="ch" forName="circ3" refType="w" fact="0.2835"/>
+          <dgm:constr type="ctrY" for="ch" forName="circ3" refType="w" fact="0.625"/>
+          <dgm:constr type="w" for="ch" forName="circ3" refType="w" fact="0.6"/>
+          <dgm:constr type="h" for="ch" forName="circ3" refType="h" fact="0.6"/>
+          <dgm:constr type="l" for="ch" forName="circ3Tx" refType="w" fact="0.04"/>
+          <dgm:constr type="t" for="ch" forName="circ3Tx" refType="h" fact="0.48"/>
+          <dgm:constr type="w" for="ch" forName="circ3Tx" refType="w" fact="0.36"/>
+          <dgm:constr type="h" for="ch" forName="circ3Tx" refType="h" fact="0.33"/>
+          <dgm:constr type="primFontSz" for="ch" ptType="node" op="equ"/>
+        </dgm:constrLst>
+      </dgm:if>
+      <dgm:if name="Name13" axis="ch" ptType="node" func="cnt" op="equ" val="4">
+        <dgm:constrLst>
+          <dgm:constr type="ctrX" for="ch" forName="circ1" refType="w" fact="0.5"/>
+          <dgm:constr type="ctrY" for="ch" forName="circ1" refType="w" fact="0.27"/>
+          <dgm:constr type="w" for="ch" forName="circ1" refType="w" fact="0.52"/>
+          <dgm:constr type="h" for="ch" forName="circ1" refType="h" fact="0.52"/>
+          <dgm:constr type="l" for="ch" forName="circ1Tx" refType="w" fact="0.3"/>
+          <dgm:constr type="t" for="ch" forName="circ1Tx" refType="h" fact="0.08"/>
+          <dgm:constr type="w" for="ch" forName="circ1Tx" refType="w" fact="0.4"/>
+          <dgm:constr type="h" for="ch" forName="circ1Tx" refType="h" fact="0.165"/>
+          <dgm:constr type="ctrX" for="ch" forName="circ2" refType="w" fact="0.73"/>
+          <dgm:constr type="ctrY" for="ch" forName="circ2" refType="w" fact="0.5"/>
+          <dgm:constr type="w" for="ch" forName="circ2" refType="w" fact="0.52"/>
+          <dgm:constr type="h" for="ch" forName="circ2" refType="h" fact="0.52"/>
+          <dgm:constr type="r" for="ch" forName="circ2Tx" refType="w" fact="0.95"/>
+          <dgm:constr type="t" for="ch" forName="circ2Tx" refType="h" fact="0.3"/>
+          <dgm:constr type="w" for="ch" forName="circ2Tx" refType="w" fact="0.2"/>
+          <dgm:constr type="h" for="ch" forName="circ2Tx" refType="h" fact="0.4"/>
+          <dgm:constr type="ctrX" for="ch" forName="circ3" refType="w" fact="0.5"/>
+          <dgm:constr type="ctrY" for="ch" forName="circ3" refType="w" fact="0.73"/>
+          <dgm:constr type="w" for="ch" forName="circ3" refType="w" fact="0.52"/>
+          <dgm:constr type="h" for="ch" forName="circ3" refType="h" fact="0.52"/>
+          <dgm:constr type="l" for="ch" forName="circ3Tx" refType="w" fact="0.3"/>
+          <dgm:constr type="b" for="ch" forName="circ3Tx" refType="h" fact="0.92"/>
+          <dgm:constr type="w" for="ch" forName="circ3Tx" refType="w" fact="0.4"/>
+          <dgm:constr type="h" for="ch" forName="circ3Tx" refType="h" fact="0.165"/>
+          <dgm:constr type="ctrX" for="ch" forName="circ4" refType="w" fact="0.27"/>
+          <dgm:constr type="ctrY" for="ch" forName="circ4" refType="h" fact="0.5"/>
+          <dgm:constr type="w" for="ch" forName="circ4" refType="w" fact="0.52"/>
+          <dgm:constr type="h" for="ch" forName="circ4" refType="h" fact="0.52"/>
+          <dgm:constr type="l" for="ch" forName="circ4Tx" refType="w" fact="0.05"/>
+          <dgm:constr type="t" for="ch" forName="circ4Tx" refType="h" fact="0.3"/>
+          <dgm:constr type="w" for="ch" forName="circ4Tx" refType="w" fact="0.2"/>
+          <dgm:constr type="h" for="ch" forName="circ4Tx" refType="h" fact="0.4"/>
+          <dgm:constr type="primFontSz" for="ch" ptType="node" op="equ"/>
+        </dgm:constrLst>
+      </dgm:if>
+      <dgm:if name="Name14" axis="ch" ptType="node" func="cnt" op="equ" val="5">
+        <dgm:constrLst>
+          <dgm:constr type="ctrX" for="ch" forName="circ1" refType="w" fact="0.5"/>
+          <dgm:constr type="ctrY" for="ch" forName="circ1" refType="h" fact="0.46"/>
+          <dgm:constr type="w" for="ch" forName="circ1" refType="w" fact="0.25"/>
+          <dgm:constr type="h" for="ch" forName="circ1" refType="h" fact="0.35"/>
+          <dgm:constr type="l" for="ch" forName="circ1Tx" refType="w" fact="0.355"/>
+          <dgm:constr type="t" for="ch" forName="circ1Tx"/>
+          <dgm:constr type="w" for="ch" forName="circ1Tx" refType="w" fact="0.29"/>
+          <dgm:constr type="h" for="ch" forName="circ1Tx" refType="h" fact="0.235"/>
+          <dgm:constr type="ctrX" for="ch" forName="circ2" refType="w" fact="0.5951"/>
+          <dgm:constr type="ctrY" for="ch" forName="circ2" refType="h" fact="0.5567"/>
+          <dgm:constr type="w" for="ch" forName="circ2" refType="w" fact="0.25"/>
+          <dgm:constr type="h" for="ch" forName="circ2" refType="h" fact="0.35"/>
+          <dgm:constr type="l" for="ch" forName="circ2Tx" refType="w" fact="0.74"/>
+          <dgm:constr type="t" for="ch" forName="circ2Tx" refType="h" fact="0.31"/>
+          <dgm:constr type="w" for="ch" forName="circ2Tx" refType="w" fact="0.26"/>
+          <dgm:constr type="h" for="ch" forName="circ2Tx" refType="h" fact="0.255"/>
+          <dgm:constr type="ctrX" for="ch" forName="circ3" refType="w" fact="0.5588"/>
+          <dgm:constr type="ctrY" for="ch" forName="circ3" refType="h" fact="0.7133"/>
+          <dgm:constr type="w" for="ch" forName="circ3" refType="w" fact="0.25"/>
+          <dgm:constr type="h" for="ch" forName="circ3" refType="h" fact="0.35"/>
+          <dgm:constr type="l" for="ch" forName="circ3Tx" refType="w" fact="0.7"/>
+          <dgm:constr type="t" for="ch" forName="circ3Tx" refType="h" fact="0.745"/>
+          <dgm:constr type="w" for="ch" forName="circ3Tx" refType="w" fact="0.26"/>
+          <dgm:constr type="h" for="ch" forName="circ3Tx" refType="h" fact="0.255"/>
+          <dgm:constr type="ctrX" for="ch" forName="circ4" refType="w" fact="0.4412"/>
+          <dgm:constr type="ctrY" for="ch" forName="circ4" refType="h" fact="0.7133"/>
+          <dgm:constr type="w" for="ch" forName="circ4" refType="w" fact="0.25"/>
+          <dgm:constr type="h" for="ch" forName="circ4" refType="h" fact="0.35"/>
+          <dgm:constr type="l" for="ch" forName="circ4Tx" refType="w" fact="0.04"/>
+          <dgm:constr type="t" for="ch" forName="circ4Tx" refType="h" fact="0.745"/>
+          <dgm:constr type="w" for="ch" forName="circ4Tx" refType="w" fact="0.26"/>
+          <dgm:constr type="h" for="ch" forName="circ4Tx" refType="h" fact="0.255"/>
+          <dgm:constr type="ctrX" for="ch" forName="circ5" refType="w" fact="0.4049"/>
+          <dgm:constr type="ctrY" for="ch" forName="circ5" refType="h" fact="0.5567"/>
+          <dgm:constr type="w" for="ch" forName="circ5" refType="w" fact="0.25"/>
+          <dgm:constr type="h" for="ch" forName="circ5" refType="h" fact="0.35"/>
+          <dgm:constr type="l" for="ch" forName="circ5Tx"/>
+          <dgm:constr type="t" for="ch" forName="circ5Tx" refType="h" fact="0.31"/>
+          <dgm:constr type="w" for="ch" forName="circ5Tx" refType="w" fact="0.26"/>
+          <dgm:constr type="h" for="ch" forName="circ5Tx" refType="h" fact="0.255"/>
+          <dgm:constr type="primFontSz" for="ch" ptType="node" op="equ"/>
+        </dgm:constrLst>
+      </dgm:if>
+      <dgm:if name="Name15" axis="ch" ptType="node" func="cnt" op="equ" val="6">
+        <dgm:constrLst>
+          <dgm:constr type="ctrX" for="ch" forName="circ1" refType="w" fact="0.5"/>
+          <dgm:constr type="ctrY" for="ch" forName="circ1" refType="h" fact="0.3844"/>
+          <dgm:constr type="w" for="ch" forName="circ1" refType="w" fact="0.24"/>
+          <dgm:constr type="h" for="ch" forName="circ1" refType="h" fact="0.3084"/>
+          <dgm:constr type="l" for="ch" forName="circ1Tx" refType="w" fact="0.35"/>
+          <dgm:constr type="t" for="ch" forName="circ1Tx"/>
+          <dgm:constr type="w" for="ch" forName="circ1Tx" refType="w" fact="0.3"/>
+          <dgm:constr type="h" for="ch" forName="circ1Tx" refType="h" fact="0.21"/>
+          <dgm:constr type="ctrX" for="ch" forName="circ2" refType="w" fact="0.5779"/>
+          <dgm:constr type="ctrY" for="ch" forName="circ2" refType="h" fact="0.4422"/>
+          <dgm:constr type="w" for="ch" forName="circ2" refType="w" fact="0.24"/>
+          <dgm:constr type="h" for="ch" forName="circ2" refType="h" fact="0.3084"/>
+          <dgm:constr type="l" for="ch" forName="circ2Tx" refType="w" fact="0.7157"/>
+          <dgm:constr type="t" for="ch" forName="circ2Tx" refType="h" fact="0.2"/>
+          <dgm:constr type="w" for="ch" forName="circ2Tx" refType="w" fact="0.2843"/>
+          <dgm:constr type="h" for="ch" forName="circ2Tx" refType="h" fact="0.23"/>
+          <dgm:constr type="ctrX" for="ch" forName="circ3" refType="w" fact="0.5779"/>
+          <dgm:constr type="ctrY" for="ch" forName="circ3" refType="h" fact="0.5578"/>
+          <dgm:constr type="w" for="ch" forName="circ3" refType="w" fact="0.24"/>
+          <dgm:constr type="h" for="ch" forName="circ3" refType="h" fact="0.3084"/>
+          <dgm:constr type="l" for="ch" forName="circ3Tx" refType="w" fact="0.7157"/>
+          <dgm:constr type="t" for="ch" forName="circ3Tx" refType="h" fact="0.543"/>
+          <dgm:constr type="w" for="ch" forName="circ3Tx" refType="w" fact="0.2843"/>
+          <dgm:constr type="h" for="ch" forName="circ3Tx" refType="h" fact="0.257"/>
+          <dgm:constr type="ctrX" for="ch" forName="circ4" refType="w" fact="0.5"/>
+          <dgm:constr type="ctrY" for="ch" forName="circ4" refType="h" fact="0.6157"/>
+          <dgm:constr type="w" for="ch" forName="circ4" refType="w" fact="0.24"/>
+          <dgm:constr type="h" for="ch" forName="circ4" refType="h" fact="0.3084"/>
+          <dgm:constr type="l" for="ch" forName="circ4Tx" refType="w" fact="0.35"/>
+          <dgm:constr type="t" for="ch" forName="circ4Tx" refType="h" fact="0.79"/>
+          <dgm:constr type="w" for="ch" forName="circ4Tx" refType="w" fact="0.3"/>
+          <dgm:constr type="h" for="ch" forName="circ4Tx" refType="h" fact="0.21"/>
+          <dgm:constr type="ctrX" for="ch" forName="circ5" refType="w" fact="0.4221"/>
+          <dgm:constr type="ctrY" for="ch" forName="circ5" refType="h" fact="0.5578"/>
+          <dgm:constr type="w" for="ch" forName="circ5" refType="w" fact="0.24"/>
+          <dgm:constr type="h" for="ch" forName="circ5" refType="h" fact="0.3084"/>
+          <dgm:constr type="l" for="ch" forName="circ5Tx" refType="w" fact="0"/>
+          <dgm:constr type="t" for="ch" forName="circ5Tx" refType="h" fact="0.543"/>
+          <dgm:constr type="w" for="ch" forName="circ5Tx" refType="w" fact="0.2843"/>
+          <dgm:constr type="h" for="ch" forName="circ5Tx" refType="h" fact="0.257"/>
+          <dgm:constr type="ctrX" for="ch" forName="circ6" refType="w" fact="0.4221"/>
+          <dgm:constr type="ctrY" for="ch" forName="circ6" refType="h" fact="0.4422"/>
+          <dgm:constr type="w" for="ch" forName="circ6" refType="w" fact="0.24"/>
+          <dgm:constr type="h" for="ch" forName="circ6" refType="h" fact="0.3084"/>
+          <dgm:constr type="l" for="ch" forName="circ6Tx" refType="w" fact="0"/>
+          <dgm:constr type="t" for="ch" forName="circ6Tx" refType="h" fact="0.2"/>
+          <dgm:constr type="w" for="ch" forName="circ6Tx" refType="w" fact="0.2843"/>
+          <dgm:constr type="h" for="ch" forName="circ6Tx" refType="h" fact="0.257"/>
+          <dgm:constr type="primFontSz" for="ch" ptType="node" op="equ"/>
+        </dgm:constrLst>
+      </dgm:if>
+      <dgm:else name="Name16">
+        <dgm:constrLst>
+          <dgm:constr type="ctrX" for="ch" forName="circ1" refType="w" fact="0.5"/>
+          <dgm:constr type="ctrY" for="ch" forName="circ1" refType="h" fact="0.4177"/>
+          <dgm:constr type="w" for="ch" forName="circ1" refType="w" fact="0.24"/>
+          <dgm:constr type="h" for="ch" forName="circ1" refType="h" fact="0.3262"/>
+          <dgm:constr type="l" for="ch" forName="circ1Tx" refType="w" fact="0.3625"/>
+          <dgm:constr type="t" for="ch" forName="circ1Tx"/>
+          <dgm:constr type="w" for="ch" forName="circ1Tx" refType="w" fact="0.275"/>
+          <dgm:constr type="h" for="ch" forName="circ1Tx" refType="h" fact="0.2"/>
+          <dgm:constr type="ctrX" for="ch" forName="circ2" refType="w" fact="0.5704"/>
+          <dgm:constr type="ctrY" for="ch" forName="circ2" refType="h" fact="0.4637"/>
+          <dgm:constr type="w" for="ch" forName="circ2" refType="w" fact="0.24"/>
+          <dgm:constr type="h" for="ch" forName="circ2" refType="h" fact="0.3262"/>
+          <dgm:constr type="l" for="ch" forName="circ2Tx" refType="w" fact="0.72"/>
+          <dgm:constr type="t" for="ch" forName="circ2Tx" refType="h" fact="0.19"/>
+          <dgm:constr type="w" for="ch" forName="circ2Tx" refType="w" fact="0.26"/>
+          <dgm:constr type="h" for="ch" forName="circ2Tx" refType="h" fact="0.22"/>
+          <dgm:constr type="ctrX" for="ch" forName="circ3" refType="w" fact="0.5877"/>
+          <dgm:constr type="ctrY" for="ch" forName="circ3" refType="h" fact="0.5672"/>
+          <dgm:constr type="w" for="ch" forName="circ3" refType="w" fact="0.24"/>
+          <dgm:constr type="h" for="ch" forName="circ3" refType="h" fact="0.3262"/>
+          <dgm:constr type="l" for="ch" forName="circ3Tx" refType="w" fact="0.745"/>
+          <dgm:constr type="t" for="ch" forName="circ3Tx" refType="h" fact="0.47"/>
+          <dgm:constr type="w" for="ch" forName="circ3Tx" refType="w" fact="0.255"/>
+          <dgm:constr type="h" for="ch" forName="circ3Tx" refType="h" fact="0.235"/>
+          <dgm:constr type="ctrX" for="ch" forName="circ4" refType="w" fact="0.539"/>
+          <dgm:constr type="ctrY" for="ch" forName="circ4" refType="h" fact="0.6502"/>
+          <dgm:constr type="w" for="ch" forName="circ4" refType="w" fact="0.24"/>
+          <dgm:constr type="h" for="ch" forName="circ4" refType="h" fact="0.3262"/>
+          <dgm:constr type="l" for="ch" forName="circ4Tx" refType="w" fact="0.635"/>
+          <dgm:constr type="t" for="ch" forName="circ4Tx" refType="h" fact="0.785"/>
+          <dgm:constr type="w" for="ch" forName="circ4Tx" refType="w" fact="0.275"/>
+          <dgm:constr type="h" for="ch" forName="circ4Tx" refType="h" fact="0.215"/>
+          <dgm:constr type="ctrX" for="ch" forName="circ5" refType="w" fact="0.461"/>
+          <dgm:constr type="ctrY" for="ch" forName="circ5" refType="h" fact="0.6502"/>
+          <dgm:constr type="w" for="ch" forName="circ5" refType="w" fact="0.24"/>
+          <dgm:constr type="h" for="ch" forName="circ5" refType="h" fact="0.3262"/>
+          <dgm:constr type="l" for="ch" forName="circ5Tx" refType="w" fact="0.09"/>
+          <dgm:constr type="t" for="ch" forName="circ5Tx" refType="h" fact="0.785"/>
+          <dgm:constr type="w" for="ch" forName="circ5Tx" refType="w" fact="0.275"/>
+          <dgm:constr type="h" for="ch" forName="circ5Tx" refType="h" fact="0.215"/>
+          <dgm:constr type="ctrX" for="ch" forName="circ6" refType="w" fact="0.4123"/>
+          <dgm:constr type="ctrY" for="ch" forName="circ6" refType="h" fact="0.5672"/>
+          <dgm:constr type="w" for="ch" forName="circ6" refType="w" fact="0.24"/>
+          <dgm:constr type="h" for="ch" forName="circ6" refType="h" fact="0.3262"/>
+          <dgm:constr type="l" for="ch" forName="circ6Tx"/>
+          <dgm:constr type="t" for="ch" forName="circ6Tx" refType="h" fact="0.47"/>
+          <dgm:constr type="w" for="ch" forName="circ6Tx" refType="w" fact="0.255"/>
+          <dgm:constr type="h" for="ch" forName="circ6Tx" refType="h" fact="0.235"/>
+          <dgm:constr type="ctrX" for="ch" forName="circ7" refType="w" fact="0.4296"/>
+          <dgm:constr type="ctrY" for="ch" forName="circ7" refType="h" fact="0.4637"/>
+          <dgm:constr type="w" for="ch" forName="circ7" refType="w" fact="0.24"/>
+          <dgm:constr type="h" for="ch" forName="circ7" refType="h" fact="0.3262"/>
+          <dgm:constr type="l" for="ch" forName="circ7Tx" refType="w" fact="0.02"/>
+          <dgm:constr type="t" for="ch" forName="circ7Tx" refType="h" fact="0.19"/>
+          <dgm:constr type="w" for="ch" forName="circ7Tx" refType="w" fact="0.26"/>
+          <dgm:constr type="h" for="ch" forName="circ7Tx" refType="h" fact="0.22"/>
+          <dgm:constr type="primFontSz" for="ch" ptType="node" op="equ"/>
+        </dgm:constrLst>
+      </dgm:else>
+    </dgm:choose>
+    <dgm:ruleLst/>
+    <dgm:forEach name="Name17" axis="ch" ptType="node" cnt="1">
+      <dgm:choose name="Name18">
+        <dgm:if name="Name19" axis="root ch" ptType="all node" func="cnt" op="equ" val="1">
+          <dgm:layoutNode name="circ1TxSh" styleLbl="vennNode1">
+            <dgm:alg type="tx">
+              <dgm:param type="txAnchorHorzCh" val="ctr"/>
+              <dgm:param type="txAnchorVertCh" val="mid"/>
             </dgm:alg>
+            <dgm:shape xmlns:r="http://schemas.openxmlformats.org/officeDocument/2006/relationships" type="ellipse" r:blip="">
+              <dgm:adjLst/>
+            </dgm:shape>
+            <dgm:choose name="Name20">
+              <dgm:if name="Name21" func="var" arg="dir" op="equ" val="norm">
+                <dgm:choose name="Name22">
+                  <dgm:if name="Name23" axis="root ch" ptType="all node" func="cnt" op="lte" val="4">
+                    <dgm:presOf axis="desOrSelf" ptType="node"/>
+                  </dgm:if>
+                  <dgm:else name="Name24">
+                    <dgm:presOf/>
+                  </dgm:else>
+                </dgm:choose>
+              </dgm:if>
+              <dgm:else name="Name25">
+                <dgm:choose name="Name26">
+                  <dgm:if name="Name27" axis="root ch" ptType="all node" func="cnt" op="equ" val="2">
+                    <dgm:presOf axis="root ch desOrSelf" ptType="all node node" st="1 2 1" cnt="1 1 0"/>
+                  </dgm:if>
+                  <dgm:else name="Name28">
+                    <dgm:presOf axis="desOrSelf" ptType="node"/>
+                  </dgm:else>
+                </dgm:choose>
+              </dgm:else>
+            </dgm:choose>
+            <dgm:constrLst>
+              <dgm:constr type="tMarg"/>
+              <dgm:constr type="bMarg"/>
+              <dgm:constr type="lMarg"/>
+              <dgm:constr type="rMarg"/>
+              <dgm:constr type="primFontSz" val="65"/>
+            </dgm:constrLst>
+            <dgm:ruleLst>
+              <dgm:rule type="primFontSz" val="5" fact="NaN" max="NaN"/>
+            </dgm:ruleLst>
+          </dgm:layoutNode>
+        </dgm:if>
+        <dgm:else name="Name29">
+          <dgm:layoutNode name="circ1" styleLbl="vennNode1">
+            <dgm:alg type="sp"/>
+            <dgm:shape xmlns:r="http://schemas.openxmlformats.org/officeDocument/2006/relationships" type="ellipse" r:blip="">
+              <dgm:adjLst/>
+            </dgm:shape>
+            <dgm:choose name="Name30">
+              <dgm:if name="Name31" func="var" arg="dir" op="equ" val="norm">
+                <dgm:choose name="Name32">
+                  <dgm:if name="Name33" axis="root ch" ptType="all node" func="cnt" op="lte" val="4">
+                    <dgm:presOf axis="desOrSelf" ptType="node"/>
+                  </dgm:if>
+                  <dgm:else name="Name34">
+                    <dgm:presOf/>
+                  </dgm:else>
+                </dgm:choose>
+              </dgm:if>
+              <dgm:else name="Name35">
+                <dgm:choose name="Name36">
+                  <dgm:if name="Name37" axis="root ch" ptType="all node" func="cnt" op="equ" val="2">
+                    <dgm:presOf axis="root ch desOrSelf" ptType="all node node" st="1 2 1" cnt="1 1 0"/>
+                  </dgm:if>
+                  <dgm:else name="Name38">
+                    <dgm:choose name="Name39">
+                      <dgm:if name="Name40" axis="root ch" ptType="all node" func="cnt" op="lte" val="4">
+                        <dgm:presOf axis="desOrSelf" ptType="node"/>
+                      </dgm:if>
+                      <dgm:else name="Name41">
+                        <dgm:presOf/>
+                      </dgm:else>
+                    </dgm:choose>
+                  </dgm:else>
+                </dgm:choose>
+              </dgm:else>
+            </dgm:choose>
+            <dgm:constrLst/>
+            <dgm:ruleLst/>
+          </dgm:layoutNode>
+          <dgm:layoutNode name="circ1Tx" styleLbl="revTx">
+            <dgm:varLst>
+              <dgm:chMax val="0"/>
+              <dgm:chPref val="0"/>
+              <dgm:bulletEnabled val="1"/>
+            </dgm:varLst>
+            <dgm:alg type="tx">
+              <dgm:param type="txAnchorHorzCh" val="ctr"/>
+              <dgm:param type="txAnchorVertCh" val="mid"/>
+            </dgm:alg>
+            <dgm:shape xmlns:r="http://schemas.openxmlformats.org/officeDocument/2006/relationships" type="rect" r:blip="" hideGeom="1">
+              <dgm:adjLst/>
+            </dgm:shape>
+            <dgm:choose name="Name42">
+              <dgm:if name="Name43" func="var" arg="dir" op="equ" val="norm">
+                <dgm:presOf axis="desOrSelf" ptType="node"/>
+              </dgm:if>
+              <dgm:else name="Name44">
+                <dgm:choose name="Name45">
+                  <dgm:if name="Name46" axis="root ch" ptType="all node" func="cnt" op="equ" val="2">
+                    <dgm:presOf axis="root ch desOrSelf" ptType="all node node" st="1 2 1" cnt="1 1 0"/>
+                  </dgm:if>
+                  <dgm:else name="Name47">
+                    <dgm:presOf axis="desOrSelf" ptType="node"/>
+                  </dgm:else>
+                </dgm:choose>
+              </dgm:else>
+            </dgm:choose>
+            <dgm:constrLst>
+              <dgm:constr type="tMarg"/>
+              <dgm:constr type="bMarg"/>
+              <dgm:constr type="lMarg"/>
+              <dgm:constr type="rMarg"/>
+              <dgm:constr type="primFontSz" val="65"/>
+            </dgm:constrLst>
+            <dgm:ruleLst>
+              <dgm:rule type="primFontSz" val="5" fact="NaN" max="NaN"/>
+            </dgm:ruleLst>
+          </dgm:layoutNode>
+        </dgm:else>
+      </dgm:choose>
+    </dgm:forEach>
+    <dgm:forEach name="Name48" axis="ch" ptType="node" st="2" cnt="1">
+      <dgm:layoutNode name="circ2" styleLbl="vennNode1">
+        <dgm:alg type="sp"/>
+        <dgm:shape xmlns:r="http://schemas.openxmlformats.org/officeDocument/2006/relationships" type="ellipse" r:blip="">
+          <dgm:adjLst/>
+        </dgm:shape>
+        <dgm:choose name="Name49">
+          <dgm:if name="Name50" func="var" arg="dir" op="equ" val="norm">
+            <dgm:choose name="Name51">
+              <dgm:if name="Name52" axis="root ch" ptType="all node" func="cnt" op="lte" val="4">
+                <dgm:presOf axis="desOrSelf" ptType="node"/>
+              </dgm:if>
+              <dgm:else name="Name53">
+                <dgm:presOf/>
+              </dgm:else>
+            </dgm:choose>
           </dgm:if>
-          <dgm:else name="Name6">
-            <dgm:alg type="lin">
-              <dgm:param type="linDir" val="fromR"/>
-              <dgm:param type="horzAlign" val="r"/>
-              <dgm:param type="nodeHorzAlign" val="r"/>
-            </dgm:alg>
+          <dgm:else name="Name54">
+            <dgm:choose name="Name55">
+              <dgm:if name="Name56" axis="root ch" ptType="all node" func="cnt" op="equ" val="2">
+                <dgm:presOf axis="root ch desOrSelf" ptType="all node node" st="1 1 1" cnt="1 1 0"/>
+              </dgm:if>
+              <dgm:if name="Name57" axis="root ch" ptType="all node" func="cnt" op="equ" val="3">
+                <dgm:presOf axis="root ch desOrSelf" ptType="all node node" st="1 3 1" cnt="1 1 0"/>
+              </dgm:if>
+              <dgm:if name="Name58" axis="root ch" ptType="all node" func="cnt" op="equ" val="4">
+                <dgm:presOf axis="root ch desOrSelf" ptType="all node node" st="1 4 1" cnt="1 1 0"/>
+              </dgm:if>
+              <dgm:else name="Name59">
+                <dgm:presOf/>
+              </dgm:else>
+            </dgm:choose>
           </dgm:else>
         </dgm:choose>
-        <dgm:shape xmlns:r="http://schemas.openxmlformats.org/officeDocument/2006/relationships" r:blip="">
+        <dgm:constrLst/>
+        <dgm:ruleLst/>
+      </dgm:layoutNode>
+      <dgm:layoutNode name="circ2Tx" styleLbl="revTx">
+        <dgm:varLst>
+          <dgm:chMax val="0"/>
+          <dgm:chPref val="0"/>
+          <dgm:bulletEnabled val="1"/>
+        </dgm:varLst>
+        <dgm:alg type="tx">
+          <dgm:param type="txAnchorHorzCh" val="ctr"/>
+          <dgm:param type="txAnchorVertCh" val="mid"/>
+        </dgm:alg>
+        <dgm:shape xmlns:r="http://schemas.openxmlformats.org/officeDocument/2006/relationships" type="rect" r:blip="" hideGeom="1">
           <dgm:adjLst/>
         </dgm:shape>
-        <dgm:presOf/>
+        <dgm:choose name="Name60">
+          <dgm:if name="Name61" func="var" arg="dir" op="equ" val="norm">
+            <dgm:presOf axis="desOrSelf" ptType="node"/>
+          </dgm:if>
+          <dgm:else name="Name62">
+            <dgm:choose name="Name63">
+              <dgm:if name="Name64" axis="root ch" ptType="all node" func="cnt" op="equ" val="2">
+                <dgm:presOf axis="root ch desOrSelf" ptType="all node node" st="1 1 1" cnt="1 1 0"/>
+              </dgm:if>
+              <dgm:if name="Name65" axis="root ch" ptType="all node" func="cnt" op="equ" val="3">
+                <dgm:presOf axis="root ch desOrSelf" ptType="all node node" st="1 3 1" cnt="1 1 0"/>
+              </dgm:if>
+              <dgm:if name="Name66" axis="root ch" ptType="all node" func="cnt" op="equ" val="4">
+                <dgm:presOf axis="root ch desOrSelf" ptType="all node node" st="1 4 1" cnt="1 1 0"/>
+              </dgm:if>
+              <dgm:if name="Name67" axis="root ch" ptType="all node" func="cnt" op="equ" val="5">
+                <dgm:presOf axis="root ch desOrSelf" ptType="all node node" st="1 5 1" cnt="1 1 0"/>
+              </dgm:if>
+              <dgm:if name="Name68" axis="root ch" ptType="all node" func="cnt" op="equ" val="6">
+                <dgm:presOf axis="root ch desOrSelf" ptType="all node node" st="1 6 1" cnt="1 1 0"/>
+              </dgm:if>
+              <dgm:else name="Name69">
+                <dgm:presOf axis="root ch desOrSelf" ptType="all node node" st="1 7 1" cnt="1 1 0"/>
+              </dgm:else>
+            </dgm:choose>
+          </dgm:else>
+        </dgm:choose>
+        <dgm:constrLst>
+          <dgm:constr type="tMarg"/>
+          <dgm:constr type="bMarg"/>
+          <dgm:constr type="lMarg"/>
+          <dgm:constr type="rMarg"/>
+          <dgm:constr type="primFontSz" val="65"/>
+        </dgm:constrLst>
+        <dgm:ruleLst>
+          <dgm:rule type="primFontSz" val="5" fact="NaN" max="NaN"/>
+        </dgm:ruleLst>
+      </dgm:layoutNode>
+    </dgm:forEach>
+    <dgm:forEach name="Name70" axis="ch" ptType="node" st="3" cnt="1">
+      <dgm:layoutNode name="circ3" styleLbl="vennNode1">
+        <dgm:alg type="sp"/>
+        <dgm:shape xmlns:r="http://schemas.openxmlformats.org/officeDocument/2006/relationships" type="ellipse" r:blip="">
+          <dgm:adjLst/>
+        </dgm:shape>
+        <dgm:choose name="Name71">
+          <dgm:if name="Name72" func="var" arg="dir" op="equ" val="norm">
+            <dgm:choose name="Name73">
+              <dgm:if name="Name74" axis="root ch" ptType="all node" func="cnt" op="lte" val="4">
+                <dgm:presOf axis="desOrSelf" ptType="node"/>
+              </dgm:if>
+              <dgm:else name="Name75">
+                <dgm:presOf/>
+              </dgm:else>
+            </dgm:choose>
+          </dgm:if>
+          <dgm:else name="Name76">
+            <dgm:choose name="Name77">
+              <dgm:if name="Name78" axis="root ch" ptType="all node" func="cnt" op="equ" val="3">
+                <dgm:presOf axis="root ch desOrSelf" ptType="all node node" st="1 2 1" cnt="1 1 0"/>
+              </dgm:if>
+              <dgm:if name="Name79" axis="root ch" ptType="all node" func="cnt" op="equ" val="4">
+                <dgm:presOf axis="root ch desOrSelf" ptType="all node node" st="1 3 1" cnt="1 1 0"/>
+              </dgm:if>
+              <dgm:else name="Name80">
+                <dgm:presOf/>
+              </dgm:else>
+            </dgm:choose>
+          </dgm:else>
+        </dgm:choose>
         <dgm:constrLst/>
         <dgm:ruleLst/>
-        <dgm:layoutNode name="parentLeftMargin">
-          <dgm:alg type="sp"/>
-          <dgm:shape xmlns:r="http://schemas.openxmlformats.org/officeDocument/2006/relationships" type="rect" r:blip="" hideGeom="1">
-            <dgm:adjLst/>
-          </dgm:shape>
-          <dgm:presOf axis="self"/>
-          <dgm:constrLst>
-            <dgm:constr type="h"/>
-          </dgm:constrLst>
-          <dgm:ruleLst/>
-        </dgm:layoutNode>
-        <dgm:layoutNode name="parentText" styleLbl="node1">
-          <dgm:varLst>
-            <dgm:chMax val="0"/>
-            <dgm:bulletEnabled val="1"/>
-          </dgm:varLst>
-          <dgm:choose name="Name7">
-            <dgm:if name="Name8" func="var" arg="dir" op="equ" val="norm">
-              <dgm:alg type="tx">
-                <dgm:param type="parTxLTRAlign" val="l"/>
-                <dgm:param type="parTxRTLAlign" val="l"/>
-              </dgm:alg>
-            </dgm:if>
-            <dgm:else name="Name9">
-              <dgm:alg type="tx">
-                <dgm:param type="parTxLTRAlign" val="r"/>
-                <dgm:param type="parTxRTLAlign" val="r"/>
-              </dgm:alg>
-            </dgm:else>
-          </dgm:choose>
-          <dgm:shape xmlns:r="http://schemas.openxmlformats.org/officeDocument/2006/relationships" type="roundRect" r:blip="">
-            <dgm:adjLst/>
-          </dgm:shape>
-          <dgm:presOf axis="self" ptType="node"/>
-          <dgm:constrLst>
-            <dgm:constr type="tMarg"/>
-            <dgm:constr type="bMarg"/>
-          </dgm:constrLst>
-          <dgm:ruleLst/>
-        </dgm:layoutNode>
       </dgm:layoutNode>
-      <dgm:layoutNode name="negativeSpace">
+      <dgm:layoutNode name="circ3Tx" styleLbl="revTx">
+        <dgm:varLst>
+          <dgm:chMax val="0"/>
+          <dgm:chPref val="0"/>
+          <dgm:bulletEnabled val="1"/>
+        </dgm:varLst>
+        <dgm:alg type="tx">
+          <dgm:param type="txAnchorHorzCh" val="ctr"/>
+          <dgm:param type="txAnchorVertCh" val="mid"/>
+        </dgm:alg>
+        <dgm:shape xmlns:r="http://schemas.openxmlformats.org/officeDocument/2006/relationships" type="rect" r:blip="" hideGeom="1">
+          <dgm:adjLst/>
+        </dgm:shape>
+        <dgm:choose name="Name81">
+          <dgm:if name="Name82" func="var" arg="dir" op="equ" val="norm">
+            <dgm:presOf axis="desOrSelf" ptType="node"/>
+          </dgm:if>
+          <dgm:else name="Name83">
+            <dgm:choose name="Name84">
+              <dgm:if name="Name85" axis="root ch" ptType="all node" func="cnt" op="equ" val="3">
+                <dgm:presOf axis="root ch desOrSelf" ptType="all node node" st="1 2 1" cnt="1 1 0"/>
+              </dgm:if>
+              <dgm:if name="Name86" axis="root ch" ptType="all node" func="cnt" op="equ" val="4">
+                <dgm:presOf axis="root ch desOrSelf" ptType="all node node" st="1 3 1" cnt="1 1 0"/>
+              </dgm:if>
+              <dgm:if name="Name87" axis="root ch" ptType="all node" func="cnt" op="equ" val="5">
+                <dgm:presOf axis="root ch desOrSelf" ptType="all node node" st="1 4 1" cnt="1 1 0"/>
+              </dgm:if>
+              <dgm:if name="Name88" axis="root ch" ptType="all node" func="cnt" op="equ" val="6">
+                <dgm:presOf axis="root ch desOrSelf" ptType="all node node" st="1 5 1" cnt="1 1 0"/>
+              </dgm:if>
+              <dgm:else name="Name89">
+                <dgm:presOf axis="root ch desOrSelf" ptType="all node node" st="1 6 1" cnt="1 1 0"/>
+              </dgm:else>
+            </dgm:choose>
+          </dgm:else>
+        </dgm:choose>
+        <dgm:constrLst>
+          <dgm:constr type="tMarg"/>
+          <dgm:constr type="bMarg"/>
+          <dgm:constr type="lMarg"/>
+          <dgm:constr type="rMarg"/>
+          <dgm:constr type="primFontSz" val="65"/>
+        </dgm:constrLst>
+        <dgm:ruleLst>
+          <dgm:rule type="primFontSz" val="5" fact="NaN" max="NaN"/>
+        </dgm:ruleLst>
+      </dgm:layoutNode>
+    </dgm:forEach>
+    <dgm:forEach name="Name90" axis="ch" ptType="node" st="4" cnt="1">
+      <dgm:layoutNode name="circ4" styleLbl="vennNode1">
         <dgm:alg type="sp"/>
-        <dgm:shape xmlns:r="http://schemas.openxmlformats.org/officeDocument/2006/relationships" r:blip="">
+        <dgm:shape xmlns:r="http://schemas.openxmlformats.org/officeDocument/2006/relationships" type="ellipse" r:blip="">
+          <dgm:adjLst/>
+        </dgm:shape>
+        <dgm:choose name="Name91">
+          <dgm:if name="Name92" func="var" arg="dir" op="equ" val="norm">
+            <dgm:choose name="Name93">
+              <dgm:if name="Name94" axis="root ch" ptType="all node" func="cnt" op="lte" val="4">
+                <dgm:presOf axis="desOrSelf" ptType="node"/>
+              </dgm:if>
+              <dgm:else name="Name95">
+                <dgm:presOf/>
+              </dgm:else>
+            </dgm:choose>
+          </dgm:if>
+          <dgm:else name="Name96">
+            <dgm:choose name="Name97">
+              <dgm:if name="Name98" axis="root ch" ptType="all node" func="cnt" op="equ" val="4">
+                <dgm:presOf axis="root ch desOrSelf" ptType="all node node" st="1 2 1" cnt="1 1 0"/>
+              </dgm:if>
+              <dgm:else name="Name99">
+                <dgm:presOf/>
+              </dgm:else>
+            </dgm:choose>
+          </dgm:else>
+        </dgm:choose>
+        <dgm:constrLst/>
+        <dgm:ruleLst/>
+      </dgm:layoutNode>
+      <dgm:layoutNode name="circ4Tx" styleLbl="revTx">
+        <dgm:varLst>
+          <dgm:chMax val="0"/>
+          <dgm:chPref val="0"/>
+          <dgm:bulletEnabled val="1"/>
+        </dgm:varLst>
+        <dgm:alg type="tx">
+          <dgm:param type="txAnchorHorzCh" val="ctr"/>
+          <dgm:param type="txAnchorVertCh" val="mid"/>
+        </dgm:alg>
+        <dgm:shape xmlns:r="http://schemas.openxmlformats.org/officeDocument/2006/relationships" type="rect" r:blip="" hideGeom="1">
+          <dgm:adjLst/>
+        </dgm:shape>
+        <dgm:choose name="Name100">
+          <dgm:if name="Name101" func="var" arg="dir" op="equ" val="norm">
+            <dgm:presOf axis="desOrSelf" ptType="node"/>
+          </dgm:if>
+          <dgm:else name="Name102">
+            <dgm:choose name="Name103">
+              <dgm:if name="Name104" axis="root ch" ptType="all node" func="cnt" op="equ" val="4">
+                <dgm:presOf axis="root ch desOrSelf" ptType="all node node" st="1 2 1" cnt="1 1 0"/>
+              </dgm:if>
+              <dgm:if name="Name105" axis="root ch" ptType="all node" func="cnt" op="equ" val="5">
+                <dgm:presOf axis="root ch desOrSelf" ptType="all node node" st="1 3 1" cnt="1 1 0"/>
+              </dgm:if>
+              <dgm:if name="Name106" axis="root ch" ptType="all node" func="cnt" op="equ" val="6">
+                <dgm:presOf axis="root ch desOrSelf" ptType="all node node" st="1 4 1" cnt="1 1 0"/>
+              </dgm:if>
+              <dgm:else name="Name107">
+                <dgm:presOf axis="root ch desOrSelf" ptType="all node node" st="1 5 1" cnt="1 1 0"/>
+              </dgm:else>
+            </dgm:choose>
+          </dgm:else>
+        </dgm:choose>
+        <dgm:constrLst>
+          <dgm:constr type="tMarg"/>
+          <dgm:constr type="bMarg"/>
+          <dgm:constr type="lMarg"/>
+          <dgm:constr type="rMarg"/>
+          <dgm:constr type="primFontSz" val="65"/>
+        </dgm:constrLst>
+        <dgm:ruleLst>
+          <dgm:rule type="primFontSz" val="5" fact="NaN" max="NaN"/>
+        </dgm:ruleLst>
+      </dgm:layoutNode>
+    </dgm:forEach>
+    <dgm:forEach name="Name108" axis="ch" ptType="node" st="5" cnt="1">
+      <dgm:layoutNode name="circ5" styleLbl="vennNode1">
+        <dgm:alg type="sp"/>
+        <dgm:shape xmlns:r="http://schemas.openxmlformats.org/officeDocument/2006/relationships" type="ellipse" r:blip="">
           <dgm:adjLst/>
         </dgm:shape>
         <dgm:presOf/>
         <dgm:constrLst/>
         <dgm:ruleLst/>
       </dgm:layoutNode>
-      <dgm:layoutNode name="childText" styleLbl="conFgAcc1">
+      <dgm:layoutNode name="circ5Tx" styleLbl="revTx">
         <dgm:varLst>
+          <dgm:chMax val="0"/>
+          <dgm:chPref val="0"/>
           <dgm:bulletEnabled val="1"/>
         </dgm:varLst>
         <dgm:alg type="tx">
-          <dgm:param type="stBulletLvl" val="1"/>
+          <dgm:param type="txAnchorHorzCh" val="ctr"/>
+          <dgm:param type="txAnchorVertCh" val="mid"/>
         </dgm:alg>
-        <dgm:shape xmlns:r="http://schemas.openxmlformats.org/officeDocument/2006/relationships" type="rect" r:blip="" zOrderOff="-2">
+        <dgm:shape xmlns:r="http://schemas.openxmlformats.org/officeDocument/2006/relationships" type="rect" r:blip="" hideGeom="1">
           <dgm:adjLst/>
         </dgm:shape>
-        <dgm:presOf axis="des" ptType="node"/>
+        <dgm:choose name="Name109">
+          <dgm:if name="Name110" func="var" arg="dir" op="equ" val="norm">
+            <dgm:presOf axis="desOrSelf" ptType="node"/>
+          </dgm:if>
+          <dgm:else name="Name111">
+            <dgm:choose name="Name112">
+              <dgm:if name="Name113" axis="root ch" ptType="all node" func="cnt" op="equ" val="5">
+                <dgm:presOf axis="root ch desOrSelf" ptType="all node node" st="1 2 1" cnt="1 1 0"/>
+              </dgm:if>
+              <dgm:if name="Name114" axis="root ch" ptType="all node" func="cnt" op="equ" val="6">
+                <dgm:presOf axis="root ch desOrSelf" ptType="all node node" st="1 3 1" cnt="1 1 0"/>
+              </dgm:if>
+              <dgm:else name="Name115">
+                <dgm:presOf axis="root ch desOrSelf" ptType="all node node" st="1 4 1" cnt="1 1 0"/>
+              </dgm:else>
+            </dgm:choose>
+          </dgm:else>
+        </dgm:choose>
         <dgm:constrLst>
-          <dgm:constr type="secFontSz" refType="primFontSz"/>
+          <dgm:constr type="tMarg"/>
+          <dgm:constr type="bMarg"/>
+          <dgm:constr type="lMarg"/>
+          <dgm:constr type="rMarg"/>
+          <dgm:constr type="primFontSz" val="65"/>
         </dgm:constrLst>
         <dgm:ruleLst>
-          <dgm:rule type="h" val="INF" fact="NaN" max="NaN"/>
+          <dgm:rule type="primFontSz" val="5" fact="NaN" max="NaN"/>
         </dgm:ruleLst>
       </dgm:layoutNode>
-      <dgm:forEach name="Name10" axis="followSib" ptType="sibTrans" cnt="1">
-        <dgm:layoutNode name="spaceBetweenRectangles">
-          <dgm:alg type="sp"/>
-          <dgm:shape xmlns:r="http://schemas.openxmlformats.org/officeDocument/2006/relationships" r:blip="">
-            <dgm:adjLst/>
-          </dgm:shape>
-          <dgm:presOf/>
-          <dgm:constrLst/>
-          <dgm:ruleLst/>
-        </dgm:layoutNode>
-      </dgm:forEach>
+    </dgm:forEach>
+    <dgm:forEach name="Name116" axis="ch" ptType="node" st="6" cnt="1">
+      <dgm:layoutNode name="circ6" styleLbl="vennNode1">
+        <dgm:alg type="sp"/>
+        <dgm:shape xmlns:r="http://schemas.openxmlformats.org/officeDocument/2006/relationships" type="ellipse" r:blip="">
+          <dgm:adjLst/>
+        </dgm:shape>
+        <dgm:presOf/>
+        <dgm:constrLst/>
+        <dgm:ruleLst/>
+      </dgm:layoutNode>
+      <dgm:layoutNode name="circ6Tx" styleLbl="revTx">
+        <dgm:varLst>
+          <dgm:chMax val="0"/>
+          <dgm:chPref val="0"/>
+          <dgm:bulletEnabled val="1"/>
+        </dgm:varLst>
+        <dgm:alg type="tx">
+          <dgm:param type="txAnchorHorzCh" val="ctr"/>
+          <dgm:param type="txAnchorVertCh" val="mid"/>
+        </dgm:alg>
+        <dgm:shape xmlns:r="http://schemas.openxmlformats.org/officeDocument/2006/relationships" type="rect" r:blip="" hideGeom="1">
+          <dgm:adjLst/>
+        </dgm:shape>
+        <dgm:choose name="Name117">
+          <dgm:if name="Name118" func="var" arg="dir" op="equ" val="norm">
+            <dgm:presOf axis="desOrSelf" ptType="node"/>
+          </dgm:if>
+          <dgm:else name="Name119">
+            <dgm:choose name="Name120">
+              <dgm:if name="Name121" axis="root ch" ptType="all node" func="cnt" op="equ" val="6">
+                <dgm:presOf axis="root ch desOrSelf" ptType="all node node" st="1 2 1" cnt="1 1 0"/>
+              </dgm:if>
+              <dgm:else name="Name122">
+                <dgm:presOf axis="root ch desOrSelf" ptType="all node node" st="1 3 1" cnt="1 1 0"/>
+              </dgm:else>
+            </dgm:choose>
+          </dgm:else>
+        </dgm:choose>
+        <dgm:constrLst>
+          <dgm:constr type="tMarg"/>
+          <dgm:constr type="bMarg"/>
+          <dgm:constr type="lMarg"/>
+          <dgm:constr type="rMarg"/>
+          <dgm:constr type="primFontSz" val="65"/>
+        </dgm:constrLst>
+        <dgm:ruleLst>
+          <dgm:rule type="primFontSz" val="5" fact="NaN" max="NaN"/>
+        </dgm:ruleLst>
+      </dgm:layoutNode>
+    </dgm:forEach>
+    <dgm:forEach name="Name123" axis="ch" ptType="node" st="7" cnt="1">
+      <dgm:layoutNode name="circ7" styleLbl="vennNode1">
+        <dgm:alg type="sp"/>
+        <dgm:shape xmlns:r="http://schemas.openxmlformats.org/officeDocument/2006/relationships" type="ellipse" r:blip="">
+          <dgm:adjLst/>
+        </dgm:shape>
+        <dgm:presOf/>
+        <dgm:constrLst/>
+        <dgm:ruleLst/>
+      </dgm:layoutNode>
+      <dgm:layoutNode name="circ7Tx" styleLbl="revTx">
+        <dgm:varLst>
+          <dgm:chMax val="0"/>
+          <dgm:chPref val="0"/>
+          <dgm:bulletEnabled val="1"/>
+        </dgm:varLst>
+        <dgm:alg type="tx">
+          <dgm:param type="txAnchorHorzCh" val="ctr"/>
+          <dgm:param type="txAnchorVertCh" val="mid"/>
+        </dgm:alg>
+        <dgm:shape xmlns:r="http://schemas.openxmlformats.org/officeDocument/2006/relationships" type="rect" r:blip="" hideGeom="1">
+          <dgm:adjLst/>
+        </dgm:shape>
+        <dgm:choose name="Name124">
+          <dgm:if name="Name125" func="var" arg="dir" op="equ" val="norm">
+            <dgm:presOf axis="desOrSelf" ptType="node"/>
+          </dgm:if>
+          <dgm:else name="Name126">
+            <dgm:presOf axis="root ch desOrSelf" ptType="all node node" st="1 2 1" cnt="1 1 0"/>
+          </dgm:else>
+        </dgm:choose>
+        <dgm:constrLst>
+          <dgm:constr type="tMarg"/>
+          <dgm:constr type="bMarg"/>
+          <dgm:constr type="lMarg"/>
+          <dgm:constr type="rMarg"/>
+          <dgm:constr type="primFontSz" val="65"/>
+        </dgm:constrLst>
+        <dgm:ruleLst>
+          <dgm:rule type="primFontSz" val="5" fact="NaN" max="NaN"/>
+        </dgm:ruleLst>
+      </dgm:layoutNode>
     </dgm:forEach>
   </dgm:layoutNode>
 </dgm:layoutDef>
@@ -8640,6 +11069,1040 @@
         <a:scrgbClr r="0" g="0" b="0"/>
       </a:fillRef>
       <a:effectRef idx="1">
+        <a:scrgbClr r="0" g="0" b="0"/>
+      </a:effectRef>
+      <a:fontRef idx="minor"/>
+    </dgm:style>
+  </dgm:styleLbl>
+  <dgm:styleLbl name="revTx">
+    <dgm:scene3d>
+      <a:camera prst="orthographicFront"/>
+      <a:lightRig rig="threePt" dir="t"/>
+    </dgm:scene3d>
+    <dgm:sp3d/>
+    <dgm:txPr/>
+    <dgm:style>
+      <a:lnRef idx="0">
+        <a:scrgbClr r="0" g="0" b="0"/>
+      </a:lnRef>
+      <a:fillRef idx="0">
+        <a:scrgbClr r="0" g="0" b="0"/>
+      </a:fillRef>
+      <a:effectRef idx="0">
+        <a:scrgbClr r="0" g="0" b="0"/>
+      </a:effectRef>
+      <a:fontRef idx="minor"/>
+    </dgm:style>
+  </dgm:styleLbl>
+</dgm:styleDef>
+</file>
+
+<file path=ppt/diagrams/quickStyle4.xml><?xml version="1.0" encoding="utf-8"?>
+<dgm:styleDef xmlns:dgm="http://schemas.openxmlformats.org/drawingml/2006/diagram" xmlns:a="http://schemas.openxmlformats.org/drawingml/2006/main" uniqueId="urn:microsoft.com/office/officeart/2005/8/quickstyle/simple1">
+  <dgm:title val=""/>
+  <dgm:desc val=""/>
+  <dgm:catLst>
+    <dgm:cat type="simple" pri="10100"/>
+  </dgm:catLst>
+  <dgm:scene3d>
+    <a:camera prst="orthographicFront"/>
+    <a:lightRig rig="threePt" dir="t"/>
+  </dgm:scene3d>
+  <dgm:styleLbl name="node0">
+    <dgm:scene3d>
+      <a:camera prst="orthographicFront"/>
+      <a:lightRig rig="threePt" dir="t"/>
+    </dgm:scene3d>
+    <dgm:sp3d/>
+    <dgm:txPr/>
+    <dgm:style>
+      <a:lnRef idx="2">
+        <a:scrgbClr r="0" g="0" b="0"/>
+      </a:lnRef>
+      <a:fillRef idx="1">
+        <a:scrgbClr r="0" g="0" b="0"/>
+      </a:fillRef>
+      <a:effectRef idx="0">
+        <a:scrgbClr r="0" g="0" b="0"/>
+      </a:effectRef>
+      <a:fontRef idx="minor">
+        <a:schemeClr val="lt1"/>
+      </a:fontRef>
+    </dgm:style>
+  </dgm:styleLbl>
+  <dgm:styleLbl name="lnNode1">
+    <dgm:scene3d>
+      <a:camera prst="orthographicFront"/>
+      <a:lightRig rig="threePt" dir="t"/>
+    </dgm:scene3d>
+    <dgm:sp3d/>
+    <dgm:txPr/>
+    <dgm:style>
+      <a:lnRef idx="2">
+        <a:scrgbClr r="0" g="0" b="0"/>
+      </a:lnRef>
+      <a:fillRef idx="1">
+        <a:scrgbClr r="0" g="0" b="0"/>
+      </a:fillRef>
+      <a:effectRef idx="0">
+        <a:scrgbClr r="0" g="0" b="0"/>
+      </a:effectRef>
+      <a:fontRef idx="minor">
+        <a:schemeClr val="lt1"/>
+      </a:fontRef>
+    </dgm:style>
+  </dgm:styleLbl>
+  <dgm:styleLbl name="vennNode1">
+    <dgm:scene3d>
+      <a:camera prst="orthographicFront"/>
+      <a:lightRig rig="threePt" dir="t"/>
+    </dgm:scene3d>
+    <dgm:sp3d/>
+    <dgm:txPr/>
+    <dgm:style>
+      <a:lnRef idx="2">
+        <a:scrgbClr r="0" g="0" b="0"/>
+      </a:lnRef>
+      <a:fillRef idx="1">
+        <a:scrgbClr r="0" g="0" b="0"/>
+      </a:fillRef>
+      <a:effectRef idx="0">
+        <a:scrgbClr r="0" g="0" b="0"/>
+      </a:effectRef>
+      <a:fontRef idx="minor">
+        <a:schemeClr val="tx1"/>
+      </a:fontRef>
+    </dgm:style>
+  </dgm:styleLbl>
+  <dgm:styleLbl name="alignNode1">
+    <dgm:scene3d>
+      <a:camera prst="orthographicFront"/>
+      <a:lightRig rig="threePt" dir="t"/>
+    </dgm:scene3d>
+    <dgm:sp3d/>
+    <dgm:txPr/>
+    <dgm:style>
+      <a:lnRef idx="2">
+        <a:scrgbClr r="0" g="0" b="0"/>
+      </a:lnRef>
+      <a:fillRef idx="1">
+        <a:scrgbClr r="0" g="0" b="0"/>
+      </a:fillRef>
+      <a:effectRef idx="0">
+        <a:scrgbClr r="0" g="0" b="0"/>
+      </a:effectRef>
+      <a:fontRef idx="minor">
+        <a:schemeClr val="lt1"/>
+      </a:fontRef>
+    </dgm:style>
+  </dgm:styleLbl>
+  <dgm:styleLbl name="node1">
+    <dgm:scene3d>
+      <a:camera prst="orthographicFront"/>
+      <a:lightRig rig="threePt" dir="t"/>
+    </dgm:scene3d>
+    <dgm:sp3d/>
+    <dgm:txPr/>
+    <dgm:style>
+      <a:lnRef idx="2">
+        <a:scrgbClr r="0" g="0" b="0"/>
+      </a:lnRef>
+      <a:fillRef idx="1">
+        <a:scrgbClr r="0" g="0" b="0"/>
+      </a:fillRef>
+      <a:effectRef idx="0">
+        <a:scrgbClr r="0" g="0" b="0"/>
+      </a:effectRef>
+      <a:fontRef idx="minor">
+        <a:schemeClr val="lt1"/>
+      </a:fontRef>
+    </dgm:style>
+  </dgm:styleLbl>
+  <dgm:styleLbl name="node2">
+    <dgm:scene3d>
+      <a:camera prst="orthographicFront"/>
+      <a:lightRig rig="threePt" dir="t"/>
+    </dgm:scene3d>
+    <dgm:sp3d/>
+    <dgm:txPr/>
+    <dgm:style>
+      <a:lnRef idx="2">
+        <a:scrgbClr r="0" g="0" b="0"/>
+      </a:lnRef>
+      <a:fillRef idx="1">
+        <a:scrgbClr r="0" g="0" b="0"/>
+      </a:fillRef>
+      <a:effectRef idx="0">
+        <a:scrgbClr r="0" g="0" b="0"/>
+      </a:effectRef>
+      <a:fontRef idx="minor">
+        <a:schemeClr val="lt1"/>
+      </a:fontRef>
+    </dgm:style>
+  </dgm:styleLbl>
+  <dgm:styleLbl name="node3">
+    <dgm:scene3d>
+      <a:camera prst="orthographicFront"/>
+      <a:lightRig rig="threePt" dir="t"/>
+    </dgm:scene3d>
+    <dgm:sp3d/>
+    <dgm:txPr/>
+    <dgm:style>
+      <a:lnRef idx="2">
+        <a:scrgbClr r="0" g="0" b="0"/>
+      </a:lnRef>
+      <a:fillRef idx="1">
+        <a:scrgbClr r="0" g="0" b="0"/>
+      </a:fillRef>
+      <a:effectRef idx="0">
+        <a:scrgbClr r="0" g="0" b="0"/>
+      </a:effectRef>
+      <a:fontRef idx="minor">
+        <a:schemeClr val="lt1"/>
+      </a:fontRef>
+    </dgm:style>
+  </dgm:styleLbl>
+  <dgm:styleLbl name="node4">
+    <dgm:scene3d>
+      <a:camera prst="orthographicFront"/>
+      <a:lightRig rig="threePt" dir="t"/>
+    </dgm:scene3d>
+    <dgm:sp3d/>
+    <dgm:txPr/>
+    <dgm:style>
+      <a:lnRef idx="2">
+        <a:scrgbClr r="0" g="0" b="0"/>
+      </a:lnRef>
+      <a:fillRef idx="1">
+        <a:scrgbClr r="0" g="0" b="0"/>
+      </a:fillRef>
+      <a:effectRef idx="0">
+        <a:scrgbClr r="0" g="0" b="0"/>
+      </a:effectRef>
+      <a:fontRef idx="minor">
+        <a:schemeClr val="lt1"/>
+      </a:fontRef>
+    </dgm:style>
+  </dgm:styleLbl>
+  <dgm:styleLbl name="fgImgPlace1">
+    <dgm:scene3d>
+      <a:camera prst="orthographicFront"/>
+      <a:lightRig rig="threePt" dir="t"/>
+    </dgm:scene3d>
+    <dgm:sp3d/>
+    <dgm:txPr/>
+    <dgm:style>
+      <a:lnRef idx="2">
+        <a:scrgbClr r="0" g="0" b="0"/>
+      </a:lnRef>
+      <a:fillRef idx="1">
+        <a:scrgbClr r="0" g="0" b="0"/>
+      </a:fillRef>
+      <a:effectRef idx="0">
+        <a:scrgbClr r="0" g="0" b="0"/>
+      </a:effectRef>
+      <a:fontRef idx="minor"/>
+    </dgm:style>
+  </dgm:styleLbl>
+  <dgm:styleLbl name="alignImgPlace1">
+    <dgm:scene3d>
+      <a:camera prst="orthographicFront"/>
+      <a:lightRig rig="threePt" dir="t"/>
+    </dgm:scene3d>
+    <dgm:sp3d/>
+    <dgm:txPr/>
+    <dgm:style>
+      <a:lnRef idx="2">
+        <a:scrgbClr r="0" g="0" b="0"/>
+      </a:lnRef>
+      <a:fillRef idx="1">
+        <a:scrgbClr r="0" g="0" b="0"/>
+      </a:fillRef>
+      <a:effectRef idx="0">
+        <a:scrgbClr r="0" g="0" b="0"/>
+      </a:effectRef>
+      <a:fontRef idx="minor"/>
+    </dgm:style>
+  </dgm:styleLbl>
+  <dgm:styleLbl name="bgImgPlace1">
+    <dgm:scene3d>
+      <a:camera prst="orthographicFront"/>
+      <a:lightRig rig="threePt" dir="t"/>
+    </dgm:scene3d>
+    <dgm:sp3d/>
+    <dgm:txPr/>
+    <dgm:style>
+      <a:lnRef idx="2">
+        <a:scrgbClr r="0" g="0" b="0"/>
+      </a:lnRef>
+      <a:fillRef idx="1">
+        <a:scrgbClr r="0" g="0" b="0"/>
+      </a:fillRef>
+      <a:effectRef idx="0">
+        <a:scrgbClr r="0" g="0" b="0"/>
+      </a:effectRef>
+      <a:fontRef idx="minor"/>
+    </dgm:style>
+  </dgm:styleLbl>
+  <dgm:styleLbl name="sibTrans2D1">
+    <dgm:scene3d>
+      <a:camera prst="orthographicFront"/>
+      <a:lightRig rig="threePt" dir="t"/>
+    </dgm:scene3d>
+    <dgm:sp3d/>
+    <dgm:txPr/>
+    <dgm:style>
+      <a:lnRef idx="0">
+        <a:scrgbClr r="0" g="0" b="0"/>
+      </a:lnRef>
+      <a:fillRef idx="1">
+        <a:scrgbClr r="0" g="0" b="0"/>
+      </a:fillRef>
+      <a:effectRef idx="0">
+        <a:scrgbClr r="0" g="0" b="0"/>
+      </a:effectRef>
+      <a:fontRef idx="minor">
+        <a:schemeClr val="lt1"/>
+      </a:fontRef>
+    </dgm:style>
+  </dgm:styleLbl>
+  <dgm:styleLbl name="fgSibTrans2D1">
+    <dgm:scene3d>
+      <a:camera prst="orthographicFront"/>
+      <a:lightRig rig="threePt" dir="t"/>
+    </dgm:scene3d>
+    <dgm:sp3d/>
+    <dgm:txPr/>
+    <dgm:style>
+      <a:lnRef idx="0">
+        <a:scrgbClr r="0" g="0" b="0"/>
+      </a:lnRef>
+      <a:fillRef idx="1">
+        <a:scrgbClr r="0" g="0" b="0"/>
+      </a:fillRef>
+      <a:effectRef idx="0">
+        <a:scrgbClr r="0" g="0" b="0"/>
+      </a:effectRef>
+      <a:fontRef idx="minor">
+        <a:schemeClr val="lt1"/>
+      </a:fontRef>
+    </dgm:style>
+  </dgm:styleLbl>
+  <dgm:styleLbl name="bgSibTrans2D1">
+    <dgm:scene3d>
+      <a:camera prst="orthographicFront"/>
+      <a:lightRig rig="threePt" dir="t"/>
+    </dgm:scene3d>
+    <dgm:sp3d/>
+    <dgm:txPr/>
+    <dgm:style>
+      <a:lnRef idx="0">
+        <a:scrgbClr r="0" g="0" b="0"/>
+      </a:lnRef>
+      <a:fillRef idx="1">
+        <a:scrgbClr r="0" g="0" b="0"/>
+      </a:fillRef>
+      <a:effectRef idx="0">
+        <a:scrgbClr r="0" g="0" b="0"/>
+      </a:effectRef>
+      <a:fontRef idx="minor">
+        <a:schemeClr val="lt1"/>
+      </a:fontRef>
+    </dgm:style>
+  </dgm:styleLbl>
+  <dgm:styleLbl name="sibTrans1D1">
+    <dgm:scene3d>
+      <a:camera prst="orthographicFront"/>
+      <a:lightRig rig="threePt" dir="t"/>
+    </dgm:scene3d>
+    <dgm:sp3d/>
+    <dgm:txPr/>
+    <dgm:style>
+      <a:lnRef idx="1">
+        <a:scrgbClr r="0" g="0" b="0"/>
+      </a:lnRef>
+      <a:fillRef idx="0">
+        <a:scrgbClr r="0" g="0" b="0"/>
+      </a:fillRef>
+      <a:effectRef idx="0">
+        <a:scrgbClr r="0" g="0" b="0"/>
+      </a:effectRef>
+      <a:fontRef idx="minor"/>
+    </dgm:style>
+  </dgm:styleLbl>
+  <dgm:styleLbl name="callout">
+    <dgm:scene3d>
+      <a:camera prst="orthographicFront"/>
+      <a:lightRig rig="threePt" dir="t"/>
+    </dgm:scene3d>
+    <dgm:sp3d/>
+    <dgm:txPr/>
+    <dgm:style>
+      <a:lnRef idx="2">
+        <a:scrgbClr r="0" g="0" b="0"/>
+      </a:lnRef>
+      <a:fillRef idx="1">
+        <a:scrgbClr r="0" g="0" b="0"/>
+      </a:fillRef>
+      <a:effectRef idx="0">
+        <a:scrgbClr r="0" g="0" b="0"/>
+      </a:effectRef>
+      <a:fontRef idx="minor"/>
+    </dgm:style>
+  </dgm:styleLbl>
+  <dgm:styleLbl name="asst0">
+    <dgm:scene3d>
+      <a:camera prst="orthographicFront"/>
+      <a:lightRig rig="threePt" dir="t"/>
+    </dgm:scene3d>
+    <dgm:sp3d/>
+    <dgm:txPr/>
+    <dgm:style>
+      <a:lnRef idx="2">
+        <a:scrgbClr r="0" g="0" b="0"/>
+      </a:lnRef>
+      <a:fillRef idx="1">
+        <a:scrgbClr r="0" g="0" b="0"/>
+      </a:fillRef>
+      <a:effectRef idx="0">
+        <a:scrgbClr r="0" g="0" b="0"/>
+      </a:effectRef>
+      <a:fontRef idx="minor">
+        <a:schemeClr val="lt1"/>
+      </a:fontRef>
+    </dgm:style>
+  </dgm:styleLbl>
+  <dgm:styleLbl name="asst1">
+    <dgm:scene3d>
+      <a:camera prst="orthographicFront"/>
+      <a:lightRig rig="threePt" dir="t"/>
+    </dgm:scene3d>
+    <dgm:sp3d/>
+    <dgm:txPr/>
+    <dgm:style>
+      <a:lnRef idx="2">
+        <a:scrgbClr r="0" g="0" b="0"/>
+      </a:lnRef>
+      <a:fillRef idx="1">
+        <a:scrgbClr r="0" g="0" b="0"/>
+      </a:fillRef>
+      <a:effectRef idx="0">
+        <a:scrgbClr r="0" g="0" b="0"/>
+      </a:effectRef>
+      <a:fontRef idx="minor">
+        <a:schemeClr val="lt1"/>
+      </a:fontRef>
+    </dgm:style>
+  </dgm:styleLbl>
+  <dgm:styleLbl name="asst2">
+    <dgm:scene3d>
+      <a:camera prst="orthographicFront"/>
+      <a:lightRig rig="threePt" dir="t"/>
+    </dgm:scene3d>
+    <dgm:sp3d/>
+    <dgm:txPr/>
+    <dgm:style>
+      <a:lnRef idx="2">
+        <a:scrgbClr r="0" g="0" b="0"/>
+      </a:lnRef>
+      <a:fillRef idx="1">
+        <a:scrgbClr r="0" g="0" b="0"/>
+      </a:fillRef>
+      <a:effectRef idx="0">
+        <a:scrgbClr r="0" g="0" b="0"/>
+      </a:effectRef>
+      <a:fontRef idx="minor">
+        <a:schemeClr val="lt1"/>
+      </a:fontRef>
+    </dgm:style>
+  </dgm:styleLbl>
+  <dgm:styleLbl name="asst3">
+    <dgm:scene3d>
+      <a:camera prst="orthographicFront"/>
+      <a:lightRig rig="threePt" dir="t"/>
+    </dgm:scene3d>
+    <dgm:sp3d/>
+    <dgm:txPr/>
+    <dgm:style>
+      <a:lnRef idx="2">
+        <a:scrgbClr r="0" g="0" b="0"/>
+      </a:lnRef>
+      <a:fillRef idx="1">
+        <a:scrgbClr r="0" g="0" b="0"/>
+      </a:fillRef>
+      <a:effectRef idx="0">
+        <a:scrgbClr r="0" g="0" b="0"/>
+      </a:effectRef>
+      <a:fontRef idx="minor">
+        <a:schemeClr val="lt1"/>
+      </a:fontRef>
+    </dgm:style>
+  </dgm:styleLbl>
+  <dgm:styleLbl name="asst4">
+    <dgm:scene3d>
+      <a:camera prst="orthographicFront"/>
+      <a:lightRig rig="threePt" dir="t"/>
+    </dgm:scene3d>
+    <dgm:sp3d/>
+    <dgm:txPr/>
+    <dgm:style>
+      <a:lnRef idx="2">
+        <a:scrgbClr r="0" g="0" b="0"/>
+      </a:lnRef>
+      <a:fillRef idx="1">
+        <a:scrgbClr r="0" g="0" b="0"/>
+      </a:fillRef>
+      <a:effectRef idx="0">
+        <a:scrgbClr r="0" g="0" b="0"/>
+      </a:effectRef>
+      <a:fontRef idx="minor">
+        <a:schemeClr val="lt1"/>
+      </a:fontRef>
+    </dgm:style>
+  </dgm:styleLbl>
+  <dgm:styleLbl name="parChTrans2D1">
+    <dgm:scene3d>
+      <a:camera prst="orthographicFront"/>
+      <a:lightRig rig="threePt" dir="t"/>
+    </dgm:scene3d>
+    <dgm:sp3d/>
+    <dgm:txPr/>
+    <dgm:style>
+      <a:lnRef idx="2">
+        <a:scrgbClr r="0" g="0" b="0"/>
+      </a:lnRef>
+      <a:fillRef idx="1">
+        <a:scrgbClr r="0" g="0" b="0"/>
+      </a:fillRef>
+      <a:effectRef idx="0">
+        <a:scrgbClr r="0" g="0" b="0"/>
+      </a:effectRef>
+      <a:fontRef idx="minor">
+        <a:schemeClr val="lt1"/>
+      </a:fontRef>
+    </dgm:style>
+  </dgm:styleLbl>
+  <dgm:styleLbl name="parChTrans2D2">
+    <dgm:scene3d>
+      <a:camera prst="orthographicFront"/>
+      <a:lightRig rig="threePt" dir="t"/>
+    </dgm:scene3d>
+    <dgm:sp3d/>
+    <dgm:txPr/>
+    <dgm:style>
+      <a:lnRef idx="2">
+        <a:scrgbClr r="0" g="0" b="0"/>
+      </a:lnRef>
+      <a:fillRef idx="1">
+        <a:scrgbClr r="0" g="0" b="0"/>
+      </a:fillRef>
+      <a:effectRef idx="0">
+        <a:scrgbClr r="0" g="0" b="0"/>
+      </a:effectRef>
+      <a:fontRef idx="minor">
+        <a:schemeClr val="lt1"/>
+      </a:fontRef>
+    </dgm:style>
+  </dgm:styleLbl>
+  <dgm:styleLbl name="parChTrans2D3">
+    <dgm:scene3d>
+      <a:camera prst="orthographicFront"/>
+      <a:lightRig rig="threePt" dir="t"/>
+    </dgm:scene3d>
+    <dgm:sp3d/>
+    <dgm:txPr/>
+    <dgm:style>
+      <a:lnRef idx="2">
+        <a:scrgbClr r="0" g="0" b="0"/>
+      </a:lnRef>
+      <a:fillRef idx="1">
+        <a:scrgbClr r="0" g="0" b="0"/>
+      </a:fillRef>
+      <a:effectRef idx="0">
+        <a:scrgbClr r="0" g="0" b="0"/>
+      </a:effectRef>
+      <a:fontRef idx="minor">
+        <a:schemeClr val="lt1"/>
+      </a:fontRef>
+    </dgm:style>
+  </dgm:styleLbl>
+  <dgm:styleLbl name="parChTrans2D4">
+    <dgm:scene3d>
+      <a:camera prst="orthographicFront"/>
+      <a:lightRig rig="threePt" dir="t"/>
+    </dgm:scene3d>
+    <dgm:sp3d/>
+    <dgm:txPr/>
+    <dgm:style>
+      <a:lnRef idx="2">
+        <a:scrgbClr r="0" g="0" b="0"/>
+      </a:lnRef>
+      <a:fillRef idx="1">
+        <a:scrgbClr r="0" g="0" b="0"/>
+      </a:fillRef>
+      <a:effectRef idx="0">
+        <a:scrgbClr r="0" g="0" b="0"/>
+      </a:effectRef>
+      <a:fontRef idx="minor">
+        <a:schemeClr val="lt1"/>
+      </a:fontRef>
+    </dgm:style>
+  </dgm:styleLbl>
+  <dgm:styleLbl name="parChTrans1D1">
+    <dgm:scene3d>
+      <a:camera prst="orthographicFront"/>
+      <a:lightRig rig="threePt" dir="t"/>
+    </dgm:scene3d>
+    <dgm:sp3d/>
+    <dgm:txPr/>
+    <dgm:style>
+      <a:lnRef idx="2">
+        <a:scrgbClr r="0" g="0" b="0"/>
+      </a:lnRef>
+      <a:fillRef idx="0">
+        <a:scrgbClr r="0" g="0" b="0"/>
+      </a:fillRef>
+      <a:effectRef idx="0">
+        <a:scrgbClr r="0" g="0" b="0"/>
+      </a:effectRef>
+      <a:fontRef idx="minor"/>
+    </dgm:style>
+  </dgm:styleLbl>
+  <dgm:styleLbl name="parChTrans1D2">
+    <dgm:scene3d>
+      <a:camera prst="orthographicFront"/>
+      <a:lightRig rig="threePt" dir="t"/>
+    </dgm:scene3d>
+    <dgm:sp3d/>
+    <dgm:txPr/>
+    <dgm:style>
+      <a:lnRef idx="2">
+        <a:scrgbClr r="0" g="0" b="0"/>
+      </a:lnRef>
+      <a:fillRef idx="0">
+        <a:scrgbClr r="0" g="0" b="0"/>
+      </a:fillRef>
+      <a:effectRef idx="0">
+        <a:scrgbClr r="0" g="0" b="0"/>
+      </a:effectRef>
+      <a:fontRef idx="minor"/>
+    </dgm:style>
+  </dgm:styleLbl>
+  <dgm:styleLbl name="parChTrans1D3">
+    <dgm:scene3d>
+      <a:camera prst="orthographicFront"/>
+      <a:lightRig rig="threePt" dir="t"/>
+    </dgm:scene3d>
+    <dgm:sp3d/>
+    <dgm:txPr/>
+    <dgm:style>
+      <a:lnRef idx="2">
+        <a:scrgbClr r="0" g="0" b="0"/>
+      </a:lnRef>
+      <a:fillRef idx="0">
+        <a:scrgbClr r="0" g="0" b="0"/>
+      </a:fillRef>
+      <a:effectRef idx="0">
+        <a:scrgbClr r="0" g="0" b="0"/>
+      </a:effectRef>
+      <a:fontRef idx="minor"/>
+    </dgm:style>
+  </dgm:styleLbl>
+  <dgm:styleLbl name="parChTrans1D4">
+    <dgm:scene3d>
+      <a:camera prst="orthographicFront"/>
+      <a:lightRig rig="threePt" dir="t"/>
+    </dgm:scene3d>
+    <dgm:sp3d/>
+    <dgm:txPr/>
+    <dgm:style>
+      <a:lnRef idx="2">
+        <a:scrgbClr r="0" g="0" b="0"/>
+      </a:lnRef>
+      <a:fillRef idx="0">
+        <a:scrgbClr r="0" g="0" b="0"/>
+      </a:fillRef>
+      <a:effectRef idx="0">
+        <a:scrgbClr r="0" g="0" b="0"/>
+      </a:effectRef>
+      <a:fontRef idx="minor"/>
+    </dgm:style>
+  </dgm:styleLbl>
+  <dgm:styleLbl name="fgAcc1">
+    <dgm:scene3d>
+      <a:camera prst="orthographicFront"/>
+      <a:lightRig rig="threePt" dir="t"/>
+    </dgm:scene3d>
+    <dgm:sp3d/>
+    <dgm:txPr/>
+    <dgm:style>
+      <a:lnRef idx="2">
+        <a:scrgbClr r="0" g="0" b="0"/>
+      </a:lnRef>
+      <a:fillRef idx="1">
+        <a:scrgbClr r="0" g="0" b="0"/>
+      </a:fillRef>
+      <a:effectRef idx="0">
+        <a:scrgbClr r="0" g="0" b="0"/>
+      </a:effectRef>
+      <a:fontRef idx="minor"/>
+    </dgm:style>
+  </dgm:styleLbl>
+  <dgm:styleLbl name="conFgAcc1">
+    <dgm:scene3d>
+      <a:camera prst="orthographicFront"/>
+      <a:lightRig rig="threePt" dir="t"/>
+    </dgm:scene3d>
+    <dgm:sp3d/>
+    <dgm:txPr/>
+    <dgm:style>
+      <a:lnRef idx="2">
+        <a:scrgbClr r="0" g="0" b="0"/>
+      </a:lnRef>
+      <a:fillRef idx="1">
+        <a:scrgbClr r="0" g="0" b="0"/>
+      </a:fillRef>
+      <a:effectRef idx="0">
+        <a:scrgbClr r="0" g="0" b="0"/>
+      </a:effectRef>
+      <a:fontRef idx="minor"/>
+    </dgm:style>
+  </dgm:styleLbl>
+  <dgm:styleLbl name="alignAcc1">
+    <dgm:scene3d>
+      <a:camera prst="orthographicFront"/>
+      <a:lightRig rig="threePt" dir="t"/>
+    </dgm:scene3d>
+    <dgm:sp3d/>
+    <dgm:txPr/>
+    <dgm:style>
+      <a:lnRef idx="2">
+        <a:scrgbClr r="0" g="0" b="0"/>
+      </a:lnRef>
+      <a:fillRef idx="1">
+        <a:scrgbClr r="0" g="0" b="0"/>
+      </a:fillRef>
+      <a:effectRef idx="0">
+        <a:scrgbClr r="0" g="0" b="0"/>
+      </a:effectRef>
+      <a:fontRef idx="minor"/>
+    </dgm:style>
+  </dgm:styleLbl>
+  <dgm:styleLbl name="trAlignAcc1">
+    <dgm:scene3d>
+      <a:camera prst="orthographicFront"/>
+      <a:lightRig rig="threePt" dir="t"/>
+    </dgm:scene3d>
+    <dgm:sp3d/>
+    <dgm:txPr/>
+    <dgm:style>
+      <a:lnRef idx="1">
+        <a:scrgbClr r="0" g="0" b="0"/>
+      </a:lnRef>
+      <a:fillRef idx="1">
+        <a:scrgbClr r="0" g="0" b="0"/>
+      </a:fillRef>
+      <a:effectRef idx="0">
+        <a:scrgbClr r="0" g="0" b="0"/>
+      </a:effectRef>
+      <a:fontRef idx="minor"/>
+    </dgm:style>
+  </dgm:styleLbl>
+  <dgm:styleLbl name="bgAcc1">
+    <dgm:scene3d>
+      <a:camera prst="orthographicFront"/>
+      <a:lightRig rig="threePt" dir="t"/>
+    </dgm:scene3d>
+    <dgm:sp3d/>
+    <dgm:txPr/>
+    <dgm:style>
+      <a:lnRef idx="2">
+        <a:scrgbClr r="0" g="0" b="0"/>
+      </a:lnRef>
+      <a:fillRef idx="1">
+        <a:scrgbClr r="0" g="0" b="0"/>
+      </a:fillRef>
+      <a:effectRef idx="0">
+        <a:scrgbClr r="0" g="0" b="0"/>
+      </a:effectRef>
+      <a:fontRef idx="minor"/>
+    </dgm:style>
+  </dgm:styleLbl>
+  <dgm:styleLbl name="solidFgAcc1">
+    <dgm:scene3d>
+      <a:camera prst="orthographicFront"/>
+      <a:lightRig rig="threePt" dir="t"/>
+    </dgm:scene3d>
+    <dgm:sp3d/>
+    <dgm:txPr/>
+    <dgm:style>
+      <a:lnRef idx="2">
+        <a:scrgbClr r="0" g="0" b="0"/>
+      </a:lnRef>
+      <a:fillRef idx="1">
+        <a:scrgbClr r="0" g="0" b="0"/>
+      </a:fillRef>
+      <a:effectRef idx="0">
+        <a:scrgbClr r="0" g="0" b="0"/>
+      </a:effectRef>
+      <a:fontRef idx="minor"/>
+    </dgm:style>
+  </dgm:styleLbl>
+  <dgm:styleLbl name="solidAlignAcc1">
+    <dgm:scene3d>
+      <a:camera prst="orthographicFront"/>
+      <a:lightRig rig="threePt" dir="t"/>
+    </dgm:scene3d>
+    <dgm:sp3d/>
+    <dgm:txPr/>
+    <dgm:style>
+      <a:lnRef idx="2">
+        <a:scrgbClr r="0" g="0" b="0"/>
+      </a:lnRef>
+      <a:fillRef idx="1">
+        <a:scrgbClr r="0" g="0" b="0"/>
+      </a:fillRef>
+      <a:effectRef idx="0">
+        <a:scrgbClr r="0" g="0" b="0"/>
+      </a:effectRef>
+      <a:fontRef idx="minor"/>
+    </dgm:style>
+  </dgm:styleLbl>
+  <dgm:styleLbl name="solidBgAcc1">
+    <dgm:scene3d>
+      <a:camera prst="orthographicFront"/>
+      <a:lightRig rig="threePt" dir="t"/>
+    </dgm:scene3d>
+    <dgm:sp3d/>
+    <dgm:txPr/>
+    <dgm:style>
+      <a:lnRef idx="2">
+        <a:scrgbClr r="0" g="0" b="0"/>
+      </a:lnRef>
+      <a:fillRef idx="1">
+        <a:scrgbClr r="0" g="0" b="0"/>
+      </a:fillRef>
+      <a:effectRef idx="0">
+        <a:scrgbClr r="0" g="0" b="0"/>
+      </a:effectRef>
+      <a:fontRef idx="minor"/>
+    </dgm:style>
+  </dgm:styleLbl>
+  <dgm:styleLbl name="fgAccFollowNode1">
+    <dgm:scene3d>
+      <a:camera prst="orthographicFront"/>
+      <a:lightRig rig="threePt" dir="t"/>
+    </dgm:scene3d>
+    <dgm:sp3d/>
+    <dgm:txPr/>
+    <dgm:style>
+      <a:lnRef idx="2">
+        <a:scrgbClr r="0" g="0" b="0"/>
+      </a:lnRef>
+      <a:fillRef idx="1">
+        <a:scrgbClr r="0" g="0" b="0"/>
+      </a:fillRef>
+      <a:effectRef idx="0">
+        <a:scrgbClr r="0" g="0" b="0"/>
+      </a:effectRef>
+      <a:fontRef idx="minor"/>
+    </dgm:style>
+  </dgm:styleLbl>
+  <dgm:styleLbl name="alignAccFollowNode1">
+    <dgm:scene3d>
+      <a:camera prst="orthographicFront"/>
+      <a:lightRig rig="threePt" dir="t"/>
+    </dgm:scene3d>
+    <dgm:sp3d/>
+    <dgm:txPr/>
+    <dgm:style>
+      <a:lnRef idx="2">
+        <a:scrgbClr r="0" g="0" b="0"/>
+      </a:lnRef>
+      <a:fillRef idx="1">
+        <a:scrgbClr r="0" g="0" b="0"/>
+      </a:fillRef>
+      <a:effectRef idx="0">
+        <a:scrgbClr r="0" g="0" b="0"/>
+      </a:effectRef>
+      <a:fontRef idx="minor"/>
+    </dgm:style>
+  </dgm:styleLbl>
+  <dgm:styleLbl name="bgAccFollowNode1">
+    <dgm:scene3d>
+      <a:camera prst="orthographicFront"/>
+      <a:lightRig rig="threePt" dir="t"/>
+    </dgm:scene3d>
+    <dgm:sp3d/>
+    <dgm:txPr/>
+    <dgm:style>
+      <a:lnRef idx="2">
+        <a:scrgbClr r="0" g="0" b="0"/>
+      </a:lnRef>
+      <a:fillRef idx="1">
+        <a:scrgbClr r="0" g="0" b="0"/>
+      </a:fillRef>
+      <a:effectRef idx="0">
+        <a:scrgbClr r="0" g="0" b="0"/>
+      </a:effectRef>
+      <a:fontRef idx="minor"/>
+    </dgm:style>
+  </dgm:styleLbl>
+  <dgm:styleLbl name="fgAcc0">
+    <dgm:scene3d>
+      <a:camera prst="orthographicFront"/>
+      <a:lightRig rig="threePt" dir="t"/>
+    </dgm:scene3d>
+    <dgm:sp3d/>
+    <dgm:txPr/>
+    <dgm:style>
+      <a:lnRef idx="2">
+        <a:scrgbClr r="0" g="0" b="0"/>
+      </a:lnRef>
+      <a:fillRef idx="1">
+        <a:scrgbClr r="0" g="0" b="0"/>
+      </a:fillRef>
+      <a:effectRef idx="0">
+        <a:scrgbClr r="0" g="0" b="0"/>
+      </a:effectRef>
+      <a:fontRef idx="minor"/>
+    </dgm:style>
+  </dgm:styleLbl>
+  <dgm:styleLbl name="fgAcc2">
+    <dgm:scene3d>
+      <a:camera prst="orthographicFront"/>
+      <a:lightRig rig="threePt" dir="t"/>
+    </dgm:scene3d>
+    <dgm:sp3d/>
+    <dgm:txPr/>
+    <dgm:style>
+      <a:lnRef idx="2">
+        <a:scrgbClr r="0" g="0" b="0"/>
+      </a:lnRef>
+      <a:fillRef idx="1">
+        <a:scrgbClr r="0" g="0" b="0"/>
+      </a:fillRef>
+      <a:effectRef idx="0">
+        <a:scrgbClr r="0" g="0" b="0"/>
+      </a:effectRef>
+      <a:fontRef idx="minor"/>
+    </dgm:style>
+  </dgm:styleLbl>
+  <dgm:styleLbl name="fgAcc3">
+    <dgm:scene3d>
+      <a:camera prst="orthographicFront"/>
+      <a:lightRig rig="threePt" dir="t"/>
+    </dgm:scene3d>
+    <dgm:sp3d/>
+    <dgm:txPr/>
+    <dgm:style>
+      <a:lnRef idx="2">
+        <a:scrgbClr r="0" g="0" b="0"/>
+      </a:lnRef>
+      <a:fillRef idx="1">
+        <a:scrgbClr r="0" g="0" b="0"/>
+      </a:fillRef>
+      <a:effectRef idx="0">
+        <a:scrgbClr r="0" g="0" b="0"/>
+      </a:effectRef>
+      <a:fontRef idx="minor"/>
+    </dgm:style>
+  </dgm:styleLbl>
+  <dgm:styleLbl name="fgAcc4">
+    <dgm:scene3d>
+      <a:camera prst="orthographicFront"/>
+      <a:lightRig rig="threePt" dir="t"/>
+    </dgm:scene3d>
+    <dgm:sp3d/>
+    <dgm:txPr/>
+    <dgm:style>
+      <a:lnRef idx="2">
+        <a:scrgbClr r="0" g="0" b="0"/>
+      </a:lnRef>
+      <a:fillRef idx="1">
+        <a:scrgbClr r="0" g="0" b="0"/>
+      </a:fillRef>
+      <a:effectRef idx="0">
+        <a:scrgbClr r="0" g="0" b="0"/>
+      </a:effectRef>
+      <a:fontRef idx="minor"/>
+    </dgm:style>
+  </dgm:styleLbl>
+  <dgm:styleLbl name="bgShp">
+    <dgm:scene3d>
+      <a:camera prst="orthographicFront"/>
+      <a:lightRig rig="threePt" dir="t"/>
+    </dgm:scene3d>
+    <dgm:sp3d/>
+    <dgm:txPr/>
+    <dgm:style>
+      <a:lnRef idx="0">
+        <a:scrgbClr r="0" g="0" b="0"/>
+      </a:lnRef>
+      <a:fillRef idx="1">
+        <a:scrgbClr r="0" g="0" b="0"/>
+      </a:fillRef>
+      <a:effectRef idx="0">
+        <a:scrgbClr r="0" g="0" b="0"/>
+      </a:effectRef>
+      <a:fontRef idx="minor"/>
+    </dgm:style>
+  </dgm:styleLbl>
+  <dgm:styleLbl name="dkBgShp">
+    <dgm:scene3d>
+      <a:camera prst="orthographicFront"/>
+      <a:lightRig rig="threePt" dir="t"/>
+    </dgm:scene3d>
+    <dgm:sp3d/>
+    <dgm:txPr/>
+    <dgm:style>
+      <a:lnRef idx="0">
+        <a:scrgbClr r="0" g="0" b="0"/>
+      </a:lnRef>
+      <a:fillRef idx="1">
+        <a:scrgbClr r="0" g="0" b="0"/>
+      </a:fillRef>
+      <a:effectRef idx="0">
+        <a:scrgbClr r="0" g="0" b="0"/>
+      </a:effectRef>
+      <a:fontRef idx="minor"/>
+    </dgm:style>
+  </dgm:styleLbl>
+  <dgm:styleLbl name="trBgShp">
+    <dgm:scene3d>
+      <a:camera prst="orthographicFront"/>
+      <a:lightRig rig="threePt" dir="t"/>
+    </dgm:scene3d>
+    <dgm:sp3d/>
+    <dgm:txPr/>
+    <dgm:style>
+      <a:lnRef idx="0">
+        <a:scrgbClr r="0" g="0" b="0"/>
+      </a:lnRef>
+      <a:fillRef idx="1">
+        <a:scrgbClr r="0" g="0" b="0"/>
+      </a:fillRef>
+      <a:effectRef idx="0">
+        <a:scrgbClr r="0" g="0" b="0"/>
+      </a:effectRef>
+      <a:fontRef idx="minor"/>
+    </dgm:style>
+  </dgm:styleLbl>
+  <dgm:styleLbl name="fgShp">
+    <dgm:scene3d>
+      <a:camera prst="orthographicFront"/>
+      <a:lightRig rig="threePt" dir="t"/>
+    </dgm:scene3d>
+    <dgm:sp3d/>
+    <dgm:txPr/>
+    <dgm:style>
+      <a:lnRef idx="2">
+        <a:scrgbClr r="0" g="0" b="0"/>
+      </a:lnRef>
+      <a:fillRef idx="1">
+        <a:scrgbClr r="0" g="0" b="0"/>
+      </a:fillRef>
+      <a:effectRef idx="0">
         <a:scrgbClr r="0" g="0" b="0"/>
       </a:effectRef>
       <a:fontRef idx="minor"/>
@@ -8763,7 +12226,7 @@
           <a:effectLst/>
           <a:extLst>
             <a:ext uri="{91240B29-F687-4f45-9708-019B960494DF}">
-              <a14:hiddenLine xmlns="" xmlns:a14="http://schemas.microsoft.com/office/drawing/2010/main" w="9525">
+              <a14:hiddenLine xmlns:a14="http://schemas.microsoft.com/office/drawing/2010/main" xmlns="" w="9525">
                 <a:solidFill>
                   <a:srgbClr val="000000"/>
                 </a:solidFill>
@@ -8955,7 +12418,7 @@
           <a:p>
             <a:fld id="{78ABE3C1-DBE1-495D-B57B-2849774B866A}" type="datetimeFigureOut">
               <a:rPr lang="en-US" smtClean="0"/>
-              <a:t>2/28/23</a:t>
+              <a:t>3/1/23</a:t>
             </a:fld>
             <a:endParaRPr lang="en-US" dirty="0"/>
           </a:p>
@@ -9273,7 +12736,7 @@
           <a:p>
             <a:fld id="{9D6E9DEC-419B-4CC5-A080-3B06BD5A8291}" type="datetimeFigureOut">
               <a:rPr lang="en-US" smtClean="0"/>
-              <a:t>2/28/23</a:t>
+              <a:t>3/1/23</a:t>
             </a:fld>
             <a:endParaRPr lang="en-US" dirty="0"/>
           </a:p>
@@ -9763,7 +13226,7 @@
           <a:p>
             <a:fld id="{9D6E9DEC-419B-4CC5-A080-3B06BD5A8291}" type="datetimeFigureOut">
               <a:rPr lang="en-US" smtClean="0"/>
-              <a:t>2/28/23</a:t>
+              <a:t>3/1/23</a:t>
             </a:fld>
             <a:endParaRPr lang="en-US" dirty="0"/>
           </a:p>
@@ -10134,7 +13597,7 @@
           <a:p>
             <a:fld id="{9D6E9DEC-419B-4CC5-A080-3B06BD5A8291}" type="datetimeFigureOut">
               <a:rPr lang="en-US" smtClean="0"/>
-              <a:t>2/28/23</a:t>
+              <a:t>3/1/23</a:t>
             </a:fld>
             <a:endParaRPr lang="en-US" dirty="0"/>
           </a:p>
@@ -10291,7 +13754,7 @@
           <a:ln/>
           <a:extLst>
             <a:ext uri="{91240B29-F687-4f45-9708-019B960494DF}">
-              <a14:hiddenLine xmlns="" xmlns:a14="http://schemas.microsoft.com/office/drawing/2010/main" w="9525">
+              <a14:hiddenLine xmlns:a14="http://schemas.microsoft.com/office/drawing/2010/main" xmlns="" w="9525">
                 <a:solidFill>
                   <a:srgbClr val="000000"/>
                 </a:solidFill>
@@ -10409,7 +13872,7 @@
           <a:p>
             <a:fld id="{1FA3F48C-C7C6-4055-9F49-3777875E72AE}" type="datetimeFigureOut">
               <a:rPr lang="en-US" smtClean="0"/>
-              <a:t>2/28/23</a:t>
+              <a:t>3/1/23</a:t>
             </a:fld>
             <a:endParaRPr lang="en-US" dirty="0"/>
           </a:p>
@@ -10566,7 +14029,7 @@
           <a:ln/>
           <a:extLst>
             <a:ext uri="{91240B29-F687-4f45-9708-019B960494DF}">
-              <a14:hiddenLine xmlns="" xmlns:a14="http://schemas.microsoft.com/office/drawing/2010/main" w="9525">
+              <a14:hiddenLine xmlns:a14="http://schemas.microsoft.com/office/drawing/2010/main" xmlns="" w="9525">
                 <a:solidFill>
                   <a:srgbClr val="000000"/>
                 </a:solidFill>
@@ -10694,7 +14157,7 @@
           <a:p>
             <a:fld id="{6178E61D-D431-422C-9764-11DAFE33AB63}" type="datetimeFigureOut">
               <a:rPr lang="en-US" smtClean="0"/>
-              <a:t>2/28/23</a:t>
+              <a:t>3/1/23</a:t>
             </a:fld>
             <a:endParaRPr lang="en-US" dirty="0"/>
           </a:p>
@@ -10850,7 +14313,7 @@
           <a:ln/>
           <a:extLst>
             <a:ext uri="{91240B29-F687-4f45-9708-019B960494DF}">
-              <a14:hiddenLine xmlns="" xmlns:a14="http://schemas.microsoft.com/office/drawing/2010/main" w="9525">
+              <a14:hiddenLine xmlns:a14="http://schemas.microsoft.com/office/drawing/2010/main" xmlns="" w="9525">
                 <a:solidFill>
                   <a:srgbClr val="000000"/>
                 </a:solidFill>
@@ -10978,7 +14441,7 @@
           <a:p>
             <a:fld id="{12DE42F4-6EEF-4EF7-8ED4-2208F0F89A08}" type="datetimeFigureOut">
               <a:rPr lang="en-US" smtClean="0"/>
-              <a:t>2/28/23</a:t>
+              <a:t>3/1/23</a:t>
             </a:fld>
             <a:endParaRPr lang="en-US" dirty="0"/>
           </a:p>
@@ -11321,7 +14784,7 @@
           <a:p>
             <a:fld id="{30578ACC-22D6-47C1-A373-4FD133E34F3C}" type="datetimeFigureOut">
               <a:rPr lang="en-US" smtClean="0"/>
-              <a:t>2/28/23</a:t>
+              <a:t>3/1/23</a:t>
             </a:fld>
             <a:endParaRPr lang="en-US" dirty="0"/>
           </a:p>
@@ -11476,7 +14939,7 @@
           <a:ln/>
           <a:extLst>
             <a:ext uri="{91240B29-F687-4f45-9708-019B960494DF}">
-              <a14:hiddenLine xmlns="" xmlns:a14="http://schemas.microsoft.com/office/drawing/2010/main" w="9525">
+              <a14:hiddenLine xmlns:a14="http://schemas.microsoft.com/office/drawing/2010/main" xmlns="" w="9525">
                 <a:solidFill>
                   <a:srgbClr val="000000"/>
                 </a:solidFill>
@@ -11660,7 +15123,7 @@
           <a:p>
             <a:fld id="{4E5A6C69-6797-4E8A-BF37-F2C3751466E9}" type="datetimeFigureOut">
               <a:rPr lang="en-US" smtClean="0"/>
-              <a:t>2/28/23</a:t>
+              <a:t>3/1/23</a:t>
             </a:fld>
             <a:endParaRPr lang="en-US" dirty="0"/>
           </a:p>
@@ -11815,7 +15278,7 @@
           <a:ln/>
           <a:extLst>
             <a:ext uri="{91240B29-F687-4f45-9708-019B960494DF}">
-              <a14:hiddenLine xmlns="" xmlns:a14="http://schemas.microsoft.com/office/drawing/2010/main" w="9525">
+              <a14:hiddenLine xmlns:a14="http://schemas.microsoft.com/office/drawing/2010/main" xmlns="" w="9525">
                 <a:solidFill>
                   <a:srgbClr val="000000"/>
                 </a:solidFill>
@@ -12137,7 +15600,7 @@
           <a:p>
             <a:fld id="{D82014A1-A632-4878-A0D3-F52BA7563730}" type="datetimeFigureOut">
               <a:rPr lang="en-US" smtClean="0"/>
-              <a:t>2/28/23</a:t>
+              <a:t>3/1/23</a:t>
             </a:fld>
             <a:endParaRPr lang="en-US" dirty="0"/>
           </a:p>
@@ -12292,7 +15755,7 @@
           <a:ln/>
           <a:extLst>
             <a:ext uri="{91240B29-F687-4f45-9708-019B960494DF}">
-              <a14:hiddenLine xmlns="" xmlns:a14="http://schemas.microsoft.com/office/drawing/2010/main" w="9525">
+              <a14:hiddenLine xmlns:a14="http://schemas.microsoft.com/office/drawing/2010/main" xmlns="" w="9525">
                 <a:solidFill>
                   <a:srgbClr val="000000"/>
                 </a:solidFill>
@@ -12358,7 +15821,7 @@
           <a:p>
             <a:fld id="{CE99F462-093F-4566-844B-4C71F2739DA5}" type="datetimeFigureOut">
               <a:rPr lang="en-US" smtClean="0"/>
-              <a:t>2/28/23</a:t>
+              <a:t>3/1/23</a:t>
             </a:fld>
             <a:endParaRPr lang="en-US" dirty="0"/>
           </a:p>
@@ -12453,7 +15916,7 @@
           <a:p>
             <a:fld id="{3D24A7AC-904D-4781-85BA-7D10C17ED021}" type="datetimeFigureOut">
               <a:rPr lang="en-US" smtClean="0"/>
-              <a:t>2/28/23</a:t>
+              <a:t>3/1/23</a:t>
             </a:fld>
             <a:endParaRPr lang="en-US" dirty="0"/>
           </a:p>
@@ -12721,7 +16184,7 @@
           <a:ln/>
           <a:extLst>
             <a:ext uri="{91240B29-F687-4f45-9708-019B960494DF}">
-              <a14:hiddenLine xmlns="" xmlns:a14="http://schemas.microsoft.com/office/drawing/2010/main" w="9525">
+              <a14:hiddenLine xmlns:a14="http://schemas.microsoft.com/office/drawing/2010/main" xmlns="" w="9525">
                 <a:solidFill>
                   <a:srgbClr val="000000"/>
                 </a:solidFill>
@@ -12920,7 +16383,7 @@
           <a:p>
             <a:fld id="{E331444B-B92B-4E27-8C94-BB93EAF5CB18}" type="datetimeFigureOut">
               <a:rPr lang="en-US" smtClean="0"/>
-              <a:t>2/28/23</a:t>
+              <a:t>3/1/23</a:t>
             </a:fld>
             <a:endParaRPr lang="en-US" dirty="0"/>
           </a:p>
@@ -13233,7 +16696,7 @@
           <a:p>
             <a:fld id="{9D6E9DEC-419B-4CC5-A080-3B06BD5A8291}" type="datetimeFigureOut">
               <a:rPr lang="en-US" smtClean="0"/>
-              <a:t>2/28/23</a:t>
+              <a:t>3/1/23</a:t>
             </a:fld>
             <a:endParaRPr lang="en-US" dirty="0"/>
           </a:p>
@@ -13505,7 +16968,7 @@
           <a:p>
             <a:fld id="{9D6E9DEC-419B-4CC5-A080-3B06BD5A8291}" type="datetimeFigureOut">
               <a:rPr lang="en-US" smtClean="0"/>
-              <a:t>2/28/23</a:t>
+              <a:t>3/1/23</a:t>
             </a:fld>
             <a:endParaRPr lang="en-US" dirty="0"/>
           </a:p>
@@ -14084,51 +17547,6 @@
       </p:sp>
       <p:sp>
         <p:nvSpPr>
-          <p:cNvPr id="3" name="Content Placeholder 2">
-            <a:extLst>
-              <a:ext uri="{FF2B5EF4-FFF2-40B4-BE49-F238E27FC236}">
-                <a16:creationId xmlns:a16="http://schemas.microsoft.com/office/drawing/2014/main" id="{FF94CB1E-3A75-D2D0-B463-DBA9FD3F4579}"/>
-              </a:ext>
-            </a:extLst>
-          </p:cNvPr>
-          <p:cNvSpPr>
-            <a:spLocks noGrp="1"/>
-          </p:cNvSpPr>
-          <p:nvPr>
-            <p:ph type="body" idx="1"/>
-          </p:nvPr>
-        </p:nvSpPr>
-        <p:spPr>
-          <a:effectLst/>
-        </p:spPr>
-        <p:txBody>
-          <a:bodyPr>
-            <a:normAutofit fontScale="92500"/>
-          </a:bodyPr>
-          <a:lstStyle/>
-          <a:p>
-            <a:pPr>
-              <a:lnSpc>
-                <a:spcPct val="90000"/>
-              </a:lnSpc>
-            </a:pPr>
-            <a:r>
-              <a:rPr lang="en-US" sz="2000" dirty="0"/>
-              <a:t>“It’s okay for women to have these jobs, as long as they don’t zoom by </a:t>
-            </a:r>
-            <a:r>
-              <a:rPr lang="en-US" sz="2000" i="1" dirty="0"/>
-              <a:t>me</a:t>
-            </a:r>
-            <a:r>
-              <a:rPr lang="en-US" sz="2000" dirty="0"/>
-              <a:t>” (Kanter 1997:217)</a:t>
-            </a:r>
-          </a:p>
-        </p:txBody>
-      </p:sp>
-      <p:sp>
-        <p:nvSpPr>
           <p:cNvPr id="4" name="Text Placeholder 3">
             <a:extLst>
               <a:ext uri="{FF2B5EF4-FFF2-40B4-BE49-F238E27FC236}">
@@ -14178,6 +17596,31 @@
               <a:t>’”</a:t>
             </a:r>
             <a:endParaRPr lang="en-US" dirty="0"/>
+          </a:p>
+        </p:txBody>
+      </p:sp>
+      <p:sp>
+        <p:nvSpPr>
+          <p:cNvPr id="6" name="Text Placeholder 5">
+            <a:extLst>
+              <a:ext uri="{FF2B5EF4-FFF2-40B4-BE49-F238E27FC236}">
+                <a16:creationId xmlns:a16="http://schemas.microsoft.com/office/drawing/2014/main" id="{1D75C6B5-15D2-FBBC-B8B3-94DC42C1BD08}"/>
+              </a:ext>
+            </a:extLst>
+          </p:cNvPr>
+          <p:cNvSpPr>
+            <a:spLocks noGrp="1"/>
+          </p:cNvSpPr>
+          <p:nvPr>
+            <p:ph type="body" idx="1"/>
+          </p:nvPr>
+        </p:nvSpPr>
+        <p:spPr/>
+        <p:txBody>
+          <a:bodyPr/>
+          <a:lstStyle/>
+          <a:p>
+            <a:endParaRPr lang="en-US"/>
           </a:p>
         </p:txBody>
       </p:sp>
@@ -14234,7 +17677,7 @@
           <a:p>
             <a:r>
               <a:rPr lang="en-US" dirty="0"/>
-              <a:t>Contrast - Boundary maintenance </a:t>
+              <a:t>2. Contrast - Boundary maintenance </a:t>
             </a:r>
           </a:p>
         </p:txBody>
@@ -14275,14 +17718,14 @@
           <a:p>
             <a:r>
               <a:rPr lang="en-US" dirty="0"/>
-              <a:t>When women present in informal social situations, men were more likely to:</a:t>
+              <a:t>When women were present in informal social situations, men were more likely to:</a:t>
             </a:r>
           </a:p>
           <a:p>
             <a:pPr lvl="1"/>
             <a:r>
               <a:rPr lang="en-US" dirty="0"/>
-              <a:t>Talk about how ‘masculine prowess’ led to success – sexual innuendos or stories, sexual harassment, instances of aggression</a:t>
+              <a:t>Talk about how ‘masculine prowess’ led to success – sexual innuendos or stories, sexual harassment, stories of aggression</a:t>
             </a:r>
           </a:p>
           <a:p>
@@ -14685,7 +18128,7 @@
             <p:ph idx="1"/>
             <p:extLst>
               <p:ext uri="{D42A27DB-BD31-4B8C-83A1-F6EECF244321}">
-                <p14:modId xmlns:p14="http://schemas.microsoft.com/office/powerpoint/2010/main" val="276469550"/>
+                <p14:modId xmlns:p14="http://schemas.microsoft.com/office/powerpoint/2010/main" val="2910085353"/>
               </p:ext>
             </p:extLst>
           </p:nvPr>
@@ -14886,7 +18329,7 @@
           <a:p>
             <a:r>
               <a:rPr lang="en-US" dirty="0"/>
-              <a:t>Assimilation</a:t>
+              <a:t>3. Assimilation</a:t>
             </a:r>
           </a:p>
         </p:txBody>
@@ -15074,7 +18517,7 @@
           <a:p>
             <a:r>
               <a:rPr lang="en-US" dirty="0"/>
-              <a:t>Treated in markedly different ways than others</a:t>
+              <a:t>Treated in markedly gendered ways for typical business behavior</a:t>
             </a:r>
           </a:p>
           <a:p>
@@ -15192,7 +18635,7 @@
       </p:grpSpPr>
       <p:sp useBgFill="1">
         <p:nvSpPr>
-          <p:cNvPr id="9" name="Rectangle 8">
+          <p:cNvPr id="16" name="Rectangle 15">
             <a:extLst>
               <a:ext uri="{FF2B5EF4-FFF2-40B4-BE49-F238E27FC236}">
                 <a16:creationId xmlns:a16="http://schemas.microsoft.com/office/drawing/2014/main" id="{BBDCBBFD-67A3-4E70-956C-7C93C1CE7E5C}"/>
@@ -15252,7 +18695,7 @@
       </p:sp>
       <p:sp>
         <p:nvSpPr>
-          <p:cNvPr id="11" name="Freeform 23">
+          <p:cNvPr id="18" name="Freeform 23">
             <a:extLst>
               <a:ext uri="{FF2B5EF4-FFF2-40B4-BE49-F238E27FC236}">
                 <a16:creationId xmlns:a16="http://schemas.microsoft.com/office/drawing/2014/main" id="{E068C22E-C184-4F0D-BF91-CD285594A1E5}"/>
@@ -15508,7 +18951,7 @@
             <p:ph idx="1"/>
             <p:extLst>
               <p:ext uri="{D42A27DB-BD31-4B8C-83A1-F6EECF244321}">
-                <p14:modId xmlns:p14="http://schemas.microsoft.com/office/powerpoint/2010/main" val="349463326"/>
+                <p14:modId xmlns:p14="http://schemas.microsoft.com/office/powerpoint/2010/main" val="209935824"/>
               </p:ext>
             </p:extLst>
           </p:nvPr>
@@ -15537,6 +18980,637 @@
 </file>
 
 <file path=ppt/slides/slide17.xml><?xml version="1.0" encoding="utf-8"?>
+<p:sld xmlns:a="http://schemas.openxmlformats.org/drawingml/2006/main" xmlns:r="http://schemas.openxmlformats.org/officeDocument/2006/relationships" xmlns:p="http://schemas.openxmlformats.org/presentationml/2006/main">
+  <p:cSld>
+    <p:bg>
+      <p:bgPr>
+        <a:solidFill>
+          <a:schemeClr val="bg2"/>
+        </a:solidFill>
+        <a:effectLst/>
+      </p:bgPr>
+    </p:bg>
+    <p:spTree>
+      <p:nvGrpSpPr>
+        <p:cNvPr id="1" name=""/>
+        <p:cNvGrpSpPr/>
+        <p:nvPr/>
+      </p:nvGrpSpPr>
+      <p:grpSpPr>
+        <a:xfrm>
+          <a:off x="0" y="0"/>
+          <a:ext cx="0" cy="0"/>
+          <a:chOff x="0" y="0"/>
+          <a:chExt cx="0" cy="0"/>
+        </a:xfrm>
+      </p:grpSpPr>
+      <p:sp>
+        <p:nvSpPr>
+          <p:cNvPr id="11" name="Rectangle 10">
+            <a:extLst>
+              <a:ext uri="{FF2B5EF4-FFF2-40B4-BE49-F238E27FC236}">
+                <a16:creationId xmlns:a16="http://schemas.microsoft.com/office/drawing/2014/main" id="{23ECC733-A533-4D91-BD25-3B6E06B7AE74}"/>
+              </a:ext>
+              <a:ext uri="{C183D7F6-B498-43B3-948B-1728B52AA6E4}">
+                <adec:decorative xmlns:adec="http://schemas.microsoft.com/office/drawing/2017/decorative" val="1"/>
+              </a:ext>
+            </a:extLst>
+          </p:cNvPr>
+          <p:cNvSpPr>
+            <a:spLocks noGrp="1" noRot="1" noChangeAspect="1" noMove="1" noResize="1" noEditPoints="1" noAdjustHandles="1" noChangeArrowheads="1" noChangeShapeType="1" noTextEdit="1"/>
+          </p:cNvSpPr>
+          <p:nvPr>
+            <p:extLst>
+              <p:ext uri="{386F3935-93C4-4BCD-93E2-E3B085C9AB24}">
+                <p16:designElem xmlns:p16="http://schemas.microsoft.com/office/powerpoint/2015/main" val="1"/>
+              </p:ext>
+            </p:extLst>
+          </p:nvPr>
+        </p:nvSpPr>
+        <p:spPr>
+          <a:xfrm>
+            <a:off x="0" y="0"/>
+            <a:ext cx="12188952" cy="6858000"/>
+          </a:xfrm>
+          <a:prstGeom prst="rect">
+            <a:avLst/>
+          </a:prstGeom>
+          <a:solidFill>
+            <a:schemeClr val="tx1"/>
+          </a:solidFill>
+          <a:ln>
+            <a:noFill/>
+          </a:ln>
+        </p:spPr>
+        <p:style>
+          <a:lnRef idx="2">
+            <a:schemeClr val="accent1">
+              <a:shade val="50000"/>
+            </a:schemeClr>
+          </a:lnRef>
+          <a:fillRef idx="1">
+            <a:schemeClr val="accent1"/>
+          </a:fillRef>
+          <a:effectRef idx="0">
+            <a:schemeClr val="accent1"/>
+          </a:effectRef>
+          <a:fontRef idx="minor">
+            <a:schemeClr val="lt1"/>
+          </a:fontRef>
+        </p:style>
+        <p:txBody>
+          <a:bodyPr rtlCol="0" anchor="ctr"/>
+          <a:lstStyle/>
+          <a:p>
+            <a:pPr algn="ctr"/>
+            <a:endParaRPr lang="en-US"/>
+          </a:p>
+        </p:txBody>
+      </p:sp>
+      <p:sp>
+        <p:nvSpPr>
+          <p:cNvPr id="13" name="Freeform 23">
+            <a:extLst>
+              <a:ext uri="{FF2B5EF4-FFF2-40B4-BE49-F238E27FC236}">
+                <a16:creationId xmlns:a16="http://schemas.microsoft.com/office/drawing/2014/main" id="{36401F08-8B30-49FC-A47E-7119FCAAB746}"/>
+              </a:ext>
+              <a:ext uri="{C183D7F6-B498-43B3-948B-1728B52AA6E4}">
+                <adec:decorative xmlns:adec="http://schemas.microsoft.com/office/drawing/2017/decorative" val="1"/>
+              </a:ext>
+            </a:extLst>
+          </p:cNvPr>
+          <p:cNvSpPr>
+            <a:spLocks noGrp="1" noRot="1" noChangeAspect="1" noMove="1" noResize="1" noEditPoints="1" noAdjustHandles="1" noChangeArrowheads="1" noChangeShapeType="1" noTextEdit="1"/>
+          </p:cNvSpPr>
+          <p:nvPr>
+            <p:extLst>
+              <p:ext uri="{386F3935-93C4-4BCD-93E2-E3B085C9AB24}">
+                <p16:designElem xmlns:p16="http://schemas.microsoft.com/office/powerpoint/2015/main" val="1"/>
+              </p:ext>
+            </p:extLst>
+          </p:nvPr>
+        </p:nvSpPr>
+        <p:spPr bwMode="white">
+          <a:xfrm>
+            <a:off x="0" y="0"/>
+            <a:ext cx="4637005" cy="6858000"/>
+          </a:xfrm>
+          <a:custGeom>
+            <a:avLst/>
+            <a:gdLst>
+              <a:gd name="connsiteX0" fmla="*/ 0 w 4637005"/>
+              <a:gd name="connsiteY0" fmla="*/ 0 h 6858000"/>
+              <a:gd name="connsiteX1" fmla="*/ 4637005 w 4637005"/>
+              <a:gd name="connsiteY1" fmla="*/ 0 h 6858000"/>
+              <a:gd name="connsiteX2" fmla="*/ 4637005 w 4637005"/>
+              <a:gd name="connsiteY2" fmla="*/ 1900238 h 6858000"/>
+              <a:gd name="connsiteX3" fmla="*/ 4266589 w 4637005"/>
+              <a:gd name="connsiteY3" fmla="*/ 2178050 h 6858000"/>
+              <a:gd name="connsiteX4" fmla="*/ 4262355 w 4637005"/>
+              <a:gd name="connsiteY4" fmla="*/ 2184400 h 6858000"/>
+              <a:gd name="connsiteX5" fmla="*/ 4256005 w 4637005"/>
+              <a:gd name="connsiteY5" fmla="*/ 2193925 h 6858000"/>
+              <a:gd name="connsiteX6" fmla="*/ 4249655 w 4637005"/>
+              <a:gd name="connsiteY6" fmla="*/ 2201863 h 6858000"/>
+              <a:gd name="connsiteX7" fmla="*/ 4249655 w 4637005"/>
+              <a:gd name="connsiteY7" fmla="*/ 2211388 h 6858000"/>
+              <a:gd name="connsiteX8" fmla="*/ 4249655 w 4637005"/>
+              <a:gd name="connsiteY8" fmla="*/ 2220913 h 6858000"/>
+              <a:gd name="connsiteX9" fmla="*/ 4256005 w 4637005"/>
+              <a:gd name="connsiteY9" fmla="*/ 2228850 h 6858000"/>
+              <a:gd name="connsiteX10" fmla="*/ 4262355 w 4637005"/>
+              <a:gd name="connsiteY10" fmla="*/ 2238375 h 6858000"/>
+              <a:gd name="connsiteX11" fmla="*/ 4266589 w 4637005"/>
+              <a:gd name="connsiteY11" fmla="*/ 2244725 h 6858000"/>
+              <a:gd name="connsiteX12" fmla="*/ 4637005 w 4637005"/>
+              <a:gd name="connsiteY12" fmla="*/ 2522538 h 6858000"/>
+              <a:gd name="connsiteX13" fmla="*/ 4637005 w 4637005"/>
+              <a:gd name="connsiteY13" fmla="*/ 6858000 h 6858000"/>
+              <a:gd name="connsiteX14" fmla="*/ 0 w 4637005"/>
+              <a:gd name="connsiteY14" fmla="*/ 6858000 h 6858000"/>
+            </a:gdLst>
+            <a:ahLst/>
+            <a:cxnLst>
+              <a:cxn ang="0">
+                <a:pos x="connsiteX0" y="connsiteY0"/>
+              </a:cxn>
+              <a:cxn ang="0">
+                <a:pos x="connsiteX1" y="connsiteY1"/>
+              </a:cxn>
+              <a:cxn ang="0">
+                <a:pos x="connsiteX2" y="connsiteY2"/>
+              </a:cxn>
+              <a:cxn ang="0">
+                <a:pos x="connsiteX3" y="connsiteY3"/>
+              </a:cxn>
+              <a:cxn ang="0">
+                <a:pos x="connsiteX4" y="connsiteY4"/>
+              </a:cxn>
+              <a:cxn ang="0">
+                <a:pos x="connsiteX5" y="connsiteY5"/>
+              </a:cxn>
+              <a:cxn ang="0">
+                <a:pos x="connsiteX6" y="connsiteY6"/>
+              </a:cxn>
+              <a:cxn ang="0">
+                <a:pos x="connsiteX7" y="connsiteY7"/>
+              </a:cxn>
+              <a:cxn ang="0">
+                <a:pos x="connsiteX8" y="connsiteY8"/>
+              </a:cxn>
+              <a:cxn ang="0">
+                <a:pos x="connsiteX9" y="connsiteY9"/>
+              </a:cxn>
+              <a:cxn ang="0">
+                <a:pos x="connsiteX10" y="connsiteY10"/>
+              </a:cxn>
+              <a:cxn ang="0">
+                <a:pos x="connsiteX11" y="connsiteY11"/>
+              </a:cxn>
+              <a:cxn ang="0">
+                <a:pos x="connsiteX12" y="connsiteY12"/>
+              </a:cxn>
+              <a:cxn ang="0">
+                <a:pos x="connsiteX13" y="connsiteY13"/>
+              </a:cxn>
+              <a:cxn ang="0">
+                <a:pos x="connsiteX14" y="connsiteY14"/>
+              </a:cxn>
+            </a:cxnLst>
+            <a:rect l="l" t="t" r="r" b="b"/>
+            <a:pathLst>
+              <a:path w="4637005" h="6858000">
+                <a:moveTo>
+                  <a:pt x="0" y="0"/>
+                </a:moveTo>
+                <a:lnTo>
+                  <a:pt x="4637005" y="0"/>
+                </a:lnTo>
+                <a:lnTo>
+                  <a:pt x="4637005" y="1900238"/>
+                </a:lnTo>
+                <a:lnTo>
+                  <a:pt x="4266589" y="2178050"/>
+                </a:lnTo>
+                <a:lnTo>
+                  <a:pt x="4262355" y="2184400"/>
+                </a:lnTo>
+                <a:lnTo>
+                  <a:pt x="4256005" y="2193925"/>
+                </a:lnTo>
+                <a:lnTo>
+                  <a:pt x="4249655" y="2201863"/>
+                </a:lnTo>
+                <a:lnTo>
+                  <a:pt x="4249655" y="2211388"/>
+                </a:lnTo>
+                <a:lnTo>
+                  <a:pt x="4249655" y="2220913"/>
+                </a:lnTo>
+                <a:lnTo>
+                  <a:pt x="4256005" y="2228850"/>
+                </a:lnTo>
+                <a:lnTo>
+                  <a:pt x="4262355" y="2238375"/>
+                </a:lnTo>
+                <a:lnTo>
+                  <a:pt x="4266589" y="2244725"/>
+                </a:lnTo>
+                <a:lnTo>
+                  <a:pt x="4637005" y="2522538"/>
+                </a:lnTo>
+                <a:lnTo>
+                  <a:pt x="4637005" y="6858000"/>
+                </a:lnTo>
+                <a:lnTo>
+                  <a:pt x="0" y="6858000"/>
+                </a:lnTo>
+                <a:close/>
+              </a:path>
+            </a:pathLst>
+          </a:custGeom>
+          <a:solidFill>
+            <a:schemeClr val="bg1">
+              <a:lumMod val="85000"/>
+              <a:lumOff val="15000"/>
+            </a:schemeClr>
+          </a:solidFill>
+          <a:ln>
+            <a:noFill/>
+          </a:ln>
+        </p:spPr>
+        <p:style>
+          <a:lnRef idx="2">
+            <a:schemeClr val="accent1">
+              <a:shade val="50000"/>
+            </a:schemeClr>
+          </a:lnRef>
+          <a:fillRef idx="1">
+            <a:schemeClr val="accent1"/>
+          </a:fillRef>
+          <a:effectRef idx="0">
+            <a:schemeClr val="accent1"/>
+          </a:effectRef>
+          <a:fontRef idx="minor">
+            <a:schemeClr val="lt1"/>
+          </a:fontRef>
+        </p:style>
+        <p:txBody>
+          <a:bodyPr wrap="square" rtlCol="0" anchor="ctr">
+            <a:noAutofit/>
+          </a:bodyPr>
+          <a:lstStyle/>
+          <a:p>
+            <a:pPr algn="ctr"/>
+            <a:endParaRPr lang="en-US"/>
+          </a:p>
+        </p:txBody>
+      </p:sp>
+      <p:sp>
+        <p:nvSpPr>
+          <p:cNvPr id="2" name="Title 1">
+            <a:extLst>
+              <a:ext uri="{FF2B5EF4-FFF2-40B4-BE49-F238E27FC236}">
+                <a16:creationId xmlns:a16="http://schemas.microsoft.com/office/drawing/2014/main" id="{7D311575-2F02-2401-5FF5-D3BFF975934D}"/>
+              </a:ext>
+            </a:extLst>
+          </p:cNvPr>
+          <p:cNvSpPr>
+            <a:spLocks noGrp="1"/>
+          </p:cNvSpPr>
+          <p:nvPr>
+            <p:ph type="title"/>
+          </p:nvPr>
+        </p:nvSpPr>
+        <p:spPr>
+          <a:xfrm>
+            <a:off x="810001" y="447188"/>
+            <a:ext cx="3413084" cy="1559412"/>
+          </a:xfrm>
+        </p:spPr>
+        <p:txBody>
+          <a:bodyPr>
+            <a:normAutofit/>
+          </a:bodyPr>
+          <a:lstStyle/>
+          <a:p>
+            <a:r>
+              <a:rPr lang="en-US" sz="3200" dirty="0">
+                <a:solidFill>
+                  <a:schemeClr val="tx1"/>
+                </a:solidFill>
+              </a:rPr>
+              <a:t>Example</a:t>
+            </a:r>
+          </a:p>
+        </p:txBody>
+      </p:sp>
+      <p:sp>
+        <p:nvSpPr>
+          <p:cNvPr id="8" name="Content Placeholder 7">
+            <a:extLst>
+              <a:ext uri="{FF2B5EF4-FFF2-40B4-BE49-F238E27FC236}">
+                <a16:creationId xmlns:a16="http://schemas.microsoft.com/office/drawing/2014/main" id="{76AE9B04-F994-2DBF-B735-40EE8484CBE1}"/>
+              </a:ext>
+            </a:extLst>
+          </p:cNvPr>
+          <p:cNvSpPr>
+            <a:spLocks noGrp="1"/>
+          </p:cNvSpPr>
+          <p:nvPr>
+            <p:ph idx="1"/>
+          </p:nvPr>
+        </p:nvSpPr>
+        <p:spPr>
+          <a:xfrm>
+            <a:off x="818713" y="2413000"/>
+            <a:ext cx="3404372" cy="3632200"/>
+          </a:xfrm>
+        </p:spPr>
+        <p:txBody>
+          <a:bodyPr>
+            <a:normAutofit/>
+          </a:bodyPr>
+          <a:lstStyle/>
+          <a:p>
+            <a:r>
+              <a:rPr lang="en-US" sz="1600" dirty="0"/>
+              <a:t>Nine to Five </a:t>
+            </a:r>
+          </a:p>
+          <a:p>
+            <a:pPr lvl="1"/>
+            <a:r>
+              <a:rPr lang="en-US" sz="1400" dirty="0"/>
+              <a:t>Lily Tomlin = Iron Maiden</a:t>
+            </a:r>
+          </a:p>
+          <a:p>
+            <a:pPr lvl="1"/>
+            <a:r>
+              <a:rPr lang="en-US" sz="1400" dirty="0"/>
+              <a:t>Dolly Parton = Seductress</a:t>
+            </a:r>
+          </a:p>
+          <a:p>
+            <a:pPr lvl="1"/>
+            <a:r>
+              <a:rPr lang="en-US" sz="1400" dirty="0"/>
+              <a:t>Jane Fonda = Pet</a:t>
+            </a:r>
+          </a:p>
+        </p:txBody>
+      </p:sp>
+      <p:sp>
+        <p:nvSpPr>
+          <p:cNvPr id="15" name="Rounded Rectangle 17">
+            <a:extLst>
+              <a:ext uri="{FF2B5EF4-FFF2-40B4-BE49-F238E27FC236}">
+                <a16:creationId xmlns:a16="http://schemas.microsoft.com/office/drawing/2014/main" id="{3F6460BF-80B6-42E6-A4B2-8F9671BAA795}"/>
+              </a:ext>
+              <a:ext uri="{C183D7F6-B498-43B3-948B-1728B52AA6E4}">
+                <adec:decorative xmlns:adec="http://schemas.microsoft.com/office/drawing/2017/decorative" val="1"/>
+              </a:ext>
+            </a:extLst>
+          </p:cNvPr>
+          <p:cNvSpPr>
+            <a:spLocks noGrp="1" noRot="1" noChangeAspect="1" noMove="1" noResize="1" noEditPoints="1" noAdjustHandles="1" noChangeArrowheads="1" noChangeShapeType="1" noTextEdit="1"/>
+          </p:cNvSpPr>
+          <p:nvPr>
+            <p:extLst>
+              <p:ext uri="{386F3935-93C4-4BCD-93E2-E3B085C9AB24}">
+                <p16:designElem xmlns:p16="http://schemas.microsoft.com/office/powerpoint/2015/main" val="1"/>
+              </p:ext>
+            </p:extLst>
+          </p:nvPr>
+        </p:nvSpPr>
+        <p:spPr>
+          <a:xfrm>
+            <a:off x="5278945" y="958640"/>
+            <a:ext cx="6269591" cy="4945244"/>
+          </a:xfrm>
+          <a:prstGeom prst="roundRect">
+            <a:avLst>
+              <a:gd name="adj" fmla="val 3513"/>
+            </a:avLst>
+          </a:prstGeom>
+          <a:solidFill>
+            <a:schemeClr val="tx1"/>
+          </a:solidFill>
+          <a:ln>
+            <a:solidFill>
+              <a:schemeClr val="accent1"/>
+            </a:solidFill>
+          </a:ln>
+          <a:effectLst/>
+        </p:spPr>
+        <p:style>
+          <a:lnRef idx="2">
+            <a:schemeClr val="accent1">
+              <a:shade val="50000"/>
+            </a:schemeClr>
+          </a:lnRef>
+          <a:fillRef idx="1">
+            <a:schemeClr val="accent1"/>
+          </a:fillRef>
+          <a:effectRef idx="0">
+            <a:schemeClr val="accent1"/>
+          </a:effectRef>
+          <a:fontRef idx="minor">
+            <a:schemeClr val="lt1"/>
+          </a:fontRef>
+        </p:style>
+        <p:txBody>
+          <a:bodyPr rtlCol="0" anchor="ctr"/>
+          <a:lstStyle/>
+          <a:p>
+            <a:pPr algn="ctr"/>
+            <a:endParaRPr lang="en-US"/>
+          </a:p>
+        </p:txBody>
+      </p:sp>
+      <p:pic>
+        <p:nvPicPr>
+          <p:cNvPr id="4" name="Online Media 3" descr="Nine to Five (1980) – You understand zilch">
+            <a:hlinkClick r:id="" action="ppaction://media"/>
+            <a:extLst>
+              <a:ext uri="{FF2B5EF4-FFF2-40B4-BE49-F238E27FC236}">
+                <a16:creationId xmlns:a16="http://schemas.microsoft.com/office/drawing/2014/main" id="{B069FEAA-E440-D45B-8DE0-A40D734C0C20}"/>
+              </a:ext>
+            </a:extLst>
+          </p:cNvPr>
+          <p:cNvPicPr>
+            <a:picLocks noRot="1" noChangeAspect="1"/>
+          </p:cNvPicPr>
+          <p:nvPr>
+            <a:videoFile r:link="rId1"/>
+          </p:nvPr>
+        </p:nvPicPr>
+        <p:blipFill>
+          <a:blip r:embed="rId3"/>
+          <a:stretch>
+            <a:fillRect/>
+          </a:stretch>
+        </p:blipFill>
+        <p:spPr>
+          <a:xfrm>
+            <a:off x="5603706" y="1309062"/>
+            <a:ext cx="5638853" cy="4229139"/>
+          </a:xfrm>
+          <a:prstGeom prst="rect">
+            <a:avLst/>
+          </a:prstGeom>
+        </p:spPr>
+      </p:pic>
+    </p:spTree>
+    <p:extLst>
+      <p:ext uri="{BB962C8B-B14F-4D97-AF65-F5344CB8AC3E}">
+        <p14:creationId xmlns:p14="http://schemas.microsoft.com/office/powerpoint/2010/main" val="4237377382"/>
+      </p:ext>
+    </p:extLst>
+  </p:cSld>
+  <p:clrMapOvr>
+    <a:masterClrMapping/>
+  </p:clrMapOvr>
+  <p:timing>
+    <p:tnLst>
+      <p:par>
+        <p:cTn id="1" dur="indefinite" restart="never" nodeType="tmRoot">
+          <p:childTnLst>
+            <p:seq concurrent="1" nextAc="seek">
+              <p:cTn id="2" dur="indefinite" nodeType="mainSeq">
+                <p:childTnLst>
+                  <p:par>
+                    <p:cTn id="3" fill="hold">
+                      <p:stCondLst>
+                        <p:cond delay="indefinite"/>
+                      </p:stCondLst>
+                      <p:childTnLst>
+                        <p:par>
+                          <p:cTn id="4" fill="hold">
+                            <p:stCondLst>
+                              <p:cond delay="0"/>
+                            </p:stCondLst>
+                            <p:childTnLst>
+                              <p:par>
+                                <p:cTn id="5" presetID="1" presetClass="mediacall" presetSubtype="0" fill="hold" nodeType="clickEffect">
+                                  <p:stCondLst>
+                                    <p:cond delay="0"/>
+                                  </p:stCondLst>
+                                  <p:childTnLst>
+                                    <p:cmd type="call" cmd="playFrom(0.0)">
+                                      <p:cBhvr>
+                                        <p:cTn id="6" dur="1" fill="hold"/>
+                                        <p:tgtEl>
+                                          <p:spTgt spid="4"/>
+                                        </p:tgtEl>
+                                      </p:cBhvr>
+                                    </p:cmd>
+                                  </p:childTnLst>
+                                </p:cTn>
+                              </p:par>
+                            </p:childTnLst>
+                          </p:cTn>
+                        </p:par>
+                      </p:childTnLst>
+                    </p:cTn>
+                  </p:par>
+                </p:childTnLst>
+              </p:cTn>
+              <p:prevCondLst>
+                <p:cond evt="onPrev" delay="0">
+                  <p:tgtEl>
+                    <p:sldTgt/>
+                  </p:tgtEl>
+                </p:cond>
+              </p:prevCondLst>
+              <p:nextCondLst>
+                <p:cond evt="onNext" delay="0">
+                  <p:tgtEl>
+                    <p:sldTgt/>
+                  </p:tgtEl>
+                </p:cond>
+              </p:nextCondLst>
+            </p:seq>
+            <p:video>
+              <p:cMediaNode vol="80000">
+                <p:cTn id="7" fill="hold" display="0">
+                  <p:stCondLst>
+                    <p:cond delay="indefinite"/>
+                  </p:stCondLst>
+                </p:cTn>
+                <p:tgtEl>
+                  <p:spTgt spid="4"/>
+                </p:tgtEl>
+              </p:cMediaNode>
+            </p:video>
+            <p:seq concurrent="1" nextAc="seek">
+              <p:cTn id="8" restart="whenNotActive" fill="hold" evtFilter="cancelBubble" nodeType="interactiveSeq">
+                <p:stCondLst>
+                  <p:cond evt="onClick" delay="0">
+                    <p:tgtEl>
+                      <p:spTgt spid="4"/>
+                    </p:tgtEl>
+                  </p:cond>
+                </p:stCondLst>
+                <p:endSync evt="end" delay="0">
+                  <p:rtn val="all"/>
+                </p:endSync>
+                <p:childTnLst>
+                  <p:par>
+                    <p:cTn id="9" fill="hold">
+                      <p:stCondLst>
+                        <p:cond delay="0"/>
+                      </p:stCondLst>
+                      <p:childTnLst>
+                        <p:par>
+                          <p:cTn id="10" fill="hold">
+                            <p:stCondLst>
+                              <p:cond delay="0"/>
+                            </p:stCondLst>
+                            <p:childTnLst>
+                              <p:par>
+                                <p:cTn id="11" presetID="2" presetClass="mediacall" presetSubtype="0" fill="hold" nodeType="clickEffect">
+                                  <p:stCondLst>
+                                    <p:cond delay="0"/>
+                                  </p:stCondLst>
+                                  <p:childTnLst>
+                                    <p:cmd type="call" cmd="togglePause">
+                                      <p:cBhvr>
+                                        <p:cTn id="12" dur="1" fill="hold"/>
+                                        <p:tgtEl>
+                                          <p:spTgt spid="4"/>
+                                        </p:tgtEl>
+                                      </p:cBhvr>
+                                    </p:cmd>
+                                  </p:childTnLst>
+                                </p:cTn>
+                              </p:par>
+                            </p:childTnLst>
+                          </p:cTn>
+                        </p:par>
+                      </p:childTnLst>
+                    </p:cTn>
+                  </p:par>
+                </p:childTnLst>
+              </p:cTn>
+              <p:nextCondLst>
+                <p:cond evt="onClick" delay="0">
+                  <p:tgtEl>
+                    <p:spTgt spid="4"/>
+                  </p:tgtEl>
+                </p:cond>
+              </p:nextCondLst>
+            </p:seq>
+          </p:childTnLst>
+        </p:cTn>
+      </p:par>
+    </p:tnLst>
+  </p:timing>
+</p:sld>
+</file>
+
+<file path=ppt/slides/slide18.xml><?xml version="1.0" encoding="utf-8"?>
 <p:sld xmlns:a="http://schemas.openxmlformats.org/drawingml/2006/main" xmlns:r="http://schemas.openxmlformats.org/officeDocument/2006/relationships" xmlns:p="http://schemas.openxmlformats.org/presentationml/2006/main">
   <p:cSld>
     <p:spTree>
@@ -15664,7 +19738,7 @@
 </p:sld>
 </file>
 
-<file path=ppt/slides/slide18.xml><?xml version="1.0" encoding="utf-8"?>
+<file path=ppt/slides/slide19.xml><?xml version="1.0" encoding="utf-8"?>
 <p:sld xmlns:a="http://schemas.openxmlformats.org/drawingml/2006/main" xmlns:r="http://schemas.openxmlformats.org/officeDocument/2006/relationships" xmlns:p="http://schemas.openxmlformats.org/presentationml/2006/main">
   <p:cSld>
     <p:spTree>
@@ -15738,110 +19812,6 @@
     <p:extLst>
       <p:ext uri="{BB962C8B-B14F-4D97-AF65-F5344CB8AC3E}">
         <p14:creationId xmlns:p14="http://schemas.microsoft.com/office/powerpoint/2010/main" val="1485895412"/>
-      </p:ext>
-    </p:extLst>
-  </p:cSld>
-  <p:clrMapOvr>
-    <a:masterClrMapping/>
-  </p:clrMapOvr>
-</p:sld>
-</file>
-
-<file path=ppt/slides/slide19.xml><?xml version="1.0" encoding="utf-8"?>
-<p:sld xmlns:a="http://schemas.openxmlformats.org/drawingml/2006/main" xmlns:r="http://schemas.openxmlformats.org/officeDocument/2006/relationships" xmlns:p="http://schemas.openxmlformats.org/presentationml/2006/main">
-  <p:cSld>
-    <p:spTree>
-      <p:nvGrpSpPr>
-        <p:cNvPr id="1" name=""/>
-        <p:cNvGrpSpPr/>
-        <p:nvPr/>
-      </p:nvGrpSpPr>
-      <p:grpSpPr>
-        <a:xfrm>
-          <a:off x="0" y="0"/>
-          <a:ext cx="0" cy="0"/>
-          <a:chOff x="0" y="0"/>
-          <a:chExt cx="0" cy="0"/>
-        </a:xfrm>
-      </p:grpSpPr>
-      <p:sp>
-        <p:nvSpPr>
-          <p:cNvPr id="2" name="Title 1">
-            <a:extLst>
-              <a:ext uri="{FF2B5EF4-FFF2-40B4-BE49-F238E27FC236}">
-                <a16:creationId xmlns:a16="http://schemas.microsoft.com/office/drawing/2014/main" id="{8B181764-8446-D653-8214-DFE20BBE59D9}"/>
-              </a:ext>
-            </a:extLst>
-          </p:cNvPr>
-          <p:cNvSpPr>
-            <a:spLocks noGrp="1"/>
-          </p:cNvSpPr>
-          <p:nvPr>
-            <p:ph type="title"/>
-          </p:nvPr>
-        </p:nvSpPr>
-        <p:spPr/>
-        <p:txBody>
-          <a:bodyPr/>
-          <a:lstStyle/>
-          <a:p>
-            <a:r>
-              <a:rPr lang="en-US" sz="3600" dirty="0"/>
-              <a:t>Why is it different for (white) men in women-dominated industries?  </a:t>
-            </a:r>
-          </a:p>
-        </p:txBody>
-      </p:sp>
-      <p:sp>
-        <p:nvSpPr>
-          <p:cNvPr id="3" name="Content Placeholder 2">
-            <a:extLst>
-              <a:ext uri="{FF2B5EF4-FFF2-40B4-BE49-F238E27FC236}">
-                <a16:creationId xmlns:a16="http://schemas.microsoft.com/office/drawing/2014/main" id="{C430FC23-2091-60F1-F4F9-34745D07ACB2}"/>
-              </a:ext>
-            </a:extLst>
-          </p:cNvPr>
-          <p:cNvSpPr>
-            <a:spLocks noGrp="1"/>
-          </p:cNvSpPr>
-          <p:nvPr>
-            <p:ph idx="1"/>
-          </p:nvPr>
-        </p:nvSpPr>
-        <p:spPr/>
-        <p:txBody>
-          <a:bodyPr/>
-          <a:lstStyle/>
-          <a:p>
-            <a:r>
-              <a:rPr lang="en-US" dirty="0"/>
-              <a:t>Visibility</a:t>
-            </a:r>
-          </a:p>
-          <a:p>
-            <a:endParaRPr lang="en-US" dirty="0"/>
-          </a:p>
-          <a:p>
-            <a:r>
-              <a:rPr lang="en-US" dirty="0"/>
-              <a:t>Contrast</a:t>
-            </a:r>
-          </a:p>
-          <a:p>
-            <a:endParaRPr lang="en-US" dirty="0"/>
-          </a:p>
-          <a:p>
-            <a:r>
-              <a:rPr lang="en-US" dirty="0"/>
-              <a:t>Assimilation</a:t>
-            </a:r>
-          </a:p>
-        </p:txBody>
-      </p:sp>
-    </p:spTree>
-    <p:extLst>
-      <p:ext uri="{BB962C8B-B14F-4D97-AF65-F5344CB8AC3E}">
-        <p14:creationId xmlns:p14="http://schemas.microsoft.com/office/powerpoint/2010/main" val="4193436392"/>
       </p:ext>
     </p:extLst>
   </p:cSld>
@@ -16031,6 +20001,221 @@
           <p:cNvPr id="2" name="Title 1">
             <a:extLst>
               <a:ext uri="{FF2B5EF4-FFF2-40B4-BE49-F238E27FC236}">
+                <a16:creationId xmlns:a16="http://schemas.microsoft.com/office/drawing/2014/main" id="{8B181764-8446-D653-8214-DFE20BBE59D9}"/>
+              </a:ext>
+            </a:extLst>
+          </p:cNvPr>
+          <p:cNvSpPr>
+            <a:spLocks noGrp="1"/>
+          </p:cNvSpPr>
+          <p:nvPr>
+            <p:ph type="title"/>
+          </p:nvPr>
+        </p:nvSpPr>
+        <p:spPr/>
+        <p:txBody>
+          <a:bodyPr/>
+          <a:lstStyle/>
+          <a:p>
+            <a:r>
+              <a:rPr lang="en-US" sz="3600" dirty="0"/>
+              <a:t>Why is it different for (white) men in women-dominated industries?  </a:t>
+            </a:r>
+          </a:p>
+        </p:txBody>
+      </p:sp>
+      <p:sp>
+        <p:nvSpPr>
+          <p:cNvPr id="3" name="Content Placeholder 2">
+            <a:extLst>
+              <a:ext uri="{FF2B5EF4-FFF2-40B4-BE49-F238E27FC236}">
+                <a16:creationId xmlns:a16="http://schemas.microsoft.com/office/drawing/2014/main" id="{C430FC23-2091-60F1-F4F9-34745D07ACB2}"/>
+              </a:ext>
+            </a:extLst>
+          </p:cNvPr>
+          <p:cNvSpPr>
+            <a:spLocks noGrp="1"/>
+          </p:cNvSpPr>
+          <p:nvPr>
+            <p:ph idx="1"/>
+          </p:nvPr>
+        </p:nvSpPr>
+        <p:spPr/>
+        <p:txBody>
+          <a:bodyPr/>
+          <a:lstStyle/>
+          <a:p>
+            <a:r>
+              <a:rPr lang="en-US" dirty="0"/>
+              <a:t>Visibility</a:t>
+            </a:r>
+          </a:p>
+          <a:p>
+            <a:endParaRPr lang="en-US" dirty="0"/>
+          </a:p>
+          <a:p>
+            <a:r>
+              <a:rPr lang="en-US" dirty="0"/>
+              <a:t>Contrast</a:t>
+            </a:r>
+          </a:p>
+          <a:p>
+            <a:endParaRPr lang="en-US" dirty="0"/>
+          </a:p>
+          <a:p>
+            <a:r>
+              <a:rPr lang="en-US" dirty="0"/>
+              <a:t>Assimilation</a:t>
+            </a:r>
+          </a:p>
+        </p:txBody>
+      </p:sp>
+    </p:spTree>
+    <p:extLst>
+      <p:ext uri="{BB962C8B-B14F-4D97-AF65-F5344CB8AC3E}">
+        <p14:creationId xmlns:p14="http://schemas.microsoft.com/office/powerpoint/2010/main" val="4193436392"/>
+      </p:ext>
+    </p:extLst>
+  </p:cSld>
+  <p:clrMapOvr>
+    <a:masterClrMapping/>
+  </p:clrMapOvr>
+</p:sld>
+</file>
+
+<file path=ppt/slides/slide21.xml><?xml version="1.0" encoding="utf-8"?>
+<p:sld xmlns:a="http://schemas.openxmlformats.org/drawingml/2006/main" xmlns:r="http://schemas.openxmlformats.org/officeDocument/2006/relationships" xmlns:p="http://schemas.openxmlformats.org/presentationml/2006/main">
+  <p:cSld>
+    <p:spTree>
+      <p:nvGrpSpPr>
+        <p:cNvPr id="1" name=""/>
+        <p:cNvGrpSpPr/>
+        <p:nvPr/>
+      </p:nvGrpSpPr>
+      <p:grpSpPr>
+        <a:xfrm>
+          <a:off x="0" y="0"/>
+          <a:ext cx="0" cy="0"/>
+          <a:chOff x="0" y="0"/>
+          <a:chExt cx="0" cy="0"/>
+        </a:xfrm>
+      </p:grpSpPr>
+      <p:sp>
+        <p:nvSpPr>
+          <p:cNvPr id="2" name="Title 1">
+            <a:extLst>
+              <a:ext uri="{FF2B5EF4-FFF2-40B4-BE49-F238E27FC236}">
+                <a16:creationId xmlns:a16="http://schemas.microsoft.com/office/drawing/2014/main" id="{4CBFB592-C797-DD62-2CF8-30D3305E03F9}"/>
+              </a:ext>
+            </a:extLst>
+          </p:cNvPr>
+          <p:cNvSpPr>
+            <a:spLocks noGrp="1"/>
+          </p:cNvSpPr>
+          <p:nvPr>
+            <p:ph type="title"/>
+          </p:nvPr>
+        </p:nvSpPr>
+        <p:spPr/>
+        <p:txBody>
+          <a:bodyPr/>
+          <a:lstStyle/>
+          <a:p>
+            <a:r>
+              <a:rPr lang="en-US" sz="3600" dirty="0"/>
+              <a:t>Why is it different for (white) men in women-dominated industries? </a:t>
+            </a:r>
+          </a:p>
+        </p:txBody>
+      </p:sp>
+      <p:sp>
+        <p:nvSpPr>
+          <p:cNvPr id="3" name="Content Placeholder 2">
+            <a:extLst>
+              <a:ext uri="{FF2B5EF4-FFF2-40B4-BE49-F238E27FC236}">
+                <a16:creationId xmlns:a16="http://schemas.microsoft.com/office/drawing/2014/main" id="{1F8384A3-7E77-5433-90E9-9F885D166647}"/>
+              </a:ext>
+            </a:extLst>
+          </p:cNvPr>
+          <p:cNvSpPr>
+            <a:spLocks noGrp="1"/>
+          </p:cNvSpPr>
+          <p:nvPr>
+            <p:ph idx="1"/>
+          </p:nvPr>
+        </p:nvSpPr>
+        <p:spPr/>
+        <p:txBody>
+          <a:bodyPr/>
+          <a:lstStyle/>
+          <a:p>
+            <a:r>
+              <a:rPr lang="en-US" dirty="0"/>
+              <a:t>Relationships with colleagues and supervisors</a:t>
+            </a:r>
+          </a:p>
+          <a:p>
+            <a:r>
+              <a:rPr lang="en-US" dirty="0"/>
+              <a:t>Impressions of ‘suitability’ for work</a:t>
+            </a:r>
+          </a:p>
+          <a:p>
+            <a:r>
+              <a:rPr lang="en-US" dirty="0"/>
+              <a:t>Distancing from femininity</a:t>
+            </a:r>
+          </a:p>
+          <a:p>
+            <a:r>
+              <a:rPr lang="en-US" dirty="0"/>
+              <a:t>Discrimination from outsiders</a:t>
+            </a:r>
+          </a:p>
+          <a:p>
+            <a:pPr lvl="1"/>
+            <a:r>
+              <a:rPr lang="en-US" dirty="0"/>
+              <a:t>Fears over men in female-dominated occupations being pedophiles/sexual abusers </a:t>
+            </a:r>
+          </a:p>
+        </p:txBody>
+      </p:sp>
+    </p:spTree>
+    <p:extLst>
+      <p:ext uri="{BB962C8B-B14F-4D97-AF65-F5344CB8AC3E}">
+        <p14:creationId xmlns:p14="http://schemas.microsoft.com/office/powerpoint/2010/main" val="410885043"/>
+      </p:ext>
+    </p:extLst>
+  </p:cSld>
+  <p:clrMapOvr>
+    <a:masterClrMapping/>
+  </p:clrMapOvr>
+</p:sld>
+</file>
+
+<file path=ppt/slides/slide22.xml><?xml version="1.0" encoding="utf-8"?>
+<p:sld xmlns:a="http://schemas.openxmlformats.org/drawingml/2006/main" xmlns:r="http://schemas.openxmlformats.org/officeDocument/2006/relationships" xmlns:p="http://schemas.openxmlformats.org/presentationml/2006/main">
+  <p:cSld>
+    <p:spTree>
+      <p:nvGrpSpPr>
+        <p:cNvPr id="1" name=""/>
+        <p:cNvGrpSpPr/>
+        <p:nvPr/>
+      </p:nvGrpSpPr>
+      <p:grpSpPr>
+        <a:xfrm>
+          <a:off x="0" y="0"/>
+          <a:ext cx="0" cy="0"/>
+          <a:chOff x="0" y="0"/>
+          <a:chExt cx="0" cy="0"/>
+        </a:xfrm>
+      </p:grpSpPr>
+      <p:sp>
+        <p:nvSpPr>
+          <p:cNvPr id="2" name="Title 1">
+            <a:extLst>
+              <a:ext uri="{FF2B5EF4-FFF2-40B4-BE49-F238E27FC236}">
                 <a16:creationId xmlns:a16="http://schemas.microsoft.com/office/drawing/2014/main" id="{50168229-E16B-5702-B2E2-E608BC6F865B}"/>
               </a:ext>
             </a:extLst>
@@ -16113,7 +20298,7 @@
 </p:sld>
 </file>
 
-<file path=ppt/slides/slide21.xml><?xml version="1.0" encoding="utf-8"?>
+<file path=ppt/slides/slide23.xml><?xml version="1.0" encoding="utf-8"?>
 <p:sld xmlns:a="http://schemas.openxmlformats.org/drawingml/2006/main" xmlns:r="http://schemas.openxmlformats.org/officeDocument/2006/relationships" xmlns:p="http://schemas.openxmlformats.org/presentationml/2006/main">
   <p:cSld>
     <p:spTree>
@@ -16152,61 +20337,244 @@
           <a:lstStyle/>
           <a:p>
             <a:r>
-              <a:rPr lang="en-US" dirty="0"/>
+              <a:rPr lang="en-US" dirty="0">
+                <a:solidFill>
+                  <a:schemeClr val="bg1"/>
+                </a:solidFill>
+              </a:rPr>
               <a:t>Intersectionality</a:t>
             </a:r>
           </a:p>
         </p:txBody>
       </p:sp>
-      <p:pic>
-        <p:nvPicPr>
-          <p:cNvPr id="2050" name="Picture 2" descr="Intersectionality 101: what is it and why is it important? - Womankind  Worldwide">
+      <p:sp>
+        <p:nvSpPr>
+          <p:cNvPr id="10" name="Content Placeholder 9">
             <a:extLst>
               <a:ext uri="{FF2B5EF4-FFF2-40B4-BE49-F238E27FC236}">
-                <a16:creationId xmlns:a16="http://schemas.microsoft.com/office/drawing/2014/main" id="{6D990A4B-E9D2-0C54-C8D6-DB8529DD6523}"/>
+                <a16:creationId xmlns:a16="http://schemas.microsoft.com/office/drawing/2014/main" id="{36082301-C70D-2458-95EF-1D75FE651BDA}"/>
               </a:ext>
             </a:extLst>
           </p:cNvPr>
-          <p:cNvPicPr>
-            <a:picLocks noGrp="1" noChangeAspect="1" noChangeArrowheads="1"/>
-          </p:cNvPicPr>
+          <p:cNvSpPr>
+            <a:spLocks noGrp="1"/>
+          </p:cNvSpPr>
           <p:nvPr>
             <p:ph idx="1"/>
           </p:nvPr>
-        </p:nvPicPr>
-        <p:blipFill>
-          <a:blip r:embed="rId2">
+        </p:nvSpPr>
+        <p:spPr/>
+        <p:txBody>
+          <a:bodyPr/>
+          <a:lstStyle/>
+          <a:p>
+            <a:endParaRPr lang="en-US" dirty="0"/>
+          </a:p>
+        </p:txBody>
+      </p:sp>
+      <p:graphicFrame>
+        <p:nvGraphicFramePr>
+          <p:cNvPr id="3" name="Diagram 2">
             <a:extLst>
-              <a:ext uri="{28A0092B-C50C-407E-A947-70E740481C1C}">
-                <a14:useLocalDpi xmlns:a14="http://schemas.microsoft.com/office/drawing/2010/main" val="0"/>
+              <a:ext uri="{FF2B5EF4-FFF2-40B4-BE49-F238E27FC236}">
+                <a16:creationId xmlns:a16="http://schemas.microsoft.com/office/drawing/2014/main" id="{57289DCE-0389-A711-D8D1-98CCBF798AF4}"/>
               </a:ext>
             </a:extLst>
-          </a:blip>
-          <a:srcRect/>
-          <a:stretch>
-            <a:fillRect/>
-          </a:stretch>
-        </p:blipFill>
-        <p:spPr bwMode="auto">
+          </p:cNvPr>
+          <p:cNvGraphicFramePr/>
+          <p:nvPr>
+            <p:extLst>
+              <p:ext uri="{D42A27DB-BD31-4B8C-83A1-F6EECF244321}">
+                <p14:modId xmlns:p14="http://schemas.microsoft.com/office/powerpoint/2010/main" val="1487118449"/>
+              </p:ext>
+            </p:extLst>
+          </p:nvPr>
+        </p:nvGraphicFramePr>
+        <p:xfrm>
+          <a:off x="1417319" y="257174"/>
+          <a:ext cx="9341169" cy="6600825"/>
+        </p:xfrm>
+        <a:graphic>
+          <a:graphicData uri="http://schemas.openxmlformats.org/drawingml/2006/diagram">
+            <dgm:relIds xmlns:dgm="http://schemas.openxmlformats.org/drawingml/2006/diagram" xmlns:r="http://schemas.openxmlformats.org/officeDocument/2006/relationships" r:dm="rId2" r:lo="rId3" r:qs="rId4" r:cs="rId5"/>
+          </a:graphicData>
+        </a:graphic>
+      </p:graphicFrame>
+      <p:sp>
+        <p:nvSpPr>
+          <p:cNvPr id="5" name="TextBox 4">
+            <a:extLst>
+              <a:ext uri="{FF2B5EF4-FFF2-40B4-BE49-F238E27FC236}">
+                <a16:creationId xmlns:a16="http://schemas.microsoft.com/office/drawing/2014/main" id="{38F78BA9-00CF-C4D2-AB41-418C16B0C79A}"/>
+              </a:ext>
+            </a:extLst>
+          </p:cNvPr>
+          <p:cNvSpPr txBox="1"/>
+          <p:nvPr/>
+        </p:nvSpPr>
+        <p:spPr>
           <a:xfrm>
-            <a:off x="3431381" y="2092770"/>
-            <a:ext cx="5329238" cy="4419368"/>
+            <a:off x="5697411" y="2222287"/>
+            <a:ext cx="780983" cy="369332"/>
           </a:xfrm>
           <a:prstGeom prst="rect">
             <a:avLst/>
           </a:prstGeom>
           <a:noFill/>
-          <a:extLst>
-            <a:ext uri="{909E8E84-426E-40DD-AFC4-6F175D3DCCD1}">
-              <a14:hiddenFill xmlns:a14="http://schemas.microsoft.com/office/drawing/2010/main">
-                <a:solidFill>
-                  <a:srgbClr val="FFFFFF"/>
-                </a:solidFill>
-              </a14:hiddenFill>
-            </a:ext>
-          </a:extLst>
         </p:spPr>
-      </p:pic>
+        <p:txBody>
+          <a:bodyPr wrap="none" rtlCol="0">
+            <a:spAutoFit/>
+          </a:bodyPr>
+          <a:lstStyle/>
+          <a:p>
+            <a:r>
+              <a:rPr lang="en-US" dirty="0"/>
+              <a:t>Race</a:t>
+            </a:r>
+          </a:p>
+        </p:txBody>
+      </p:sp>
+      <p:sp>
+        <p:nvSpPr>
+          <p:cNvPr id="6" name="TextBox 5">
+            <a:extLst>
+              <a:ext uri="{FF2B5EF4-FFF2-40B4-BE49-F238E27FC236}">
+                <a16:creationId xmlns:a16="http://schemas.microsoft.com/office/drawing/2014/main" id="{DE7C4FA3-BAE3-221C-E00B-8F121F7EFAF2}"/>
+              </a:ext>
+            </a:extLst>
+          </p:cNvPr>
+          <p:cNvSpPr txBox="1"/>
+          <p:nvPr/>
+        </p:nvSpPr>
+        <p:spPr>
+          <a:xfrm>
+            <a:off x="7153010" y="3482138"/>
+            <a:ext cx="1056700" cy="369332"/>
+          </a:xfrm>
+          <a:prstGeom prst="rect">
+            <a:avLst/>
+          </a:prstGeom>
+          <a:noFill/>
+        </p:spPr>
+        <p:txBody>
+          <a:bodyPr wrap="none" rtlCol="0">
+            <a:spAutoFit/>
+          </a:bodyPr>
+          <a:lstStyle/>
+          <a:p>
+            <a:r>
+              <a:rPr lang="en-US" dirty="0"/>
+              <a:t>Gender</a:t>
+            </a:r>
+          </a:p>
+        </p:txBody>
+      </p:sp>
+      <p:sp>
+        <p:nvSpPr>
+          <p:cNvPr id="7" name="TextBox 6">
+            <a:extLst>
+              <a:ext uri="{FF2B5EF4-FFF2-40B4-BE49-F238E27FC236}">
+                <a16:creationId xmlns:a16="http://schemas.microsoft.com/office/drawing/2014/main" id="{3C0C7909-77B8-9391-892F-2B68F27EDE20}"/>
+              </a:ext>
+            </a:extLst>
+          </p:cNvPr>
+          <p:cNvSpPr txBox="1"/>
+          <p:nvPr/>
+        </p:nvSpPr>
+        <p:spPr>
+          <a:xfrm>
+            <a:off x="6578975" y="5320015"/>
+            <a:ext cx="1154483" cy="369332"/>
+          </a:xfrm>
+          <a:prstGeom prst="rect">
+            <a:avLst/>
+          </a:prstGeom>
+          <a:noFill/>
+        </p:spPr>
+        <p:txBody>
+          <a:bodyPr wrap="none" rtlCol="0">
+            <a:spAutoFit/>
+          </a:bodyPr>
+          <a:lstStyle/>
+          <a:p>
+            <a:r>
+              <a:rPr lang="en-US" dirty="0"/>
+              <a:t>Sexuality</a:t>
+            </a:r>
+          </a:p>
+        </p:txBody>
+      </p:sp>
+      <p:sp>
+        <p:nvSpPr>
+          <p:cNvPr id="8" name="TextBox 7">
+            <a:extLst>
+              <a:ext uri="{FF2B5EF4-FFF2-40B4-BE49-F238E27FC236}">
+                <a16:creationId xmlns:a16="http://schemas.microsoft.com/office/drawing/2014/main" id="{2FC692AC-7378-BD3A-A9C3-AFD450C7C19E}"/>
+              </a:ext>
+            </a:extLst>
+          </p:cNvPr>
+          <p:cNvSpPr txBox="1"/>
+          <p:nvPr/>
+        </p:nvSpPr>
+        <p:spPr>
+          <a:xfrm>
+            <a:off x="4464956" y="5320015"/>
+            <a:ext cx="1148071" cy="369332"/>
+          </a:xfrm>
+          <a:prstGeom prst="rect">
+            <a:avLst/>
+          </a:prstGeom>
+          <a:noFill/>
+        </p:spPr>
+        <p:txBody>
+          <a:bodyPr wrap="none" rtlCol="0">
+            <a:spAutoFit/>
+          </a:bodyPr>
+          <a:lstStyle/>
+          <a:p>
+            <a:r>
+              <a:rPr lang="en-US" dirty="0"/>
+              <a:t>Disability</a:t>
+            </a:r>
+          </a:p>
+        </p:txBody>
+      </p:sp>
+      <p:sp>
+        <p:nvSpPr>
+          <p:cNvPr id="9" name="TextBox 8">
+            <a:extLst>
+              <a:ext uri="{FF2B5EF4-FFF2-40B4-BE49-F238E27FC236}">
+                <a16:creationId xmlns:a16="http://schemas.microsoft.com/office/drawing/2014/main" id="{EFE1A61B-B99A-53B2-F002-2E6F484C7ADB}"/>
+              </a:ext>
+            </a:extLst>
+          </p:cNvPr>
+          <p:cNvSpPr txBox="1"/>
+          <p:nvPr/>
+        </p:nvSpPr>
+        <p:spPr>
+          <a:xfrm>
+            <a:off x="3656882" y="3482138"/>
+            <a:ext cx="1382110" cy="369332"/>
+          </a:xfrm>
+          <a:prstGeom prst="rect">
+            <a:avLst/>
+          </a:prstGeom>
+          <a:noFill/>
+        </p:spPr>
+        <p:txBody>
+          <a:bodyPr wrap="none" rtlCol="0">
+            <a:spAutoFit/>
+          </a:bodyPr>
+          <a:lstStyle/>
+          <a:p>
+            <a:r>
+              <a:rPr lang="en-US" dirty="0"/>
+              <a:t>Nationality</a:t>
+            </a:r>
+          </a:p>
+        </p:txBody>
+      </p:sp>
     </p:spTree>
     <p:extLst>
       <p:ext uri="{BB962C8B-B14F-4D97-AF65-F5344CB8AC3E}">
@@ -16220,7 +20588,7 @@
 </p:sld>
 </file>
 
-<file path=ppt/slides/slide22.xml><?xml version="1.0" encoding="utf-8"?>
+<file path=ppt/slides/slide24.xml><?xml version="1.0" encoding="utf-8"?>
 <p:sld xmlns:a="http://schemas.openxmlformats.org/drawingml/2006/main" xmlns:r="http://schemas.openxmlformats.org/officeDocument/2006/relationships" xmlns:p="http://schemas.openxmlformats.org/presentationml/2006/main">
   <p:cSld>
     <p:spTree>
@@ -16346,7 +20714,7 @@
 </p:sld>
 </file>
 
-<file path=ppt/slides/slide23.xml><?xml version="1.0" encoding="utf-8"?>
+<file path=ppt/slides/slide25.xml><?xml version="1.0" encoding="utf-8"?>
 <p:sld xmlns:a="http://schemas.openxmlformats.org/drawingml/2006/main" xmlns:r="http://schemas.openxmlformats.org/officeDocument/2006/relationships" xmlns:p="http://schemas.openxmlformats.org/presentationml/2006/main">
   <p:cSld>
     <p:spTree>
@@ -16887,7 +21255,7 @@
           <a:p>
             <a:r>
               <a:rPr lang="en-US" dirty="0"/>
-              <a:t>Visibility</a:t>
+              <a:t>1. Visibility</a:t>
             </a:r>
           </a:p>
         </p:txBody>
@@ -17278,7 +21646,7 @@
           <a:effectLst/>
           <a:extLst>
             <a:ext uri="{91240B29-F687-4f45-9708-019B960494DF}">
-              <a14:hiddenLine xmlns="" xmlns:a16="http://schemas.microsoft.com/office/drawing/2014/main" xmlns:p14="http://schemas.microsoft.com/office/powerpoint/2010/main" xmlns:a14="http://schemas.microsoft.com/office/drawing/2010/main" w="9525">
+              <a14:hiddenLine xmlns:a14="http://schemas.microsoft.com/office/drawing/2010/main" xmlns:p14="http://schemas.microsoft.com/office/powerpoint/2010/main" xmlns:a16="http://schemas.microsoft.com/office/drawing/2014/main" xmlns="" w="9525">
                 <a:solidFill>
                   <a:srgbClr val="000000"/>
                 </a:solidFill>
@@ -17693,7 +22061,7 @@
           <a:effectLst/>
           <a:extLst>
             <a:ext uri="{91240B29-F687-4f45-9708-019B960494DF}">
-              <a14:hiddenLine xmlns="" xmlns:a16="http://schemas.microsoft.com/office/drawing/2014/main" xmlns:p14="http://schemas.microsoft.com/office/powerpoint/2010/main" xmlns:a14="http://schemas.microsoft.com/office/drawing/2010/main" w="9525">
+              <a14:hiddenLine xmlns:a14="http://schemas.microsoft.com/office/drawing/2010/main" xmlns:p14="http://schemas.microsoft.com/office/powerpoint/2010/main" xmlns:a16="http://schemas.microsoft.com/office/drawing/2014/main" xmlns="" w="9525">
                 <a:solidFill>
                   <a:srgbClr val="000000"/>
                 </a:solidFill>
@@ -18124,7 +22492,7 @@
           <a:effectLst/>
           <a:extLst>
             <a:ext uri="{91240B29-F687-4f45-9708-019B960494DF}">
-              <a14:hiddenLine xmlns="" xmlns:a16="http://schemas.microsoft.com/office/drawing/2014/main" xmlns:p14="http://schemas.microsoft.com/office/powerpoint/2010/main" xmlns:a14="http://schemas.microsoft.com/office/drawing/2010/main" w="9525">
+              <a14:hiddenLine xmlns:a14="http://schemas.microsoft.com/office/drawing/2010/main" xmlns:p14="http://schemas.microsoft.com/office/powerpoint/2010/main" xmlns:a16="http://schemas.microsoft.com/office/drawing/2014/main" xmlns="" w="9525">
                 <a:solidFill>
                   <a:srgbClr val="000000"/>
                 </a:solidFill>
@@ -18562,7 +22930,7 @@
           <a:effectLst/>
           <a:extLst>
             <a:ext uri="{91240B29-F687-4f45-9708-019B960494DF}">
-              <a14:hiddenLine xmlns="" xmlns:a16="http://schemas.microsoft.com/office/drawing/2014/main" xmlns:p14="http://schemas.microsoft.com/office/powerpoint/2010/main" xmlns:a14="http://schemas.microsoft.com/office/drawing/2010/main" w="9525">
+              <a14:hiddenLine xmlns:a14="http://schemas.microsoft.com/office/drawing/2010/main" xmlns:p14="http://schemas.microsoft.com/office/powerpoint/2010/main" xmlns:a16="http://schemas.microsoft.com/office/drawing/2014/main" xmlns="" w="9525">
                 <a:solidFill>
                   <a:srgbClr val="000000"/>
                 </a:solidFill>
@@ -18653,22 +23021,36 @@
           <a:lstStyle/>
           <a:p>
             <a:r>
-              <a:rPr lang="en-US" sz="2000"/>
+              <a:rPr lang="en-US" sz="2000" dirty="0"/>
               <a:t>Symbolic representatives:</a:t>
             </a:r>
           </a:p>
           <a:p>
             <a:pPr lvl="1"/>
             <a:r>
-              <a:rPr lang="en-US" sz="2000"/>
+              <a:rPr lang="en-US" sz="2000" dirty="0"/>
               <a:t>“Speak about this as a woman”</a:t>
             </a:r>
           </a:p>
           <a:p>
             <a:pPr lvl="1"/>
             <a:r>
-              <a:rPr lang="en-US" sz="2000"/>
+              <a:rPr lang="en-US" sz="2000" dirty="0"/>
               <a:t>Evaluated by 2 standards in every interaction - how behaved as women and how behaved as manager</a:t>
+            </a:r>
+          </a:p>
+          <a:p>
+            <a:pPr lvl="1"/>
+            <a:r>
+              <a:rPr lang="en-US" sz="2000" dirty="0"/>
+              <a:t>Felt that behavior was seen as reflective of entire group</a:t>
+            </a:r>
+          </a:p>
+          <a:p>
+            <a:pPr lvl="2"/>
+            <a:r>
+              <a:rPr lang="en-US" sz="1800" dirty="0"/>
+              <a:t>Stereotype threat</a:t>
             </a:r>
           </a:p>
         </p:txBody>
@@ -18774,14 +23156,7 @@
             <a:pPr lvl="1"/>
             <a:r>
               <a:rPr lang="en-US" dirty="0"/>
-              <a:t>Requires high level of competence at job immediately and </a:t>
-            </a:r>
-          </a:p>
-          <a:p>
-            <a:pPr lvl="1"/>
-            <a:r>
-              <a:rPr lang="en-US" dirty="0"/>
-              <a:t>Good social skills </a:t>
+              <a:t>Requires high level of competence at job immediately and good social skills </a:t>
             </a:r>
           </a:p>
           <a:p>
